--- a/presentation and documentation/Narcovet.pptx
+++ b/presentation and documentation/Narcovet.pptx
@@ -10,11 +10,13 @@
     <p:sldId id="259" r:id="rId4"/>
     <p:sldId id="268" r:id="rId5"/>
     <p:sldId id="260" r:id="rId6"/>
-    <p:sldId id="262" r:id="rId7"/>
-    <p:sldId id="266" r:id="rId8"/>
-    <p:sldId id="263" r:id="rId9"/>
-    <p:sldId id="267" r:id="rId10"/>
-    <p:sldId id="265" r:id="rId11"/>
+    <p:sldId id="269" r:id="rId7"/>
+    <p:sldId id="270" r:id="rId8"/>
+    <p:sldId id="262" r:id="rId9"/>
+    <p:sldId id="266" r:id="rId10"/>
+    <p:sldId id="263" r:id="rId11"/>
+    <p:sldId id="267" r:id="rId12"/>
+    <p:sldId id="265" r:id="rId13"/>
   </p:sldIdLst>
   <p:sldSz cx="12192000" cy="6858000"/>
   <p:notesSz cx="6858000" cy="9144000"/>
@@ -121,6 +123,88 @@
 </p:presentation>
 </file>
 
+<file path=ppt/revisionInfo.xml><?xml version="1.0" encoding="utf-8"?>
+<p1510:revInfo xmlns:a="http://schemas.openxmlformats.org/drawingml/2006/main" xmlns:r="http://schemas.openxmlformats.org/officeDocument/2006/relationships" xmlns:p1510="http://schemas.microsoft.com/office/powerpoint/2015/10/main">
+  <p1510:revLst>
+    <p1510:client id="{D283D565-5E0F-4358-9CE6-C69BE254789E}" v="4" dt="2024-12-18T21:14:31.635"/>
+  </p1510:revLst>
+</p1510:revInfo>
+</file>
+
+<file path=ppt/changesInfos/changesInfo1.xml><?xml version="1.0" encoding="utf-8"?>
+<pc:chgInfo xmlns:a="http://schemas.openxmlformats.org/drawingml/2006/main" xmlns:r="http://schemas.openxmlformats.org/officeDocument/2006/relationships" xmlns:ac="http://schemas.microsoft.com/office/drawing/2013/main/command" xmlns:pc="http://schemas.microsoft.com/office/powerpoint/2013/main/command">
+  <pc:docChgLst>
+    <pc:chgData name="Giulia Bleichenbacher" userId="adda7aa309b1ce3d" providerId="LiveId" clId="{D283D565-5E0F-4358-9CE6-C69BE254789E}"/>
+    <pc:docChg chg="custSel addSld delSld modSld">
+      <pc:chgData name="Giulia Bleichenbacher" userId="adda7aa309b1ce3d" providerId="LiveId" clId="{D283D565-5E0F-4358-9CE6-C69BE254789E}" dt="2024-12-18T21:15:23.514" v="21" actId="1076"/>
+      <pc:docMkLst>
+        <pc:docMk/>
+      </pc:docMkLst>
+      <pc:sldChg chg="new del">
+        <pc:chgData name="Giulia Bleichenbacher" userId="adda7aa309b1ce3d" providerId="LiveId" clId="{D283D565-5E0F-4358-9CE6-C69BE254789E}" dt="2024-12-18T21:06:24.344" v="1" actId="47"/>
+        <pc:sldMkLst>
+          <pc:docMk/>
+          <pc:sldMk cId="2738305355" sldId="269"/>
+        </pc:sldMkLst>
+      </pc:sldChg>
+      <pc:sldChg chg="addSp modSp add mod">
+        <pc:chgData name="Giulia Bleichenbacher" userId="adda7aa309b1ce3d" providerId="LiveId" clId="{D283D565-5E0F-4358-9CE6-C69BE254789E}" dt="2024-12-18T21:13:14.017" v="9" actId="1076"/>
+        <pc:sldMkLst>
+          <pc:docMk/>
+          <pc:sldMk cId="4007687361" sldId="269"/>
+        </pc:sldMkLst>
+        <pc:picChg chg="add mod">
+          <ac:chgData name="Giulia Bleichenbacher" userId="adda7aa309b1ce3d" providerId="LiveId" clId="{D283D565-5E0F-4358-9CE6-C69BE254789E}" dt="2024-12-18T21:13:14.017" v="9" actId="1076"/>
+          <ac:picMkLst>
+            <pc:docMk/>
+            <pc:sldMk cId="4007687361" sldId="269"/>
+            <ac:picMk id="4" creationId="{F3197CD5-64EE-5EB5-3207-44DFE5C622E4}"/>
+          </ac:picMkLst>
+        </pc:picChg>
+      </pc:sldChg>
+      <pc:sldChg chg="add del">
+        <pc:chgData name="Giulia Bleichenbacher" userId="adda7aa309b1ce3d" providerId="LiveId" clId="{D283D565-5E0F-4358-9CE6-C69BE254789E}" dt="2024-12-18T21:12:48.719" v="4"/>
+        <pc:sldMkLst>
+          <pc:docMk/>
+          <pc:sldMk cId="3827934119" sldId="270"/>
+        </pc:sldMkLst>
+      </pc:sldChg>
+      <pc:sldChg chg="addSp delSp modSp add mod">
+        <pc:chgData name="Giulia Bleichenbacher" userId="adda7aa309b1ce3d" providerId="LiveId" clId="{D283D565-5E0F-4358-9CE6-C69BE254789E}" dt="2024-12-18T21:15:23.514" v="21" actId="1076"/>
+        <pc:sldMkLst>
+          <pc:docMk/>
+          <pc:sldMk cId="3861457530" sldId="270"/>
+        </pc:sldMkLst>
+        <pc:picChg chg="del">
+          <ac:chgData name="Giulia Bleichenbacher" userId="adda7aa309b1ce3d" providerId="LiveId" clId="{D283D565-5E0F-4358-9CE6-C69BE254789E}" dt="2024-12-18T21:14:34.576" v="11" actId="478"/>
+          <ac:picMkLst>
+            <pc:docMk/>
+            <pc:sldMk cId="3861457530" sldId="270"/>
+            <ac:picMk id="4" creationId="{6C129C04-971A-DE83-B6B0-D0B8C7BF8AF1}"/>
+          </ac:picMkLst>
+        </pc:picChg>
+        <pc:picChg chg="add mod">
+          <ac:chgData name="Giulia Bleichenbacher" userId="adda7aa309b1ce3d" providerId="LiveId" clId="{D283D565-5E0F-4358-9CE6-C69BE254789E}" dt="2024-12-18T21:14:53.389" v="17" actId="1076"/>
+          <ac:picMkLst>
+            <pc:docMk/>
+            <pc:sldMk cId="3861457530" sldId="270"/>
+            <ac:picMk id="5" creationId="{246CBE98-B6CB-CF9E-C6B6-52A6DE5558C9}"/>
+          </ac:picMkLst>
+        </pc:picChg>
+        <pc:picChg chg="add mod">
+          <ac:chgData name="Giulia Bleichenbacher" userId="adda7aa309b1ce3d" providerId="LiveId" clId="{D283D565-5E0F-4358-9CE6-C69BE254789E}" dt="2024-12-18T21:15:23.514" v="21" actId="1076"/>
+          <ac:picMkLst>
+            <pc:docMk/>
+            <pc:sldMk cId="3861457530" sldId="270"/>
+            <ac:picMk id="7" creationId="{799A162E-E863-6CAD-7358-D7CA6E2354D6}"/>
+          </ac:picMkLst>
+        </pc:picChg>
+      </pc:sldChg>
+    </pc:docChg>
+  </pc:docChgLst>
+</pc:chgInfo>
+</file>
+
 <file path=ppt/slideLayouts/slideLayout1.xml><?xml version="1.0" encoding="utf-8"?>
 <p:sldLayout xmlns:a="http://schemas.openxmlformats.org/drawingml/2006/main" xmlns:r="http://schemas.openxmlformats.org/officeDocument/2006/relationships" xmlns:p="http://schemas.openxmlformats.org/presentationml/2006/main" type="title" preserve="1">
   <p:cSld name="Titelfolie">
@@ -268,7 +352,7 @@
           <a:p>
             <a:fld id="{8E7E68AA-B059-46D2-BC07-C1FC2D1B532B}" type="datetimeFigureOut">
               <a:rPr lang="de-DE" smtClean="0"/>
-              <a:t>15.12.2024</a:t>
+              <a:t>18.12.2024</a:t>
             </a:fld>
             <a:endParaRPr lang="de-DE"/>
           </a:p>
@@ -526,7 +610,7 @@
           <a:p>
             <a:fld id="{8E7E68AA-B059-46D2-BC07-C1FC2D1B532B}" type="datetimeFigureOut">
               <a:rPr lang="de-DE" smtClean="0"/>
-              <a:t>15.12.2024</a:t>
+              <a:t>18.12.2024</a:t>
             </a:fld>
             <a:endParaRPr lang="de-DE"/>
           </a:p>
@@ -801,7 +885,7 @@
           <a:p>
             <a:fld id="{8E7E68AA-B059-46D2-BC07-C1FC2D1B532B}" type="datetimeFigureOut">
               <a:rPr lang="de-DE" smtClean="0"/>
-              <a:t>15.12.2024</a:t>
+              <a:t>18.12.2024</a:t>
             </a:fld>
             <a:endParaRPr lang="de-DE"/>
           </a:p>
@@ -1150,7 +1234,7 @@
           <a:p>
             <a:fld id="{8E7E68AA-B059-46D2-BC07-C1FC2D1B532B}" type="datetimeFigureOut">
               <a:rPr lang="de-DE" smtClean="0"/>
-              <a:t>15.12.2024</a:t>
+              <a:t>18.12.2024</a:t>
             </a:fld>
             <a:endParaRPr lang="de-DE"/>
           </a:p>
@@ -1562,7 +1646,7 @@
           <a:p>
             <a:fld id="{8E7E68AA-B059-46D2-BC07-C1FC2D1B532B}" type="datetimeFigureOut">
               <a:rPr lang="de-DE" smtClean="0"/>
-              <a:t>15.12.2024</a:t>
+              <a:t>18.12.2024</a:t>
             </a:fld>
             <a:endParaRPr lang="de-DE"/>
           </a:p>
@@ -1703,7 +1787,7 @@
           <a:p>
             <a:fld id="{8E7E68AA-B059-46D2-BC07-C1FC2D1B532B}" type="datetimeFigureOut">
               <a:rPr lang="de-DE" smtClean="0"/>
-              <a:t>15.12.2024</a:t>
+              <a:t>18.12.2024</a:t>
             </a:fld>
             <a:endParaRPr lang="de-DE"/>
           </a:p>
@@ -1880,7 +1964,7 @@
           <a:p>
             <a:fld id="{8E7E68AA-B059-46D2-BC07-C1FC2D1B532B}" type="datetimeFigureOut">
               <a:rPr lang="de-DE" smtClean="0"/>
-              <a:t>15.12.2024</a:t>
+              <a:t>18.12.2024</a:t>
             </a:fld>
             <a:endParaRPr lang="de-DE"/>
           </a:p>
@@ -2251,7 +2335,7 @@
           <a:p>
             <a:fld id="{8E7E68AA-B059-46D2-BC07-C1FC2D1B532B}" type="datetimeFigureOut">
               <a:rPr lang="de-DE" smtClean="0"/>
-              <a:t>15.12.2024</a:t>
+              <a:t>18.12.2024</a:t>
             </a:fld>
             <a:endParaRPr lang="de-DE"/>
           </a:p>
@@ -2539,7 +2623,7 @@
           <a:p>
             <a:fld id="{8E7E68AA-B059-46D2-BC07-C1FC2D1B532B}" type="datetimeFigureOut">
               <a:rPr lang="de-DE" smtClean="0"/>
-              <a:t>15.12.2024</a:t>
+              <a:t>18.12.2024</a:t>
             </a:fld>
             <a:endParaRPr lang="de-DE"/>
           </a:p>
@@ -2780,7 +2864,7 @@
           <a:p>
             <a:fld id="{8E7E68AA-B059-46D2-BC07-C1FC2D1B532B}" type="datetimeFigureOut">
               <a:rPr lang="de-DE" smtClean="0"/>
-              <a:t>15.12.2024</a:t>
+              <a:t>18.12.2024</a:t>
             </a:fld>
             <a:endParaRPr lang="de-DE" dirty="0"/>
           </a:p>
@@ -3763,6 +3847,595 @@
       </p:grpSpPr>
       <p:sp>
         <p:nvSpPr>
+          <p:cNvPr id="2" name="Titel 1">
+            <a:extLst>
+              <a:ext uri="{FF2B5EF4-FFF2-40B4-BE49-F238E27FC236}">
+                <a16:creationId xmlns:a16="http://schemas.microsoft.com/office/drawing/2014/main" id="{2E49F884-6A40-EE2A-90B8-8C104D63DBF1}"/>
+              </a:ext>
+            </a:extLst>
+          </p:cNvPr>
+          <p:cNvSpPr>
+            <a:spLocks noGrp="1"/>
+          </p:cNvSpPr>
+          <p:nvPr>
+            <p:ph type="title"/>
+          </p:nvPr>
+        </p:nvSpPr>
+        <p:spPr>
+          <a:xfrm>
+            <a:off x="838200" y="501743"/>
+            <a:ext cx="10515600" cy="1325563"/>
+          </a:xfrm>
+        </p:spPr>
+        <p:txBody>
+          <a:bodyPr/>
+          <a:lstStyle/>
+          <a:p>
+            <a:r>
+              <a:rPr lang="de-DE" dirty="0">
+                <a:solidFill>
+                  <a:schemeClr val="tx1">
+                    <a:lumMod val="50000"/>
+                    <a:lumOff val="50000"/>
+                  </a:schemeClr>
+                </a:solidFill>
+              </a:rPr>
+              <a:t>Demonstration</a:t>
+            </a:r>
+            <a:r>
+              <a:rPr lang="de-DE" dirty="0"/>
+              <a:t> </a:t>
+            </a:r>
+          </a:p>
+        </p:txBody>
+      </p:sp>
+      <p:sp>
+        <p:nvSpPr>
+          <p:cNvPr id="3" name="Inhaltsplatzhalter 2">
+            <a:extLst>
+              <a:ext uri="{FF2B5EF4-FFF2-40B4-BE49-F238E27FC236}">
+                <a16:creationId xmlns:a16="http://schemas.microsoft.com/office/drawing/2014/main" id="{306985A2-0C8B-1392-6737-3420007893C9}"/>
+              </a:ext>
+            </a:extLst>
+          </p:cNvPr>
+          <p:cNvSpPr>
+            <a:spLocks noGrp="1"/>
+          </p:cNvSpPr>
+          <p:nvPr>
+            <p:ph idx="1"/>
+          </p:nvPr>
+        </p:nvSpPr>
+        <p:spPr>
+          <a:xfrm>
+            <a:off x="838200" y="2004919"/>
+            <a:ext cx="10515600" cy="4351338"/>
+          </a:xfrm>
+        </p:spPr>
+        <p:txBody>
+          <a:bodyPr/>
+          <a:lstStyle/>
+          <a:p>
+            <a:r>
+              <a:rPr lang="de-DE" dirty="0"/>
+              <a:t>Video einfügen </a:t>
+            </a:r>
+          </a:p>
+        </p:txBody>
+      </p:sp>
+    </p:spTree>
+    <p:extLst>
+      <p:ext uri="{BB962C8B-B14F-4D97-AF65-F5344CB8AC3E}">
+        <p14:creationId xmlns:p14="http://schemas.microsoft.com/office/powerpoint/2010/main" val="1146317798"/>
+      </p:ext>
+    </p:extLst>
+  </p:cSld>
+  <p:clrMapOvr>
+    <a:masterClrMapping/>
+  </p:clrMapOvr>
+</p:sld>
+</file>
+
+<file path=ppt/slides/slide11.xml><?xml version="1.0" encoding="utf-8"?>
+<p:sld xmlns:a="http://schemas.openxmlformats.org/drawingml/2006/main" xmlns:r="http://schemas.openxmlformats.org/officeDocument/2006/relationships" xmlns:p="http://schemas.openxmlformats.org/presentationml/2006/main">
+  <p:cSld>
+    <p:spTree>
+      <p:nvGrpSpPr>
+        <p:cNvPr id="1" name=""/>
+        <p:cNvGrpSpPr/>
+        <p:nvPr/>
+      </p:nvGrpSpPr>
+      <p:grpSpPr>
+        <a:xfrm>
+          <a:off x="0" y="0"/>
+          <a:ext cx="0" cy="0"/>
+          <a:chOff x="0" y="0"/>
+          <a:chExt cx="0" cy="0"/>
+        </a:xfrm>
+      </p:grpSpPr>
+      <p:sp>
+        <p:nvSpPr>
+          <p:cNvPr id="2" name="Titel 1">
+            <a:extLst>
+              <a:ext uri="{FF2B5EF4-FFF2-40B4-BE49-F238E27FC236}">
+                <a16:creationId xmlns:a16="http://schemas.microsoft.com/office/drawing/2014/main" id="{22D8ECC0-E8B5-00F4-CDAC-994AFC71E380}"/>
+              </a:ext>
+            </a:extLst>
+          </p:cNvPr>
+          <p:cNvSpPr>
+            <a:spLocks noGrp="1"/>
+          </p:cNvSpPr>
+          <p:nvPr>
+            <p:ph type="title"/>
+          </p:nvPr>
+        </p:nvSpPr>
+        <p:spPr>
+          <a:xfrm>
+            <a:off x="838200" y="4872958"/>
+            <a:ext cx="10515600" cy="1325563"/>
+          </a:xfrm>
+        </p:spPr>
+        <p:txBody>
+          <a:bodyPr/>
+          <a:lstStyle/>
+          <a:p>
+            <a:r>
+              <a:rPr lang="de-DE" dirty="0">
+                <a:solidFill>
+                  <a:schemeClr val="tx1">
+                    <a:lumMod val="50000"/>
+                    <a:lumOff val="50000"/>
+                  </a:schemeClr>
+                </a:solidFill>
+              </a:rPr>
+              <a:t>Benefits</a:t>
+            </a:r>
+          </a:p>
+        </p:txBody>
+      </p:sp>
+      <p:sp>
+        <p:nvSpPr>
+          <p:cNvPr id="4" name="Textfeld 3">
+            <a:extLst>
+              <a:ext uri="{FF2B5EF4-FFF2-40B4-BE49-F238E27FC236}">
+                <a16:creationId xmlns:a16="http://schemas.microsoft.com/office/drawing/2014/main" id="{65756FEC-7821-2152-6E2C-7D131DA37680}"/>
+              </a:ext>
+            </a:extLst>
+          </p:cNvPr>
+          <p:cNvSpPr txBox="1"/>
+          <p:nvPr/>
+        </p:nvSpPr>
+        <p:spPr>
+          <a:xfrm>
+            <a:off x="838200" y="659479"/>
+            <a:ext cx="9403080" cy="3139321"/>
+          </a:xfrm>
+          <a:prstGeom prst="rect">
+            <a:avLst/>
+          </a:prstGeom>
+          <a:noFill/>
+        </p:spPr>
+        <p:txBody>
+          <a:bodyPr wrap="square" rtlCol="0">
+            <a:spAutoFit/>
+          </a:bodyPr>
+          <a:lstStyle/>
+          <a:p>
+            <a:r>
+              <a:rPr lang="de-DE" dirty="0" err="1"/>
+              <a:t>Reduction</a:t>
+            </a:r>
+            <a:r>
+              <a:rPr lang="de-DE" dirty="0"/>
+              <a:t> </a:t>
+            </a:r>
+            <a:r>
+              <a:rPr lang="de-DE" dirty="0" err="1"/>
+              <a:t>of</a:t>
+            </a:r>
+            <a:r>
+              <a:rPr lang="de-DE" dirty="0"/>
+              <a:t> </a:t>
+            </a:r>
+            <a:r>
+              <a:rPr lang="de-DE" dirty="0" err="1"/>
+              <a:t>hours</a:t>
+            </a:r>
+            <a:r>
+              <a:rPr lang="de-DE" dirty="0"/>
+              <a:t> </a:t>
+            </a:r>
+            <a:r>
+              <a:rPr lang="de-DE" dirty="0" err="1"/>
+              <a:t>spent</a:t>
+            </a:r>
+            <a:r>
+              <a:rPr lang="de-DE" dirty="0"/>
+              <a:t> on </a:t>
+            </a:r>
+            <a:r>
+              <a:rPr lang="de-DE" dirty="0" err="1"/>
+              <a:t>narcotics</a:t>
+            </a:r>
+            <a:r>
+              <a:rPr lang="de-DE" dirty="0"/>
+              <a:t> </a:t>
+            </a:r>
+            <a:r>
+              <a:rPr lang="de-DE" dirty="0" err="1"/>
+              <a:t>management</a:t>
+            </a:r>
+            <a:r>
+              <a:rPr lang="de-DE" dirty="0"/>
+              <a:t> </a:t>
+            </a:r>
+            <a:r>
+              <a:rPr lang="de-DE" dirty="0" err="1"/>
+              <a:t>reduced</a:t>
+            </a:r>
+            <a:r>
+              <a:rPr lang="de-DE" dirty="0"/>
+              <a:t> </a:t>
+            </a:r>
+            <a:r>
+              <a:rPr lang="de-DE" dirty="0" err="1"/>
+              <a:t>by</a:t>
+            </a:r>
+            <a:r>
+              <a:rPr lang="de-DE" dirty="0"/>
+              <a:t> </a:t>
+            </a:r>
+            <a:r>
+              <a:rPr lang="de-DE" dirty="0" err="1"/>
+              <a:t>estimated</a:t>
+            </a:r>
+            <a:r>
+              <a:rPr lang="de-DE" dirty="0"/>
+              <a:t>: </a:t>
+            </a:r>
+          </a:p>
+          <a:p>
+            <a:r>
+              <a:rPr lang="de-DE" dirty="0"/>
+              <a:t>180h per </a:t>
+            </a:r>
+            <a:r>
+              <a:rPr lang="de-DE" dirty="0" err="1"/>
+              <a:t>year</a:t>
+            </a:r>
+            <a:r>
+              <a:rPr lang="de-DE" dirty="0"/>
+              <a:t> </a:t>
+            </a:r>
+            <a:r>
+              <a:rPr lang="de-DE" dirty="0" err="1"/>
+              <a:t>without</a:t>
+            </a:r>
+            <a:r>
+              <a:rPr lang="de-DE" dirty="0"/>
+              <a:t> </a:t>
+            </a:r>
+            <a:r>
+              <a:rPr lang="de-DE" dirty="0" err="1"/>
+              <a:t>Narcovets</a:t>
+            </a:r>
+            <a:r>
+              <a:rPr lang="de-DE" dirty="0"/>
+              <a:t> </a:t>
+            </a:r>
+          </a:p>
+          <a:p>
+            <a:r>
+              <a:rPr lang="de-DE" dirty="0"/>
+              <a:t>67h per </a:t>
+            </a:r>
+            <a:r>
+              <a:rPr lang="de-DE" dirty="0" err="1"/>
+              <a:t>year</a:t>
+            </a:r>
+            <a:r>
+              <a:rPr lang="de-DE" dirty="0"/>
+              <a:t> </a:t>
+            </a:r>
+            <a:r>
+              <a:rPr lang="de-DE" dirty="0" err="1"/>
+              <a:t>with</a:t>
+            </a:r>
+            <a:r>
+              <a:rPr lang="de-DE" dirty="0"/>
+              <a:t> </a:t>
+            </a:r>
+            <a:r>
+              <a:rPr lang="de-DE" dirty="0" err="1"/>
+              <a:t>Narcovets</a:t>
+            </a:r>
+            <a:r>
+              <a:rPr lang="de-DE" dirty="0"/>
+              <a:t> </a:t>
+            </a:r>
+          </a:p>
+          <a:p>
+            <a:r>
+              <a:rPr lang="de-DE" dirty="0"/>
+              <a:t> </a:t>
+            </a:r>
+          </a:p>
+          <a:p>
+            <a:r>
+              <a:rPr lang="de-DE" dirty="0" err="1"/>
+              <a:t>Reduction</a:t>
+            </a:r>
+            <a:r>
+              <a:rPr lang="de-DE" dirty="0"/>
+              <a:t> on </a:t>
+            </a:r>
+            <a:r>
+              <a:rPr lang="de-DE" dirty="0" err="1"/>
+              <a:t>money</a:t>
+            </a:r>
+            <a:r>
+              <a:rPr lang="de-DE" dirty="0"/>
+              <a:t> </a:t>
+            </a:r>
+            <a:r>
+              <a:rPr lang="de-DE" dirty="0" err="1"/>
+              <a:t>spent</a:t>
+            </a:r>
+            <a:r>
+              <a:rPr lang="de-DE" dirty="0"/>
+              <a:t> on </a:t>
+            </a:r>
+            <a:r>
+              <a:rPr lang="de-DE" dirty="0" err="1"/>
+              <a:t>narcotics</a:t>
+            </a:r>
+            <a:r>
+              <a:rPr lang="de-DE" dirty="0"/>
+              <a:t> </a:t>
+            </a:r>
+            <a:r>
+              <a:rPr lang="de-DE" dirty="0" err="1"/>
+              <a:t>management</a:t>
+            </a:r>
+            <a:r>
+              <a:rPr lang="de-DE" dirty="0"/>
+              <a:t> </a:t>
+            </a:r>
+            <a:r>
+              <a:rPr lang="de-DE" dirty="0" err="1"/>
+              <a:t>reduced</a:t>
+            </a:r>
+            <a:r>
+              <a:rPr lang="de-DE" dirty="0"/>
+              <a:t> </a:t>
+            </a:r>
+            <a:r>
+              <a:rPr lang="de-DE" dirty="0" err="1"/>
+              <a:t>by</a:t>
+            </a:r>
+            <a:r>
+              <a:rPr lang="de-DE" dirty="0"/>
+              <a:t> </a:t>
+            </a:r>
+            <a:r>
+              <a:rPr lang="de-DE" dirty="0" err="1"/>
+              <a:t>estimated</a:t>
+            </a:r>
+            <a:r>
+              <a:rPr lang="de-DE" dirty="0"/>
+              <a:t>:</a:t>
+            </a:r>
+          </a:p>
+          <a:p>
+            <a:r>
+              <a:rPr lang="de-DE" dirty="0"/>
+              <a:t>10.000CHF per </a:t>
+            </a:r>
+            <a:r>
+              <a:rPr lang="de-DE" dirty="0" err="1"/>
+              <a:t>year</a:t>
+            </a:r>
+            <a:r>
+              <a:rPr lang="de-DE" dirty="0"/>
+              <a:t> </a:t>
+            </a:r>
+            <a:r>
+              <a:rPr lang="de-DE" dirty="0" err="1"/>
+              <a:t>without</a:t>
+            </a:r>
+            <a:r>
+              <a:rPr lang="de-DE" dirty="0"/>
+              <a:t> </a:t>
+            </a:r>
+            <a:r>
+              <a:rPr lang="de-DE" dirty="0" err="1"/>
+              <a:t>Narcovets</a:t>
+            </a:r>
+            <a:r>
+              <a:rPr lang="de-DE" dirty="0"/>
+              <a:t> </a:t>
+            </a:r>
+          </a:p>
+          <a:p>
+            <a:r>
+              <a:rPr lang="de-DE" dirty="0"/>
+              <a:t> 5.000CHF per </a:t>
+            </a:r>
+            <a:r>
+              <a:rPr lang="de-DE" dirty="0" err="1"/>
+              <a:t>year</a:t>
+            </a:r>
+            <a:r>
+              <a:rPr lang="de-DE" dirty="0"/>
+              <a:t> </a:t>
+            </a:r>
+            <a:r>
+              <a:rPr lang="de-DE" dirty="0" err="1"/>
+              <a:t>with</a:t>
+            </a:r>
+            <a:r>
+              <a:rPr lang="de-DE" dirty="0"/>
+              <a:t> </a:t>
+            </a:r>
+            <a:r>
+              <a:rPr lang="de-DE" dirty="0" err="1"/>
+              <a:t>Narcovets</a:t>
+            </a:r>
+            <a:r>
+              <a:rPr lang="de-DE" dirty="0"/>
+              <a:t> </a:t>
+            </a:r>
+          </a:p>
+          <a:p>
+            <a:endParaRPr lang="de-DE" dirty="0"/>
+          </a:p>
+          <a:p>
+            <a:r>
+              <a:rPr lang="de-DE" dirty="0"/>
+              <a:t>On top: </a:t>
+            </a:r>
+          </a:p>
+          <a:p>
+            <a:pPr marL="285750" indent="-285750">
+              <a:buFontTx/>
+              <a:buChar char="-"/>
+            </a:pPr>
+            <a:r>
+              <a:rPr lang="de-DE" dirty="0" err="1"/>
+              <a:t>Centralized</a:t>
+            </a:r>
+            <a:r>
+              <a:rPr lang="de-DE" dirty="0"/>
+              <a:t> </a:t>
+            </a:r>
+            <a:r>
+              <a:rPr lang="de-DE" dirty="0" err="1"/>
+              <a:t>documentation</a:t>
+            </a:r>
+            <a:r>
+              <a:rPr lang="de-DE" dirty="0"/>
+              <a:t> </a:t>
+            </a:r>
+          </a:p>
+          <a:p>
+            <a:pPr marL="285750" indent="-285750">
+              <a:buFontTx/>
+              <a:buChar char="-"/>
+            </a:pPr>
+            <a:r>
+              <a:rPr lang="de-DE" dirty="0" err="1"/>
+              <a:t>Less</a:t>
+            </a:r>
+            <a:r>
+              <a:rPr lang="de-DE" dirty="0"/>
+              <a:t> </a:t>
+            </a:r>
+            <a:r>
+              <a:rPr lang="de-DE" dirty="0" err="1"/>
+              <a:t>risk</a:t>
+            </a:r>
+            <a:r>
+              <a:rPr lang="de-DE" dirty="0"/>
+              <a:t> </a:t>
+            </a:r>
+            <a:r>
+              <a:rPr lang="de-DE" dirty="0" err="1"/>
+              <a:t>for</a:t>
+            </a:r>
+            <a:r>
+              <a:rPr lang="de-DE" dirty="0"/>
+              <a:t> human </a:t>
+            </a:r>
+            <a:r>
+              <a:rPr lang="de-DE" dirty="0" err="1"/>
+              <a:t>errors</a:t>
+            </a:r>
+            <a:r>
+              <a:rPr lang="de-DE" dirty="0"/>
+              <a:t> </a:t>
+            </a:r>
+            <a:r>
+              <a:rPr lang="de-DE" dirty="0" err="1"/>
+              <a:t>or</a:t>
+            </a:r>
+            <a:r>
+              <a:rPr lang="de-DE" dirty="0"/>
+              <a:t> human </a:t>
+            </a:r>
+            <a:r>
+              <a:rPr lang="de-DE" dirty="0" err="1"/>
+              <a:t>intervention</a:t>
+            </a:r>
+            <a:r>
+              <a:rPr lang="de-DE" dirty="0"/>
+              <a:t> </a:t>
+            </a:r>
+            <a:r>
+              <a:rPr lang="de-DE" dirty="0" err="1"/>
+              <a:t>to</a:t>
+            </a:r>
+            <a:r>
+              <a:rPr lang="de-DE" dirty="0"/>
+              <a:t> </a:t>
+            </a:r>
+            <a:r>
+              <a:rPr lang="de-DE" dirty="0" err="1"/>
+              <a:t>cheat</a:t>
+            </a:r>
+            <a:r>
+              <a:rPr lang="de-DE" dirty="0"/>
+              <a:t> </a:t>
+            </a:r>
+            <a:r>
+              <a:rPr lang="de-DE" dirty="0" err="1"/>
+              <a:t>wrong</a:t>
+            </a:r>
+            <a:r>
+              <a:rPr lang="de-DE" dirty="0"/>
+              <a:t> </a:t>
+            </a:r>
+            <a:r>
+              <a:rPr lang="de-DE" dirty="0" err="1"/>
+              <a:t>numbers</a:t>
+            </a:r>
+            <a:r>
+              <a:rPr lang="de-DE" dirty="0"/>
+              <a:t> </a:t>
+            </a:r>
+          </a:p>
+        </p:txBody>
+      </p:sp>
+    </p:spTree>
+    <p:extLst>
+      <p:ext uri="{BB962C8B-B14F-4D97-AF65-F5344CB8AC3E}">
+        <p14:creationId xmlns:p14="http://schemas.microsoft.com/office/powerpoint/2010/main" val="4087394814"/>
+      </p:ext>
+    </p:extLst>
+  </p:cSld>
+  <p:clrMapOvr>
+    <a:masterClrMapping/>
+  </p:clrMapOvr>
+</p:sld>
+</file>
+
+<file path=ppt/slides/slide12.xml><?xml version="1.0" encoding="utf-8"?>
+<p:sld xmlns:a="http://schemas.openxmlformats.org/drawingml/2006/main" xmlns:r="http://schemas.openxmlformats.org/officeDocument/2006/relationships" xmlns:p="http://schemas.openxmlformats.org/presentationml/2006/main">
+  <p:cSld>
+    <p:spTree>
+      <p:nvGrpSpPr>
+        <p:cNvPr id="1" name=""/>
+        <p:cNvGrpSpPr/>
+        <p:nvPr/>
+      </p:nvGrpSpPr>
+      <p:grpSpPr>
+        <a:xfrm>
+          <a:off x="0" y="0"/>
+          <a:ext cx="0" cy="0"/>
+          <a:chOff x="0" y="0"/>
+          <a:chExt cx="0" cy="0"/>
+        </a:xfrm>
+      </p:grpSpPr>
+      <p:sp>
+        <p:nvSpPr>
           <p:cNvPr id="3" name="Textfeld 2">
             <a:extLst>
               <a:ext uri="{FF2B5EF4-FFF2-40B4-BE49-F238E27FC236}">
@@ -5727,7 +6400,13 @@
   <p:cSld>
     <p:spTree>
       <p:nvGrpSpPr>
-        <p:cNvPr id="1" name=""/>
+        <p:cNvPr id="1" name="">
+          <a:extLst>
+            <a:ext uri="{FF2B5EF4-FFF2-40B4-BE49-F238E27FC236}">
+              <a16:creationId xmlns:a16="http://schemas.microsoft.com/office/drawing/2014/main" id="{D8C2AE16-11D5-B1A8-0679-BB8429035408}"/>
+            </a:ext>
+          </a:extLst>
+        </p:cNvPr>
         <p:cNvGrpSpPr/>
         <p:nvPr/>
       </p:nvGrpSpPr>
@@ -5744,7 +6423,7 @@
           <p:cNvPr id="2" name="Titel 1">
             <a:extLst>
               <a:ext uri="{FF2B5EF4-FFF2-40B4-BE49-F238E27FC236}">
-                <a16:creationId xmlns:a16="http://schemas.microsoft.com/office/drawing/2014/main" id="{C77BCFB3-2ECD-706A-3128-06DCE4D8CA3C}"/>
+                <a16:creationId xmlns:a16="http://schemas.microsoft.com/office/drawing/2014/main" id="{D1D935BA-D378-C1DB-F0E6-F5EED2B95201}"/>
               </a:ext>
             </a:extLst>
           </p:cNvPr>
@@ -5757,7 +6436,7 @@
         </p:nvSpPr>
         <p:spPr>
           <a:xfrm>
-            <a:off x="841513" y="500062"/>
+            <a:off x="838200" y="4883336"/>
             <a:ext cx="10515600" cy="1325563"/>
           </a:xfrm>
         </p:spPr>
@@ -5774,7 +6453,7 @@
                   </a:schemeClr>
                 </a:solidFill>
               </a:rPr>
-              <a:t>The </a:t>
+              <a:t>TO BE </a:t>
             </a:r>
             <a:r>
               <a:rPr lang="de-DE" dirty="0" err="1">
@@ -5785,51 +6464,7 @@
                   </a:schemeClr>
                 </a:solidFill>
               </a:rPr>
-              <a:t>solution</a:t>
-            </a:r>
-            <a:r>
-              <a:rPr lang="de-DE" dirty="0">
-                <a:solidFill>
-                  <a:schemeClr val="tx1">
-                    <a:lumMod val="50000"/>
-                    <a:lumOff val="50000"/>
-                  </a:schemeClr>
-                </a:solidFill>
-              </a:rPr>
-              <a:t> </a:t>
-            </a:r>
-            <a:r>
-              <a:rPr lang="de-DE" dirty="0" err="1">
-                <a:solidFill>
-                  <a:schemeClr val="tx1">
-                    <a:lumMod val="50000"/>
-                    <a:lumOff val="50000"/>
-                  </a:schemeClr>
-                </a:solidFill>
-              </a:rPr>
-              <a:t>we</a:t>
-            </a:r>
-            <a:r>
-              <a:rPr lang="de-DE" dirty="0">
-                <a:solidFill>
-                  <a:schemeClr val="tx1">
-                    <a:lumMod val="50000"/>
-                    <a:lumOff val="50000"/>
-                  </a:schemeClr>
-                </a:solidFill>
-              </a:rPr>
-              <a:t> </a:t>
-            </a:r>
-            <a:r>
-              <a:rPr lang="de-DE" dirty="0" err="1">
-                <a:solidFill>
-                  <a:schemeClr val="tx1">
-                    <a:lumMod val="50000"/>
-                    <a:lumOff val="50000"/>
-                  </a:schemeClr>
-                </a:solidFill>
-              </a:rPr>
-              <a:t>provide</a:t>
+              <a:t>Process</a:t>
             </a:r>
             <a:endParaRPr lang="de-DE" dirty="0">
               <a:solidFill>
@@ -5842,285 +6477,40 @@
           </a:p>
         </p:txBody>
       </p:sp>
-      <p:sp>
-        <p:nvSpPr>
-          <p:cNvPr id="3" name="Inhaltsplatzhalter 2">
-            <a:extLst>
-              <a:ext uri="{FF2B5EF4-FFF2-40B4-BE49-F238E27FC236}">
-                <a16:creationId xmlns:a16="http://schemas.microsoft.com/office/drawing/2014/main" id="{B4F46ABD-8990-3714-E9FF-EE7A6C6357C4}"/>
-              </a:ext>
-            </a:extLst>
-          </p:cNvPr>
-          <p:cNvSpPr>
-            <a:spLocks noGrp="1"/>
-          </p:cNvSpPr>
-          <p:nvPr>
-            <p:ph idx="1"/>
-          </p:nvPr>
-        </p:nvSpPr>
+      <p:pic>
+        <p:nvPicPr>
+          <p:cNvPr id="4" name="Grafik 3">
+            <a:extLst>
+              <a:ext uri="{FF2B5EF4-FFF2-40B4-BE49-F238E27FC236}">
+                <a16:creationId xmlns:a16="http://schemas.microsoft.com/office/drawing/2014/main" id="{F3197CD5-64EE-5EB5-3207-44DFE5C622E4}"/>
+              </a:ext>
+            </a:extLst>
+          </p:cNvPr>
+          <p:cNvPicPr>
+            <a:picLocks noChangeAspect="1"/>
+          </p:cNvPicPr>
+          <p:nvPr/>
+        </p:nvPicPr>
+        <p:blipFill>
+          <a:blip r:embed="rId2"/>
+          <a:stretch>
+            <a:fillRect/>
+          </a:stretch>
+        </p:blipFill>
         <p:spPr>
           <a:xfrm>
-            <a:off x="841513" y="2006600"/>
-            <a:ext cx="10515600" cy="4351338"/>
+            <a:off x="0" y="1228118"/>
+            <a:ext cx="11712312" cy="3468573"/>
           </a:xfrm>
+          <a:prstGeom prst="rect">
+            <a:avLst/>
+          </a:prstGeom>
         </p:spPr>
-        <p:txBody>
-          <a:bodyPr>
-            <a:normAutofit lnSpcReduction="10000"/>
-          </a:bodyPr>
-          <a:lstStyle/>
-          <a:p>
-            <a:r>
-              <a:rPr lang="de-DE" dirty="0" err="1"/>
-              <a:t>talking</a:t>
-            </a:r>
-            <a:r>
-              <a:rPr lang="de-DE" dirty="0"/>
-              <a:t> </a:t>
-            </a:r>
-            <a:r>
-              <a:rPr lang="de-DE" dirty="0" err="1"/>
-              <a:t>about</a:t>
-            </a:r>
-            <a:r>
-              <a:rPr lang="de-DE" dirty="0"/>
-              <a:t> </a:t>
-            </a:r>
-            <a:r>
-              <a:rPr lang="de-DE" dirty="0" err="1"/>
-              <a:t>technical</a:t>
-            </a:r>
-            <a:r>
-              <a:rPr lang="de-DE" dirty="0"/>
-              <a:t> </a:t>
-            </a:r>
-            <a:r>
-              <a:rPr lang="de-DE" dirty="0" err="1"/>
-              <a:t>details</a:t>
-            </a:r>
-            <a:endParaRPr lang="de-DE" dirty="0"/>
-          </a:p>
-          <a:p>
-            <a:r>
-              <a:rPr lang="de-DE" dirty="0"/>
-              <a:t>Automation:</a:t>
-            </a:r>
-          </a:p>
-          <a:p>
-            <a:pPr lvl="1"/>
-            <a:r>
-              <a:rPr lang="de-DE" dirty="0"/>
-              <a:t> </a:t>
-            </a:r>
-            <a:r>
-              <a:rPr lang="de-DE" dirty="0" err="1"/>
-              <a:t>inventory</a:t>
-            </a:r>
-            <a:r>
-              <a:rPr lang="de-DE" dirty="0"/>
-              <a:t> </a:t>
-            </a:r>
-            <a:r>
-              <a:rPr lang="de-DE" dirty="0" err="1"/>
-              <a:t>is</a:t>
-            </a:r>
-            <a:r>
-              <a:rPr lang="de-DE" dirty="0"/>
-              <a:t> </a:t>
-            </a:r>
-            <a:r>
-              <a:rPr lang="de-DE" dirty="0" err="1"/>
-              <a:t>checked</a:t>
-            </a:r>
-            <a:r>
-              <a:rPr lang="de-DE" dirty="0"/>
-              <a:t> </a:t>
-            </a:r>
-            <a:r>
-              <a:rPr lang="de-DE" dirty="0" err="1"/>
-              <a:t>as</a:t>
-            </a:r>
-            <a:r>
-              <a:rPr lang="de-DE" dirty="0"/>
-              <a:t> time </a:t>
-            </a:r>
-            <a:r>
-              <a:rPr lang="de-DE" dirty="0" err="1"/>
-              <a:t>event</a:t>
-            </a:r>
-            <a:r>
-              <a:rPr lang="de-DE" dirty="0"/>
-              <a:t> </a:t>
-            </a:r>
-            <a:r>
-              <a:rPr lang="de-DE" dirty="0" err="1"/>
-              <a:t>automatically</a:t>
-            </a:r>
-            <a:endParaRPr lang="de-DE" dirty="0"/>
-          </a:p>
-          <a:p>
-            <a:pPr lvl="2"/>
-            <a:r>
-              <a:rPr lang="de-DE" dirty="0"/>
-              <a:t>Returns </a:t>
-            </a:r>
-            <a:r>
-              <a:rPr lang="de-DE" dirty="0" err="1"/>
-              <a:t>if</a:t>
-            </a:r>
-            <a:r>
-              <a:rPr lang="de-DE" dirty="0"/>
-              <a:t> </a:t>
-            </a:r>
-            <a:r>
-              <a:rPr lang="de-DE" dirty="0" err="1"/>
-              <a:t>threshold</a:t>
-            </a:r>
-            <a:r>
-              <a:rPr lang="de-DE" dirty="0"/>
-              <a:t> </a:t>
-            </a:r>
-            <a:r>
-              <a:rPr lang="de-DE" dirty="0" err="1"/>
-              <a:t>is</a:t>
-            </a:r>
-            <a:r>
-              <a:rPr lang="de-DE" dirty="0"/>
-              <a:t> </a:t>
-            </a:r>
-            <a:r>
-              <a:rPr lang="de-DE" dirty="0" err="1"/>
-              <a:t>under</a:t>
-            </a:r>
-            <a:r>
-              <a:rPr lang="de-DE" dirty="0"/>
-              <a:t> </a:t>
-            </a:r>
-            <a:r>
-              <a:rPr lang="de-DE" dirty="0" err="1"/>
-              <a:t>orover</a:t>
-            </a:r>
-            <a:r>
-              <a:rPr lang="de-DE" dirty="0"/>
-              <a:t> </a:t>
-            </a:r>
-            <a:r>
-              <a:rPr lang="de-DE" dirty="0" err="1"/>
-              <a:t>limit</a:t>
-            </a:r>
-            <a:r>
-              <a:rPr lang="de-DE" dirty="0"/>
-              <a:t> </a:t>
-            </a:r>
-          </a:p>
-          <a:p>
-            <a:pPr lvl="1"/>
-            <a:r>
-              <a:rPr lang="de-DE" dirty="0" err="1"/>
-              <a:t>placeholder</a:t>
-            </a:r>
-            <a:endParaRPr lang="de-DE" dirty="0"/>
-          </a:p>
-          <a:p>
-            <a:pPr marL="0" indent="0">
-              <a:buNone/>
-            </a:pPr>
-            <a:endParaRPr lang="de-DE" dirty="0"/>
-          </a:p>
-          <a:p>
-            <a:r>
-              <a:rPr lang="de-DE" dirty="0" err="1"/>
-              <a:t>Unification</a:t>
-            </a:r>
-            <a:r>
-              <a:rPr lang="de-DE" dirty="0"/>
-              <a:t>: </a:t>
-            </a:r>
-          </a:p>
-          <a:p>
-            <a:r>
-              <a:rPr lang="de-DE" dirty="0" err="1"/>
-              <a:t>Decision</a:t>
-            </a:r>
-            <a:r>
-              <a:rPr lang="de-DE" dirty="0"/>
-              <a:t> support: </a:t>
-            </a:r>
-          </a:p>
-          <a:p>
-            <a:r>
-              <a:rPr lang="de-DE" dirty="0"/>
-              <a:t> </a:t>
-            </a:r>
-            <a:r>
-              <a:rPr lang="de-DE" dirty="0" err="1"/>
-              <a:t>use</a:t>
-            </a:r>
-            <a:r>
-              <a:rPr lang="de-DE" dirty="0"/>
-              <a:t> </a:t>
-            </a:r>
-            <a:r>
-              <a:rPr lang="de-DE" dirty="0" err="1"/>
-              <a:t>of</a:t>
-            </a:r>
-            <a:r>
-              <a:rPr lang="de-DE" dirty="0"/>
-              <a:t> </a:t>
-            </a:r>
-            <a:r>
-              <a:rPr lang="de-DE" dirty="0" err="1"/>
-              <a:t>Camunda</a:t>
-            </a:r>
-            <a:r>
-              <a:rPr lang="de-DE" dirty="0"/>
-              <a:t>, Python, </a:t>
-            </a:r>
-          </a:p>
-          <a:p>
-            <a:r>
-              <a:rPr lang="de-DE" dirty="0"/>
-              <a:t>Multiple </a:t>
-            </a:r>
-            <a:r>
-              <a:rPr lang="de-DE" dirty="0" err="1"/>
-              <a:t>service</a:t>
-            </a:r>
-            <a:r>
-              <a:rPr lang="de-DE" dirty="0"/>
-              <a:t> </a:t>
-            </a:r>
-            <a:r>
-              <a:rPr lang="de-DE" dirty="0" err="1"/>
-              <a:t>tasks</a:t>
-            </a:r>
-            <a:r>
-              <a:rPr lang="de-DE" dirty="0"/>
-              <a:t>, </a:t>
-            </a:r>
-            <a:r>
-              <a:rPr lang="de-DE" dirty="0" err="1"/>
-              <a:t>Decision</a:t>
-            </a:r>
-            <a:r>
-              <a:rPr lang="de-DE" dirty="0"/>
-              <a:t> </a:t>
-            </a:r>
-            <a:r>
-              <a:rPr lang="de-DE" dirty="0" err="1"/>
-              <a:t>modeling</a:t>
-            </a:r>
-            <a:r>
-              <a:rPr lang="de-DE" dirty="0"/>
-              <a:t> </a:t>
-            </a:r>
-          </a:p>
-        </p:txBody>
-      </p:sp>
+      </p:pic>
     </p:spTree>
     <p:extLst>
       <p:ext uri="{BB962C8B-B14F-4D97-AF65-F5344CB8AC3E}">
-        <p14:creationId xmlns:p14="http://schemas.microsoft.com/office/powerpoint/2010/main" val="1415540745"/>
+        <p14:creationId xmlns:p14="http://schemas.microsoft.com/office/powerpoint/2010/main" val="4007687361"/>
       </p:ext>
     </p:extLst>
   </p:cSld>
@@ -6135,7 +6525,13 @@
   <p:cSld>
     <p:spTree>
       <p:nvGrpSpPr>
-        <p:cNvPr id="1" name=""/>
+        <p:cNvPr id="1" name="">
+          <a:extLst>
+            <a:ext uri="{FF2B5EF4-FFF2-40B4-BE49-F238E27FC236}">
+              <a16:creationId xmlns:a16="http://schemas.microsoft.com/office/drawing/2014/main" id="{3C53ABAA-35C8-1C55-5103-5598D0560EF0}"/>
+            </a:ext>
+          </a:extLst>
+        </p:cNvPr>
         <p:cNvGrpSpPr/>
         <p:nvPr/>
       </p:nvGrpSpPr>
@@ -6152,7 +6548,7 @@
           <p:cNvPr id="2" name="Titel 1">
             <a:extLst>
               <a:ext uri="{FF2B5EF4-FFF2-40B4-BE49-F238E27FC236}">
-                <a16:creationId xmlns:a16="http://schemas.microsoft.com/office/drawing/2014/main" id="{28107D28-FA76-389F-2BF1-8C8EDDD35D16}"/>
+                <a16:creationId xmlns:a16="http://schemas.microsoft.com/office/drawing/2014/main" id="{D7EDE1D7-476E-A345-B10B-86CA9AA3C3AB}"/>
               </a:ext>
             </a:extLst>
           </p:cNvPr>
@@ -6165,7 +6561,7 @@
         </p:nvSpPr>
         <p:spPr>
           <a:xfrm>
-            <a:off x="838200" y="500062"/>
+            <a:off x="838200" y="4883336"/>
             <a:ext cx="10515600" cy="1325563"/>
           </a:xfrm>
         </p:spPr>
@@ -6174,7 +6570,7 @@
           <a:lstStyle/>
           <a:p>
             <a:r>
-              <a:rPr lang="de-DE" dirty="0" err="1">
+              <a:rPr lang="de-DE" dirty="0">
                 <a:solidFill>
                   <a:schemeClr val="tx1">
                     <a:lumMod val="50000"/>
@@ -6182,10 +6578,10 @@
                   </a:schemeClr>
                 </a:solidFill>
               </a:rPr>
-              <a:t>How</a:t>
-            </a:r>
-            <a:r>
-              <a:rPr lang="de-DE" dirty="0">
+              <a:t>TO BE </a:t>
+            </a:r>
+            <a:r>
+              <a:rPr lang="de-DE" dirty="0" err="1">
                 <a:solidFill>
                   <a:schemeClr val="tx1">
                     <a:lumMod val="50000"/>
@@ -6193,62 +6589,7 @@
                   </a:schemeClr>
                 </a:solidFill>
               </a:rPr>
-              <a:t> </a:t>
-            </a:r>
-            <a:r>
-              <a:rPr lang="de-DE" dirty="0" err="1">
-                <a:solidFill>
-                  <a:schemeClr val="tx1">
-                    <a:lumMod val="50000"/>
-                    <a:lumOff val="50000"/>
-                  </a:schemeClr>
-                </a:solidFill>
-              </a:rPr>
-              <a:t>to</a:t>
-            </a:r>
-            <a:r>
-              <a:rPr lang="de-DE" dirty="0">
-                <a:solidFill>
-                  <a:schemeClr val="tx1">
-                    <a:lumMod val="50000"/>
-                    <a:lumOff val="50000"/>
-                  </a:schemeClr>
-                </a:solidFill>
-              </a:rPr>
-              <a:t> </a:t>
-            </a:r>
-            <a:r>
-              <a:rPr lang="de-DE" dirty="0" err="1">
-                <a:solidFill>
-                  <a:schemeClr val="tx1">
-                    <a:lumMod val="50000"/>
-                    <a:lumOff val="50000"/>
-                  </a:schemeClr>
-                </a:solidFill>
-              </a:rPr>
-              <a:t>implement</a:t>
-            </a:r>
-            <a:r>
-              <a:rPr lang="de-DE" dirty="0">
-                <a:solidFill>
-                  <a:schemeClr val="tx1">
-                    <a:lumMod val="50000"/>
-                    <a:lumOff val="50000"/>
-                  </a:schemeClr>
-                </a:solidFill>
-              </a:rPr>
-              <a:t> </a:t>
-            </a:r>
-            <a:r>
-              <a:rPr lang="de-DE" dirty="0" err="1">
-                <a:solidFill>
-                  <a:schemeClr val="tx1">
-                    <a:lumMod val="50000"/>
-                    <a:lumOff val="50000"/>
-                  </a:schemeClr>
-                </a:solidFill>
-              </a:rPr>
-              <a:t>Narcovet</a:t>
+              <a:t>Process</a:t>
             </a:r>
             <a:endParaRPr lang="de-DE" dirty="0">
               <a:solidFill>
@@ -6261,40 +6602,70 @@
           </a:p>
         </p:txBody>
       </p:sp>
-      <p:sp>
-        <p:nvSpPr>
-          <p:cNvPr id="3" name="Inhaltsplatzhalter 2">
-            <a:extLst>
-              <a:ext uri="{FF2B5EF4-FFF2-40B4-BE49-F238E27FC236}">
-                <a16:creationId xmlns:a16="http://schemas.microsoft.com/office/drawing/2014/main" id="{8CC658FB-A13A-CC0D-F682-EBE199A97437}"/>
-              </a:ext>
-            </a:extLst>
-          </p:cNvPr>
-          <p:cNvSpPr>
-            <a:spLocks noGrp="1"/>
-          </p:cNvSpPr>
-          <p:nvPr>
-            <p:ph idx="1"/>
-          </p:nvPr>
-        </p:nvSpPr>
+      <p:pic>
+        <p:nvPicPr>
+          <p:cNvPr id="5" name="Grafik 4">
+            <a:extLst>
+              <a:ext uri="{FF2B5EF4-FFF2-40B4-BE49-F238E27FC236}">
+                <a16:creationId xmlns:a16="http://schemas.microsoft.com/office/drawing/2014/main" id="{246CBE98-B6CB-CF9E-C6B6-52A6DE5558C9}"/>
+              </a:ext>
+            </a:extLst>
+          </p:cNvPr>
+          <p:cNvPicPr>
+            <a:picLocks noChangeAspect="1"/>
+          </p:cNvPicPr>
+          <p:nvPr/>
+        </p:nvPicPr>
+        <p:blipFill>
+          <a:blip r:embed="rId2"/>
+          <a:stretch>
+            <a:fillRect/>
+          </a:stretch>
+        </p:blipFill>
         <p:spPr>
           <a:xfrm>
-            <a:off x="838200" y="2006600"/>
-            <a:ext cx="10515600" cy="4351338"/>
+            <a:off x="249381" y="649101"/>
+            <a:ext cx="4322619" cy="3252880"/>
           </a:xfrm>
+          <a:prstGeom prst="rect">
+            <a:avLst/>
+          </a:prstGeom>
         </p:spPr>
-        <p:txBody>
-          <a:bodyPr/>
-          <a:lstStyle/>
-          <a:p>
-            <a:endParaRPr lang="de-DE" dirty="0"/>
-          </a:p>
-        </p:txBody>
-      </p:sp>
+      </p:pic>
+      <p:pic>
+        <p:nvPicPr>
+          <p:cNvPr id="7" name="Grafik 6">
+            <a:extLst>
+              <a:ext uri="{FF2B5EF4-FFF2-40B4-BE49-F238E27FC236}">
+                <a16:creationId xmlns:a16="http://schemas.microsoft.com/office/drawing/2014/main" id="{799A162E-E863-6CAD-7358-D7CA6E2354D6}"/>
+              </a:ext>
+            </a:extLst>
+          </p:cNvPr>
+          <p:cNvPicPr>
+            <a:picLocks noChangeAspect="1"/>
+          </p:cNvPicPr>
+          <p:nvPr/>
+        </p:nvPicPr>
+        <p:blipFill>
+          <a:blip r:embed="rId3"/>
+          <a:stretch>
+            <a:fillRect/>
+          </a:stretch>
+        </p:blipFill>
+        <p:spPr>
+          <a:xfrm>
+            <a:off x="5798126" y="649101"/>
+            <a:ext cx="4692518" cy="3644863"/>
+          </a:xfrm>
+          <a:prstGeom prst="rect">
+            <a:avLst/>
+          </a:prstGeom>
+        </p:spPr>
+      </p:pic>
     </p:spTree>
     <p:extLst>
       <p:ext uri="{BB962C8B-B14F-4D97-AF65-F5344CB8AC3E}">
-        <p14:creationId xmlns:p14="http://schemas.microsoft.com/office/powerpoint/2010/main" val="3941973886"/>
+        <p14:creationId xmlns:p14="http://schemas.microsoft.com/office/powerpoint/2010/main" val="3861457530"/>
       </p:ext>
     </p:extLst>
   </p:cSld>
@@ -6326,7 +6697,7 @@
           <p:cNvPr id="2" name="Titel 1">
             <a:extLst>
               <a:ext uri="{FF2B5EF4-FFF2-40B4-BE49-F238E27FC236}">
-                <a16:creationId xmlns:a16="http://schemas.microsoft.com/office/drawing/2014/main" id="{2E49F884-6A40-EE2A-90B8-8C104D63DBF1}"/>
+                <a16:creationId xmlns:a16="http://schemas.microsoft.com/office/drawing/2014/main" id="{C77BCFB3-2ECD-706A-3128-06DCE4D8CA3C}"/>
               </a:ext>
             </a:extLst>
           </p:cNvPr>
@@ -6339,7 +6710,7 @@
         </p:nvSpPr>
         <p:spPr>
           <a:xfrm>
-            <a:off x="838200" y="501743"/>
+            <a:off x="841513" y="500062"/>
             <a:ext cx="10515600" cy="1325563"/>
           </a:xfrm>
         </p:spPr>
@@ -6356,12 +6727,71 @@
                   </a:schemeClr>
                 </a:solidFill>
               </a:rPr>
-              <a:t>Demonstration</a:t>
-            </a:r>
-            <a:r>
-              <a:rPr lang="de-DE" dirty="0"/>
-              <a:t> </a:t>
-            </a:r>
+              <a:t>The </a:t>
+            </a:r>
+            <a:r>
+              <a:rPr lang="de-DE" dirty="0" err="1">
+                <a:solidFill>
+                  <a:schemeClr val="tx1">
+                    <a:lumMod val="50000"/>
+                    <a:lumOff val="50000"/>
+                  </a:schemeClr>
+                </a:solidFill>
+              </a:rPr>
+              <a:t>solution</a:t>
+            </a:r>
+            <a:r>
+              <a:rPr lang="de-DE" dirty="0">
+                <a:solidFill>
+                  <a:schemeClr val="tx1">
+                    <a:lumMod val="50000"/>
+                    <a:lumOff val="50000"/>
+                  </a:schemeClr>
+                </a:solidFill>
+              </a:rPr>
+              <a:t> </a:t>
+            </a:r>
+            <a:r>
+              <a:rPr lang="de-DE" dirty="0" err="1">
+                <a:solidFill>
+                  <a:schemeClr val="tx1">
+                    <a:lumMod val="50000"/>
+                    <a:lumOff val="50000"/>
+                  </a:schemeClr>
+                </a:solidFill>
+              </a:rPr>
+              <a:t>we</a:t>
+            </a:r>
+            <a:r>
+              <a:rPr lang="de-DE" dirty="0">
+                <a:solidFill>
+                  <a:schemeClr val="tx1">
+                    <a:lumMod val="50000"/>
+                    <a:lumOff val="50000"/>
+                  </a:schemeClr>
+                </a:solidFill>
+              </a:rPr>
+              <a:t> </a:t>
+            </a:r>
+            <a:r>
+              <a:rPr lang="de-DE" dirty="0" err="1">
+                <a:solidFill>
+                  <a:schemeClr val="tx1">
+                    <a:lumMod val="50000"/>
+                    <a:lumOff val="50000"/>
+                  </a:schemeClr>
+                </a:solidFill>
+              </a:rPr>
+              <a:t>provide</a:t>
+            </a:r>
+            <a:endParaRPr lang="de-DE" dirty="0">
+              <a:solidFill>
+                <a:schemeClr val="tx1">
+                  <a:lumMod val="50000"/>
+                  <a:lumOff val="50000"/>
+                </a:schemeClr>
+              </a:solidFill>
+            </a:endParaRPr>
           </a:p>
         </p:txBody>
       </p:sp>
@@ -6370,7 +6800,7 @@
           <p:cNvPr id="3" name="Inhaltsplatzhalter 2">
             <a:extLst>
               <a:ext uri="{FF2B5EF4-FFF2-40B4-BE49-F238E27FC236}">
-                <a16:creationId xmlns:a16="http://schemas.microsoft.com/office/drawing/2014/main" id="{306985A2-0C8B-1392-6737-3420007893C9}"/>
+                <a16:creationId xmlns:a16="http://schemas.microsoft.com/office/drawing/2014/main" id="{B4F46ABD-8990-3714-E9FF-EE7A6C6357C4}"/>
               </a:ext>
             </a:extLst>
           </p:cNvPr>
@@ -6383,17 +6813,259 @@
         </p:nvSpPr>
         <p:spPr>
           <a:xfrm>
-            <a:off x="838200" y="2004919"/>
+            <a:off x="841513" y="2006600"/>
             <a:ext cx="10515600" cy="4351338"/>
           </a:xfrm>
         </p:spPr>
         <p:txBody>
-          <a:bodyPr/>
+          <a:bodyPr>
+            <a:normAutofit lnSpcReduction="10000"/>
+          </a:bodyPr>
           <a:lstStyle/>
           <a:p>
             <a:r>
-              <a:rPr lang="de-DE" dirty="0"/>
-              <a:t>Video einfügen </a:t>
+              <a:rPr lang="de-DE" dirty="0" err="1"/>
+              <a:t>talking</a:t>
+            </a:r>
+            <a:r>
+              <a:rPr lang="de-DE" dirty="0"/>
+              <a:t> </a:t>
+            </a:r>
+            <a:r>
+              <a:rPr lang="de-DE" dirty="0" err="1"/>
+              <a:t>about</a:t>
+            </a:r>
+            <a:r>
+              <a:rPr lang="de-DE" dirty="0"/>
+              <a:t> </a:t>
+            </a:r>
+            <a:r>
+              <a:rPr lang="de-DE" dirty="0" err="1"/>
+              <a:t>technical</a:t>
+            </a:r>
+            <a:r>
+              <a:rPr lang="de-DE" dirty="0"/>
+              <a:t> </a:t>
+            </a:r>
+            <a:r>
+              <a:rPr lang="de-DE" dirty="0" err="1"/>
+              <a:t>details</a:t>
+            </a:r>
+            <a:endParaRPr lang="de-DE" dirty="0"/>
+          </a:p>
+          <a:p>
+            <a:r>
+              <a:rPr lang="de-DE" dirty="0"/>
+              <a:t>Automation:</a:t>
+            </a:r>
+          </a:p>
+          <a:p>
+            <a:pPr lvl="1"/>
+            <a:r>
+              <a:rPr lang="de-DE" dirty="0"/>
+              <a:t> </a:t>
+            </a:r>
+            <a:r>
+              <a:rPr lang="de-DE" dirty="0" err="1"/>
+              <a:t>inventory</a:t>
+            </a:r>
+            <a:r>
+              <a:rPr lang="de-DE" dirty="0"/>
+              <a:t> </a:t>
+            </a:r>
+            <a:r>
+              <a:rPr lang="de-DE" dirty="0" err="1"/>
+              <a:t>is</a:t>
+            </a:r>
+            <a:r>
+              <a:rPr lang="de-DE" dirty="0"/>
+              <a:t> </a:t>
+            </a:r>
+            <a:r>
+              <a:rPr lang="de-DE" dirty="0" err="1"/>
+              <a:t>checked</a:t>
+            </a:r>
+            <a:r>
+              <a:rPr lang="de-DE" dirty="0"/>
+              <a:t> </a:t>
+            </a:r>
+            <a:r>
+              <a:rPr lang="de-DE" dirty="0" err="1"/>
+              <a:t>as</a:t>
+            </a:r>
+            <a:r>
+              <a:rPr lang="de-DE" dirty="0"/>
+              <a:t> time </a:t>
+            </a:r>
+            <a:r>
+              <a:rPr lang="de-DE" dirty="0" err="1"/>
+              <a:t>event</a:t>
+            </a:r>
+            <a:r>
+              <a:rPr lang="de-DE" dirty="0"/>
+              <a:t> </a:t>
+            </a:r>
+            <a:r>
+              <a:rPr lang="de-DE" dirty="0" err="1"/>
+              <a:t>automatically</a:t>
+            </a:r>
+            <a:endParaRPr lang="de-DE" dirty="0"/>
+          </a:p>
+          <a:p>
+            <a:pPr lvl="2"/>
+            <a:r>
+              <a:rPr lang="de-DE" dirty="0"/>
+              <a:t>Returns </a:t>
+            </a:r>
+            <a:r>
+              <a:rPr lang="de-DE" dirty="0" err="1"/>
+              <a:t>if</a:t>
+            </a:r>
+            <a:r>
+              <a:rPr lang="de-DE" dirty="0"/>
+              <a:t> </a:t>
+            </a:r>
+            <a:r>
+              <a:rPr lang="de-DE" dirty="0" err="1"/>
+              <a:t>threshold</a:t>
+            </a:r>
+            <a:r>
+              <a:rPr lang="de-DE" dirty="0"/>
+              <a:t> </a:t>
+            </a:r>
+            <a:r>
+              <a:rPr lang="de-DE" dirty="0" err="1"/>
+              <a:t>is</a:t>
+            </a:r>
+            <a:r>
+              <a:rPr lang="de-DE" dirty="0"/>
+              <a:t> </a:t>
+            </a:r>
+            <a:r>
+              <a:rPr lang="de-DE" dirty="0" err="1"/>
+              <a:t>under</a:t>
+            </a:r>
+            <a:r>
+              <a:rPr lang="de-DE" dirty="0"/>
+              <a:t> </a:t>
+            </a:r>
+            <a:r>
+              <a:rPr lang="de-DE" dirty="0" err="1"/>
+              <a:t>orover</a:t>
+            </a:r>
+            <a:r>
+              <a:rPr lang="de-DE" dirty="0"/>
+              <a:t> </a:t>
+            </a:r>
+            <a:r>
+              <a:rPr lang="de-DE" dirty="0" err="1"/>
+              <a:t>limit</a:t>
+            </a:r>
+            <a:r>
+              <a:rPr lang="de-DE" dirty="0"/>
+              <a:t> </a:t>
+            </a:r>
+          </a:p>
+          <a:p>
+            <a:pPr lvl="1"/>
+            <a:r>
+              <a:rPr lang="de-DE" dirty="0" err="1"/>
+              <a:t>placeholder</a:t>
+            </a:r>
+            <a:endParaRPr lang="de-DE" dirty="0"/>
+          </a:p>
+          <a:p>
+            <a:pPr marL="0" indent="0">
+              <a:buNone/>
+            </a:pPr>
+            <a:endParaRPr lang="de-DE" dirty="0"/>
+          </a:p>
+          <a:p>
+            <a:r>
+              <a:rPr lang="de-DE" dirty="0" err="1"/>
+              <a:t>Unification</a:t>
+            </a:r>
+            <a:r>
+              <a:rPr lang="de-DE" dirty="0"/>
+              <a:t>: </a:t>
+            </a:r>
+          </a:p>
+          <a:p>
+            <a:r>
+              <a:rPr lang="de-DE" dirty="0" err="1"/>
+              <a:t>Decision</a:t>
+            </a:r>
+            <a:r>
+              <a:rPr lang="de-DE" dirty="0"/>
+              <a:t> support: </a:t>
+            </a:r>
+          </a:p>
+          <a:p>
+            <a:r>
+              <a:rPr lang="de-DE" dirty="0"/>
+              <a:t> </a:t>
+            </a:r>
+            <a:r>
+              <a:rPr lang="de-DE" dirty="0" err="1"/>
+              <a:t>use</a:t>
+            </a:r>
+            <a:r>
+              <a:rPr lang="de-DE" dirty="0"/>
+              <a:t> </a:t>
+            </a:r>
+            <a:r>
+              <a:rPr lang="de-DE" dirty="0" err="1"/>
+              <a:t>of</a:t>
+            </a:r>
+            <a:r>
+              <a:rPr lang="de-DE" dirty="0"/>
+              <a:t> </a:t>
+            </a:r>
+            <a:r>
+              <a:rPr lang="de-DE" dirty="0" err="1"/>
+              <a:t>Camunda</a:t>
+            </a:r>
+            <a:r>
+              <a:rPr lang="de-DE" dirty="0"/>
+              <a:t>, Python, </a:t>
+            </a:r>
+          </a:p>
+          <a:p>
+            <a:r>
+              <a:rPr lang="de-DE" dirty="0"/>
+              <a:t>Multiple </a:t>
+            </a:r>
+            <a:r>
+              <a:rPr lang="de-DE" dirty="0" err="1"/>
+              <a:t>service</a:t>
+            </a:r>
+            <a:r>
+              <a:rPr lang="de-DE" dirty="0"/>
+              <a:t> </a:t>
+            </a:r>
+            <a:r>
+              <a:rPr lang="de-DE" dirty="0" err="1"/>
+              <a:t>tasks</a:t>
+            </a:r>
+            <a:r>
+              <a:rPr lang="de-DE" dirty="0"/>
+              <a:t>, </a:t>
+            </a:r>
+            <a:r>
+              <a:rPr lang="de-DE" dirty="0" err="1"/>
+              <a:t>Decision</a:t>
+            </a:r>
+            <a:r>
+              <a:rPr lang="de-DE" dirty="0"/>
+              <a:t> </a:t>
+            </a:r>
+            <a:r>
+              <a:rPr lang="de-DE" dirty="0" err="1"/>
+              <a:t>modeling</a:t>
+            </a:r>
+            <a:r>
+              <a:rPr lang="de-DE" dirty="0"/>
+              <a:t> </a:t>
             </a:r>
           </a:p>
         </p:txBody>
@@ -6401,7 +7073,7 @@
     </p:spTree>
     <p:extLst>
       <p:ext uri="{BB962C8B-B14F-4D97-AF65-F5344CB8AC3E}">
-        <p14:creationId xmlns:p14="http://schemas.microsoft.com/office/powerpoint/2010/main" val="1146317798"/>
+        <p14:creationId xmlns:p14="http://schemas.microsoft.com/office/powerpoint/2010/main" val="1415540745"/>
       </p:ext>
     </p:extLst>
   </p:cSld>
@@ -6433,7 +7105,7 @@
           <p:cNvPr id="2" name="Titel 1">
             <a:extLst>
               <a:ext uri="{FF2B5EF4-FFF2-40B4-BE49-F238E27FC236}">
-                <a16:creationId xmlns:a16="http://schemas.microsoft.com/office/drawing/2014/main" id="{22D8ECC0-E8B5-00F4-CDAC-994AFC71E380}"/>
+                <a16:creationId xmlns:a16="http://schemas.microsoft.com/office/drawing/2014/main" id="{28107D28-FA76-389F-2BF1-8C8EDDD35D16}"/>
               </a:ext>
             </a:extLst>
           </p:cNvPr>
@@ -6446,7 +7118,7 @@
         </p:nvSpPr>
         <p:spPr>
           <a:xfrm>
-            <a:off x="838200" y="4872958"/>
+            <a:off x="838200" y="500062"/>
             <a:ext cx="10515600" cy="1325563"/>
           </a:xfrm>
         </p:spPr>
@@ -6455,7 +7127,7 @@
           <a:lstStyle/>
           <a:p>
             <a:r>
-              <a:rPr lang="de-DE" dirty="0">
+              <a:rPr lang="de-DE" dirty="0" err="1">
                 <a:solidFill>
                   <a:schemeClr val="tx1">
                     <a:lumMod val="50000"/>
@@ -6463,427 +7135,119 @@
                   </a:schemeClr>
                 </a:solidFill>
               </a:rPr>
-              <a:t>Benefits</a:t>
-            </a:r>
-          </a:p>
-        </p:txBody>
-      </p:sp>
-      <p:sp>
-        <p:nvSpPr>
-          <p:cNvPr id="4" name="Textfeld 3">
-            <a:extLst>
-              <a:ext uri="{FF2B5EF4-FFF2-40B4-BE49-F238E27FC236}">
-                <a16:creationId xmlns:a16="http://schemas.microsoft.com/office/drawing/2014/main" id="{65756FEC-7821-2152-6E2C-7D131DA37680}"/>
-              </a:ext>
-            </a:extLst>
-          </p:cNvPr>
-          <p:cNvSpPr txBox="1"/>
-          <p:nvPr/>
+              <a:t>How</a:t>
+            </a:r>
+            <a:r>
+              <a:rPr lang="de-DE" dirty="0">
+                <a:solidFill>
+                  <a:schemeClr val="tx1">
+                    <a:lumMod val="50000"/>
+                    <a:lumOff val="50000"/>
+                  </a:schemeClr>
+                </a:solidFill>
+              </a:rPr>
+              <a:t> </a:t>
+            </a:r>
+            <a:r>
+              <a:rPr lang="de-DE" dirty="0" err="1">
+                <a:solidFill>
+                  <a:schemeClr val="tx1">
+                    <a:lumMod val="50000"/>
+                    <a:lumOff val="50000"/>
+                  </a:schemeClr>
+                </a:solidFill>
+              </a:rPr>
+              <a:t>to</a:t>
+            </a:r>
+            <a:r>
+              <a:rPr lang="de-DE" dirty="0">
+                <a:solidFill>
+                  <a:schemeClr val="tx1">
+                    <a:lumMod val="50000"/>
+                    <a:lumOff val="50000"/>
+                  </a:schemeClr>
+                </a:solidFill>
+              </a:rPr>
+              <a:t> </a:t>
+            </a:r>
+            <a:r>
+              <a:rPr lang="de-DE" dirty="0" err="1">
+                <a:solidFill>
+                  <a:schemeClr val="tx1">
+                    <a:lumMod val="50000"/>
+                    <a:lumOff val="50000"/>
+                  </a:schemeClr>
+                </a:solidFill>
+              </a:rPr>
+              <a:t>implement</a:t>
+            </a:r>
+            <a:r>
+              <a:rPr lang="de-DE" dirty="0">
+                <a:solidFill>
+                  <a:schemeClr val="tx1">
+                    <a:lumMod val="50000"/>
+                    <a:lumOff val="50000"/>
+                  </a:schemeClr>
+                </a:solidFill>
+              </a:rPr>
+              <a:t> </a:t>
+            </a:r>
+            <a:r>
+              <a:rPr lang="de-DE" dirty="0" err="1">
+                <a:solidFill>
+                  <a:schemeClr val="tx1">
+                    <a:lumMod val="50000"/>
+                    <a:lumOff val="50000"/>
+                  </a:schemeClr>
+                </a:solidFill>
+              </a:rPr>
+              <a:t>Narcovet</a:t>
+            </a:r>
+            <a:endParaRPr lang="de-DE" dirty="0">
+              <a:solidFill>
+                <a:schemeClr val="tx1">
+                  <a:lumMod val="50000"/>
+                  <a:lumOff val="50000"/>
+                </a:schemeClr>
+              </a:solidFill>
+            </a:endParaRPr>
+          </a:p>
+        </p:txBody>
+      </p:sp>
+      <p:sp>
+        <p:nvSpPr>
+          <p:cNvPr id="3" name="Inhaltsplatzhalter 2">
+            <a:extLst>
+              <a:ext uri="{FF2B5EF4-FFF2-40B4-BE49-F238E27FC236}">
+                <a16:creationId xmlns:a16="http://schemas.microsoft.com/office/drawing/2014/main" id="{8CC658FB-A13A-CC0D-F682-EBE199A97437}"/>
+              </a:ext>
+            </a:extLst>
+          </p:cNvPr>
+          <p:cNvSpPr>
+            <a:spLocks noGrp="1"/>
+          </p:cNvSpPr>
+          <p:nvPr>
+            <p:ph idx="1"/>
+          </p:nvPr>
         </p:nvSpPr>
         <p:spPr>
           <a:xfrm>
-            <a:off x="838200" y="659479"/>
-            <a:ext cx="9403080" cy="3139321"/>
+            <a:off x="838200" y="2006600"/>
+            <a:ext cx="10515600" cy="4351338"/>
           </a:xfrm>
-          <a:prstGeom prst="rect">
-            <a:avLst/>
-          </a:prstGeom>
-          <a:noFill/>
         </p:spPr>
         <p:txBody>
-          <a:bodyPr wrap="square" rtlCol="0">
-            <a:spAutoFit/>
-          </a:bodyPr>
+          <a:bodyPr/>
           <a:lstStyle/>
           <a:p>
-            <a:r>
-              <a:rPr lang="de-DE" dirty="0" err="1"/>
-              <a:t>Reduction</a:t>
-            </a:r>
-            <a:r>
-              <a:rPr lang="de-DE" dirty="0"/>
-              <a:t> </a:t>
-            </a:r>
-            <a:r>
-              <a:rPr lang="de-DE" dirty="0" err="1"/>
-              <a:t>of</a:t>
-            </a:r>
-            <a:r>
-              <a:rPr lang="de-DE" dirty="0"/>
-              <a:t> </a:t>
-            </a:r>
-            <a:r>
-              <a:rPr lang="de-DE" dirty="0" err="1"/>
-              <a:t>hours</a:t>
-            </a:r>
-            <a:r>
-              <a:rPr lang="de-DE" dirty="0"/>
-              <a:t> </a:t>
-            </a:r>
-            <a:r>
-              <a:rPr lang="de-DE" dirty="0" err="1"/>
-              <a:t>spent</a:t>
-            </a:r>
-            <a:r>
-              <a:rPr lang="de-DE" dirty="0"/>
-              <a:t> on </a:t>
-            </a:r>
-            <a:r>
-              <a:rPr lang="de-DE" dirty="0" err="1"/>
-              <a:t>narcotics</a:t>
-            </a:r>
-            <a:r>
-              <a:rPr lang="de-DE" dirty="0"/>
-              <a:t> </a:t>
-            </a:r>
-            <a:r>
-              <a:rPr lang="de-DE" dirty="0" err="1"/>
-              <a:t>management</a:t>
-            </a:r>
-            <a:r>
-              <a:rPr lang="de-DE" dirty="0"/>
-              <a:t> </a:t>
-            </a:r>
-            <a:r>
-              <a:rPr lang="de-DE" dirty="0" err="1"/>
-              <a:t>reduced</a:t>
-            </a:r>
-            <a:r>
-              <a:rPr lang="de-DE" dirty="0"/>
-              <a:t> </a:t>
-            </a:r>
-            <a:r>
-              <a:rPr lang="de-DE" dirty="0" err="1"/>
-              <a:t>by</a:t>
-            </a:r>
-            <a:r>
-              <a:rPr lang="de-DE" dirty="0"/>
-              <a:t> </a:t>
-            </a:r>
-            <a:r>
-              <a:rPr lang="de-DE" dirty="0" err="1"/>
-              <a:t>estimated</a:t>
-            </a:r>
-            <a:r>
-              <a:rPr lang="de-DE" dirty="0"/>
-              <a:t>: </a:t>
-            </a:r>
-          </a:p>
-          <a:p>
-            <a:r>
-              <a:rPr lang="de-DE" dirty="0"/>
-              <a:t>180h per </a:t>
-            </a:r>
-            <a:r>
-              <a:rPr lang="de-DE" dirty="0" err="1"/>
-              <a:t>year</a:t>
-            </a:r>
-            <a:r>
-              <a:rPr lang="de-DE" dirty="0"/>
-              <a:t> </a:t>
-            </a:r>
-            <a:r>
-              <a:rPr lang="de-DE" dirty="0" err="1"/>
-              <a:t>without</a:t>
-            </a:r>
-            <a:r>
-              <a:rPr lang="de-DE" dirty="0"/>
-              <a:t> </a:t>
-            </a:r>
-            <a:r>
-              <a:rPr lang="de-DE" dirty="0" err="1"/>
-              <a:t>Narcovets</a:t>
-            </a:r>
-            <a:r>
-              <a:rPr lang="de-DE" dirty="0"/>
-              <a:t> </a:t>
-            </a:r>
-          </a:p>
-          <a:p>
-            <a:r>
-              <a:rPr lang="de-DE" dirty="0"/>
-              <a:t>67h per </a:t>
-            </a:r>
-            <a:r>
-              <a:rPr lang="de-DE" dirty="0" err="1"/>
-              <a:t>year</a:t>
-            </a:r>
-            <a:r>
-              <a:rPr lang="de-DE" dirty="0"/>
-              <a:t> </a:t>
-            </a:r>
-            <a:r>
-              <a:rPr lang="de-DE" dirty="0" err="1"/>
-              <a:t>with</a:t>
-            </a:r>
-            <a:r>
-              <a:rPr lang="de-DE" dirty="0"/>
-              <a:t> </a:t>
-            </a:r>
-            <a:r>
-              <a:rPr lang="de-DE" dirty="0" err="1"/>
-              <a:t>Narcovets</a:t>
-            </a:r>
-            <a:r>
-              <a:rPr lang="de-DE" dirty="0"/>
-              <a:t> </a:t>
-            </a:r>
-          </a:p>
-          <a:p>
-            <a:r>
-              <a:rPr lang="de-DE" dirty="0"/>
-              <a:t> </a:t>
-            </a:r>
-          </a:p>
-          <a:p>
-            <a:r>
-              <a:rPr lang="de-DE" dirty="0" err="1"/>
-              <a:t>Reduction</a:t>
-            </a:r>
-            <a:r>
-              <a:rPr lang="de-DE" dirty="0"/>
-              <a:t> on </a:t>
-            </a:r>
-            <a:r>
-              <a:rPr lang="de-DE" dirty="0" err="1"/>
-              <a:t>money</a:t>
-            </a:r>
-            <a:r>
-              <a:rPr lang="de-DE" dirty="0"/>
-              <a:t> </a:t>
-            </a:r>
-            <a:r>
-              <a:rPr lang="de-DE" dirty="0" err="1"/>
-              <a:t>spent</a:t>
-            </a:r>
-            <a:r>
-              <a:rPr lang="de-DE" dirty="0"/>
-              <a:t> on </a:t>
-            </a:r>
-            <a:r>
-              <a:rPr lang="de-DE" dirty="0" err="1"/>
-              <a:t>narcotics</a:t>
-            </a:r>
-            <a:r>
-              <a:rPr lang="de-DE" dirty="0"/>
-              <a:t> </a:t>
-            </a:r>
-            <a:r>
-              <a:rPr lang="de-DE" dirty="0" err="1"/>
-              <a:t>management</a:t>
-            </a:r>
-            <a:r>
-              <a:rPr lang="de-DE" dirty="0"/>
-              <a:t> </a:t>
-            </a:r>
-            <a:r>
-              <a:rPr lang="de-DE" dirty="0" err="1"/>
-              <a:t>reduced</a:t>
-            </a:r>
-            <a:r>
-              <a:rPr lang="de-DE" dirty="0"/>
-              <a:t> </a:t>
-            </a:r>
-            <a:r>
-              <a:rPr lang="de-DE" dirty="0" err="1"/>
-              <a:t>by</a:t>
-            </a:r>
-            <a:r>
-              <a:rPr lang="de-DE" dirty="0"/>
-              <a:t> </a:t>
-            </a:r>
-            <a:r>
-              <a:rPr lang="de-DE" dirty="0" err="1"/>
-              <a:t>estimated</a:t>
-            </a:r>
-            <a:r>
-              <a:rPr lang="de-DE" dirty="0"/>
-              <a:t>:</a:t>
-            </a:r>
-          </a:p>
-          <a:p>
-            <a:r>
-              <a:rPr lang="de-DE" dirty="0"/>
-              <a:t>10.000CHF per </a:t>
-            </a:r>
-            <a:r>
-              <a:rPr lang="de-DE" dirty="0" err="1"/>
-              <a:t>year</a:t>
-            </a:r>
-            <a:r>
-              <a:rPr lang="de-DE" dirty="0"/>
-              <a:t> </a:t>
-            </a:r>
-            <a:r>
-              <a:rPr lang="de-DE" dirty="0" err="1"/>
-              <a:t>without</a:t>
-            </a:r>
-            <a:r>
-              <a:rPr lang="de-DE" dirty="0"/>
-              <a:t> </a:t>
-            </a:r>
-            <a:r>
-              <a:rPr lang="de-DE" dirty="0" err="1"/>
-              <a:t>Narcovets</a:t>
-            </a:r>
-            <a:r>
-              <a:rPr lang="de-DE" dirty="0"/>
-              <a:t> </a:t>
-            </a:r>
-          </a:p>
-          <a:p>
-            <a:r>
-              <a:rPr lang="de-DE" dirty="0"/>
-              <a:t> 5.000CHF per </a:t>
-            </a:r>
-            <a:r>
-              <a:rPr lang="de-DE" dirty="0" err="1"/>
-              <a:t>year</a:t>
-            </a:r>
-            <a:r>
-              <a:rPr lang="de-DE" dirty="0"/>
-              <a:t> </a:t>
-            </a:r>
-            <a:r>
-              <a:rPr lang="de-DE" dirty="0" err="1"/>
-              <a:t>with</a:t>
-            </a:r>
-            <a:r>
-              <a:rPr lang="de-DE" dirty="0"/>
-              <a:t> </a:t>
-            </a:r>
-            <a:r>
-              <a:rPr lang="de-DE" dirty="0" err="1"/>
-              <a:t>Narcovets</a:t>
-            </a:r>
-            <a:r>
-              <a:rPr lang="de-DE" dirty="0"/>
-              <a:t> </a:t>
-            </a:r>
-          </a:p>
-          <a:p>
             <a:endParaRPr lang="de-DE" dirty="0"/>
-          </a:p>
-          <a:p>
-            <a:r>
-              <a:rPr lang="de-DE" dirty="0"/>
-              <a:t>On top: </a:t>
-            </a:r>
-          </a:p>
-          <a:p>
-            <a:pPr marL="285750" indent="-285750">
-              <a:buFontTx/>
-              <a:buChar char="-"/>
-            </a:pPr>
-            <a:r>
-              <a:rPr lang="de-DE" dirty="0" err="1"/>
-              <a:t>Centralized</a:t>
-            </a:r>
-            <a:r>
-              <a:rPr lang="de-DE" dirty="0"/>
-              <a:t> </a:t>
-            </a:r>
-            <a:r>
-              <a:rPr lang="de-DE" dirty="0" err="1"/>
-              <a:t>documentation</a:t>
-            </a:r>
-            <a:r>
-              <a:rPr lang="de-DE" dirty="0"/>
-              <a:t> </a:t>
-            </a:r>
-          </a:p>
-          <a:p>
-            <a:pPr marL="285750" indent="-285750">
-              <a:buFontTx/>
-              <a:buChar char="-"/>
-            </a:pPr>
-            <a:r>
-              <a:rPr lang="de-DE" dirty="0" err="1"/>
-              <a:t>Less</a:t>
-            </a:r>
-            <a:r>
-              <a:rPr lang="de-DE" dirty="0"/>
-              <a:t> </a:t>
-            </a:r>
-            <a:r>
-              <a:rPr lang="de-DE" dirty="0" err="1"/>
-              <a:t>risk</a:t>
-            </a:r>
-            <a:r>
-              <a:rPr lang="de-DE" dirty="0"/>
-              <a:t> </a:t>
-            </a:r>
-            <a:r>
-              <a:rPr lang="de-DE" dirty="0" err="1"/>
-              <a:t>for</a:t>
-            </a:r>
-            <a:r>
-              <a:rPr lang="de-DE" dirty="0"/>
-              <a:t> human </a:t>
-            </a:r>
-            <a:r>
-              <a:rPr lang="de-DE" dirty="0" err="1"/>
-              <a:t>errors</a:t>
-            </a:r>
-            <a:r>
-              <a:rPr lang="de-DE" dirty="0"/>
-              <a:t> </a:t>
-            </a:r>
-            <a:r>
-              <a:rPr lang="de-DE" dirty="0" err="1"/>
-              <a:t>or</a:t>
-            </a:r>
-            <a:r>
-              <a:rPr lang="de-DE" dirty="0"/>
-              <a:t> human </a:t>
-            </a:r>
-            <a:r>
-              <a:rPr lang="de-DE" dirty="0" err="1"/>
-              <a:t>intervention</a:t>
-            </a:r>
-            <a:r>
-              <a:rPr lang="de-DE" dirty="0"/>
-              <a:t> </a:t>
-            </a:r>
-            <a:r>
-              <a:rPr lang="de-DE" dirty="0" err="1"/>
-              <a:t>to</a:t>
-            </a:r>
-            <a:r>
-              <a:rPr lang="de-DE" dirty="0"/>
-              <a:t> </a:t>
-            </a:r>
-            <a:r>
-              <a:rPr lang="de-DE" dirty="0" err="1"/>
-              <a:t>cheat</a:t>
-            </a:r>
-            <a:r>
-              <a:rPr lang="de-DE" dirty="0"/>
-              <a:t> </a:t>
-            </a:r>
-            <a:r>
-              <a:rPr lang="de-DE" dirty="0" err="1"/>
-              <a:t>wrong</a:t>
-            </a:r>
-            <a:r>
-              <a:rPr lang="de-DE" dirty="0"/>
-              <a:t> </a:t>
-            </a:r>
-            <a:r>
-              <a:rPr lang="de-DE" dirty="0" err="1"/>
-              <a:t>numbers</a:t>
-            </a:r>
-            <a:r>
-              <a:rPr lang="de-DE" dirty="0"/>
-              <a:t> </a:t>
-            </a:r>
           </a:p>
         </p:txBody>
       </p:sp>
     </p:spTree>
     <p:extLst>
       <p:ext uri="{BB962C8B-B14F-4D97-AF65-F5344CB8AC3E}">
-        <p14:creationId xmlns:p14="http://schemas.microsoft.com/office/powerpoint/2010/main" val="4087394814"/>
+        <p14:creationId xmlns:p14="http://schemas.microsoft.com/office/powerpoint/2010/main" val="3941973886"/>
       </p:ext>
     </p:extLst>
   </p:cSld>

--- a/presentation and documentation/Narcovet.pptx
+++ b/presentation and documentation/Narcovet.pptx
@@ -6,17 +6,15 @@
   </p:sldMasterIdLst>
   <p:sldIdLst>
     <p:sldId id="261" r:id="rId2"/>
-    <p:sldId id="257" r:id="rId3"/>
+    <p:sldId id="273" r:id="rId3"/>
     <p:sldId id="259" r:id="rId4"/>
     <p:sldId id="268" r:id="rId5"/>
-    <p:sldId id="260" r:id="rId6"/>
-    <p:sldId id="269" r:id="rId7"/>
-    <p:sldId id="270" r:id="rId8"/>
-    <p:sldId id="262" r:id="rId9"/>
-    <p:sldId id="266" r:id="rId10"/>
-    <p:sldId id="263" r:id="rId11"/>
-    <p:sldId id="267" r:id="rId12"/>
-    <p:sldId id="265" r:id="rId13"/>
+    <p:sldId id="269" r:id="rId6"/>
+    <p:sldId id="270" r:id="rId7"/>
+    <p:sldId id="262" r:id="rId8"/>
+    <p:sldId id="263" r:id="rId9"/>
+    <p:sldId id="272" r:id="rId10"/>
+    <p:sldId id="271" r:id="rId11"/>
   </p:sldIdLst>
   <p:sldSz cx="12192000" cy="6858000"/>
   <p:notesSz cx="6858000" cy="9144000"/>
@@ -352,7 +350,7 @@
           <a:p>
             <a:fld id="{8E7E68AA-B059-46D2-BC07-C1FC2D1B532B}" type="datetimeFigureOut">
               <a:rPr lang="de-DE" smtClean="0"/>
-              <a:t>18.12.2024</a:t>
+              <a:t>19.12.2024</a:t>
             </a:fld>
             <a:endParaRPr lang="de-DE"/>
           </a:p>
@@ -610,7 +608,7 @@
           <a:p>
             <a:fld id="{8E7E68AA-B059-46D2-BC07-C1FC2D1B532B}" type="datetimeFigureOut">
               <a:rPr lang="de-DE" smtClean="0"/>
-              <a:t>18.12.2024</a:t>
+              <a:t>19.12.2024</a:t>
             </a:fld>
             <a:endParaRPr lang="de-DE"/>
           </a:p>
@@ -885,7 +883,7 @@
           <a:p>
             <a:fld id="{8E7E68AA-B059-46D2-BC07-C1FC2D1B532B}" type="datetimeFigureOut">
               <a:rPr lang="de-DE" smtClean="0"/>
-              <a:t>18.12.2024</a:t>
+              <a:t>19.12.2024</a:t>
             </a:fld>
             <a:endParaRPr lang="de-DE"/>
           </a:p>
@@ -1234,7 +1232,7 @@
           <a:p>
             <a:fld id="{8E7E68AA-B059-46D2-BC07-C1FC2D1B532B}" type="datetimeFigureOut">
               <a:rPr lang="de-DE" smtClean="0"/>
-              <a:t>18.12.2024</a:t>
+              <a:t>19.12.2024</a:t>
             </a:fld>
             <a:endParaRPr lang="de-DE"/>
           </a:p>
@@ -1646,7 +1644,7 @@
           <a:p>
             <a:fld id="{8E7E68AA-B059-46D2-BC07-C1FC2D1B532B}" type="datetimeFigureOut">
               <a:rPr lang="de-DE" smtClean="0"/>
-              <a:t>18.12.2024</a:t>
+              <a:t>19.12.2024</a:t>
             </a:fld>
             <a:endParaRPr lang="de-DE"/>
           </a:p>
@@ -1787,7 +1785,7 @@
           <a:p>
             <a:fld id="{8E7E68AA-B059-46D2-BC07-C1FC2D1B532B}" type="datetimeFigureOut">
               <a:rPr lang="de-DE" smtClean="0"/>
-              <a:t>18.12.2024</a:t>
+              <a:t>19.12.2024</a:t>
             </a:fld>
             <a:endParaRPr lang="de-DE"/>
           </a:p>
@@ -1964,7 +1962,7 @@
           <a:p>
             <a:fld id="{8E7E68AA-B059-46D2-BC07-C1FC2D1B532B}" type="datetimeFigureOut">
               <a:rPr lang="de-DE" smtClean="0"/>
-              <a:t>18.12.2024</a:t>
+              <a:t>19.12.2024</a:t>
             </a:fld>
             <a:endParaRPr lang="de-DE"/>
           </a:p>
@@ -2335,7 +2333,7 @@
           <a:p>
             <a:fld id="{8E7E68AA-B059-46D2-BC07-C1FC2D1B532B}" type="datetimeFigureOut">
               <a:rPr lang="de-DE" smtClean="0"/>
-              <a:t>18.12.2024</a:t>
+              <a:t>19.12.2024</a:t>
             </a:fld>
             <a:endParaRPr lang="de-DE"/>
           </a:p>
@@ -2623,7 +2621,7 @@
           <a:p>
             <a:fld id="{8E7E68AA-B059-46D2-BC07-C1FC2D1B532B}" type="datetimeFigureOut">
               <a:rPr lang="de-DE" smtClean="0"/>
-              <a:t>18.12.2024</a:t>
+              <a:t>19.12.2024</a:t>
             </a:fld>
             <a:endParaRPr lang="de-DE"/>
           </a:p>
@@ -2864,7 +2862,7 @@
           <a:p>
             <a:fld id="{8E7E68AA-B059-46D2-BC07-C1FC2D1B532B}" type="datetimeFigureOut">
               <a:rPr lang="de-DE" smtClean="0"/>
-              <a:t>18.12.2024</a:t>
+              <a:t>19.12.2024</a:t>
             </a:fld>
             <a:endParaRPr lang="de-DE" dirty="0"/>
           </a:p>
@@ -3847,595 +3845,6 @@
       </p:grpSpPr>
       <p:sp>
         <p:nvSpPr>
-          <p:cNvPr id="2" name="Titel 1">
-            <a:extLst>
-              <a:ext uri="{FF2B5EF4-FFF2-40B4-BE49-F238E27FC236}">
-                <a16:creationId xmlns:a16="http://schemas.microsoft.com/office/drawing/2014/main" id="{2E49F884-6A40-EE2A-90B8-8C104D63DBF1}"/>
-              </a:ext>
-            </a:extLst>
-          </p:cNvPr>
-          <p:cNvSpPr>
-            <a:spLocks noGrp="1"/>
-          </p:cNvSpPr>
-          <p:nvPr>
-            <p:ph type="title"/>
-          </p:nvPr>
-        </p:nvSpPr>
-        <p:spPr>
-          <a:xfrm>
-            <a:off x="838200" y="501743"/>
-            <a:ext cx="10515600" cy="1325563"/>
-          </a:xfrm>
-        </p:spPr>
-        <p:txBody>
-          <a:bodyPr/>
-          <a:lstStyle/>
-          <a:p>
-            <a:r>
-              <a:rPr lang="de-DE" dirty="0">
-                <a:solidFill>
-                  <a:schemeClr val="tx1">
-                    <a:lumMod val="50000"/>
-                    <a:lumOff val="50000"/>
-                  </a:schemeClr>
-                </a:solidFill>
-              </a:rPr>
-              <a:t>Demonstration</a:t>
-            </a:r>
-            <a:r>
-              <a:rPr lang="de-DE" dirty="0"/>
-              <a:t> </a:t>
-            </a:r>
-          </a:p>
-        </p:txBody>
-      </p:sp>
-      <p:sp>
-        <p:nvSpPr>
-          <p:cNvPr id="3" name="Inhaltsplatzhalter 2">
-            <a:extLst>
-              <a:ext uri="{FF2B5EF4-FFF2-40B4-BE49-F238E27FC236}">
-                <a16:creationId xmlns:a16="http://schemas.microsoft.com/office/drawing/2014/main" id="{306985A2-0C8B-1392-6737-3420007893C9}"/>
-              </a:ext>
-            </a:extLst>
-          </p:cNvPr>
-          <p:cNvSpPr>
-            <a:spLocks noGrp="1"/>
-          </p:cNvSpPr>
-          <p:nvPr>
-            <p:ph idx="1"/>
-          </p:nvPr>
-        </p:nvSpPr>
-        <p:spPr>
-          <a:xfrm>
-            <a:off x="838200" y="2004919"/>
-            <a:ext cx="10515600" cy="4351338"/>
-          </a:xfrm>
-        </p:spPr>
-        <p:txBody>
-          <a:bodyPr/>
-          <a:lstStyle/>
-          <a:p>
-            <a:r>
-              <a:rPr lang="de-DE" dirty="0"/>
-              <a:t>Video einfügen </a:t>
-            </a:r>
-          </a:p>
-        </p:txBody>
-      </p:sp>
-    </p:spTree>
-    <p:extLst>
-      <p:ext uri="{BB962C8B-B14F-4D97-AF65-F5344CB8AC3E}">
-        <p14:creationId xmlns:p14="http://schemas.microsoft.com/office/powerpoint/2010/main" val="1146317798"/>
-      </p:ext>
-    </p:extLst>
-  </p:cSld>
-  <p:clrMapOvr>
-    <a:masterClrMapping/>
-  </p:clrMapOvr>
-</p:sld>
-</file>
-
-<file path=ppt/slides/slide11.xml><?xml version="1.0" encoding="utf-8"?>
-<p:sld xmlns:a="http://schemas.openxmlformats.org/drawingml/2006/main" xmlns:r="http://schemas.openxmlformats.org/officeDocument/2006/relationships" xmlns:p="http://schemas.openxmlformats.org/presentationml/2006/main">
-  <p:cSld>
-    <p:spTree>
-      <p:nvGrpSpPr>
-        <p:cNvPr id="1" name=""/>
-        <p:cNvGrpSpPr/>
-        <p:nvPr/>
-      </p:nvGrpSpPr>
-      <p:grpSpPr>
-        <a:xfrm>
-          <a:off x="0" y="0"/>
-          <a:ext cx="0" cy="0"/>
-          <a:chOff x="0" y="0"/>
-          <a:chExt cx="0" cy="0"/>
-        </a:xfrm>
-      </p:grpSpPr>
-      <p:sp>
-        <p:nvSpPr>
-          <p:cNvPr id="2" name="Titel 1">
-            <a:extLst>
-              <a:ext uri="{FF2B5EF4-FFF2-40B4-BE49-F238E27FC236}">
-                <a16:creationId xmlns:a16="http://schemas.microsoft.com/office/drawing/2014/main" id="{22D8ECC0-E8B5-00F4-CDAC-994AFC71E380}"/>
-              </a:ext>
-            </a:extLst>
-          </p:cNvPr>
-          <p:cNvSpPr>
-            <a:spLocks noGrp="1"/>
-          </p:cNvSpPr>
-          <p:nvPr>
-            <p:ph type="title"/>
-          </p:nvPr>
-        </p:nvSpPr>
-        <p:spPr>
-          <a:xfrm>
-            <a:off x="838200" y="4872958"/>
-            <a:ext cx="10515600" cy="1325563"/>
-          </a:xfrm>
-        </p:spPr>
-        <p:txBody>
-          <a:bodyPr/>
-          <a:lstStyle/>
-          <a:p>
-            <a:r>
-              <a:rPr lang="de-DE" dirty="0">
-                <a:solidFill>
-                  <a:schemeClr val="tx1">
-                    <a:lumMod val="50000"/>
-                    <a:lumOff val="50000"/>
-                  </a:schemeClr>
-                </a:solidFill>
-              </a:rPr>
-              <a:t>Benefits</a:t>
-            </a:r>
-          </a:p>
-        </p:txBody>
-      </p:sp>
-      <p:sp>
-        <p:nvSpPr>
-          <p:cNvPr id="4" name="Textfeld 3">
-            <a:extLst>
-              <a:ext uri="{FF2B5EF4-FFF2-40B4-BE49-F238E27FC236}">
-                <a16:creationId xmlns:a16="http://schemas.microsoft.com/office/drawing/2014/main" id="{65756FEC-7821-2152-6E2C-7D131DA37680}"/>
-              </a:ext>
-            </a:extLst>
-          </p:cNvPr>
-          <p:cNvSpPr txBox="1"/>
-          <p:nvPr/>
-        </p:nvSpPr>
-        <p:spPr>
-          <a:xfrm>
-            <a:off x="838200" y="659479"/>
-            <a:ext cx="9403080" cy="3139321"/>
-          </a:xfrm>
-          <a:prstGeom prst="rect">
-            <a:avLst/>
-          </a:prstGeom>
-          <a:noFill/>
-        </p:spPr>
-        <p:txBody>
-          <a:bodyPr wrap="square" rtlCol="0">
-            <a:spAutoFit/>
-          </a:bodyPr>
-          <a:lstStyle/>
-          <a:p>
-            <a:r>
-              <a:rPr lang="de-DE" dirty="0" err="1"/>
-              <a:t>Reduction</a:t>
-            </a:r>
-            <a:r>
-              <a:rPr lang="de-DE" dirty="0"/>
-              <a:t> </a:t>
-            </a:r>
-            <a:r>
-              <a:rPr lang="de-DE" dirty="0" err="1"/>
-              <a:t>of</a:t>
-            </a:r>
-            <a:r>
-              <a:rPr lang="de-DE" dirty="0"/>
-              <a:t> </a:t>
-            </a:r>
-            <a:r>
-              <a:rPr lang="de-DE" dirty="0" err="1"/>
-              <a:t>hours</a:t>
-            </a:r>
-            <a:r>
-              <a:rPr lang="de-DE" dirty="0"/>
-              <a:t> </a:t>
-            </a:r>
-            <a:r>
-              <a:rPr lang="de-DE" dirty="0" err="1"/>
-              <a:t>spent</a:t>
-            </a:r>
-            <a:r>
-              <a:rPr lang="de-DE" dirty="0"/>
-              <a:t> on </a:t>
-            </a:r>
-            <a:r>
-              <a:rPr lang="de-DE" dirty="0" err="1"/>
-              <a:t>narcotics</a:t>
-            </a:r>
-            <a:r>
-              <a:rPr lang="de-DE" dirty="0"/>
-              <a:t> </a:t>
-            </a:r>
-            <a:r>
-              <a:rPr lang="de-DE" dirty="0" err="1"/>
-              <a:t>management</a:t>
-            </a:r>
-            <a:r>
-              <a:rPr lang="de-DE" dirty="0"/>
-              <a:t> </a:t>
-            </a:r>
-            <a:r>
-              <a:rPr lang="de-DE" dirty="0" err="1"/>
-              <a:t>reduced</a:t>
-            </a:r>
-            <a:r>
-              <a:rPr lang="de-DE" dirty="0"/>
-              <a:t> </a:t>
-            </a:r>
-            <a:r>
-              <a:rPr lang="de-DE" dirty="0" err="1"/>
-              <a:t>by</a:t>
-            </a:r>
-            <a:r>
-              <a:rPr lang="de-DE" dirty="0"/>
-              <a:t> </a:t>
-            </a:r>
-            <a:r>
-              <a:rPr lang="de-DE" dirty="0" err="1"/>
-              <a:t>estimated</a:t>
-            </a:r>
-            <a:r>
-              <a:rPr lang="de-DE" dirty="0"/>
-              <a:t>: </a:t>
-            </a:r>
-          </a:p>
-          <a:p>
-            <a:r>
-              <a:rPr lang="de-DE" dirty="0"/>
-              <a:t>180h per </a:t>
-            </a:r>
-            <a:r>
-              <a:rPr lang="de-DE" dirty="0" err="1"/>
-              <a:t>year</a:t>
-            </a:r>
-            <a:r>
-              <a:rPr lang="de-DE" dirty="0"/>
-              <a:t> </a:t>
-            </a:r>
-            <a:r>
-              <a:rPr lang="de-DE" dirty="0" err="1"/>
-              <a:t>without</a:t>
-            </a:r>
-            <a:r>
-              <a:rPr lang="de-DE" dirty="0"/>
-              <a:t> </a:t>
-            </a:r>
-            <a:r>
-              <a:rPr lang="de-DE" dirty="0" err="1"/>
-              <a:t>Narcovets</a:t>
-            </a:r>
-            <a:r>
-              <a:rPr lang="de-DE" dirty="0"/>
-              <a:t> </a:t>
-            </a:r>
-          </a:p>
-          <a:p>
-            <a:r>
-              <a:rPr lang="de-DE" dirty="0"/>
-              <a:t>67h per </a:t>
-            </a:r>
-            <a:r>
-              <a:rPr lang="de-DE" dirty="0" err="1"/>
-              <a:t>year</a:t>
-            </a:r>
-            <a:r>
-              <a:rPr lang="de-DE" dirty="0"/>
-              <a:t> </a:t>
-            </a:r>
-            <a:r>
-              <a:rPr lang="de-DE" dirty="0" err="1"/>
-              <a:t>with</a:t>
-            </a:r>
-            <a:r>
-              <a:rPr lang="de-DE" dirty="0"/>
-              <a:t> </a:t>
-            </a:r>
-            <a:r>
-              <a:rPr lang="de-DE" dirty="0" err="1"/>
-              <a:t>Narcovets</a:t>
-            </a:r>
-            <a:r>
-              <a:rPr lang="de-DE" dirty="0"/>
-              <a:t> </a:t>
-            </a:r>
-          </a:p>
-          <a:p>
-            <a:r>
-              <a:rPr lang="de-DE" dirty="0"/>
-              <a:t> </a:t>
-            </a:r>
-          </a:p>
-          <a:p>
-            <a:r>
-              <a:rPr lang="de-DE" dirty="0" err="1"/>
-              <a:t>Reduction</a:t>
-            </a:r>
-            <a:r>
-              <a:rPr lang="de-DE" dirty="0"/>
-              <a:t> on </a:t>
-            </a:r>
-            <a:r>
-              <a:rPr lang="de-DE" dirty="0" err="1"/>
-              <a:t>money</a:t>
-            </a:r>
-            <a:r>
-              <a:rPr lang="de-DE" dirty="0"/>
-              <a:t> </a:t>
-            </a:r>
-            <a:r>
-              <a:rPr lang="de-DE" dirty="0" err="1"/>
-              <a:t>spent</a:t>
-            </a:r>
-            <a:r>
-              <a:rPr lang="de-DE" dirty="0"/>
-              <a:t> on </a:t>
-            </a:r>
-            <a:r>
-              <a:rPr lang="de-DE" dirty="0" err="1"/>
-              <a:t>narcotics</a:t>
-            </a:r>
-            <a:r>
-              <a:rPr lang="de-DE" dirty="0"/>
-              <a:t> </a:t>
-            </a:r>
-            <a:r>
-              <a:rPr lang="de-DE" dirty="0" err="1"/>
-              <a:t>management</a:t>
-            </a:r>
-            <a:r>
-              <a:rPr lang="de-DE" dirty="0"/>
-              <a:t> </a:t>
-            </a:r>
-            <a:r>
-              <a:rPr lang="de-DE" dirty="0" err="1"/>
-              <a:t>reduced</a:t>
-            </a:r>
-            <a:r>
-              <a:rPr lang="de-DE" dirty="0"/>
-              <a:t> </a:t>
-            </a:r>
-            <a:r>
-              <a:rPr lang="de-DE" dirty="0" err="1"/>
-              <a:t>by</a:t>
-            </a:r>
-            <a:r>
-              <a:rPr lang="de-DE" dirty="0"/>
-              <a:t> </a:t>
-            </a:r>
-            <a:r>
-              <a:rPr lang="de-DE" dirty="0" err="1"/>
-              <a:t>estimated</a:t>
-            </a:r>
-            <a:r>
-              <a:rPr lang="de-DE" dirty="0"/>
-              <a:t>:</a:t>
-            </a:r>
-          </a:p>
-          <a:p>
-            <a:r>
-              <a:rPr lang="de-DE" dirty="0"/>
-              <a:t>10.000CHF per </a:t>
-            </a:r>
-            <a:r>
-              <a:rPr lang="de-DE" dirty="0" err="1"/>
-              <a:t>year</a:t>
-            </a:r>
-            <a:r>
-              <a:rPr lang="de-DE" dirty="0"/>
-              <a:t> </a:t>
-            </a:r>
-            <a:r>
-              <a:rPr lang="de-DE" dirty="0" err="1"/>
-              <a:t>without</a:t>
-            </a:r>
-            <a:r>
-              <a:rPr lang="de-DE" dirty="0"/>
-              <a:t> </a:t>
-            </a:r>
-            <a:r>
-              <a:rPr lang="de-DE" dirty="0" err="1"/>
-              <a:t>Narcovets</a:t>
-            </a:r>
-            <a:r>
-              <a:rPr lang="de-DE" dirty="0"/>
-              <a:t> </a:t>
-            </a:r>
-          </a:p>
-          <a:p>
-            <a:r>
-              <a:rPr lang="de-DE" dirty="0"/>
-              <a:t> 5.000CHF per </a:t>
-            </a:r>
-            <a:r>
-              <a:rPr lang="de-DE" dirty="0" err="1"/>
-              <a:t>year</a:t>
-            </a:r>
-            <a:r>
-              <a:rPr lang="de-DE" dirty="0"/>
-              <a:t> </a:t>
-            </a:r>
-            <a:r>
-              <a:rPr lang="de-DE" dirty="0" err="1"/>
-              <a:t>with</a:t>
-            </a:r>
-            <a:r>
-              <a:rPr lang="de-DE" dirty="0"/>
-              <a:t> </a:t>
-            </a:r>
-            <a:r>
-              <a:rPr lang="de-DE" dirty="0" err="1"/>
-              <a:t>Narcovets</a:t>
-            </a:r>
-            <a:r>
-              <a:rPr lang="de-DE" dirty="0"/>
-              <a:t> </a:t>
-            </a:r>
-          </a:p>
-          <a:p>
-            <a:endParaRPr lang="de-DE" dirty="0"/>
-          </a:p>
-          <a:p>
-            <a:r>
-              <a:rPr lang="de-DE" dirty="0"/>
-              <a:t>On top: </a:t>
-            </a:r>
-          </a:p>
-          <a:p>
-            <a:pPr marL="285750" indent="-285750">
-              <a:buFontTx/>
-              <a:buChar char="-"/>
-            </a:pPr>
-            <a:r>
-              <a:rPr lang="de-DE" dirty="0" err="1"/>
-              <a:t>Centralized</a:t>
-            </a:r>
-            <a:r>
-              <a:rPr lang="de-DE" dirty="0"/>
-              <a:t> </a:t>
-            </a:r>
-            <a:r>
-              <a:rPr lang="de-DE" dirty="0" err="1"/>
-              <a:t>documentation</a:t>
-            </a:r>
-            <a:r>
-              <a:rPr lang="de-DE" dirty="0"/>
-              <a:t> </a:t>
-            </a:r>
-          </a:p>
-          <a:p>
-            <a:pPr marL="285750" indent="-285750">
-              <a:buFontTx/>
-              <a:buChar char="-"/>
-            </a:pPr>
-            <a:r>
-              <a:rPr lang="de-DE" dirty="0" err="1"/>
-              <a:t>Less</a:t>
-            </a:r>
-            <a:r>
-              <a:rPr lang="de-DE" dirty="0"/>
-              <a:t> </a:t>
-            </a:r>
-            <a:r>
-              <a:rPr lang="de-DE" dirty="0" err="1"/>
-              <a:t>risk</a:t>
-            </a:r>
-            <a:r>
-              <a:rPr lang="de-DE" dirty="0"/>
-              <a:t> </a:t>
-            </a:r>
-            <a:r>
-              <a:rPr lang="de-DE" dirty="0" err="1"/>
-              <a:t>for</a:t>
-            </a:r>
-            <a:r>
-              <a:rPr lang="de-DE" dirty="0"/>
-              <a:t> human </a:t>
-            </a:r>
-            <a:r>
-              <a:rPr lang="de-DE" dirty="0" err="1"/>
-              <a:t>errors</a:t>
-            </a:r>
-            <a:r>
-              <a:rPr lang="de-DE" dirty="0"/>
-              <a:t> </a:t>
-            </a:r>
-            <a:r>
-              <a:rPr lang="de-DE" dirty="0" err="1"/>
-              <a:t>or</a:t>
-            </a:r>
-            <a:r>
-              <a:rPr lang="de-DE" dirty="0"/>
-              <a:t> human </a:t>
-            </a:r>
-            <a:r>
-              <a:rPr lang="de-DE" dirty="0" err="1"/>
-              <a:t>intervention</a:t>
-            </a:r>
-            <a:r>
-              <a:rPr lang="de-DE" dirty="0"/>
-              <a:t> </a:t>
-            </a:r>
-            <a:r>
-              <a:rPr lang="de-DE" dirty="0" err="1"/>
-              <a:t>to</a:t>
-            </a:r>
-            <a:r>
-              <a:rPr lang="de-DE" dirty="0"/>
-              <a:t> </a:t>
-            </a:r>
-            <a:r>
-              <a:rPr lang="de-DE" dirty="0" err="1"/>
-              <a:t>cheat</a:t>
-            </a:r>
-            <a:r>
-              <a:rPr lang="de-DE" dirty="0"/>
-              <a:t> </a:t>
-            </a:r>
-            <a:r>
-              <a:rPr lang="de-DE" dirty="0" err="1"/>
-              <a:t>wrong</a:t>
-            </a:r>
-            <a:r>
-              <a:rPr lang="de-DE" dirty="0"/>
-              <a:t> </a:t>
-            </a:r>
-            <a:r>
-              <a:rPr lang="de-DE" dirty="0" err="1"/>
-              <a:t>numbers</a:t>
-            </a:r>
-            <a:r>
-              <a:rPr lang="de-DE" dirty="0"/>
-              <a:t> </a:t>
-            </a:r>
-          </a:p>
-        </p:txBody>
-      </p:sp>
-    </p:spTree>
-    <p:extLst>
-      <p:ext uri="{BB962C8B-B14F-4D97-AF65-F5344CB8AC3E}">
-        <p14:creationId xmlns:p14="http://schemas.microsoft.com/office/powerpoint/2010/main" val="4087394814"/>
-      </p:ext>
-    </p:extLst>
-  </p:cSld>
-  <p:clrMapOvr>
-    <a:masterClrMapping/>
-  </p:clrMapOvr>
-</p:sld>
-</file>
-
-<file path=ppt/slides/slide12.xml><?xml version="1.0" encoding="utf-8"?>
-<p:sld xmlns:a="http://schemas.openxmlformats.org/drawingml/2006/main" xmlns:r="http://schemas.openxmlformats.org/officeDocument/2006/relationships" xmlns:p="http://schemas.openxmlformats.org/presentationml/2006/main">
-  <p:cSld>
-    <p:spTree>
-      <p:nvGrpSpPr>
-        <p:cNvPr id="1" name=""/>
-        <p:cNvGrpSpPr/>
-        <p:nvPr/>
-      </p:nvGrpSpPr>
-      <p:grpSpPr>
-        <a:xfrm>
-          <a:off x="0" y="0"/>
-          <a:ext cx="0" cy="0"/>
-          <a:chOff x="0" y="0"/>
-          <a:chExt cx="0" cy="0"/>
-        </a:xfrm>
-      </p:grpSpPr>
-      <p:sp>
-        <p:nvSpPr>
           <p:cNvPr id="3" name="Textfeld 2">
             <a:extLst>
               <a:ext uri="{FF2B5EF4-FFF2-40B4-BE49-F238E27FC236}">
@@ -4670,11 +4079,13 @@
             </a:lvl9pPr>
           </a:lstStyle>
           <a:p>
-            <a:r>
-              <a:rPr lang="de-DE"/>
+            <a:pPr marL="0" indent="0">
+              <a:buNone/>
+            </a:pPr>
+            <a:r>
+              <a:rPr lang="de-DE" sz="3000" b="1" dirty="0"/>
               <a:t>Problems</a:t>
             </a:r>
-            <a:endParaRPr lang="de-DE" dirty="0"/>
           </a:p>
         </p:txBody>
       </p:sp>
@@ -5166,11 +4577,13 @@
             </a:lvl9pPr>
           </a:lstStyle>
           <a:p>
-            <a:r>
-              <a:rPr lang="de-DE"/>
+            <a:pPr marL="0" indent="0">
+              <a:buNone/>
+            </a:pPr>
+            <a:r>
+              <a:rPr lang="de-DE" sz="3000" b="1" dirty="0"/>
               <a:t>Solutions</a:t>
             </a:r>
-            <a:endParaRPr lang="de-DE" dirty="0"/>
           </a:p>
         </p:txBody>
       </p:sp>
@@ -5382,7 +4795,7 @@
             </a:r>
             <a:r>
               <a:rPr lang="de-DE" dirty="0" err="1"/>
-              <a:t>digitalised</a:t>
+              <a:t>digitalized</a:t>
             </a:r>
             <a:r>
               <a:rPr lang="de-DE" dirty="0"/>
@@ -5410,44 +4823,10 @@
               <a:rPr lang="de-DE" dirty="0" err="1"/>
               <a:t>generation</a:t>
             </a:r>
-            <a:r>
-              <a:rPr lang="de-DE" dirty="0"/>
-              <a:t> </a:t>
-            </a:r>
-            <a:r>
-              <a:rPr lang="de-DE" dirty="0" err="1"/>
-              <a:t>for</a:t>
-            </a:r>
-            <a:r>
-              <a:rPr lang="de-DE" dirty="0"/>
-              <a:t> </a:t>
-            </a:r>
-            <a:r>
-              <a:rPr lang="de-DE" dirty="0" err="1"/>
-              <a:t>updated</a:t>
-            </a:r>
-            <a:r>
-              <a:rPr lang="de-DE" dirty="0"/>
-              <a:t> </a:t>
-            </a:r>
-            <a:r>
-              <a:rPr lang="de-DE" dirty="0" err="1"/>
-              <a:t>inventory</a:t>
-            </a:r>
-            <a:r>
-              <a:rPr lang="de-DE" dirty="0"/>
-              <a:t> </a:t>
-            </a:r>
-            <a:r>
-              <a:rPr lang="de-DE" dirty="0" err="1"/>
-              <a:t>lists</a:t>
-            </a:r>
-            <a:r>
-              <a:rPr lang="de-DE" dirty="0"/>
-              <a:t> </a:t>
-            </a:r>
-          </a:p>
-          <a:p>
+            <a:endParaRPr lang="de-DE" dirty="0"/>
+          </a:p>
+          <a:p>
+            <a:pPr lvl="1"/>
             <a:r>
               <a:rPr lang="de-DE" dirty="0" err="1"/>
               <a:t>For</a:t>
@@ -5468,17 +4847,21 @@
               <a:rPr lang="de-DE" dirty="0" err="1"/>
               <a:t>arrival</a:t>
             </a:r>
-            <a:r>
-              <a:rPr lang="de-DE" dirty="0"/>
-              <a:t> </a:t>
-            </a:r>
-            <a:r>
-              <a:rPr lang="de-DE" dirty="0" err="1"/>
-              <a:t>too</a:t>
-            </a:r>
-            <a:r>
-              <a:rPr lang="de-DE" dirty="0"/>
-              <a:t>? </a:t>
+            <a:endParaRPr lang="de-DE" dirty="0"/>
+          </a:p>
+          <a:p>
+            <a:pPr lvl="1"/>
+            <a:r>
+              <a:rPr lang="de-DE" dirty="0"/>
+              <a:t>Threshold </a:t>
+            </a:r>
+            <a:r>
+              <a:rPr lang="de-DE" dirty="0" err="1"/>
+              <a:t>warning</a:t>
+            </a:r>
+            <a:r>
+              <a:rPr lang="de-DE" dirty="0"/>
+              <a:t> </a:t>
             </a:r>
           </a:p>
           <a:p>
@@ -5558,7 +4941,7 @@
     </p:spTree>
     <p:extLst>
       <p:ext uri="{BB962C8B-B14F-4D97-AF65-F5344CB8AC3E}">
-        <p14:creationId xmlns:p14="http://schemas.microsoft.com/office/powerpoint/2010/main" val="2348197725"/>
+        <p14:creationId xmlns:p14="http://schemas.microsoft.com/office/powerpoint/2010/main" val="3817259487"/>
       </p:ext>
     </p:extLst>
   </p:cSld>
@@ -5664,7 +5047,29 @@
                   </a:schemeClr>
                 </a:solidFill>
               </a:rPr>
-              <a:t> takle:</a:t>
+              <a:t> </a:t>
+            </a:r>
+            <a:r>
+              <a:rPr lang="de-DE" dirty="0" err="1">
+                <a:solidFill>
+                  <a:schemeClr val="tx1">
+                    <a:lumMod val="50000"/>
+                    <a:lumOff val="50000"/>
+                  </a:schemeClr>
+                </a:solidFill>
+              </a:rPr>
+              <a:t>tackle</a:t>
+            </a:r>
+            <a:r>
+              <a:rPr lang="de-DE" dirty="0">
+                <a:solidFill>
+                  <a:schemeClr val="tx1">
+                    <a:lumMod val="50000"/>
+                    <a:lumOff val="50000"/>
+                  </a:schemeClr>
+                </a:solidFill>
+              </a:rPr>
+              <a:t>:</a:t>
             </a:r>
           </a:p>
         </p:txBody>
@@ -5721,145 +5126,78 @@
             </a:r>
             <a:r>
               <a:rPr lang="de-DE" dirty="0"/>
-              <a:t> – </a:t>
-            </a:r>
-            <a:r>
-              <a:rPr lang="de-DE" dirty="0" err="1"/>
-              <a:t>often</a:t>
-            </a:r>
-            <a:r>
-              <a:rPr lang="de-DE" dirty="0"/>
-              <a:t> </a:t>
-            </a:r>
-            <a:r>
-              <a:rPr lang="de-DE" dirty="0" err="1"/>
-              <a:t>paperwork</a:t>
-            </a:r>
-            <a:r>
-              <a:rPr lang="de-DE" dirty="0"/>
-              <a:t>, </a:t>
-            </a:r>
-            <a:r>
-              <a:rPr lang="de-DE" dirty="0" err="1"/>
+              <a:t> </a:t>
+            </a:r>
+            <a:endParaRPr lang="de-DE" dirty="0">
+              <a:sym typeface="Wingdings" panose="05000000000000000000" pitchFamily="2" charset="2"/>
+            </a:endParaRPr>
+          </a:p>
+          <a:p>
+            <a:r>
+              <a:rPr lang="de-DE" dirty="0" err="1">
+                <a:sym typeface="Wingdings" panose="05000000000000000000" pitchFamily="2" charset="2"/>
+              </a:rPr>
+              <a:t>Often</a:t>
+            </a:r>
+            <a:r>
+              <a:rPr lang="de-DE" dirty="0">
+                <a:sym typeface="Wingdings" panose="05000000000000000000" pitchFamily="2" charset="2"/>
+              </a:rPr>
+              <a:t> </a:t>
+            </a:r>
+            <a:r>
+              <a:rPr lang="de-DE" dirty="0" err="1">
+                <a:sym typeface="Wingdings" panose="05000000000000000000" pitchFamily="2" charset="2"/>
+              </a:rPr>
               <a:t>no</a:t>
             </a:r>
             <a:r>
-              <a:rPr lang="de-DE" dirty="0"/>
-              <a:t> </a:t>
-            </a:r>
-            <a:r>
-              <a:rPr lang="de-DE" dirty="0" err="1"/>
-              <a:t>digitalization</a:t>
-            </a:r>
-            <a:r>
-              <a:rPr lang="de-DE" dirty="0"/>
-              <a:t> </a:t>
-            </a:r>
-          </a:p>
-          <a:p>
-            <a:r>
-              <a:rPr lang="de-DE" dirty="0"/>
-              <a:t>Many </a:t>
-            </a:r>
-            <a:r>
-              <a:rPr lang="de-DE" dirty="0" err="1"/>
-              <a:t>individuals</a:t>
-            </a:r>
-            <a:r>
-              <a:rPr lang="de-DE" dirty="0"/>
-              <a:t> </a:t>
-            </a:r>
-            <a:r>
-              <a:rPr lang="de-DE" dirty="0" err="1"/>
-              <a:t>involved</a:t>
-            </a:r>
-            <a:r>
-              <a:rPr lang="de-DE" dirty="0"/>
-              <a:t> (</a:t>
-            </a:r>
-            <a:r>
-              <a:rPr lang="de-DE" dirty="0" err="1"/>
-              <a:t>veterinarian</a:t>
-            </a:r>
-            <a:r>
-              <a:rPr lang="de-DE" dirty="0"/>
-              <a:t>, </a:t>
-            </a:r>
-            <a:r>
-              <a:rPr lang="de-DE" dirty="0" err="1"/>
-              <a:t>team</a:t>
-            </a:r>
-            <a:r>
-              <a:rPr lang="de-DE" dirty="0"/>
-              <a:t> </a:t>
-            </a:r>
-            <a:r>
-              <a:rPr lang="de-DE" dirty="0" err="1"/>
-              <a:t>responsible</a:t>
-            </a:r>
-            <a:r>
-              <a:rPr lang="de-DE" dirty="0"/>
-              <a:t> </a:t>
-            </a:r>
-            <a:r>
-              <a:rPr lang="de-DE" dirty="0" err="1"/>
-              <a:t>for</a:t>
-            </a:r>
-            <a:r>
-              <a:rPr lang="de-DE" dirty="0"/>
-              <a:t> </a:t>
-            </a:r>
-            <a:r>
-              <a:rPr lang="de-DE" dirty="0" err="1"/>
-              <a:t>narcotics</a:t>
-            </a:r>
-            <a:r>
-              <a:rPr lang="de-DE" dirty="0"/>
-              <a:t>, </a:t>
-            </a:r>
-            <a:r>
-              <a:rPr lang="de-DE" dirty="0" err="1"/>
-              <a:t>team</a:t>
-            </a:r>
-            <a:r>
-              <a:rPr lang="de-DE" dirty="0"/>
-              <a:t> </a:t>
-            </a:r>
-            <a:r>
-              <a:rPr lang="de-DE" dirty="0" err="1"/>
-              <a:t>responsible</a:t>
-            </a:r>
-            <a:r>
-              <a:rPr lang="de-DE" dirty="0"/>
-              <a:t> </a:t>
-            </a:r>
-            <a:r>
-              <a:rPr lang="de-DE" dirty="0" err="1"/>
-              <a:t>for</a:t>
-            </a:r>
-            <a:r>
-              <a:rPr lang="de-DE" dirty="0"/>
-              <a:t> </a:t>
-            </a:r>
-            <a:r>
-              <a:rPr lang="de-DE" dirty="0" err="1"/>
-              <a:t>supply</a:t>
-            </a:r>
-            <a:r>
-              <a:rPr lang="de-DE" dirty="0"/>
-              <a:t> </a:t>
-            </a:r>
-            <a:r>
-              <a:rPr lang="de-DE" dirty="0" err="1"/>
-              <a:t>chain</a:t>
-            </a:r>
-            <a:r>
-              <a:rPr lang="de-DE" dirty="0"/>
-              <a:t>) – </a:t>
-            </a:r>
-            <a:r>
-              <a:rPr lang="de-DE" dirty="0" err="1"/>
-              <a:t>no</a:t>
+              <a:rPr lang="de-DE" dirty="0">
+                <a:sym typeface="Wingdings" panose="05000000000000000000" pitchFamily="2" charset="2"/>
+              </a:rPr>
+              <a:t> </a:t>
+            </a:r>
+            <a:r>
+              <a:rPr lang="de-DE" dirty="0" err="1">
+                <a:sym typeface="Wingdings" panose="05000000000000000000" pitchFamily="2" charset="2"/>
+              </a:rPr>
+              <a:t>automation</a:t>
+            </a:r>
+            <a:r>
+              <a:rPr lang="de-DE" dirty="0">
+                <a:sym typeface="Wingdings" panose="05000000000000000000" pitchFamily="2" charset="2"/>
+              </a:rPr>
+              <a:t> and </a:t>
+            </a:r>
+            <a:r>
+              <a:rPr lang="de-DE" dirty="0" err="1">
+                <a:sym typeface="Wingdings" panose="05000000000000000000" pitchFamily="2" charset="2"/>
+              </a:rPr>
+              <a:t>paper</a:t>
+            </a:r>
+            <a:r>
+              <a:rPr lang="de-DE" dirty="0">
+                <a:sym typeface="Wingdings" panose="05000000000000000000" pitchFamily="2" charset="2"/>
+              </a:rPr>
+              <a:t> </a:t>
+            </a:r>
+            <a:r>
+              <a:rPr lang="de-DE" dirty="0" err="1">
+                <a:sym typeface="Wingdings" panose="05000000000000000000" pitchFamily="2" charset="2"/>
+              </a:rPr>
+              <a:t>based</a:t>
+            </a:r>
+            <a:r>
+              <a:rPr lang="de-DE" dirty="0">
+                <a:sym typeface="Wingdings" panose="05000000000000000000" pitchFamily="2" charset="2"/>
+              </a:rPr>
+              <a:t> </a:t>
+            </a:r>
+          </a:p>
+          <a:p>
+            <a:r>
+              <a:rPr lang="de-DE" dirty="0" err="1"/>
+              <a:t>No</a:t>
             </a:r>
             <a:r>
               <a:rPr lang="de-DE" dirty="0"/>
@@ -5875,15 +5213,41 @@
             </a:r>
             <a:r>
               <a:rPr lang="de-DE" dirty="0" err="1"/>
-              <a:t>structures</a:t>
-            </a:r>
-            <a:r>
-              <a:rPr lang="de-DE" dirty="0"/>
-              <a:t>, </a:t>
-            </a:r>
-            <a:r>
-              <a:rPr lang="de-DE" dirty="0" err="1"/>
-              <a:t>some</a:t>
+              <a:t>path</a:t>
+            </a:r>
+            <a:r>
+              <a:rPr lang="de-DE" dirty="0"/>
+              <a:t> </a:t>
+            </a:r>
+            <a:r>
+              <a:rPr lang="de-DE" dirty="0" err="1"/>
+              <a:t>of</a:t>
+            </a:r>
+            <a:r>
+              <a:rPr lang="de-DE" dirty="0"/>
+              <a:t> </a:t>
+            </a:r>
+            <a:r>
+              <a:rPr lang="de-DE" dirty="0" err="1"/>
+              <a:t>communication</a:t>
+            </a:r>
+            <a:r>
+              <a:rPr lang="de-DE" dirty="0"/>
+              <a:t> </a:t>
+            </a:r>
+          </a:p>
+          <a:p>
+            <a:r>
+              <a:rPr lang="de-DE" dirty="0" err="1"/>
+              <a:t>No</a:t>
+            </a:r>
+            <a:r>
+              <a:rPr lang="de-DE" dirty="0"/>
+              <a:t> </a:t>
+            </a:r>
+            <a:r>
+              <a:rPr lang="de-DE" dirty="0" err="1"/>
+              <a:t>clear</a:t>
             </a:r>
             <a:r>
               <a:rPr lang="de-DE" dirty="0"/>
@@ -5895,46 +5259,11 @@
             </a:r>
             <a:r>
               <a:rPr lang="de-DE" dirty="0"/>
-              <a:t> not </a:t>
+              <a:t> </a:t>
             </a:r>
             <a:r>
               <a:rPr lang="de-DE" dirty="0" err="1"/>
               <a:t>defined</a:t>
-            </a:r>
-            <a:r>
-              <a:rPr lang="de-DE" dirty="0"/>
-              <a:t>/</a:t>
-            </a:r>
-            <a:r>
-              <a:rPr lang="de-DE" dirty="0" err="1"/>
-              <a:t>assigned</a:t>
-            </a:r>
-            <a:endParaRPr lang="de-DE" dirty="0"/>
-          </a:p>
-          <a:p>
-            <a:r>
-              <a:rPr lang="de-DE" dirty="0"/>
-              <a:t>Lots </a:t>
-            </a:r>
-            <a:r>
-              <a:rPr lang="de-DE" dirty="0" err="1"/>
-              <a:t>of</a:t>
-            </a:r>
-            <a:r>
-              <a:rPr lang="de-DE" dirty="0"/>
-              <a:t> time and </a:t>
-            </a:r>
-            <a:r>
-              <a:rPr lang="de-DE" dirty="0" err="1"/>
-              <a:t>money</a:t>
-            </a:r>
-            <a:r>
-              <a:rPr lang="de-DE" dirty="0"/>
-              <a:t> </a:t>
-            </a:r>
-            <a:r>
-              <a:rPr lang="de-DE" dirty="0" err="1"/>
-              <a:t>wasted</a:t>
             </a:r>
             <a:r>
               <a:rPr lang="de-DE" dirty="0"/>
@@ -5946,7 +5275,7 @@
     </p:spTree>
     <p:extLst>
       <p:ext uri="{BB962C8B-B14F-4D97-AF65-F5344CB8AC3E}">
-        <p14:creationId xmlns:p14="http://schemas.microsoft.com/office/powerpoint/2010/main" val="1805177892"/>
+        <p14:creationId xmlns:p14="http://schemas.microsoft.com/office/powerpoint/2010/main" val="2147259436"/>
       </p:ext>
     </p:extLst>
   </p:cSld>
@@ -6311,95 +5640,6 @@
   <p:cSld>
     <p:spTree>
       <p:nvGrpSpPr>
-        <p:cNvPr id="1" name=""/>
-        <p:cNvGrpSpPr/>
-        <p:nvPr/>
-      </p:nvGrpSpPr>
-      <p:grpSpPr>
-        <a:xfrm>
-          <a:off x="0" y="0"/>
-          <a:ext cx="0" cy="0"/>
-          <a:chOff x="0" y="0"/>
-          <a:chExt cx="0" cy="0"/>
-        </a:xfrm>
-      </p:grpSpPr>
-      <p:sp>
-        <p:nvSpPr>
-          <p:cNvPr id="2" name="Titel 1">
-            <a:extLst>
-              <a:ext uri="{FF2B5EF4-FFF2-40B4-BE49-F238E27FC236}">
-                <a16:creationId xmlns:a16="http://schemas.microsoft.com/office/drawing/2014/main" id="{D666A5C9-E59A-FA49-F279-247F2FB359B9}"/>
-              </a:ext>
-            </a:extLst>
-          </p:cNvPr>
-          <p:cNvSpPr>
-            <a:spLocks noGrp="1"/>
-          </p:cNvSpPr>
-          <p:nvPr>
-            <p:ph type="title"/>
-          </p:nvPr>
-        </p:nvSpPr>
-        <p:spPr>
-          <a:xfrm>
-            <a:off x="838200" y="4883336"/>
-            <a:ext cx="10515600" cy="1325563"/>
-          </a:xfrm>
-        </p:spPr>
-        <p:txBody>
-          <a:bodyPr/>
-          <a:lstStyle/>
-          <a:p>
-            <a:r>
-              <a:rPr lang="de-DE" dirty="0">
-                <a:solidFill>
-                  <a:schemeClr val="tx1">
-                    <a:lumMod val="50000"/>
-                    <a:lumOff val="50000"/>
-                  </a:schemeClr>
-                </a:solidFill>
-              </a:rPr>
-              <a:t>TO BE </a:t>
-            </a:r>
-            <a:r>
-              <a:rPr lang="de-DE" dirty="0" err="1">
-                <a:solidFill>
-                  <a:schemeClr val="tx1">
-                    <a:lumMod val="50000"/>
-                    <a:lumOff val="50000"/>
-                  </a:schemeClr>
-                </a:solidFill>
-              </a:rPr>
-              <a:t>Process</a:t>
-            </a:r>
-            <a:endParaRPr lang="de-DE" dirty="0">
-              <a:solidFill>
-                <a:schemeClr val="tx1">
-                  <a:lumMod val="50000"/>
-                  <a:lumOff val="50000"/>
-                </a:schemeClr>
-              </a:solidFill>
-            </a:endParaRPr>
-          </a:p>
-        </p:txBody>
-      </p:sp>
-    </p:spTree>
-    <p:extLst>
-      <p:ext uri="{BB962C8B-B14F-4D97-AF65-F5344CB8AC3E}">
-        <p14:creationId xmlns:p14="http://schemas.microsoft.com/office/powerpoint/2010/main" val="1477735491"/>
-      </p:ext>
-    </p:extLst>
-  </p:cSld>
-  <p:clrMapOvr>
-    <a:masterClrMapping/>
-  </p:clrMapOvr>
-</p:sld>
-</file>
-
-<file path=ppt/slides/slide6.xml><?xml version="1.0" encoding="utf-8"?>
-<p:sld xmlns:a="http://schemas.openxmlformats.org/drawingml/2006/main" xmlns:r="http://schemas.openxmlformats.org/officeDocument/2006/relationships" xmlns:p="http://schemas.openxmlformats.org/presentationml/2006/main">
-  <p:cSld>
-    <p:spTree>
-      <p:nvGrpSpPr>
         <p:cNvPr id="1" name="">
           <a:extLst>
             <a:ext uri="{FF2B5EF4-FFF2-40B4-BE49-F238E27FC236}">
@@ -6520,7 +5760,7 @@
 </p:sld>
 </file>
 
-<file path=ppt/slides/slide7.xml><?xml version="1.0" encoding="utf-8"?>
+<file path=ppt/slides/slide6.xml><?xml version="1.0" encoding="utf-8"?>
 <p:sld xmlns:a="http://schemas.openxmlformats.org/drawingml/2006/main" xmlns:r="http://schemas.openxmlformats.org/officeDocument/2006/relationships" xmlns:p="http://schemas.openxmlformats.org/presentationml/2006/main">
   <p:cSld>
     <p:spTree>
@@ -6675,6 +5915,414 @@
 </p:sld>
 </file>
 
+<file path=ppt/slides/slide7.xml><?xml version="1.0" encoding="utf-8"?>
+<p:sld xmlns:a="http://schemas.openxmlformats.org/drawingml/2006/main" xmlns:r="http://schemas.openxmlformats.org/officeDocument/2006/relationships" xmlns:p="http://schemas.openxmlformats.org/presentationml/2006/main">
+  <p:cSld>
+    <p:spTree>
+      <p:nvGrpSpPr>
+        <p:cNvPr id="1" name=""/>
+        <p:cNvGrpSpPr/>
+        <p:nvPr/>
+      </p:nvGrpSpPr>
+      <p:grpSpPr>
+        <a:xfrm>
+          <a:off x="0" y="0"/>
+          <a:ext cx="0" cy="0"/>
+          <a:chOff x="0" y="0"/>
+          <a:chExt cx="0" cy="0"/>
+        </a:xfrm>
+      </p:grpSpPr>
+      <p:sp>
+        <p:nvSpPr>
+          <p:cNvPr id="2" name="Titel 1">
+            <a:extLst>
+              <a:ext uri="{FF2B5EF4-FFF2-40B4-BE49-F238E27FC236}">
+                <a16:creationId xmlns:a16="http://schemas.microsoft.com/office/drawing/2014/main" id="{C77BCFB3-2ECD-706A-3128-06DCE4D8CA3C}"/>
+              </a:ext>
+            </a:extLst>
+          </p:cNvPr>
+          <p:cNvSpPr>
+            <a:spLocks noGrp="1"/>
+          </p:cNvSpPr>
+          <p:nvPr>
+            <p:ph type="title"/>
+          </p:nvPr>
+        </p:nvSpPr>
+        <p:spPr>
+          <a:xfrm>
+            <a:off x="841513" y="500062"/>
+            <a:ext cx="10515600" cy="1325563"/>
+          </a:xfrm>
+        </p:spPr>
+        <p:txBody>
+          <a:bodyPr/>
+          <a:lstStyle/>
+          <a:p>
+            <a:r>
+              <a:rPr lang="de-DE" dirty="0">
+                <a:solidFill>
+                  <a:schemeClr val="tx1">
+                    <a:lumMod val="50000"/>
+                    <a:lumOff val="50000"/>
+                  </a:schemeClr>
+                </a:solidFill>
+              </a:rPr>
+              <a:t>The </a:t>
+            </a:r>
+            <a:r>
+              <a:rPr lang="de-DE" dirty="0" err="1">
+                <a:solidFill>
+                  <a:schemeClr val="tx1">
+                    <a:lumMod val="50000"/>
+                    <a:lumOff val="50000"/>
+                  </a:schemeClr>
+                </a:solidFill>
+              </a:rPr>
+              <a:t>solution</a:t>
+            </a:r>
+            <a:r>
+              <a:rPr lang="de-DE" dirty="0">
+                <a:solidFill>
+                  <a:schemeClr val="tx1">
+                    <a:lumMod val="50000"/>
+                    <a:lumOff val="50000"/>
+                  </a:schemeClr>
+                </a:solidFill>
+              </a:rPr>
+              <a:t> </a:t>
+            </a:r>
+            <a:r>
+              <a:rPr lang="de-DE" dirty="0" err="1">
+                <a:solidFill>
+                  <a:schemeClr val="tx1">
+                    <a:lumMod val="50000"/>
+                    <a:lumOff val="50000"/>
+                  </a:schemeClr>
+                </a:solidFill>
+              </a:rPr>
+              <a:t>we</a:t>
+            </a:r>
+            <a:r>
+              <a:rPr lang="de-DE" dirty="0">
+                <a:solidFill>
+                  <a:schemeClr val="tx1">
+                    <a:lumMod val="50000"/>
+                    <a:lumOff val="50000"/>
+                  </a:schemeClr>
+                </a:solidFill>
+              </a:rPr>
+              <a:t> </a:t>
+            </a:r>
+            <a:r>
+              <a:rPr lang="de-DE" dirty="0" err="1">
+                <a:solidFill>
+                  <a:schemeClr val="tx1">
+                    <a:lumMod val="50000"/>
+                    <a:lumOff val="50000"/>
+                  </a:schemeClr>
+                </a:solidFill>
+              </a:rPr>
+              <a:t>provide</a:t>
+            </a:r>
+            <a:endParaRPr lang="de-DE" dirty="0">
+              <a:solidFill>
+                <a:schemeClr val="tx1">
+                  <a:lumMod val="50000"/>
+                  <a:lumOff val="50000"/>
+                </a:schemeClr>
+              </a:solidFill>
+            </a:endParaRPr>
+          </a:p>
+        </p:txBody>
+      </p:sp>
+      <p:sp>
+        <p:nvSpPr>
+          <p:cNvPr id="3" name="Inhaltsplatzhalter 2">
+            <a:extLst>
+              <a:ext uri="{FF2B5EF4-FFF2-40B4-BE49-F238E27FC236}">
+                <a16:creationId xmlns:a16="http://schemas.microsoft.com/office/drawing/2014/main" id="{B4F46ABD-8990-3714-E9FF-EE7A6C6357C4}"/>
+              </a:ext>
+            </a:extLst>
+          </p:cNvPr>
+          <p:cNvSpPr>
+            <a:spLocks noGrp="1"/>
+          </p:cNvSpPr>
+          <p:nvPr>
+            <p:ph idx="1"/>
+          </p:nvPr>
+        </p:nvSpPr>
+        <p:spPr>
+          <a:xfrm>
+            <a:off x="841513" y="2006600"/>
+            <a:ext cx="10515600" cy="4351338"/>
+          </a:xfrm>
+        </p:spPr>
+        <p:txBody>
+          <a:bodyPr>
+            <a:normAutofit lnSpcReduction="10000"/>
+          </a:bodyPr>
+          <a:lstStyle/>
+          <a:p>
+            <a:r>
+              <a:rPr lang="de-DE" dirty="0" err="1"/>
+              <a:t>talking</a:t>
+            </a:r>
+            <a:r>
+              <a:rPr lang="de-DE" dirty="0"/>
+              <a:t> </a:t>
+            </a:r>
+            <a:r>
+              <a:rPr lang="de-DE" dirty="0" err="1"/>
+              <a:t>about</a:t>
+            </a:r>
+            <a:r>
+              <a:rPr lang="de-DE" dirty="0"/>
+              <a:t> </a:t>
+            </a:r>
+            <a:r>
+              <a:rPr lang="de-DE" dirty="0" err="1"/>
+              <a:t>technical</a:t>
+            </a:r>
+            <a:r>
+              <a:rPr lang="de-DE" dirty="0"/>
+              <a:t> </a:t>
+            </a:r>
+            <a:r>
+              <a:rPr lang="de-DE" dirty="0" err="1"/>
+              <a:t>details</a:t>
+            </a:r>
+            <a:endParaRPr lang="de-DE" dirty="0"/>
+          </a:p>
+          <a:p>
+            <a:r>
+              <a:rPr lang="de-DE" dirty="0"/>
+              <a:t>Automation:</a:t>
+            </a:r>
+          </a:p>
+          <a:p>
+            <a:pPr lvl="1"/>
+            <a:r>
+              <a:rPr lang="de-DE" dirty="0"/>
+              <a:t> </a:t>
+            </a:r>
+            <a:r>
+              <a:rPr lang="de-DE" dirty="0" err="1"/>
+              <a:t>inventory</a:t>
+            </a:r>
+            <a:r>
+              <a:rPr lang="de-DE" dirty="0"/>
+              <a:t> </a:t>
+            </a:r>
+            <a:r>
+              <a:rPr lang="de-DE" dirty="0" err="1"/>
+              <a:t>is</a:t>
+            </a:r>
+            <a:r>
+              <a:rPr lang="de-DE" dirty="0"/>
+              <a:t> </a:t>
+            </a:r>
+            <a:r>
+              <a:rPr lang="de-DE" dirty="0" err="1"/>
+              <a:t>checked</a:t>
+            </a:r>
+            <a:r>
+              <a:rPr lang="de-DE" dirty="0"/>
+              <a:t> </a:t>
+            </a:r>
+            <a:r>
+              <a:rPr lang="de-DE" dirty="0" err="1"/>
+              <a:t>as</a:t>
+            </a:r>
+            <a:r>
+              <a:rPr lang="de-DE" dirty="0"/>
+              <a:t> time </a:t>
+            </a:r>
+            <a:r>
+              <a:rPr lang="de-DE" dirty="0" err="1"/>
+              <a:t>event</a:t>
+            </a:r>
+            <a:r>
+              <a:rPr lang="de-DE" dirty="0"/>
+              <a:t> </a:t>
+            </a:r>
+            <a:r>
+              <a:rPr lang="de-DE" dirty="0" err="1"/>
+              <a:t>automatically</a:t>
+            </a:r>
+            <a:endParaRPr lang="de-DE" dirty="0"/>
+          </a:p>
+          <a:p>
+            <a:pPr lvl="2"/>
+            <a:r>
+              <a:rPr lang="de-DE" dirty="0"/>
+              <a:t>Returns </a:t>
+            </a:r>
+            <a:r>
+              <a:rPr lang="de-DE" dirty="0" err="1"/>
+              <a:t>if</a:t>
+            </a:r>
+            <a:r>
+              <a:rPr lang="de-DE" dirty="0"/>
+              <a:t> </a:t>
+            </a:r>
+            <a:r>
+              <a:rPr lang="de-DE" dirty="0" err="1"/>
+              <a:t>threshold</a:t>
+            </a:r>
+            <a:r>
+              <a:rPr lang="de-DE" dirty="0"/>
+              <a:t> </a:t>
+            </a:r>
+            <a:r>
+              <a:rPr lang="de-DE" dirty="0" err="1"/>
+              <a:t>is</a:t>
+            </a:r>
+            <a:r>
+              <a:rPr lang="de-DE" dirty="0"/>
+              <a:t> </a:t>
+            </a:r>
+            <a:r>
+              <a:rPr lang="de-DE" dirty="0" err="1"/>
+              <a:t>under</a:t>
+            </a:r>
+            <a:r>
+              <a:rPr lang="de-DE" dirty="0"/>
+              <a:t> </a:t>
+            </a:r>
+            <a:r>
+              <a:rPr lang="de-DE" dirty="0" err="1"/>
+              <a:t>orover</a:t>
+            </a:r>
+            <a:r>
+              <a:rPr lang="de-DE" dirty="0"/>
+              <a:t> </a:t>
+            </a:r>
+            <a:r>
+              <a:rPr lang="de-DE" dirty="0" err="1"/>
+              <a:t>limit</a:t>
+            </a:r>
+            <a:r>
+              <a:rPr lang="de-DE" dirty="0"/>
+              <a:t> </a:t>
+            </a:r>
+          </a:p>
+          <a:p>
+            <a:pPr lvl="1"/>
+            <a:r>
+              <a:rPr lang="de-DE" dirty="0" err="1"/>
+              <a:t>placeholder</a:t>
+            </a:r>
+            <a:endParaRPr lang="de-DE" dirty="0"/>
+          </a:p>
+          <a:p>
+            <a:pPr marL="0" indent="0">
+              <a:buNone/>
+            </a:pPr>
+            <a:endParaRPr lang="de-DE" dirty="0"/>
+          </a:p>
+          <a:p>
+            <a:r>
+              <a:rPr lang="de-DE" dirty="0" err="1"/>
+              <a:t>Unification</a:t>
+            </a:r>
+            <a:r>
+              <a:rPr lang="de-DE" dirty="0"/>
+              <a:t>: </a:t>
+            </a:r>
+          </a:p>
+          <a:p>
+            <a:r>
+              <a:rPr lang="de-DE" dirty="0" err="1"/>
+              <a:t>Decision</a:t>
+            </a:r>
+            <a:r>
+              <a:rPr lang="de-DE" dirty="0"/>
+              <a:t> support: </a:t>
+            </a:r>
+          </a:p>
+          <a:p>
+            <a:r>
+              <a:rPr lang="de-DE" dirty="0"/>
+              <a:t> </a:t>
+            </a:r>
+            <a:r>
+              <a:rPr lang="de-DE" dirty="0" err="1"/>
+              <a:t>use</a:t>
+            </a:r>
+            <a:r>
+              <a:rPr lang="de-DE" dirty="0"/>
+              <a:t> </a:t>
+            </a:r>
+            <a:r>
+              <a:rPr lang="de-DE" dirty="0" err="1"/>
+              <a:t>of</a:t>
+            </a:r>
+            <a:r>
+              <a:rPr lang="de-DE" dirty="0"/>
+              <a:t> </a:t>
+            </a:r>
+            <a:r>
+              <a:rPr lang="de-DE" dirty="0" err="1"/>
+              <a:t>Camunda</a:t>
+            </a:r>
+            <a:r>
+              <a:rPr lang="de-DE" dirty="0"/>
+              <a:t>, Python, </a:t>
+            </a:r>
+          </a:p>
+          <a:p>
+            <a:r>
+              <a:rPr lang="de-DE" dirty="0"/>
+              <a:t>Multiple </a:t>
+            </a:r>
+            <a:r>
+              <a:rPr lang="de-DE" dirty="0" err="1"/>
+              <a:t>service</a:t>
+            </a:r>
+            <a:r>
+              <a:rPr lang="de-DE" dirty="0"/>
+              <a:t> </a:t>
+            </a:r>
+            <a:r>
+              <a:rPr lang="de-DE" dirty="0" err="1"/>
+              <a:t>tasks</a:t>
+            </a:r>
+            <a:r>
+              <a:rPr lang="de-DE" dirty="0"/>
+              <a:t>, </a:t>
+            </a:r>
+            <a:r>
+              <a:rPr lang="de-DE" dirty="0" err="1"/>
+              <a:t>Decision</a:t>
+            </a:r>
+            <a:r>
+              <a:rPr lang="de-DE" dirty="0"/>
+              <a:t> </a:t>
+            </a:r>
+            <a:r>
+              <a:rPr lang="de-DE" dirty="0" err="1"/>
+              <a:t>modeling</a:t>
+            </a:r>
+            <a:r>
+              <a:rPr lang="de-DE" dirty="0"/>
+              <a:t> </a:t>
+            </a:r>
+          </a:p>
+        </p:txBody>
+      </p:sp>
+    </p:spTree>
+    <p:extLst>
+      <p:ext uri="{BB962C8B-B14F-4D97-AF65-F5344CB8AC3E}">
+        <p14:creationId xmlns:p14="http://schemas.microsoft.com/office/powerpoint/2010/main" val="1415540745"/>
+      </p:ext>
+    </p:extLst>
+  </p:cSld>
+  <p:clrMapOvr>
+    <a:masterClrMapping/>
+  </p:clrMapOvr>
+</p:sld>
+</file>
+
 <file path=ppt/slides/slide8.xml><?xml version="1.0" encoding="utf-8"?>
 <p:sld xmlns:a="http://schemas.openxmlformats.org/drawingml/2006/main" xmlns:r="http://schemas.openxmlformats.org/officeDocument/2006/relationships" xmlns:p="http://schemas.openxmlformats.org/presentationml/2006/main">
   <p:cSld>
@@ -6697,7 +6345,7 @@
           <p:cNvPr id="2" name="Titel 1">
             <a:extLst>
               <a:ext uri="{FF2B5EF4-FFF2-40B4-BE49-F238E27FC236}">
-                <a16:creationId xmlns:a16="http://schemas.microsoft.com/office/drawing/2014/main" id="{C77BCFB3-2ECD-706A-3128-06DCE4D8CA3C}"/>
+                <a16:creationId xmlns:a16="http://schemas.microsoft.com/office/drawing/2014/main" id="{2E49F884-6A40-EE2A-90B8-8C104D63DBF1}"/>
               </a:ext>
             </a:extLst>
           </p:cNvPr>
@@ -6710,7 +6358,7 @@
         </p:nvSpPr>
         <p:spPr>
           <a:xfrm>
-            <a:off x="841513" y="500062"/>
+            <a:off x="838200" y="501743"/>
             <a:ext cx="10515600" cy="1325563"/>
           </a:xfrm>
         </p:spPr>
@@ -6727,71 +6375,12 @@
                   </a:schemeClr>
                 </a:solidFill>
               </a:rPr>
-              <a:t>The </a:t>
-            </a:r>
-            <a:r>
-              <a:rPr lang="de-DE" dirty="0" err="1">
-                <a:solidFill>
-                  <a:schemeClr val="tx1">
-                    <a:lumMod val="50000"/>
-                    <a:lumOff val="50000"/>
-                  </a:schemeClr>
-                </a:solidFill>
-              </a:rPr>
-              <a:t>solution</a:t>
-            </a:r>
-            <a:r>
-              <a:rPr lang="de-DE" dirty="0">
-                <a:solidFill>
-                  <a:schemeClr val="tx1">
-                    <a:lumMod val="50000"/>
-                    <a:lumOff val="50000"/>
-                  </a:schemeClr>
-                </a:solidFill>
-              </a:rPr>
-              <a:t> </a:t>
-            </a:r>
-            <a:r>
-              <a:rPr lang="de-DE" dirty="0" err="1">
-                <a:solidFill>
-                  <a:schemeClr val="tx1">
-                    <a:lumMod val="50000"/>
-                    <a:lumOff val="50000"/>
-                  </a:schemeClr>
-                </a:solidFill>
-              </a:rPr>
-              <a:t>we</a:t>
-            </a:r>
-            <a:r>
-              <a:rPr lang="de-DE" dirty="0">
-                <a:solidFill>
-                  <a:schemeClr val="tx1">
-                    <a:lumMod val="50000"/>
-                    <a:lumOff val="50000"/>
-                  </a:schemeClr>
-                </a:solidFill>
-              </a:rPr>
-              <a:t> </a:t>
-            </a:r>
-            <a:r>
-              <a:rPr lang="de-DE" dirty="0" err="1">
-                <a:solidFill>
-                  <a:schemeClr val="tx1">
-                    <a:lumMod val="50000"/>
-                    <a:lumOff val="50000"/>
-                  </a:schemeClr>
-                </a:solidFill>
-              </a:rPr>
-              <a:t>provide</a:t>
-            </a:r>
-            <a:endParaRPr lang="de-DE" dirty="0">
-              <a:solidFill>
-                <a:schemeClr val="tx1">
-                  <a:lumMod val="50000"/>
-                  <a:lumOff val="50000"/>
-                </a:schemeClr>
-              </a:solidFill>
-            </a:endParaRPr>
+              <a:t>Demonstration</a:t>
+            </a:r>
+            <a:r>
+              <a:rPr lang="de-DE" dirty="0"/>
+              <a:t> </a:t>
+            </a:r>
           </a:p>
         </p:txBody>
       </p:sp>
@@ -6800,7 +6389,7 @@
           <p:cNvPr id="3" name="Inhaltsplatzhalter 2">
             <a:extLst>
               <a:ext uri="{FF2B5EF4-FFF2-40B4-BE49-F238E27FC236}">
-                <a16:creationId xmlns:a16="http://schemas.microsoft.com/office/drawing/2014/main" id="{B4F46ABD-8990-3714-E9FF-EE7A6C6357C4}"/>
+                <a16:creationId xmlns:a16="http://schemas.microsoft.com/office/drawing/2014/main" id="{306985A2-0C8B-1392-6737-3420007893C9}"/>
               </a:ext>
             </a:extLst>
           </p:cNvPr>
@@ -6813,259 +6402,72 @@
         </p:nvSpPr>
         <p:spPr>
           <a:xfrm>
-            <a:off x="841513" y="2006600"/>
+            <a:off x="838200" y="2004919"/>
             <a:ext cx="10515600" cy="4351338"/>
           </a:xfrm>
         </p:spPr>
         <p:txBody>
-          <a:bodyPr>
-            <a:normAutofit lnSpcReduction="10000"/>
-          </a:bodyPr>
+          <a:bodyPr/>
           <a:lstStyle/>
           <a:p>
-            <a:r>
-              <a:rPr lang="de-DE" dirty="0" err="1"/>
-              <a:t>talking</a:t>
-            </a:r>
-            <a:r>
-              <a:rPr lang="de-DE" dirty="0"/>
-              <a:t> </a:t>
-            </a:r>
-            <a:r>
-              <a:rPr lang="de-DE" dirty="0" err="1"/>
-              <a:t>about</a:t>
-            </a:r>
-            <a:r>
-              <a:rPr lang="de-DE" dirty="0"/>
-              <a:t> </a:t>
-            </a:r>
-            <a:r>
-              <a:rPr lang="de-DE" dirty="0" err="1"/>
-              <a:t>technical</a:t>
-            </a:r>
-            <a:r>
-              <a:rPr lang="de-DE" dirty="0"/>
-              <a:t> </a:t>
-            </a:r>
-            <a:r>
-              <a:rPr lang="de-DE" dirty="0" err="1"/>
-              <a:t>details</a:t>
-            </a:r>
-            <a:endParaRPr lang="de-DE" dirty="0"/>
-          </a:p>
-          <a:p>
-            <a:r>
-              <a:rPr lang="de-DE" dirty="0"/>
-              <a:t>Automation:</a:t>
-            </a:r>
-          </a:p>
-          <a:p>
-            <a:pPr lvl="1"/>
-            <a:r>
-              <a:rPr lang="de-DE" dirty="0"/>
-              <a:t> </a:t>
-            </a:r>
-            <a:r>
-              <a:rPr lang="de-DE" dirty="0" err="1"/>
-              <a:t>inventory</a:t>
-            </a:r>
-            <a:r>
-              <a:rPr lang="de-DE" dirty="0"/>
-              <a:t> </a:t>
-            </a:r>
-            <a:r>
-              <a:rPr lang="de-DE" dirty="0" err="1"/>
-              <a:t>is</a:t>
-            </a:r>
-            <a:r>
-              <a:rPr lang="de-DE" dirty="0"/>
-              <a:t> </a:t>
-            </a:r>
-            <a:r>
-              <a:rPr lang="de-DE" dirty="0" err="1"/>
-              <a:t>checked</a:t>
-            </a:r>
-            <a:r>
-              <a:rPr lang="de-DE" dirty="0"/>
-              <a:t> </a:t>
-            </a:r>
-            <a:r>
-              <a:rPr lang="de-DE" dirty="0" err="1"/>
-              <a:t>as</a:t>
-            </a:r>
-            <a:r>
-              <a:rPr lang="de-DE" dirty="0"/>
-              <a:t> time </a:t>
-            </a:r>
-            <a:r>
-              <a:rPr lang="de-DE" dirty="0" err="1"/>
-              <a:t>event</a:t>
-            </a:r>
-            <a:r>
-              <a:rPr lang="de-DE" dirty="0"/>
-              <a:t> </a:t>
-            </a:r>
-            <a:r>
-              <a:rPr lang="de-DE" dirty="0" err="1"/>
-              <a:t>automatically</a:t>
-            </a:r>
-            <a:endParaRPr lang="de-DE" dirty="0"/>
-          </a:p>
-          <a:p>
-            <a:pPr lvl="2"/>
-            <a:r>
-              <a:rPr lang="de-DE" dirty="0"/>
-              <a:t>Returns </a:t>
-            </a:r>
-            <a:r>
-              <a:rPr lang="de-DE" dirty="0" err="1"/>
-              <a:t>if</a:t>
-            </a:r>
-            <a:r>
-              <a:rPr lang="de-DE" dirty="0"/>
-              <a:t> </a:t>
-            </a:r>
-            <a:r>
-              <a:rPr lang="de-DE" dirty="0" err="1"/>
-              <a:t>threshold</a:t>
-            </a:r>
-            <a:r>
-              <a:rPr lang="de-DE" dirty="0"/>
-              <a:t> </a:t>
-            </a:r>
-            <a:r>
-              <a:rPr lang="de-DE" dirty="0" err="1"/>
-              <a:t>is</a:t>
-            </a:r>
-            <a:r>
-              <a:rPr lang="de-DE" dirty="0"/>
-              <a:t> </a:t>
-            </a:r>
-            <a:r>
-              <a:rPr lang="de-DE" dirty="0" err="1"/>
-              <a:t>under</a:t>
-            </a:r>
-            <a:r>
-              <a:rPr lang="de-DE" dirty="0"/>
-              <a:t> </a:t>
-            </a:r>
-            <a:r>
-              <a:rPr lang="de-DE" dirty="0" err="1"/>
-              <a:t>orover</a:t>
-            </a:r>
-            <a:r>
-              <a:rPr lang="de-DE" dirty="0"/>
-              <a:t> </a:t>
-            </a:r>
-            <a:r>
-              <a:rPr lang="de-DE" dirty="0" err="1"/>
-              <a:t>limit</a:t>
-            </a:r>
-            <a:r>
-              <a:rPr lang="de-DE" dirty="0"/>
-              <a:t> </a:t>
-            </a:r>
-          </a:p>
-          <a:p>
-            <a:pPr lvl="1"/>
-            <a:r>
-              <a:rPr lang="de-DE" dirty="0" err="1"/>
-              <a:t>placeholder</a:t>
-            </a:r>
-            <a:endParaRPr lang="de-DE" dirty="0"/>
-          </a:p>
-          <a:p>
             <a:pPr marL="0" indent="0">
               <a:buNone/>
             </a:pPr>
-            <a:endParaRPr lang="de-DE" dirty="0"/>
-          </a:p>
-          <a:p>
-            <a:r>
-              <a:rPr lang="de-DE" dirty="0" err="1"/>
-              <a:t>Unification</a:t>
-            </a:r>
-            <a:r>
-              <a:rPr lang="de-DE" dirty="0"/>
-              <a:t>: </a:t>
-            </a:r>
-          </a:p>
-          <a:p>
-            <a:r>
-              <a:rPr lang="de-DE" dirty="0" err="1"/>
-              <a:t>Decision</a:t>
-            </a:r>
-            <a:r>
-              <a:rPr lang="de-DE" dirty="0"/>
-              <a:t> support: </a:t>
-            </a:r>
-          </a:p>
-          <a:p>
-            <a:r>
-              <a:rPr lang="de-DE" dirty="0"/>
-              <a:t> </a:t>
-            </a:r>
-            <a:r>
-              <a:rPr lang="de-DE" dirty="0" err="1"/>
-              <a:t>use</a:t>
-            </a:r>
-            <a:r>
-              <a:rPr lang="de-DE" dirty="0"/>
-              <a:t> </a:t>
-            </a:r>
-            <a:r>
-              <a:rPr lang="de-DE" dirty="0" err="1"/>
-              <a:t>of</a:t>
-            </a:r>
-            <a:r>
-              <a:rPr lang="de-DE" dirty="0"/>
-              <a:t> </a:t>
-            </a:r>
-            <a:r>
-              <a:rPr lang="de-DE" dirty="0" err="1"/>
-              <a:t>Camunda</a:t>
-            </a:r>
-            <a:r>
-              <a:rPr lang="de-DE" dirty="0"/>
-              <a:t>, Python, </a:t>
-            </a:r>
-          </a:p>
-          <a:p>
-            <a:r>
-              <a:rPr lang="de-DE" dirty="0"/>
-              <a:t>Multiple </a:t>
-            </a:r>
-            <a:r>
-              <a:rPr lang="de-DE" dirty="0" err="1"/>
-              <a:t>service</a:t>
-            </a:r>
-            <a:r>
-              <a:rPr lang="de-DE" dirty="0"/>
-              <a:t> </a:t>
-            </a:r>
-            <a:r>
-              <a:rPr lang="de-DE" dirty="0" err="1"/>
-              <a:t>tasks</a:t>
-            </a:r>
-            <a:r>
-              <a:rPr lang="de-DE" dirty="0"/>
-              <a:t>, </a:t>
-            </a:r>
-            <a:r>
-              <a:rPr lang="de-DE" dirty="0" err="1"/>
-              <a:t>Decision</a:t>
-            </a:r>
-            <a:r>
-              <a:rPr lang="de-DE" dirty="0"/>
-              <a:t> </a:t>
-            </a:r>
-            <a:r>
-              <a:rPr lang="de-DE" dirty="0" err="1"/>
-              <a:t>modeling</a:t>
-            </a:r>
-            <a:r>
-              <a:rPr lang="de-DE" dirty="0"/>
-              <a:t> </a:t>
+            <a:r>
+              <a:rPr lang="de-DE" dirty="0" err="1"/>
+              <a:t>Let</a:t>
+            </a:r>
+            <a:r>
+              <a:rPr lang="de-DE" dirty="0"/>
+              <a:t> </a:t>
+            </a:r>
+            <a:r>
+              <a:rPr lang="de-DE" dirty="0" err="1"/>
+              <a:t>us</a:t>
+            </a:r>
+            <a:r>
+              <a:rPr lang="de-DE" dirty="0"/>
+              <a:t> </a:t>
+            </a:r>
+            <a:r>
+              <a:rPr lang="de-DE" dirty="0" err="1"/>
+              <a:t>show</a:t>
+            </a:r>
+            <a:r>
+              <a:rPr lang="de-DE" dirty="0"/>
+              <a:t> </a:t>
+            </a:r>
+            <a:r>
+              <a:rPr lang="de-DE" dirty="0" err="1"/>
+              <a:t>it</a:t>
+            </a:r>
+            <a:r>
+              <a:rPr lang="de-DE" dirty="0"/>
+              <a:t> </a:t>
+            </a:r>
+            <a:r>
+              <a:rPr lang="de-DE" dirty="0" err="1"/>
+              <a:t>to</a:t>
+            </a:r>
+            <a:r>
+              <a:rPr lang="de-DE" dirty="0"/>
+              <a:t> </a:t>
+            </a:r>
+            <a:r>
+              <a:rPr lang="de-DE" dirty="0" err="1"/>
+              <a:t>you</a:t>
+            </a:r>
+            <a:r>
+              <a:rPr lang="de-DE" dirty="0"/>
+              <a:t> in a </a:t>
+            </a:r>
+            <a:r>
+              <a:rPr lang="de-DE" dirty="0" err="1"/>
+              <a:t>video</a:t>
+            </a:r>
+            <a:r>
+              <a:rPr lang="de-DE" dirty="0"/>
+              <a:t>  </a:t>
             </a:r>
           </a:p>
         </p:txBody>
@@ -7073,7 +6475,7 @@
     </p:spTree>
     <p:extLst>
       <p:ext uri="{BB962C8B-B14F-4D97-AF65-F5344CB8AC3E}">
-        <p14:creationId xmlns:p14="http://schemas.microsoft.com/office/powerpoint/2010/main" val="1415540745"/>
+        <p14:creationId xmlns:p14="http://schemas.microsoft.com/office/powerpoint/2010/main" val="1146317798"/>
       </p:ext>
     </p:extLst>
   </p:cSld>
@@ -7105,7 +6507,7 @@
           <p:cNvPr id="2" name="Titel 1">
             <a:extLst>
               <a:ext uri="{FF2B5EF4-FFF2-40B4-BE49-F238E27FC236}">
-                <a16:creationId xmlns:a16="http://schemas.microsoft.com/office/drawing/2014/main" id="{28107D28-FA76-389F-2BF1-8C8EDDD35D16}"/>
+                <a16:creationId xmlns:a16="http://schemas.microsoft.com/office/drawing/2014/main" id="{22D8ECC0-E8B5-00F4-CDAC-994AFC71E380}"/>
               </a:ext>
             </a:extLst>
           </p:cNvPr>
@@ -7118,7 +6520,7 @@
         </p:nvSpPr>
         <p:spPr>
           <a:xfrm>
-            <a:off x="838200" y="500062"/>
+            <a:off x="838200" y="4872958"/>
             <a:ext cx="10515600" cy="1325563"/>
           </a:xfrm>
         </p:spPr>
@@ -7127,7 +6529,7 @@
           <a:lstStyle/>
           <a:p>
             <a:r>
-              <a:rPr lang="de-DE" dirty="0" err="1">
+              <a:rPr lang="de-DE" dirty="0">
                 <a:solidFill>
                   <a:schemeClr val="tx1">
                     <a:lumMod val="50000"/>
@@ -7135,119 +6537,383 @@
                   </a:schemeClr>
                 </a:solidFill>
               </a:rPr>
-              <a:t>How</a:t>
-            </a:r>
-            <a:r>
-              <a:rPr lang="de-DE" dirty="0">
-                <a:solidFill>
-                  <a:schemeClr val="tx1">
-                    <a:lumMod val="50000"/>
-                    <a:lumOff val="50000"/>
-                  </a:schemeClr>
-                </a:solidFill>
-              </a:rPr>
-              <a:t> </a:t>
-            </a:r>
-            <a:r>
-              <a:rPr lang="de-DE" dirty="0" err="1">
-                <a:solidFill>
-                  <a:schemeClr val="tx1">
-                    <a:lumMod val="50000"/>
-                    <a:lumOff val="50000"/>
-                  </a:schemeClr>
-                </a:solidFill>
-              </a:rPr>
-              <a:t>to</a:t>
-            </a:r>
-            <a:r>
-              <a:rPr lang="de-DE" dirty="0">
-                <a:solidFill>
-                  <a:schemeClr val="tx1">
-                    <a:lumMod val="50000"/>
-                    <a:lumOff val="50000"/>
-                  </a:schemeClr>
-                </a:solidFill>
-              </a:rPr>
-              <a:t> </a:t>
-            </a:r>
-            <a:r>
-              <a:rPr lang="de-DE" dirty="0" err="1">
-                <a:solidFill>
-                  <a:schemeClr val="tx1">
-                    <a:lumMod val="50000"/>
-                    <a:lumOff val="50000"/>
-                  </a:schemeClr>
-                </a:solidFill>
-              </a:rPr>
-              <a:t>implement</a:t>
-            </a:r>
-            <a:r>
-              <a:rPr lang="de-DE" dirty="0">
-                <a:solidFill>
-                  <a:schemeClr val="tx1">
-                    <a:lumMod val="50000"/>
-                    <a:lumOff val="50000"/>
-                  </a:schemeClr>
-                </a:solidFill>
-              </a:rPr>
-              <a:t> </a:t>
-            </a:r>
-            <a:r>
-              <a:rPr lang="de-DE" dirty="0" err="1">
-                <a:solidFill>
-                  <a:schemeClr val="tx1">
-                    <a:lumMod val="50000"/>
-                    <a:lumOff val="50000"/>
-                  </a:schemeClr>
-                </a:solidFill>
-              </a:rPr>
-              <a:t>Narcovet</a:t>
-            </a:r>
-            <a:endParaRPr lang="de-DE" dirty="0">
-              <a:solidFill>
-                <a:schemeClr val="tx1">
-                  <a:lumMod val="50000"/>
-                  <a:lumOff val="50000"/>
-                </a:schemeClr>
-              </a:solidFill>
-            </a:endParaRPr>
-          </a:p>
-        </p:txBody>
-      </p:sp>
-      <p:sp>
-        <p:nvSpPr>
-          <p:cNvPr id="3" name="Inhaltsplatzhalter 2">
-            <a:extLst>
-              <a:ext uri="{FF2B5EF4-FFF2-40B4-BE49-F238E27FC236}">
-                <a16:creationId xmlns:a16="http://schemas.microsoft.com/office/drawing/2014/main" id="{8CC658FB-A13A-CC0D-F682-EBE199A97437}"/>
-              </a:ext>
-            </a:extLst>
-          </p:cNvPr>
-          <p:cNvSpPr>
-            <a:spLocks noGrp="1"/>
-          </p:cNvSpPr>
-          <p:nvPr>
-            <p:ph idx="1"/>
-          </p:nvPr>
+              <a:t>Benefits</a:t>
+            </a:r>
+          </a:p>
+        </p:txBody>
+      </p:sp>
+      <p:sp>
+        <p:nvSpPr>
+          <p:cNvPr id="4" name="Textfeld 3">
+            <a:extLst>
+              <a:ext uri="{FF2B5EF4-FFF2-40B4-BE49-F238E27FC236}">
+                <a16:creationId xmlns:a16="http://schemas.microsoft.com/office/drawing/2014/main" id="{65756FEC-7821-2152-6E2C-7D131DA37680}"/>
+              </a:ext>
+            </a:extLst>
+          </p:cNvPr>
+          <p:cNvSpPr txBox="1"/>
+          <p:nvPr/>
         </p:nvSpPr>
         <p:spPr>
           <a:xfrm>
-            <a:off x="838200" y="2006600"/>
-            <a:ext cx="10515600" cy="4351338"/>
+            <a:off x="838200" y="1278911"/>
+            <a:ext cx="9403080" cy="3231654"/>
           </a:xfrm>
+          <a:prstGeom prst="rect">
+            <a:avLst/>
+          </a:prstGeom>
+          <a:noFill/>
         </p:spPr>
         <p:txBody>
-          <a:bodyPr/>
+          <a:bodyPr wrap="square" rtlCol="0">
+            <a:spAutoFit/>
+          </a:bodyPr>
           <a:lstStyle/>
           <a:p>
+            <a:r>
+              <a:rPr lang="de-DE" sz="2000" b="1" dirty="0" err="1"/>
+              <a:t>Reduction</a:t>
+            </a:r>
+            <a:r>
+              <a:rPr lang="de-DE" sz="2000" b="1" dirty="0"/>
+              <a:t> </a:t>
+            </a:r>
+            <a:r>
+              <a:rPr lang="de-DE" sz="2000" b="1" dirty="0" err="1"/>
+              <a:t>of</a:t>
+            </a:r>
+            <a:r>
+              <a:rPr lang="de-DE" sz="2000" b="1" dirty="0"/>
+              <a:t> </a:t>
+            </a:r>
+            <a:r>
+              <a:rPr lang="de-DE" sz="2000" b="1" dirty="0" err="1"/>
+              <a:t>hours</a:t>
+            </a:r>
+            <a:r>
+              <a:rPr lang="de-DE" sz="2000" dirty="0"/>
+              <a:t>: </a:t>
+            </a:r>
+          </a:p>
+          <a:p>
+            <a:pPr marL="285750" indent="-285750">
+              <a:buFont typeface="Arial" panose="020B0604020202020204" pitchFamily="34" charset="0"/>
+              <a:buChar char="•"/>
+            </a:pPr>
+            <a:r>
+              <a:rPr lang="de-DE" dirty="0"/>
+              <a:t>180h per </a:t>
+            </a:r>
+            <a:r>
+              <a:rPr lang="de-DE" dirty="0" err="1"/>
+              <a:t>year</a:t>
+            </a:r>
+            <a:r>
+              <a:rPr lang="de-DE" dirty="0"/>
+              <a:t> </a:t>
+            </a:r>
+            <a:r>
+              <a:rPr lang="de-DE" dirty="0" err="1"/>
+              <a:t>without</a:t>
+            </a:r>
+            <a:r>
+              <a:rPr lang="de-DE" dirty="0"/>
+              <a:t> </a:t>
+            </a:r>
+            <a:r>
+              <a:rPr lang="de-DE" dirty="0" err="1"/>
+              <a:t>Narcovets</a:t>
+            </a:r>
+            <a:r>
+              <a:rPr lang="de-DE" dirty="0"/>
+              <a:t> </a:t>
+            </a:r>
+          </a:p>
+          <a:p>
+            <a:pPr marL="285750" indent="-285750">
+              <a:buFont typeface="Arial" panose="020B0604020202020204" pitchFamily="34" charset="0"/>
+              <a:buChar char="•"/>
+            </a:pPr>
+            <a:r>
+              <a:rPr lang="de-DE" dirty="0"/>
+              <a:t>67h per </a:t>
+            </a:r>
+            <a:r>
+              <a:rPr lang="de-DE" dirty="0" err="1"/>
+              <a:t>year</a:t>
+            </a:r>
+            <a:r>
+              <a:rPr lang="de-DE" dirty="0"/>
+              <a:t> </a:t>
+            </a:r>
+            <a:r>
+              <a:rPr lang="de-DE" dirty="0" err="1"/>
+              <a:t>with</a:t>
+            </a:r>
+            <a:r>
+              <a:rPr lang="de-DE" dirty="0"/>
+              <a:t> </a:t>
+            </a:r>
+            <a:r>
+              <a:rPr lang="de-DE" dirty="0" err="1"/>
+              <a:t>Narcovets</a:t>
+            </a:r>
+            <a:r>
+              <a:rPr lang="de-DE" dirty="0"/>
+              <a:t> </a:t>
+            </a:r>
+          </a:p>
+          <a:p>
+            <a:r>
+              <a:rPr lang="de-DE" dirty="0"/>
+              <a:t> </a:t>
+            </a:r>
+          </a:p>
+          <a:p>
+            <a:r>
+              <a:rPr lang="de-DE" sz="2000" b="1" dirty="0" err="1"/>
+              <a:t>Reduction</a:t>
+            </a:r>
+            <a:r>
+              <a:rPr lang="de-DE" sz="2000" b="1" dirty="0"/>
+              <a:t> </a:t>
+            </a:r>
+            <a:r>
+              <a:rPr lang="de-DE" sz="2000" b="1" dirty="0" err="1"/>
+              <a:t>of</a:t>
+            </a:r>
+            <a:r>
+              <a:rPr lang="de-DE" sz="2000" b="1" dirty="0"/>
+              <a:t> </a:t>
+            </a:r>
+            <a:r>
+              <a:rPr lang="de-DE" sz="2000" b="1" dirty="0" err="1"/>
+              <a:t>expenses</a:t>
+            </a:r>
+            <a:r>
+              <a:rPr lang="de-DE" sz="2000" dirty="0"/>
+              <a:t>:</a:t>
+            </a:r>
+          </a:p>
+          <a:p>
+            <a:pPr marL="285750" indent="-285750">
+              <a:buFont typeface="Arial" panose="020B0604020202020204" pitchFamily="34" charset="0"/>
+              <a:buChar char="•"/>
+            </a:pPr>
+            <a:r>
+              <a:rPr lang="de-DE" dirty="0"/>
+              <a:t>10.000CHF per </a:t>
+            </a:r>
+            <a:r>
+              <a:rPr lang="de-DE" dirty="0" err="1"/>
+              <a:t>year</a:t>
+            </a:r>
+            <a:r>
+              <a:rPr lang="de-DE" dirty="0"/>
+              <a:t> </a:t>
+            </a:r>
+            <a:r>
+              <a:rPr lang="de-DE" dirty="0" err="1"/>
+              <a:t>without</a:t>
+            </a:r>
+            <a:r>
+              <a:rPr lang="de-DE" dirty="0"/>
+              <a:t> </a:t>
+            </a:r>
+            <a:r>
+              <a:rPr lang="de-DE" dirty="0" err="1"/>
+              <a:t>Narcovets</a:t>
+            </a:r>
+            <a:r>
+              <a:rPr lang="de-DE" dirty="0"/>
+              <a:t> </a:t>
+            </a:r>
+          </a:p>
+          <a:p>
+            <a:pPr marL="285750" indent="-285750">
+              <a:buFont typeface="Arial" panose="020B0604020202020204" pitchFamily="34" charset="0"/>
+              <a:buChar char="•"/>
+            </a:pPr>
+            <a:r>
+              <a:rPr lang="de-DE" dirty="0"/>
+              <a:t> 5.000CHF per </a:t>
+            </a:r>
+            <a:r>
+              <a:rPr lang="de-DE" dirty="0" err="1"/>
+              <a:t>year</a:t>
+            </a:r>
+            <a:r>
+              <a:rPr lang="de-DE" dirty="0"/>
+              <a:t> </a:t>
+            </a:r>
+            <a:r>
+              <a:rPr lang="de-DE" dirty="0" err="1"/>
+              <a:t>with</a:t>
+            </a:r>
+            <a:r>
+              <a:rPr lang="de-DE" dirty="0"/>
+              <a:t> </a:t>
+            </a:r>
+            <a:r>
+              <a:rPr lang="de-DE" dirty="0" err="1"/>
+              <a:t>Narcovets</a:t>
+            </a:r>
+            <a:r>
+              <a:rPr lang="de-DE" dirty="0"/>
+              <a:t> </a:t>
+            </a:r>
+          </a:p>
+          <a:p>
             <a:endParaRPr lang="de-DE" dirty="0"/>
+          </a:p>
+          <a:p>
+            <a:r>
+              <a:rPr lang="de-DE" sz="2000" b="1" dirty="0"/>
+              <a:t>Cherry on top</a:t>
+            </a:r>
+            <a:r>
+              <a:rPr lang="de-DE" sz="2000" dirty="0"/>
+              <a:t>: </a:t>
+            </a:r>
+          </a:p>
+          <a:p>
+            <a:pPr marL="285750" indent="-285750">
+              <a:buFont typeface="Arial" panose="020B0604020202020204" pitchFamily="34" charset="0"/>
+              <a:buChar char="•"/>
+            </a:pPr>
+            <a:r>
+              <a:rPr lang="de-DE" dirty="0" err="1"/>
+              <a:t>Centralized</a:t>
+            </a:r>
+            <a:r>
+              <a:rPr lang="de-DE" dirty="0"/>
+              <a:t> </a:t>
+            </a:r>
+            <a:r>
+              <a:rPr lang="de-DE" dirty="0" err="1"/>
+              <a:t>documentation</a:t>
+            </a:r>
+            <a:r>
+              <a:rPr lang="de-DE" dirty="0"/>
+              <a:t> </a:t>
+            </a:r>
+          </a:p>
+          <a:p>
+            <a:pPr marL="285750" indent="-285750">
+              <a:buFont typeface="Arial" panose="020B0604020202020204" pitchFamily="34" charset="0"/>
+              <a:buChar char="•"/>
+            </a:pPr>
+            <a:r>
+              <a:rPr lang="de-DE" dirty="0" err="1"/>
+              <a:t>Less</a:t>
+            </a:r>
+            <a:r>
+              <a:rPr lang="de-DE" dirty="0"/>
+              <a:t> </a:t>
+            </a:r>
+            <a:r>
+              <a:rPr lang="de-DE" dirty="0" err="1"/>
+              <a:t>risk</a:t>
+            </a:r>
+            <a:r>
+              <a:rPr lang="de-DE" dirty="0"/>
+              <a:t> </a:t>
+            </a:r>
+            <a:r>
+              <a:rPr lang="de-DE" dirty="0" err="1"/>
+              <a:t>for</a:t>
+            </a:r>
+            <a:r>
+              <a:rPr lang="de-DE" dirty="0"/>
+              <a:t> human </a:t>
+            </a:r>
+            <a:r>
+              <a:rPr lang="de-DE" dirty="0" err="1"/>
+              <a:t>errors</a:t>
+            </a:r>
+            <a:r>
+              <a:rPr lang="de-DE" dirty="0"/>
+              <a:t> </a:t>
+            </a:r>
+            <a:r>
+              <a:rPr lang="de-DE" dirty="0" err="1"/>
+              <a:t>or</a:t>
+            </a:r>
+            <a:r>
+              <a:rPr lang="de-DE" dirty="0"/>
+              <a:t> human </a:t>
+            </a:r>
+            <a:r>
+              <a:rPr lang="de-DE" dirty="0" err="1"/>
+              <a:t>intervention</a:t>
+            </a:r>
+            <a:r>
+              <a:rPr lang="de-DE" dirty="0"/>
+              <a:t> </a:t>
+            </a:r>
+            <a:r>
+              <a:rPr lang="de-DE" dirty="0" err="1"/>
+              <a:t>for</a:t>
+            </a:r>
+            <a:r>
+              <a:rPr lang="de-DE" dirty="0"/>
+              <a:t> </a:t>
+            </a:r>
+            <a:r>
+              <a:rPr lang="de-DE" dirty="0" err="1"/>
+              <a:t>misuse</a:t>
+            </a:r>
+            <a:r>
+              <a:rPr lang="de-DE" dirty="0"/>
+              <a:t> </a:t>
+            </a:r>
+          </a:p>
+        </p:txBody>
+      </p:sp>
+      <p:sp>
+        <p:nvSpPr>
+          <p:cNvPr id="3" name="Textfeld 2">
+            <a:extLst>
+              <a:ext uri="{FF2B5EF4-FFF2-40B4-BE49-F238E27FC236}">
+                <a16:creationId xmlns:a16="http://schemas.microsoft.com/office/drawing/2014/main" id="{02B33144-0A99-DA8E-FC69-72BECF079876}"/>
+              </a:ext>
+            </a:extLst>
+          </p:cNvPr>
+          <p:cNvSpPr txBox="1"/>
+          <p:nvPr/>
+        </p:nvSpPr>
+        <p:spPr>
+          <a:xfrm>
+            <a:off x="838200" y="647205"/>
+            <a:ext cx="3823932" cy="523220"/>
+          </a:xfrm>
+          <a:prstGeom prst="rect">
+            <a:avLst/>
+          </a:prstGeom>
+          <a:noFill/>
+        </p:spPr>
+        <p:txBody>
+          <a:bodyPr wrap="none" rtlCol="0">
+            <a:spAutoFit/>
+          </a:bodyPr>
+          <a:lstStyle/>
+          <a:p>
+            <a:r>
+              <a:rPr lang="de-DE" sz="2800" dirty="0"/>
+              <a:t>Narcotics </a:t>
+            </a:r>
+            <a:r>
+              <a:rPr lang="de-DE" sz="2800" dirty="0" err="1"/>
+              <a:t>management</a:t>
+            </a:r>
+            <a:endParaRPr lang="de-DE" sz="2800" dirty="0"/>
           </a:p>
         </p:txBody>
       </p:sp>
     </p:spTree>
     <p:extLst>
       <p:ext uri="{BB962C8B-B14F-4D97-AF65-F5344CB8AC3E}">
-        <p14:creationId xmlns:p14="http://schemas.microsoft.com/office/powerpoint/2010/main" val="3941973886"/>
+        <p14:creationId xmlns:p14="http://schemas.microsoft.com/office/powerpoint/2010/main" val="3002821077"/>
       </p:ext>
     </p:extLst>
   </p:cSld>

--- a/presentation and documentation/Narcovet.pptx
+++ b/presentation and documentation/Narcovet.pptx
@@ -4,6 +4,9 @@
   <p:sldMasterIdLst>
     <p:sldMasterId id="2147483648" r:id="rId1"/>
   </p:sldMasterIdLst>
+  <p:notesMasterIdLst>
+    <p:notesMasterId r:id="rId12"/>
+  </p:notesMasterIdLst>
   <p:sldIdLst>
     <p:sldId id="261" r:id="rId2"/>
     <p:sldId id="273" r:id="rId3"/>
@@ -201,6 +204,5939 @@
     </pc:docChg>
   </pc:docChgLst>
 </pc:chgInfo>
+</file>
+
+<file path=ppt/notesMasters/notesMaster1.xml><?xml version="1.0" encoding="utf-8"?>
+<p:notesMaster xmlns:a="http://schemas.openxmlformats.org/drawingml/2006/main" xmlns:r="http://schemas.openxmlformats.org/officeDocument/2006/relationships" xmlns:p="http://schemas.openxmlformats.org/presentationml/2006/main">
+  <p:cSld>
+    <p:bg>
+      <p:bgRef idx="1001">
+        <a:schemeClr val="bg1"/>
+      </p:bgRef>
+    </p:bg>
+    <p:spTree>
+      <p:nvGrpSpPr>
+        <p:cNvPr id="1" name=""/>
+        <p:cNvGrpSpPr/>
+        <p:nvPr/>
+      </p:nvGrpSpPr>
+      <p:grpSpPr>
+        <a:xfrm>
+          <a:off x="0" y="0"/>
+          <a:ext cx="0" cy="0"/>
+          <a:chOff x="0" y="0"/>
+          <a:chExt cx="0" cy="0"/>
+        </a:xfrm>
+      </p:grpSpPr>
+      <p:sp>
+        <p:nvSpPr>
+          <p:cNvPr id="2" name="Kopfzeilenplatzhalter 1"/>
+          <p:cNvSpPr>
+            <a:spLocks noGrp="1"/>
+          </p:cNvSpPr>
+          <p:nvPr>
+            <p:ph type="hdr" sz="quarter"/>
+          </p:nvPr>
+        </p:nvSpPr>
+        <p:spPr>
+          <a:xfrm>
+            <a:off x="0" y="0"/>
+            <a:ext cx="2971800" cy="458788"/>
+          </a:xfrm>
+          <a:prstGeom prst="rect">
+            <a:avLst/>
+          </a:prstGeom>
+        </p:spPr>
+        <p:txBody>
+          <a:bodyPr vert="horz" lIns="91440" tIns="45720" rIns="91440" bIns="45720" rtlCol="0"/>
+          <a:lstStyle>
+            <a:lvl1pPr algn="l">
+              <a:defRPr sz="1200"/>
+            </a:lvl1pPr>
+          </a:lstStyle>
+          <a:p>
+            <a:endParaRPr lang="de-CH"/>
+          </a:p>
+        </p:txBody>
+      </p:sp>
+      <p:sp>
+        <p:nvSpPr>
+          <p:cNvPr id="3" name="Datumsplatzhalter 2"/>
+          <p:cNvSpPr>
+            <a:spLocks noGrp="1"/>
+          </p:cNvSpPr>
+          <p:nvPr>
+            <p:ph type="dt" idx="1"/>
+          </p:nvPr>
+        </p:nvSpPr>
+        <p:spPr>
+          <a:xfrm>
+            <a:off x="3884613" y="0"/>
+            <a:ext cx="2971800" cy="458788"/>
+          </a:xfrm>
+          <a:prstGeom prst="rect">
+            <a:avLst/>
+          </a:prstGeom>
+        </p:spPr>
+        <p:txBody>
+          <a:bodyPr vert="horz" lIns="91440" tIns="45720" rIns="91440" bIns="45720" rtlCol="0"/>
+          <a:lstStyle>
+            <a:lvl1pPr algn="r">
+              <a:defRPr sz="1200"/>
+            </a:lvl1pPr>
+          </a:lstStyle>
+          <a:p>
+            <a:fld id="{E70E0B22-4F0C-48FD-BBE0-51E2FAF25910}" type="datetimeFigureOut">
+              <a:rPr lang="de-CH" smtClean="0"/>
+              <a:t>19.12.2024</a:t>
+            </a:fld>
+            <a:endParaRPr lang="de-CH"/>
+          </a:p>
+        </p:txBody>
+      </p:sp>
+      <p:sp>
+        <p:nvSpPr>
+          <p:cNvPr id="4" name="Folienbildplatzhalter 3"/>
+          <p:cNvSpPr>
+            <a:spLocks noGrp="1" noRot="1" noChangeAspect="1"/>
+          </p:cNvSpPr>
+          <p:nvPr>
+            <p:ph type="sldImg" idx="2"/>
+          </p:nvPr>
+        </p:nvSpPr>
+        <p:spPr>
+          <a:xfrm>
+            <a:off x="685800" y="1143000"/>
+            <a:ext cx="5486400" cy="3086100"/>
+          </a:xfrm>
+          <a:prstGeom prst="rect">
+            <a:avLst/>
+          </a:prstGeom>
+          <a:noFill/>
+          <a:ln w="12700">
+            <a:solidFill>
+              <a:prstClr val="black"/>
+            </a:solidFill>
+          </a:ln>
+        </p:spPr>
+        <p:txBody>
+          <a:bodyPr vert="horz" lIns="91440" tIns="45720" rIns="91440" bIns="45720" rtlCol="0" anchor="ctr"/>
+          <a:lstStyle/>
+          <a:p>
+            <a:endParaRPr lang="de-CH"/>
+          </a:p>
+        </p:txBody>
+      </p:sp>
+      <p:sp>
+        <p:nvSpPr>
+          <p:cNvPr id="5" name="Notizenplatzhalter 4"/>
+          <p:cNvSpPr>
+            <a:spLocks noGrp="1"/>
+          </p:cNvSpPr>
+          <p:nvPr>
+            <p:ph type="body" sz="quarter" idx="3"/>
+          </p:nvPr>
+        </p:nvSpPr>
+        <p:spPr>
+          <a:xfrm>
+            <a:off x="685800" y="4400550"/>
+            <a:ext cx="5486400" cy="3600450"/>
+          </a:xfrm>
+          <a:prstGeom prst="rect">
+            <a:avLst/>
+          </a:prstGeom>
+        </p:spPr>
+        <p:txBody>
+          <a:bodyPr vert="horz" lIns="91440" tIns="45720" rIns="91440" bIns="45720" rtlCol="0"/>
+          <a:lstStyle/>
+          <a:p>
+            <a:pPr lvl="0"/>
+            <a:r>
+              <a:rPr lang="de-DE"/>
+              <a:t>Mastertextformat bearbeiten</a:t>
+            </a:r>
+          </a:p>
+          <a:p>
+            <a:pPr lvl="1"/>
+            <a:r>
+              <a:rPr lang="de-DE"/>
+              <a:t>Zweite Ebene</a:t>
+            </a:r>
+          </a:p>
+          <a:p>
+            <a:pPr lvl="2"/>
+            <a:r>
+              <a:rPr lang="de-DE"/>
+              <a:t>Dritte Ebene</a:t>
+            </a:r>
+          </a:p>
+          <a:p>
+            <a:pPr lvl="3"/>
+            <a:r>
+              <a:rPr lang="de-DE"/>
+              <a:t>Vierte Ebene</a:t>
+            </a:r>
+          </a:p>
+          <a:p>
+            <a:pPr lvl="4"/>
+            <a:r>
+              <a:rPr lang="de-DE"/>
+              <a:t>Fünfte Ebene</a:t>
+            </a:r>
+            <a:endParaRPr lang="de-CH"/>
+          </a:p>
+        </p:txBody>
+      </p:sp>
+      <p:sp>
+        <p:nvSpPr>
+          <p:cNvPr id="6" name="Fußzeilenplatzhalter 5"/>
+          <p:cNvSpPr>
+            <a:spLocks noGrp="1"/>
+          </p:cNvSpPr>
+          <p:nvPr>
+            <p:ph type="ftr" sz="quarter" idx="4"/>
+          </p:nvPr>
+        </p:nvSpPr>
+        <p:spPr>
+          <a:xfrm>
+            <a:off x="0" y="8685213"/>
+            <a:ext cx="2971800" cy="458787"/>
+          </a:xfrm>
+          <a:prstGeom prst="rect">
+            <a:avLst/>
+          </a:prstGeom>
+        </p:spPr>
+        <p:txBody>
+          <a:bodyPr vert="horz" lIns="91440" tIns="45720" rIns="91440" bIns="45720" rtlCol="0" anchor="b"/>
+          <a:lstStyle>
+            <a:lvl1pPr algn="l">
+              <a:defRPr sz="1200"/>
+            </a:lvl1pPr>
+          </a:lstStyle>
+          <a:p>
+            <a:endParaRPr lang="de-CH"/>
+          </a:p>
+        </p:txBody>
+      </p:sp>
+      <p:sp>
+        <p:nvSpPr>
+          <p:cNvPr id="7" name="Foliennummernplatzhalter 6"/>
+          <p:cNvSpPr>
+            <a:spLocks noGrp="1"/>
+          </p:cNvSpPr>
+          <p:nvPr>
+            <p:ph type="sldNum" sz="quarter" idx="5"/>
+          </p:nvPr>
+        </p:nvSpPr>
+        <p:spPr>
+          <a:xfrm>
+            <a:off x="3884613" y="8685213"/>
+            <a:ext cx="2971800" cy="458787"/>
+          </a:xfrm>
+          <a:prstGeom prst="rect">
+            <a:avLst/>
+          </a:prstGeom>
+        </p:spPr>
+        <p:txBody>
+          <a:bodyPr vert="horz" lIns="91440" tIns="45720" rIns="91440" bIns="45720" rtlCol="0" anchor="b"/>
+          <a:lstStyle>
+            <a:lvl1pPr algn="r">
+              <a:defRPr sz="1200"/>
+            </a:lvl1pPr>
+          </a:lstStyle>
+          <a:p>
+            <a:fld id="{661B43BF-7C63-479D-85AD-BD18BBBDD38B}" type="slidenum">
+              <a:rPr lang="de-CH" smtClean="0"/>
+              <a:t>‹Nr.›</a:t>
+            </a:fld>
+            <a:endParaRPr lang="de-CH"/>
+          </a:p>
+        </p:txBody>
+      </p:sp>
+    </p:spTree>
+    <p:extLst>
+      <p:ext uri="{BB962C8B-B14F-4D97-AF65-F5344CB8AC3E}">
+        <p14:creationId xmlns:p14="http://schemas.microsoft.com/office/powerpoint/2010/main" val="1789537867"/>
+      </p:ext>
+    </p:extLst>
+  </p:cSld>
+  <p:clrMap bg1="lt1" tx1="dk1" bg2="lt2" tx2="dk2" accent1="accent1" accent2="accent2" accent3="accent3" accent4="accent4" accent5="accent5" accent6="accent6" hlink="hlink" folHlink="folHlink"/>
+  <p:notesStyle>
+    <a:lvl1pPr marL="0" algn="l" defTabSz="914400" rtl="0" eaLnBrk="1" latinLnBrk="0" hangingPunct="1">
+      <a:defRPr sz="1200" kern="1200">
+        <a:solidFill>
+          <a:schemeClr val="tx1"/>
+        </a:solidFill>
+        <a:latin typeface="+mn-lt"/>
+        <a:ea typeface="+mn-ea"/>
+        <a:cs typeface="+mn-cs"/>
+      </a:defRPr>
+    </a:lvl1pPr>
+    <a:lvl2pPr marL="457200" algn="l" defTabSz="914400" rtl="0" eaLnBrk="1" latinLnBrk="0" hangingPunct="1">
+      <a:defRPr sz="1200" kern="1200">
+        <a:solidFill>
+          <a:schemeClr val="tx1"/>
+        </a:solidFill>
+        <a:latin typeface="+mn-lt"/>
+        <a:ea typeface="+mn-ea"/>
+        <a:cs typeface="+mn-cs"/>
+      </a:defRPr>
+    </a:lvl2pPr>
+    <a:lvl3pPr marL="914400" algn="l" defTabSz="914400" rtl="0" eaLnBrk="1" latinLnBrk="0" hangingPunct="1">
+      <a:defRPr sz="1200" kern="1200">
+        <a:solidFill>
+          <a:schemeClr val="tx1"/>
+        </a:solidFill>
+        <a:latin typeface="+mn-lt"/>
+        <a:ea typeface="+mn-ea"/>
+        <a:cs typeface="+mn-cs"/>
+      </a:defRPr>
+    </a:lvl3pPr>
+    <a:lvl4pPr marL="1371600" algn="l" defTabSz="914400" rtl="0" eaLnBrk="1" latinLnBrk="0" hangingPunct="1">
+      <a:defRPr sz="1200" kern="1200">
+        <a:solidFill>
+          <a:schemeClr val="tx1"/>
+        </a:solidFill>
+        <a:latin typeface="+mn-lt"/>
+        <a:ea typeface="+mn-ea"/>
+        <a:cs typeface="+mn-cs"/>
+      </a:defRPr>
+    </a:lvl4pPr>
+    <a:lvl5pPr marL="1828800" algn="l" defTabSz="914400" rtl="0" eaLnBrk="1" latinLnBrk="0" hangingPunct="1">
+      <a:defRPr sz="1200" kern="1200">
+        <a:solidFill>
+          <a:schemeClr val="tx1"/>
+        </a:solidFill>
+        <a:latin typeface="+mn-lt"/>
+        <a:ea typeface="+mn-ea"/>
+        <a:cs typeface="+mn-cs"/>
+      </a:defRPr>
+    </a:lvl5pPr>
+    <a:lvl6pPr marL="2286000" algn="l" defTabSz="914400" rtl="0" eaLnBrk="1" latinLnBrk="0" hangingPunct="1">
+      <a:defRPr sz="1200" kern="1200">
+        <a:solidFill>
+          <a:schemeClr val="tx1"/>
+        </a:solidFill>
+        <a:latin typeface="+mn-lt"/>
+        <a:ea typeface="+mn-ea"/>
+        <a:cs typeface="+mn-cs"/>
+      </a:defRPr>
+    </a:lvl6pPr>
+    <a:lvl7pPr marL="2743200" algn="l" defTabSz="914400" rtl="0" eaLnBrk="1" latinLnBrk="0" hangingPunct="1">
+      <a:defRPr sz="1200" kern="1200">
+        <a:solidFill>
+          <a:schemeClr val="tx1"/>
+        </a:solidFill>
+        <a:latin typeface="+mn-lt"/>
+        <a:ea typeface="+mn-ea"/>
+        <a:cs typeface="+mn-cs"/>
+      </a:defRPr>
+    </a:lvl7pPr>
+    <a:lvl8pPr marL="3200400" algn="l" defTabSz="914400" rtl="0" eaLnBrk="1" latinLnBrk="0" hangingPunct="1">
+      <a:defRPr sz="1200" kern="1200">
+        <a:solidFill>
+          <a:schemeClr val="tx1"/>
+        </a:solidFill>
+        <a:latin typeface="+mn-lt"/>
+        <a:ea typeface="+mn-ea"/>
+        <a:cs typeface="+mn-cs"/>
+      </a:defRPr>
+    </a:lvl8pPr>
+    <a:lvl9pPr marL="3657600" algn="l" defTabSz="914400" rtl="0" eaLnBrk="1" latinLnBrk="0" hangingPunct="1">
+      <a:defRPr sz="1200" kern="1200">
+        <a:solidFill>
+          <a:schemeClr val="tx1"/>
+        </a:solidFill>
+        <a:latin typeface="+mn-lt"/>
+        <a:ea typeface="+mn-ea"/>
+        <a:cs typeface="+mn-cs"/>
+      </a:defRPr>
+    </a:lvl9pPr>
+  </p:notesStyle>
+</p:notesMaster>
+</file>
+
+<file path=ppt/notesSlides/notesSlide1.xml><?xml version="1.0" encoding="utf-8"?>
+<p:notes xmlns:a="http://schemas.openxmlformats.org/drawingml/2006/main" xmlns:r="http://schemas.openxmlformats.org/officeDocument/2006/relationships" xmlns:p="http://schemas.openxmlformats.org/presentationml/2006/main">
+  <p:cSld>
+    <p:spTree>
+      <p:nvGrpSpPr>
+        <p:cNvPr id="1" name=""/>
+        <p:cNvGrpSpPr/>
+        <p:nvPr/>
+      </p:nvGrpSpPr>
+      <p:grpSpPr>
+        <a:xfrm>
+          <a:off x="0" y="0"/>
+          <a:ext cx="0" cy="0"/>
+          <a:chOff x="0" y="0"/>
+          <a:chExt cx="0" cy="0"/>
+        </a:xfrm>
+      </p:grpSpPr>
+      <p:sp>
+        <p:nvSpPr>
+          <p:cNvPr id="2" name="Folienbildplatzhalter 1"/>
+          <p:cNvSpPr>
+            <a:spLocks noGrp="1" noRot="1" noChangeAspect="1"/>
+          </p:cNvSpPr>
+          <p:nvPr>
+            <p:ph type="sldImg"/>
+          </p:nvPr>
+        </p:nvSpPr>
+        <p:spPr/>
+      </p:sp>
+      <p:sp>
+        <p:nvSpPr>
+          <p:cNvPr id="3" name="Notizenplatzhalter 2"/>
+          <p:cNvSpPr>
+            <a:spLocks noGrp="1"/>
+          </p:cNvSpPr>
+          <p:nvPr>
+            <p:ph type="body" idx="1"/>
+          </p:nvPr>
+        </p:nvSpPr>
+        <p:spPr/>
+        <p:txBody>
+          <a:bodyPr/>
+          <a:lstStyle/>
+          <a:p>
+            <a:pPr marL="0" marR="0" indent="0" algn="l" rtl="0" eaLnBrk="1" fontAlgn="auto" latinLnBrk="0" hangingPunct="1"/>
+            <a:r>
+              <a:rPr lang="de-CH" sz="1800" kern="1200" dirty="0" err="1">
+                <a:solidFill>
+                  <a:srgbClr val="000000"/>
+                </a:solidFill>
+                <a:effectLst/>
+                <a:latin typeface="Aptos" panose="020B0004020202020204" pitchFamily="34" charset="0"/>
+                <a:ea typeface="+mn-ea"/>
+                <a:cs typeface="+mn-cs"/>
+              </a:rPr>
+              <a:t>Now</a:t>
+            </a:r>
+            <a:r>
+              <a:rPr lang="de-CH" sz="1800" kern="1200" dirty="0">
+                <a:solidFill>
+                  <a:srgbClr val="000000"/>
+                </a:solidFill>
+                <a:effectLst/>
+                <a:latin typeface="Aptos" panose="020B0004020202020204" pitchFamily="34" charset="0"/>
+                <a:ea typeface="+mn-ea"/>
+                <a:cs typeface="+mn-cs"/>
+              </a:rPr>
+              <a:t> </a:t>
+            </a:r>
+            <a:r>
+              <a:rPr lang="de-CH" sz="1800" kern="1200" dirty="0" err="1">
+                <a:solidFill>
+                  <a:srgbClr val="000000"/>
+                </a:solidFill>
+                <a:effectLst/>
+                <a:latin typeface="Aptos" panose="020B0004020202020204" pitchFamily="34" charset="0"/>
+                <a:ea typeface="+mn-ea"/>
+                <a:cs typeface="+mn-cs"/>
+              </a:rPr>
+              <a:t>to</a:t>
+            </a:r>
+            <a:r>
+              <a:rPr lang="de-CH" sz="1800" kern="1200" dirty="0">
+                <a:solidFill>
+                  <a:srgbClr val="000000"/>
+                </a:solidFill>
+                <a:effectLst/>
+                <a:latin typeface="Aptos" panose="020B0004020202020204" pitchFamily="34" charset="0"/>
+                <a:ea typeface="+mn-ea"/>
+                <a:cs typeface="+mn-cs"/>
+              </a:rPr>
+              <a:t> </a:t>
+            </a:r>
+            <a:r>
+              <a:rPr lang="de-CH" sz="1800" kern="1200" dirty="0" err="1">
+                <a:solidFill>
+                  <a:srgbClr val="000000"/>
+                </a:solidFill>
+                <a:effectLst/>
+                <a:latin typeface="Aptos" panose="020B0004020202020204" pitchFamily="34" charset="0"/>
+                <a:ea typeface="+mn-ea"/>
+                <a:cs typeface="+mn-cs"/>
+              </a:rPr>
+              <a:t>the</a:t>
+            </a:r>
+            <a:r>
+              <a:rPr lang="de-CH" sz="1800" kern="1200" dirty="0">
+                <a:solidFill>
+                  <a:srgbClr val="000000"/>
+                </a:solidFill>
+                <a:effectLst/>
+                <a:latin typeface="Aptos" panose="020B0004020202020204" pitchFamily="34" charset="0"/>
+                <a:ea typeface="+mn-ea"/>
+                <a:cs typeface="+mn-cs"/>
+              </a:rPr>
+              <a:t> </a:t>
+            </a:r>
+            <a:r>
+              <a:rPr lang="de-CH" sz="1800" kern="1200" dirty="0" err="1">
+                <a:solidFill>
+                  <a:srgbClr val="000000"/>
+                </a:solidFill>
+                <a:effectLst/>
+                <a:latin typeface="Aptos" panose="020B0004020202020204" pitchFamily="34" charset="0"/>
+                <a:ea typeface="+mn-ea"/>
+                <a:cs typeface="+mn-cs"/>
+              </a:rPr>
+              <a:t>second</a:t>
+            </a:r>
+            <a:r>
+              <a:rPr lang="de-CH" sz="1800" kern="1200" dirty="0">
+                <a:solidFill>
+                  <a:srgbClr val="000000"/>
+                </a:solidFill>
+                <a:effectLst/>
+                <a:latin typeface="Aptos" panose="020B0004020202020204" pitchFamily="34" charset="0"/>
+                <a:ea typeface="+mn-ea"/>
+                <a:cs typeface="+mn-cs"/>
+              </a:rPr>
+              <a:t> </a:t>
+            </a:r>
+            <a:r>
+              <a:rPr lang="de-CH" sz="1800" kern="1200" dirty="0" err="1">
+                <a:solidFill>
+                  <a:srgbClr val="000000"/>
+                </a:solidFill>
+                <a:effectLst/>
+                <a:latin typeface="Aptos" panose="020B0004020202020204" pitchFamily="34" charset="0"/>
+                <a:ea typeface="+mn-ea"/>
+                <a:cs typeface="+mn-cs"/>
+              </a:rPr>
+              <a:t>path</a:t>
+            </a:r>
+            <a:r>
+              <a:rPr lang="de-CH" sz="1800" kern="1200" dirty="0">
+                <a:solidFill>
+                  <a:srgbClr val="000000"/>
+                </a:solidFill>
+                <a:effectLst/>
+                <a:latin typeface="Aptos" panose="020B0004020202020204" pitchFamily="34" charset="0"/>
+                <a:ea typeface="+mn-ea"/>
+                <a:cs typeface="+mn-cs"/>
+              </a:rPr>
+              <a:t> </a:t>
+            </a:r>
+            <a:r>
+              <a:rPr lang="de-CH" sz="1800" kern="1200" dirty="0" err="1">
+                <a:solidFill>
+                  <a:srgbClr val="000000"/>
+                </a:solidFill>
+                <a:effectLst/>
+                <a:latin typeface="Aptos" panose="020B0004020202020204" pitchFamily="34" charset="0"/>
+                <a:ea typeface="+mn-ea"/>
+                <a:cs typeface="+mn-cs"/>
+              </a:rPr>
+              <a:t>of</a:t>
+            </a:r>
+            <a:r>
+              <a:rPr lang="de-CH" sz="1800" kern="1200" dirty="0">
+                <a:solidFill>
+                  <a:srgbClr val="000000"/>
+                </a:solidFill>
+                <a:effectLst/>
+                <a:latin typeface="Aptos" panose="020B0004020202020204" pitchFamily="34" charset="0"/>
+                <a:ea typeface="+mn-ea"/>
+                <a:cs typeface="+mn-cs"/>
+              </a:rPr>
+              <a:t> </a:t>
+            </a:r>
+            <a:r>
+              <a:rPr lang="de-CH" sz="1800" kern="1200" dirty="0" err="1">
+                <a:solidFill>
+                  <a:srgbClr val="000000"/>
+                </a:solidFill>
+                <a:effectLst/>
+                <a:latin typeface="Aptos" panose="020B0004020202020204" pitchFamily="34" charset="0"/>
+                <a:ea typeface="+mn-ea"/>
+                <a:cs typeface="+mn-cs"/>
+              </a:rPr>
+              <a:t>the</a:t>
+            </a:r>
+            <a:r>
+              <a:rPr lang="de-CH" sz="1800" kern="1200" dirty="0">
+                <a:solidFill>
+                  <a:srgbClr val="000000"/>
+                </a:solidFill>
+                <a:effectLst/>
+                <a:latin typeface="Aptos" panose="020B0004020202020204" pitchFamily="34" charset="0"/>
+                <a:ea typeface="+mn-ea"/>
+                <a:cs typeface="+mn-cs"/>
+              </a:rPr>
+              <a:t> </a:t>
+            </a:r>
+            <a:r>
+              <a:rPr lang="de-CH" sz="1800" kern="1200" dirty="0" err="1">
+                <a:solidFill>
+                  <a:srgbClr val="000000"/>
+                </a:solidFill>
+                <a:effectLst/>
+                <a:latin typeface="Aptos" panose="020B0004020202020204" pitchFamily="34" charset="0"/>
+                <a:ea typeface="+mn-ea"/>
+                <a:cs typeface="+mn-cs"/>
+              </a:rPr>
+              <a:t>process</a:t>
+            </a:r>
+            <a:r>
+              <a:rPr lang="de-CH" sz="1800" kern="1200" dirty="0">
+                <a:solidFill>
+                  <a:srgbClr val="000000"/>
+                </a:solidFill>
+                <a:effectLst/>
+                <a:latin typeface="Aptos" panose="020B0004020202020204" pitchFamily="34" charset="0"/>
+                <a:ea typeface="+mn-ea"/>
+                <a:cs typeface="+mn-cs"/>
+              </a:rPr>
+              <a:t>, </a:t>
+            </a:r>
+            <a:r>
+              <a:rPr lang="de-CH" sz="1800" kern="1200" dirty="0" err="1">
+                <a:solidFill>
+                  <a:srgbClr val="000000"/>
+                </a:solidFill>
+                <a:effectLst/>
+                <a:latin typeface="Aptos" panose="020B0004020202020204" pitchFamily="34" charset="0"/>
+                <a:ea typeface="+mn-ea"/>
+                <a:cs typeface="+mn-cs"/>
+              </a:rPr>
+              <a:t>which</a:t>
+            </a:r>
+            <a:r>
+              <a:rPr lang="de-CH" sz="1800" kern="1200" dirty="0">
+                <a:solidFill>
+                  <a:srgbClr val="000000"/>
+                </a:solidFill>
+                <a:effectLst/>
+                <a:latin typeface="Aptos" panose="020B0004020202020204" pitchFamily="34" charset="0"/>
+                <a:ea typeface="+mn-ea"/>
+                <a:cs typeface="+mn-cs"/>
+              </a:rPr>
+              <a:t> </a:t>
+            </a:r>
+            <a:r>
+              <a:rPr lang="de-CH" sz="1800" kern="1200" dirty="0" err="1">
+                <a:solidFill>
+                  <a:srgbClr val="000000"/>
+                </a:solidFill>
+                <a:effectLst/>
+                <a:latin typeface="Aptos" panose="020B0004020202020204" pitchFamily="34" charset="0"/>
+                <a:ea typeface="+mn-ea"/>
+                <a:cs typeface="+mn-cs"/>
+              </a:rPr>
+              <a:t>automatically</a:t>
+            </a:r>
+            <a:r>
+              <a:rPr lang="de-CH" sz="1800" kern="1200" dirty="0">
+                <a:solidFill>
+                  <a:srgbClr val="000000"/>
+                </a:solidFill>
+                <a:effectLst/>
+                <a:latin typeface="Aptos" panose="020B0004020202020204" pitchFamily="34" charset="0"/>
+                <a:ea typeface="+mn-ea"/>
+                <a:cs typeface="+mn-cs"/>
+              </a:rPr>
+              <a:t> </a:t>
+            </a:r>
+            <a:r>
+              <a:rPr lang="de-CH" sz="1800" kern="1200" dirty="0" err="1">
+                <a:solidFill>
+                  <a:srgbClr val="000000"/>
+                </a:solidFill>
+                <a:effectLst/>
+                <a:latin typeface="Aptos" panose="020B0004020202020204" pitchFamily="34" charset="0"/>
+                <a:ea typeface="+mn-ea"/>
+                <a:cs typeface="+mn-cs"/>
+              </a:rPr>
+              <a:t>reorders</a:t>
+            </a:r>
+            <a:r>
+              <a:rPr lang="de-CH" sz="1800" kern="1200" dirty="0">
+                <a:solidFill>
+                  <a:srgbClr val="000000"/>
+                </a:solidFill>
+                <a:effectLst/>
+                <a:latin typeface="Aptos" panose="020B0004020202020204" pitchFamily="34" charset="0"/>
+                <a:ea typeface="+mn-ea"/>
+                <a:cs typeface="+mn-cs"/>
+              </a:rPr>
+              <a:t> </a:t>
+            </a:r>
+            <a:r>
+              <a:rPr lang="de-CH" sz="1800" kern="1200" dirty="0" err="1">
+                <a:solidFill>
+                  <a:srgbClr val="000000"/>
+                </a:solidFill>
+                <a:effectLst/>
+                <a:latin typeface="Aptos" panose="020B0004020202020204" pitchFamily="34" charset="0"/>
+                <a:ea typeface="+mn-ea"/>
+                <a:cs typeface="+mn-cs"/>
+              </a:rPr>
+              <a:t>items</a:t>
+            </a:r>
+            <a:r>
+              <a:rPr lang="de-CH" sz="1800" kern="1200" dirty="0">
+                <a:solidFill>
+                  <a:srgbClr val="000000"/>
+                </a:solidFill>
+                <a:effectLst/>
+                <a:latin typeface="Aptos" panose="020B0004020202020204" pitchFamily="34" charset="0"/>
+                <a:ea typeface="+mn-ea"/>
+                <a:cs typeface="+mn-cs"/>
+              </a:rPr>
+              <a:t> </a:t>
+            </a:r>
+            <a:r>
+              <a:rPr lang="de-CH" sz="1800" kern="1200" dirty="0" err="1">
+                <a:solidFill>
+                  <a:srgbClr val="000000"/>
+                </a:solidFill>
+                <a:effectLst/>
+                <a:latin typeface="Aptos" panose="020B0004020202020204" pitchFamily="34" charset="0"/>
+                <a:ea typeface="+mn-ea"/>
+                <a:cs typeface="+mn-cs"/>
+              </a:rPr>
+              <a:t>for</a:t>
+            </a:r>
+            <a:r>
+              <a:rPr lang="de-CH" sz="1800" kern="1200" dirty="0">
+                <a:solidFill>
+                  <a:srgbClr val="000000"/>
+                </a:solidFill>
+                <a:effectLst/>
+                <a:latin typeface="Aptos" panose="020B0004020202020204" pitchFamily="34" charset="0"/>
+                <a:ea typeface="+mn-ea"/>
+                <a:cs typeface="+mn-cs"/>
+              </a:rPr>
+              <a:t> </a:t>
+            </a:r>
+            <a:r>
+              <a:rPr lang="de-CH" sz="1800" kern="1200" dirty="0" err="1">
+                <a:solidFill>
+                  <a:srgbClr val="000000"/>
+                </a:solidFill>
+                <a:effectLst/>
+                <a:latin typeface="Aptos" panose="020B0004020202020204" pitchFamily="34" charset="0"/>
+                <a:ea typeface="+mn-ea"/>
+                <a:cs typeface="+mn-cs"/>
+              </a:rPr>
+              <a:t>which</a:t>
+            </a:r>
+            <a:r>
+              <a:rPr lang="de-CH" sz="1800" kern="1200" dirty="0">
+                <a:solidFill>
+                  <a:srgbClr val="000000"/>
+                </a:solidFill>
+                <a:effectLst/>
+                <a:latin typeface="Aptos" panose="020B0004020202020204" pitchFamily="34" charset="0"/>
+                <a:ea typeface="+mn-ea"/>
+                <a:cs typeface="+mn-cs"/>
+              </a:rPr>
+              <a:t> </a:t>
+            </a:r>
+            <a:r>
+              <a:rPr lang="de-CH" sz="1800" kern="1200" dirty="0" err="1">
+                <a:solidFill>
+                  <a:srgbClr val="000000"/>
+                </a:solidFill>
+                <a:effectLst/>
+                <a:latin typeface="Aptos" panose="020B0004020202020204" pitchFamily="34" charset="0"/>
+                <a:ea typeface="+mn-ea"/>
+                <a:cs typeface="+mn-cs"/>
+              </a:rPr>
+              <a:t>the</a:t>
+            </a:r>
+            <a:r>
+              <a:rPr lang="de-CH" sz="1800" kern="1200" dirty="0">
+                <a:solidFill>
+                  <a:srgbClr val="000000"/>
+                </a:solidFill>
+                <a:effectLst/>
+                <a:latin typeface="Aptos" panose="020B0004020202020204" pitchFamily="34" charset="0"/>
+                <a:ea typeface="+mn-ea"/>
+                <a:cs typeface="+mn-cs"/>
+              </a:rPr>
+              <a:t> stock </a:t>
+            </a:r>
+            <a:r>
+              <a:rPr lang="de-CH" sz="1800" kern="1200" dirty="0" err="1">
+                <a:solidFill>
+                  <a:srgbClr val="000000"/>
+                </a:solidFill>
+                <a:effectLst/>
+                <a:latin typeface="Aptos" panose="020B0004020202020204" pitchFamily="34" charset="0"/>
+                <a:ea typeface="+mn-ea"/>
+                <a:cs typeface="+mn-cs"/>
+              </a:rPr>
+              <a:t>is</a:t>
+            </a:r>
+            <a:r>
+              <a:rPr lang="de-CH" sz="1800" kern="1200" dirty="0">
+                <a:solidFill>
+                  <a:srgbClr val="000000"/>
+                </a:solidFill>
+                <a:effectLst/>
+                <a:latin typeface="Aptos" panose="020B0004020202020204" pitchFamily="34" charset="0"/>
+                <a:ea typeface="+mn-ea"/>
+                <a:cs typeface="+mn-cs"/>
+              </a:rPr>
+              <a:t> </a:t>
+            </a:r>
+            <a:r>
+              <a:rPr lang="de-CH" sz="1800" kern="1200" dirty="0" err="1">
+                <a:solidFill>
+                  <a:srgbClr val="000000"/>
+                </a:solidFill>
+                <a:effectLst/>
+                <a:latin typeface="Aptos" panose="020B0004020202020204" pitchFamily="34" charset="0"/>
+                <a:ea typeface="+mn-ea"/>
+                <a:cs typeface="+mn-cs"/>
+              </a:rPr>
+              <a:t>low</a:t>
+            </a:r>
+            <a:r>
+              <a:rPr lang="de-CH" sz="1800" kern="1200" dirty="0">
+                <a:solidFill>
+                  <a:srgbClr val="000000"/>
+                </a:solidFill>
+                <a:effectLst/>
+                <a:latin typeface="Aptos" panose="020B0004020202020204" pitchFamily="34" charset="0"/>
+                <a:ea typeface="+mn-ea"/>
+                <a:cs typeface="+mn-cs"/>
+              </a:rPr>
+              <a:t> in </a:t>
+            </a:r>
+            <a:r>
+              <a:rPr lang="de-CH" sz="1800" kern="1200" dirty="0" err="1">
+                <a:solidFill>
+                  <a:srgbClr val="000000"/>
+                </a:solidFill>
+                <a:effectLst/>
+                <a:latin typeface="Aptos" panose="020B0004020202020204" pitchFamily="34" charset="0"/>
+                <a:ea typeface="+mn-ea"/>
+                <a:cs typeface="+mn-cs"/>
+              </a:rPr>
+              <a:t>the</a:t>
+            </a:r>
+            <a:r>
+              <a:rPr lang="de-CH" sz="1800" kern="1200" dirty="0">
+                <a:solidFill>
+                  <a:srgbClr val="000000"/>
+                </a:solidFill>
+                <a:effectLst/>
+                <a:latin typeface="Aptos" panose="020B0004020202020204" pitchFamily="34" charset="0"/>
+                <a:ea typeface="+mn-ea"/>
+                <a:cs typeface="+mn-cs"/>
+              </a:rPr>
+              <a:t> </a:t>
+            </a:r>
+            <a:r>
+              <a:rPr lang="de-CH" sz="1800" kern="1200" dirty="0" err="1">
+                <a:solidFill>
+                  <a:srgbClr val="000000"/>
+                </a:solidFill>
+                <a:effectLst/>
+                <a:latin typeface="Aptos" panose="020B0004020202020204" pitchFamily="34" charset="0"/>
+                <a:ea typeface="+mn-ea"/>
+                <a:cs typeface="+mn-cs"/>
+              </a:rPr>
+              <a:t>big</a:t>
+            </a:r>
+            <a:r>
+              <a:rPr lang="de-CH" sz="1800" kern="1200" dirty="0">
+                <a:solidFill>
+                  <a:srgbClr val="000000"/>
+                </a:solidFill>
+                <a:effectLst/>
+                <a:latin typeface="Aptos" panose="020B0004020202020204" pitchFamily="34" charset="0"/>
+                <a:ea typeface="+mn-ea"/>
+                <a:cs typeface="+mn-cs"/>
+              </a:rPr>
+              <a:t> safe. The </a:t>
+            </a:r>
+            <a:r>
+              <a:rPr lang="de-CH" sz="1800" kern="1200" dirty="0" err="1">
+                <a:solidFill>
+                  <a:srgbClr val="000000"/>
+                </a:solidFill>
+                <a:effectLst/>
+                <a:latin typeface="Aptos" panose="020B0004020202020204" pitchFamily="34" charset="0"/>
+                <a:ea typeface="+mn-ea"/>
+                <a:cs typeface="+mn-cs"/>
+              </a:rPr>
+              <a:t>process</a:t>
+            </a:r>
+            <a:r>
+              <a:rPr lang="de-CH" sz="1800" kern="1200" dirty="0">
+                <a:solidFill>
+                  <a:srgbClr val="000000"/>
+                </a:solidFill>
+                <a:effectLst/>
+                <a:latin typeface="Aptos" panose="020B0004020202020204" pitchFamily="34" charset="0"/>
+                <a:ea typeface="+mn-ea"/>
+                <a:cs typeface="+mn-cs"/>
+              </a:rPr>
+              <a:t> </a:t>
+            </a:r>
+            <a:r>
+              <a:rPr lang="de-CH" sz="1800" kern="1200" dirty="0" err="1">
+                <a:solidFill>
+                  <a:srgbClr val="000000"/>
+                </a:solidFill>
+                <a:effectLst/>
+                <a:latin typeface="Aptos" panose="020B0004020202020204" pitchFamily="34" charset="0"/>
+                <a:ea typeface="+mn-ea"/>
+                <a:cs typeface="+mn-cs"/>
+              </a:rPr>
+              <a:t>starts</a:t>
+            </a:r>
+            <a:r>
+              <a:rPr lang="de-CH" sz="1800" kern="1200" dirty="0">
+                <a:solidFill>
+                  <a:srgbClr val="000000"/>
+                </a:solidFill>
+                <a:effectLst/>
+                <a:latin typeface="Aptos" panose="020B0004020202020204" pitchFamily="34" charset="0"/>
+                <a:ea typeface="+mn-ea"/>
+                <a:cs typeface="+mn-cs"/>
+              </a:rPr>
+              <a:t> </a:t>
+            </a:r>
+            <a:r>
+              <a:rPr lang="de-CH" sz="1800" kern="1200" dirty="0" err="1">
+                <a:solidFill>
+                  <a:srgbClr val="000000"/>
+                </a:solidFill>
+                <a:effectLst/>
+                <a:latin typeface="Aptos" panose="020B0004020202020204" pitchFamily="34" charset="0"/>
+                <a:ea typeface="+mn-ea"/>
+                <a:cs typeface="+mn-cs"/>
+              </a:rPr>
+              <a:t>with</a:t>
+            </a:r>
+            <a:r>
+              <a:rPr lang="de-CH" sz="1800" kern="1200" dirty="0">
+                <a:solidFill>
+                  <a:srgbClr val="000000"/>
+                </a:solidFill>
+                <a:effectLst/>
+                <a:latin typeface="Aptos" panose="020B0004020202020204" pitchFamily="34" charset="0"/>
+                <a:ea typeface="+mn-ea"/>
+                <a:cs typeface="+mn-cs"/>
+              </a:rPr>
+              <a:t> </a:t>
+            </a:r>
+            <a:r>
+              <a:rPr lang="de-CH" sz="1800" kern="1200" dirty="0" err="1">
+                <a:solidFill>
+                  <a:srgbClr val="000000"/>
+                </a:solidFill>
+                <a:effectLst/>
+                <a:latin typeface="Aptos" panose="020B0004020202020204" pitchFamily="34" charset="0"/>
+                <a:ea typeface="+mn-ea"/>
+                <a:cs typeface="+mn-cs"/>
+              </a:rPr>
+              <a:t>the</a:t>
+            </a:r>
+            <a:r>
+              <a:rPr lang="de-CH" sz="1800" kern="1200" dirty="0">
+                <a:solidFill>
+                  <a:srgbClr val="000000"/>
+                </a:solidFill>
+                <a:effectLst/>
+                <a:latin typeface="Aptos" panose="020B0004020202020204" pitchFamily="34" charset="0"/>
+                <a:ea typeface="+mn-ea"/>
+                <a:cs typeface="+mn-cs"/>
+              </a:rPr>
+              <a:t> </a:t>
+            </a:r>
+            <a:r>
+              <a:rPr lang="de-CH" sz="1800" kern="1200" dirty="0" err="1">
+                <a:solidFill>
+                  <a:srgbClr val="000000"/>
+                </a:solidFill>
+                <a:effectLst/>
+                <a:latin typeface="Aptos" panose="020B0004020202020204" pitchFamily="34" charset="0"/>
+                <a:ea typeface="+mn-ea"/>
+                <a:cs typeface="+mn-cs"/>
+              </a:rPr>
+              <a:t>creation</a:t>
+            </a:r>
+            <a:r>
+              <a:rPr lang="de-CH" sz="1800" kern="1200" dirty="0">
+                <a:solidFill>
+                  <a:srgbClr val="000000"/>
+                </a:solidFill>
+                <a:effectLst/>
+                <a:latin typeface="Aptos" panose="020B0004020202020204" pitchFamily="34" charset="0"/>
+                <a:ea typeface="+mn-ea"/>
+                <a:cs typeface="+mn-cs"/>
+              </a:rPr>
+              <a:t> </a:t>
+            </a:r>
+            <a:r>
+              <a:rPr lang="de-CH" sz="1800" kern="1200" dirty="0" err="1">
+                <a:solidFill>
+                  <a:srgbClr val="000000"/>
+                </a:solidFill>
+                <a:effectLst/>
+                <a:latin typeface="Aptos" panose="020B0004020202020204" pitchFamily="34" charset="0"/>
+                <a:ea typeface="+mn-ea"/>
+                <a:cs typeface="+mn-cs"/>
+              </a:rPr>
+              <a:t>of</a:t>
+            </a:r>
+            <a:r>
+              <a:rPr lang="de-CH" sz="1800" kern="1200" dirty="0">
+                <a:solidFill>
+                  <a:srgbClr val="000000"/>
+                </a:solidFill>
+                <a:effectLst/>
+                <a:latin typeface="Aptos" panose="020B0004020202020204" pitchFamily="34" charset="0"/>
+                <a:ea typeface="+mn-ea"/>
+                <a:cs typeface="+mn-cs"/>
+              </a:rPr>
+              <a:t> </a:t>
+            </a:r>
+            <a:r>
+              <a:rPr lang="de-CH" sz="1800" kern="1200" dirty="0" err="1">
+                <a:solidFill>
+                  <a:srgbClr val="000000"/>
+                </a:solidFill>
+                <a:effectLst/>
+                <a:latin typeface="Aptos" panose="020B0004020202020204" pitchFamily="34" charset="0"/>
+                <a:ea typeface="+mn-ea"/>
+                <a:cs typeface="+mn-cs"/>
+              </a:rPr>
+              <a:t>the</a:t>
+            </a:r>
+            <a:r>
+              <a:rPr lang="de-CH" sz="1800" kern="1200" dirty="0">
+                <a:solidFill>
+                  <a:srgbClr val="000000"/>
+                </a:solidFill>
+                <a:effectLst/>
+                <a:latin typeface="Aptos" panose="020B0004020202020204" pitchFamily="34" charset="0"/>
+                <a:ea typeface="+mn-ea"/>
+                <a:cs typeface="+mn-cs"/>
+              </a:rPr>
+              <a:t> </a:t>
+            </a:r>
+            <a:r>
+              <a:rPr lang="de-CH" sz="1800" kern="1200" dirty="0" err="1">
+                <a:solidFill>
+                  <a:srgbClr val="000000"/>
+                </a:solidFill>
+                <a:effectLst/>
+                <a:latin typeface="Aptos" panose="020B0004020202020204" pitchFamily="34" charset="0"/>
+                <a:ea typeface="+mn-ea"/>
+                <a:cs typeface="+mn-cs"/>
+              </a:rPr>
+              <a:t>service</a:t>
+            </a:r>
+            <a:r>
+              <a:rPr lang="de-CH" sz="1800" kern="1200" dirty="0">
+                <a:solidFill>
+                  <a:srgbClr val="000000"/>
+                </a:solidFill>
+                <a:effectLst/>
+                <a:latin typeface="Aptos" panose="020B0004020202020204" pitchFamily="34" charset="0"/>
+                <a:ea typeface="+mn-ea"/>
+                <a:cs typeface="+mn-cs"/>
+              </a:rPr>
+              <a:t> </a:t>
+            </a:r>
+            <a:r>
+              <a:rPr lang="de-CH" sz="1800" kern="1200" dirty="0" err="1">
+                <a:solidFill>
+                  <a:srgbClr val="000000"/>
+                </a:solidFill>
+                <a:effectLst/>
+                <a:latin typeface="Aptos" panose="020B0004020202020204" pitchFamily="34" charset="0"/>
+                <a:ea typeface="+mn-ea"/>
+                <a:cs typeface="+mn-cs"/>
+              </a:rPr>
+              <a:t>task</a:t>
+            </a:r>
+            <a:r>
+              <a:rPr lang="de-CH" sz="1800" kern="1200" dirty="0">
+                <a:solidFill>
+                  <a:srgbClr val="000000"/>
+                </a:solidFill>
+                <a:effectLst/>
+                <a:latin typeface="Aptos" panose="020B0004020202020204" pitchFamily="34" charset="0"/>
+                <a:ea typeface="+mn-ea"/>
+                <a:cs typeface="+mn-cs"/>
+              </a:rPr>
+              <a:t>. This </a:t>
+            </a:r>
+            <a:r>
+              <a:rPr lang="de-CH" sz="1800" kern="1200" dirty="0" err="1">
+                <a:solidFill>
+                  <a:srgbClr val="000000"/>
+                </a:solidFill>
+                <a:effectLst/>
+                <a:latin typeface="Aptos" panose="020B0004020202020204" pitchFamily="34" charset="0"/>
+                <a:ea typeface="+mn-ea"/>
+                <a:cs typeface="+mn-cs"/>
+              </a:rPr>
+              <a:t>is</a:t>
+            </a:r>
+            <a:r>
+              <a:rPr lang="de-CH" sz="1800" kern="1200" dirty="0">
+                <a:solidFill>
+                  <a:srgbClr val="000000"/>
+                </a:solidFill>
+                <a:effectLst/>
+                <a:latin typeface="Aptos" panose="020B0004020202020204" pitchFamily="34" charset="0"/>
+                <a:ea typeface="+mn-ea"/>
+                <a:cs typeface="+mn-cs"/>
+              </a:rPr>
+              <a:t> a </a:t>
+            </a:r>
+            <a:r>
+              <a:rPr lang="de-CH" sz="1800" kern="1200" dirty="0" err="1">
+                <a:solidFill>
+                  <a:srgbClr val="000000"/>
+                </a:solidFill>
+                <a:effectLst/>
+                <a:latin typeface="Aptos" panose="020B0004020202020204" pitchFamily="34" charset="0"/>
+                <a:ea typeface="+mn-ea"/>
+                <a:cs typeface="+mn-cs"/>
+              </a:rPr>
+              <a:t>process</a:t>
+            </a:r>
+            <a:r>
+              <a:rPr lang="de-CH" sz="1800" kern="1200" dirty="0">
+                <a:solidFill>
+                  <a:srgbClr val="000000"/>
+                </a:solidFill>
+                <a:effectLst/>
+                <a:latin typeface="Aptos" panose="020B0004020202020204" pitchFamily="34" charset="0"/>
+                <a:ea typeface="+mn-ea"/>
+                <a:cs typeface="+mn-cs"/>
+              </a:rPr>
+              <a:t> </a:t>
+            </a:r>
+            <a:r>
+              <a:rPr lang="de-CH" sz="1800" kern="1200" dirty="0" err="1">
+                <a:solidFill>
+                  <a:srgbClr val="000000"/>
+                </a:solidFill>
+                <a:effectLst/>
+                <a:latin typeface="Aptos" panose="020B0004020202020204" pitchFamily="34" charset="0"/>
+                <a:ea typeface="+mn-ea"/>
+                <a:cs typeface="+mn-cs"/>
+              </a:rPr>
+              <a:t>step</a:t>
+            </a:r>
+            <a:r>
+              <a:rPr lang="de-CH" sz="1800" kern="1200" dirty="0">
+                <a:solidFill>
+                  <a:srgbClr val="000000"/>
+                </a:solidFill>
+                <a:effectLst/>
+                <a:latin typeface="Aptos" panose="020B0004020202020204" pitchFamily="34" charset="0"/>
+                <a:ea typeface="+mn-ea"/>
+                <a:cs typeface="+mn-cs"/>
+              </a:rPr>
+              <a:t> </a:t>
+            </a:r>
+            <a:r>
+              <a:rPr lang="de-CH" sz="1800" kern="1200" dirty="0" err="1">
+                <a:solidFill>
+                  <a:srgbClr val="000000"/>
+                </a:solidFill>
+                <a:effectLst/>
+                <a:latin typeface="Aptos" panose="020B0004020202020204" pitchFamily="34" charset="0"/>
+                <a:ea typeface="+mn-ea"/>
+                <a:cs typeface="+mn-cs"/>
+              </a:rPr>
+              <a:t>which</a:t>
+            </a:r>
+            <a:r>
+              <a:rPr lang="de-CH" sz="1800" kern="1200" dirty="0">
+                <a:solidFill>
+                  <a:srgbClr val="000000"/>
+                </a:solidFill>
+                <a:effectLst/>
+                <a:latin typeface="Aptos" panose="020B0004020202020204" pitchFamily="34" charset="0"/>
+                <a:ea typeface="+mn-ea"/>
+                <a:cs typeface="+mn-cs"/>
+              </a:rPr>
+              <a:t> </a:t>
+            </a:r>
+            <a:r>
+              <a:rPr lang="de-CH" sz="1800" kern="1200" dirty="0" err="1">
+                <a:solidFill>
+                  <a:srgbClr val="000000"/>
+                </a:solidFill>
+                <a:effectLst/>
+                <a:latin typeface="Aptos" panose="020B0004020202020204" pitchFamily="34" charset="0"/>
+                <a:ea typeface="+mn-ea"/>
+                <a:cs typeface="+mn-cs"/>
+              </a:rPr>
+              <a:t>automatically</a:t>
+            </a:r>
+            <a:r>
+              <a:rPr lang="de-CH" sz="1800" kern="1200" dirty="0">
+                <a:solidFill>
+                  <a:srgbClr val="000000"/>
+                </a:solidFill>
+                <a:effectLst/>
+                <a:latin typeface="Aptos" panose="020B0004020202020204" pitchFamily="34" charset="0"/>
+                <a:ea typeface="+mn-ea"/>
+                <a:cs typeface="+mn-cs"/>
+              </a:rPr>
+              <a:t> </a:t>
+            </a:r>
+            <a:r>
+              <a:rPr lang="de-CH" sz="1800" kern="1200" dirty="0" err="1">
+                <a:solidFill>
+                  <a:srgbClr val="000000"/>
+                </a:solidFill>
+                <a:effectLst/>
+                <a:latin typeface="Aptos" panose="020B0004020202020204" pitchFamily="34" charset="0"/>
+                <a:ea typeface="+mn-ea"/>
+                <a:cs typeface="+mn-cs"/>
+              </a:rPr>
+              <a:t>determines</a:t>
+            </a:r>
+            <a:r>
+              <a:rPr lang="de-CH" sz="1800" kern="1200" dirty="0">
+                <a:solidFill>
+                  <a:srgbClr val="000000"/>
+                </a:solidFill>
+                <a:effectLst/>
+                <a:latin typeface="Aptos" panose="020B0004020202020204" pitchFamily="34" charset="0"/>
+                <a:ea typeface="+mn-ea"/>
+                <a:cs typeface="+mn-cs"/>
+              </a:rPr>
+              <a:t>  </a:t>
+            </a:r>
+            <a:r>
+              <a:rPr lang="de-CH" sz="1800" kern="1200" dirty="0" err="1">
+                <a:solidFill>
+                  <a:srgbClr val="000000"/>
+                </a:solidFill>
+                <a:effectLst/>
+                <a:latin typeface="Aptos" panose="020B0004020202020204" pitchFamily="34" charset="0"/>
+                <a:ea typeface="+mn-ea"/>
+                <a:cs typeface="+mn-cs"/>
+              </a:rPr>
+              <a:t>how</a:t>
+            </a:r>
+            <a:r>
+              <a:rPr lang="de-CH" sz="1800" kern="1200" dirty="0">
+                <a:solidFill>
+                  <a:srgbClr val="000000"/>
+                </a:solidFill>
+                <a:effectLst/>
+                <a:latin typeface="Aptos" panose="020B0004020202020204" pitchFamily="34" charset="0"/>
+                <a:ea typeface="+mn-ea"/>
+                <a:cs typeface="+mn-cs"/>
+              </a:rPr>
+              <a:t> </a:t>
+            </a:r>
+            <a:r>
+              <a:rPr lang="de-CH" sz="1800" kern="1200" dirty="0" err="1">
+                <a:solidFill>
+                  <a:srgbClr val="000000"/>
+                </a:solidFill>
+                <a:effectLst/>
+                <a:latin typeface="Aptos" panose="020B0004020202020204" pitchFamily="34" charset="0"/>
+                <a:ea typeface="+mn-ea"/>
+                <a:cs typeface="+mn-cs"/>
+              </a:rPr>
+              <a:t>which</a:t>
+            </a:r>
+            <a:r>
+              <a:rPr lang="de-CH" sz="1800" kern="1200" dirty="0">
+                <a:solidFill>
+                  <a:srgbClr val="000000"/>
+                </a:solidFill>
+                <a:effectLst/>
+                <a:latin typeface="Aptos" panose="020B0004020202020204" pitchFamily="34" charset="0"/>
+                <a:ea typeface="+mn-ea"/>
+                <a:cs typeface="+mn-cs"/>
+              </a:rPr>
+              <a:t> </a:t>
+            </a:r>
+            <a:r>
+              <a:rPr lang="de-CH" sz="1800" kern="1200" dirty="0" err="1">
+                <a:solidFill>
+                  <a:srgbClr val="000000"/>
+                </a:solidFill>
+                <a:effectLst/>
+                <a:latin typeface="Aptos" panose="020B0004020202020204" pitchFamily="34" charset="0"/>
+                <a:ea typeface="+mn-ea"/>
+                <a:cs typeface="+mn-cs"/>
+              </a:rPr>
+              <a:t>items</a:t>
+            </a:r>
+            <a:r>
+              <a:rPr lang="de-CH" sz="1800" kern="1200" dirty="0">
+                <a:solidFill>
+                  <a:srgbClr val="000000"/>
+                </a:solidFill>
+                <a:effectLst/>
+                <a:latin typeface="Aptos" panose="020B0004020202020204" pitchFamily="34" charset="0"/>
+                <a:ea typeface="+mn-ea"/>
+                <a:cs typeface="+mn-cs"/>
+              </a:rPr>
+              <a:t> and </a:t>
+            </a:r>
+            <a:r>
+              <a:rPr lang="de-CH" sz="1800" kern="1200" dirty="0" err="1">
+                <a:solidFill>
+                  <a:srgbClr val="000000"/>
+                </a:solidFill>
+                <a:effectLst/>
+                <a:latin typeface="Aptos" panose="020B0004020202020204" pitchFamily="34" charset="0"/>
+                <a:ea typeface="+mn-ea"/>
+                <a:cs typeface="+mn-cs"/>
+              </a:rPr>
+              <a:t>how</a:t>
+            </a:r>
+            <a:r>
+              <a:rPr lang="de-CH" sz="1800" kern="1200" dirty="0">
+                <a:solidFill>
+                  <a:srgbClr val="000000"/>
+                </a:solidFill>
+                <a:effectLst/>
+                <a:latin typeface="Aptos" panose="020B0004020202020204" pitchFamily="34" charset="0"/>
+                <a:ea typeface="+mn-ea"/>
+                <a:cs typeface="+mn-cs"/>
+              </a:rPr>
+              <a:t> </a:t>
+            </a:r>
+            <a:r>
+              <a:rPr lang="de-CH" sz="1800" kern="1200" dirty="0" err="1">
+                <a:solidFill>
+                  <a:srgbClr val="000000"/>
+                </a:solidFill>
+                <a:effectLst/>
+                <a:latin typeface="Aptos" panose="020B0004020202020204" pitchFamily="34" charset="0"/>
+                <a:ea typeface="+mn-ea"/>
+                <a:cs typeface="+mn-cs"/>
+              </a:rPr>
+              <a:t>much</a:t>
+            </a:r>
+            <a:r>
+              <a:rPr lang="de-CH" sz="1800" kern="1200" dirty="0">
+                <a:solidFill>
+                  <a:srgbClr val="000000"/>
+                </a:solidFill>
+                <a:effectLst/>
+                <a:latin typeface="Aptos" panose="020B0004020202020204" pitchFamily="34" charset="0"/>
+                <a:ea typeface="+mn-ea"/>
+                <a:cs typeface="+mn-cs"/>
+              </a:rPr>
+              <a:t> </a:t>
+            </a:r>
+            <a:r>
+              <a:rPr lang="de-CH" sz="1800" kern="1200" dirty="0" err="1">
+                <a:solidFill>
+                  <a:srgbClr val="000000"/>
+                </a:solidFill>
+                <a:effectLst/>
+                <a:latin typeface="Aptos" panose="020B0004020202020204" pitchFamily="34" charset="0"/>
+                <a:ea typeface="+mn-ea"/>
+                <a:cs typeface="+mn-cs"/>
+              </a:rPr>
+              <a:t>as</a:t>
+            </a:r>
+            <a:r>
+              <a:rPr lang="de-CH" sz="1800" kern="1200" dirty="0">
+                <a:solidFill>
+                  <a:srgbClr val="000000"/>
+                </a:solidFill>
+                <a:effectLst/>
+                <a:latin typeface="Aptos" panose="020B0004020202020204" pitchFamily="34" charset="0"/>
+                <a:ea typeface="+mn-ea"/>
+                <a:cs typeface="+mn-cs"/>
+              </a:rPr>
+              <a:t> </a:t>
+            </a:r>
+            <a:r>
+              <a:rPr lang="de-CH" sz="1800" kern="1200" dirty="0" err="1">
+                <a:solidFill>
+                  <a:srgbClr val="000000"/>
+                </a:solidFill>
+                <a:effectLst/>
+                <a:latin typeface="Aptos" panose="020B0004020202020204" pitchFamily="34" charset="0"/>
+                <a:ea typeface="+mn-ea"/>
+                <a:cs typeface="+mn-cs"/>
+              </a:rPr>
+              <a:t>to</a:t>
+            </a:r>
+            <a:r>
+              <a:rPr lang="de-CH" sz="1800" kern="1200" dirty="0">
+                <a:solidFill>
+                  <a:srgbClr val="000000"/>
+                </a:solidFill>
+                <a:effectLst/>
+                <a:latin typeface="Aptos" panose="020B0004020202020204" pitchFamily="34" charset="0"/>
+                <a:ea typeface="+mn-ea"/>
+                <a:cs typeface="+mn-cs"/>
+              </a:rPr>
+              <a:t> </a:t>
+            </a:r>
+            <a:r>
+              <a:rPr lang="de-CH" sz="1800" kern="1200" dirty="0" err="1">
+                <a:solidFill>
+                  <a:srgbClr val="000000"/>
+                </a:solidFill>
+                <a:effectLst/>
+                <a:latin typeface="Aptos" panose="020B0004020202020204" pitchFamily="34" charset="0"/>
+                <a:ea typeface="+mn-ea"/>
+                <a:cs typeface="+mn-cs"/>
+              </a:rPr>
+              <a:t>be</a:t>
+            </a:r>
+            <a:r>
+              <a:rPr lang="de-CH" sz="1800" kern="1200" dirty="0">
+                <a:solidFill>
+                  <a:srgbClr val="000000"/>
+                </a:solidFill>
+                <a:effectLst/>
+                <a:latin typeface="Aptos" panose="020B0004020202020204" pitchFamily="34" charset="0"/>
+                <a:ea typeface="+mn-ea"/>
+                <a:cs typeface="+mn-cs"/>
+              </a:rPr>
+              <a:t> </a:t>
+            </a:r>
+            <a:r>
+              <a:rPr lang="de-CH" sz="1800" kern="1200" dirty="0" err="1">
+                <a:solidFill>
+                  <a:srgbClr val="000000"/>
+                </a:solidFill>
+                <a:effectLst/>
+                <a:latin typeface="Aptos" panose="020B0004020202020204" pitchFamily="34" charset="0"/>
+                <a:ea typeface="+mn-ea"/>
+                <a:cs typeface="+mn-cs"/>
+              </a:rPr>
+              <a:t>reordered</a:t>
+            </a:r>
+            <a:r>
+              <a:rPr lang="de-CH" sz="1800" kern="1200" dirty="0">
+                <a:solidFill>
+                  <a:srgbClr val="000000"/>
+                </a:solidFill>
+                <a:effectLst/>
+                <a:latin typeface="Aptos" panose="020B0004020202020204" pitchFamily="34" charset="0"/>
+                <a:ea typeface="+mn-ea"/>
+                <a:cs typeface="+mn-cs"/>
+              </a:rPr>
+              <a:t> </a:t>
+            </a:r>
+            <a:r>
+              <a:rPr lang="de-CH" sz="1800" kern="1200" dirty="0" err="1">
+                <a:solidFill>
+                  <a:srgbClr val="000000"/>
+                </a:solidFill>
+                <a:effectLst/>
+                <a:latin typeface="Aptos" panose="020B0004020202020204" pitchFamily="34" charset="0"/>
+                <a:ea typeface="+mn-ea"/>
+                <a:cs typeface="+mn-cs"/>
+              </a:rPr>
+              <a:t>for</a:t>
+            </a:r>
+            <a:r>
+              <a:rPr lang="de-CH" sz="1800" kern="1200" dirty="0">
+                <a:solidFill>
+                  <a:srgbClr val="000000"/>
+                </a:solidFill>
+                <a:effectLst/>
+                <a:latin typeface="Aptos" panose="020B0004020202020204" pitchFamily="34" charset="0"/>
+                <a:ea typeface="+mn-ea"/>
+                <a:cs typeface="+mn-cs"/>
+              </a:rPr>
+              <a:t> </a:t>
+            </a:r>
+            <a:r>
+              <a:rPr lang="de-CH" sz="1800" kern="1200" dirty="0" err="1">
+                <a:solidFill>
+                  <a:srgbClr val="000000"/>
+                </a:solidFill>
+                <a:effectLst/>
+                <a:latin typeface="Aptos" panose="020B0004020202020204" pitchFamily="34" charset="0"/>
+                <a:ea typeface="+mn-ea"/>
+                <a:cs typeface="+mn-cs"/>
+              </a:rPr>
+              <a:t>each</a:t>
+            </a:r>
+            <a:r>
+              <a:rPr lang="de-CH" sz="1800" kern="1200" dirty="0">
+                <a:solidFill>
+                  <a:srgbClr val="000000"/>
+                </a:solidFill>
+                <a:effectLst/>
+                <a:latin typeface="Aptos" panose="020B0004020202020204" pitchFamily="34" charset="0"/>
+                <a:ea typeface="+mn-ea"/>
+                <a:cs typeface="+mn-cs"/>
+              </a:rPr>
+              <a:t> </a:t>
+            </a:r>
+            <a:r>
+              <a:rPr lang="de-CH" sz="1800" kern="1200" dirty="0" err="1">
+                <a:solidFill>
+                  <a:srgbClr val="000000"/>
+                </a:solidFill>
+                <a:effectLst/>
+                <a:latin typeface="Aptos" panose="020B0004020202020204" pitchFamily="34" charset="0"/>
+                <a:ea typeface="+mn-ea"/>
+                <a:cs typeface="+mn-cs"/>
+              </a:rPr>
+              <a:t>narcotic</a:t>
+            </a:r>
+            <a:r>
+              <a:rPr lang="de-CH" sz="1800" kern="1200" dirty="0">
+                <a:solidFill>
+                  <a:srgbClr val="000000"/>
+                </a:solidFill>
+                <a:effectLst/>
+                <a:latin typeface="Aptos" panose="020B0004020202020204" pitchFamily="34" charset="0"/>
+                <a:ea typeface="+mn-ea"/>
+                <a:cs typeface="+mn-cs"/>
+              </a:rPr>
+              <a:t> </a:t>
+            </a:r>
+            <a:r>
+              <a:rPr lang="de-CH" sz="1800" kern="1200" dirty="0" err="1">
+                <a:solidFill>
+                  <a:srgbClr val="000000"/>
+                </a:solidFill>
+                <a:effectLst/>
+                <a:latin typeface="Aptos" panose="020B0004020202020204" pitchFamily="34" charset="0"/>
+                <a:ea typeface="+mn-ea"/>
+                <a:cs typeface="+mn-cs"/>
+              </a:rPr>
+              <a:t>available</a:t>
+            </a:r>
+            <a:r>
+              <a:rPr lang="de-CH" sz="1800" kern="1200" dirty="0">
+                <a:solidFill>
+                  <a:srgbClr val="000000"/>
+                </a:solidFill>
+                <a:effectLst/>
+                <a:latin typeface="Aptos" panose="020B0004020202020204" pitchFamily="34" charset="0"/>
+                <a:ea typeface="+mn-ea"/>
+                <a:cs typeface="+mn-cs"/>
+              </a:rPr>
+              <a:t>. </a:t>
+            </a:r>
+            <a:r>
+              <a:rPr lang="de-CH" sz="1800" kern="1200" dirty="0" err="1">
+                <a:solidFill>
+                  <a:srgbClr val="000000"/>
+                </a:solidFill>
+                <a:effectLst/>
+                <a:latin typeface="Aptos" panose="020B0004020202020204" pitchFamily="34" charset="0"/>
+                <a:ea typeface="+mn-ea"/>
+                <a:cs typeface="+mn-cs"/>
+              </a:rPr>
+              <a:t>If</a:t>
+            </a:r>
+            <a:r>
+              <a:rPr lang="de-CH" sz="1800" kern="1200" dirty="0">
+                <a:solidFill>
+                  <a:srgbClr val="000000"/>
+                </a:solidFill>
+                <a:effectLst/>
+                <a:latin typeface="Aptos" panose="020B0004020202020204" pitchFamily="34" charset="0"/>
+                <a:ea typeface="+mn-ea"/>
+                <a:cs typeface="+mn-cs"/>
+              </a:rPr>
+              <a:t> </a:t>
+            </a:r>
+            <a:r>
+              <a:rPr lang="de-CH" sz="1800" kern="1200" dirty="0" err="1">
+                <a:solidFill>
+                  <a:srgbClr val="000000"/>
+                </a:solidFill>
+                <a:effectLst/>
+                <a:latin typeface="Aptos" panose="020B0004020202020204" pitchFamily="34" charset="0"/>
+                <a:ea typeface="+mn-ea"/>
+                <a:cs typeface="+mn-cs"/>
+              </a:rPr>
+              <a:t>there</a:t>
+            </a:r>
+            <a:r>
+              <a:rPr lang="de-CH" sz="1800" kern="1200" dirty="0">
+                <a:solidFill>
+                  <a:srgbClr val="000000"/>
+                </a:solidFill>
+                <a:effectLst/>
+                <a:latin typeface="Aptos" panose="020B0004020202020204" pitchFamily="34" charset="0"/>
+                <a:ea typeface="+mn-ea"/>
+                <a:cs typeface="+mn-cs"/>
+              </a:rPr>
+              <a:t> </a:t>
+            </a:r>
+            <a:r>
+              <a:rPr lang="de-CH" sz="1800" kern="1200" dirty="0" err="1">
+                <a:solidFill>
+                  <a:srgbClr val="000000"/>
+                </a:solidFill>
+                <a:effectLst/>
+                <a:latin typeface="Aptos" panose="020B0004020202020204" pitchFamily="34" charset="0"/>
+                <a:ea typeface="+mn-ea"/>
+                <a:cs typeface="+mn-cs"/>
+              </a:rPr>
+              <a:t>are</a:t>
+            </a:r>
+            <a:r>
+              <a:rPr lang="de-CH" sz="1800" kern="1200" dirty="0">
+                <a:solidFill>
+                  <a:srgbClr val="000000"/>
+                </a:solidFill>
+                <a:effectLst/>
+                <a:latin typeface="Aptos" panose="020B0004020202020204" pitchFamily="34" charset="0"/>
+                <a:ea typeface="+mn-ea"/>
+                <a:cs typeface="+mn-cs"/>
+              </a:rPr>
+              <a:t> </a:t>
+            </a:r>
+            <a:r>
+              <a:rPr lang="de-CH" sz="1800" kern="1200" dirty="0" err="1">
+                <a:solidFill>
+                  <a:srgbClr val="000000"/>
+                </a:solidFill>
+                <a:effectLst/>
+                <a:latin typeface="Aptos" panose="020B0004020202020204" pitchFamily="34" charset="0"/>
+                <a:ea typeface="+mn-ea"/>
+                <a:cs typeface="+mn-cs"/>
+              </a:rPr>
+              <a:t>any</a:t>
+            </a:r>
+            <a:r>
+              <a:rPr lang="de-CH" sz="1800" kern="1200" dirty="0">
+                <a:solidFill>
+                  <a:srgbClr val="000000"/>
+                </a:solidFill>
+                <a:effectLst/>
+                <a:latin typeface="Aptos" panose="020B0004020202020204" pitchFamily="34" charset="0"/>
+                <a:ea typeface="+mn-ea"/>
+                <a:cs typeface="+mn-cs"/>
+              </a:rPr>
+              <a:t> </a:t>
+            </a:r>
+            <a:r>
+              <a:rPr lang="de-CH" sz="1800" kern="1200" dirty="0" err="1">
+                <a:solidFill>
+                  <a:srgbClr val="000000"/>
+                </a:solidFill>
+                <a:effectLst/>
+                <a:latin typeface="Aptos" panose="020B0004020202020204" pitchFamily="34" charset="0"/>
+                <a:ea typeface="+mn-ea"/>
+                <a:cs typeface="+mn-cs"/>
+              </a:rPr>
+              <a:t>that</a:t>
+            </a:r>
+            <a:r>
+              <a:rPr lang="de-CH" sz="1800" kern="1200" dirty="0">
+                <a:solidFill>
+                  <a:srgbClr val="000000"/>
+                </a:solidFill>
+                <a:effectLst/>
+                <a:latin typeface="Aptos" panose="020B0004020202020204" pitchFamily="34" charset="0"/>
+                <a:ea typeface="+mn-ea"/>
+                <a:cs typeface="+mn-cs"/>
+              </a:rPr>
+              <a:t> </a:t>
+            </a:r>
+            <a:r>
+              <a:rPr lang="de-CH" sz="1800" kern="1200" dirty="0" err="1">
+                <a:solidFill>
+                  <a:srgbClr val="000000"/>
+                </a:solidFill>
+                <a:effectLst/>
+                <a:latin typeface="Aptos" panose="020B0004020202020204" pitchFamily="34" charset="0"/>
+                <a:ea typeface="+mn-ea"/>
+                <a:cs typeface="+mn-cs"/>
+              </a:rPr>
+              <a:t>have</a:t>
+            </a:r>
+            <a:r>
+              <a:rPr lang="de-CH" sz="1800" kern="1200" dirty="0">
+                <a:solidFill>
+                  <a:srgbClr val="000000"/>
+                </a:solidFill>
+                <a:effectLst/>
+                <a:latin typeface="Aptos" panose="020B0004020202020204" pitchFamily="34" charset="0"/>
+                <a:ea typeface="+mn-ea"/>
+                <a:cs typeface="+mn-cs"/>
+              </a:rPr>
+              <a:t> </a:t>
+            </a:r>
+            <a:r>
+              <a:rPr lang="de-CH" sz="1800" kern="1200" dirty="0" err="1">
+                <a:solidFill>
+                  <a:srgbClr val="000000"/>
+                </a:solidFill>
+                <a:effectLst/>
+                <a:latin typeface="Aptos" panose="020B0004020202020204" pitchFamily="34" charset="0"/>
+                <a:ea typeface="+mn-ea"/>
+                <a:cs typeface="+mn-cs"/>
+              </a:rPr>
+              <a:t>to</a:t>
+            </a:r>
+            <a:r>
+              <a:rPr lang="de-CH" sz="1800" kern="1200" dirty="0">
+                <a:solidFill>
+                  <a:srgbClr val="000000"/>
+                </a:solidFill>
+                <a:effectLst/>
+                <a:latin typeface="Aptos" panose="020B0004020202020204" pitchFamily="34" charset="0"/>
+                <a:ea typeface="+mn-ea"/>
+                <a:cs typeface="+mn-cs"/>
+              </a:rPr>
+              <a:t> </a:t>
+            </a:r>
+            <a:r>
+              <a:rPr lang="de-CH" sz="1800" kern="1200" dirty="0" err="1">
+                <a:solidFill>
+                  <a:srgbClr val="000000"/>
+                </a:solidFill>
+                <a:effectLst/>
+                <a:latin typeface="Aptos" panose="020B0004020202020204" pitchFamily="34" charset="0"/>
+                <a:ea typeface="+mn-ea"/>
+                <a:cs typeface="+mn-cs"/>
+              </a:rPr>
+              <a:t>be</a:t>
+            </a:r>
+            <a:r>
+              <a:rPr lang="de-CH" sz="1800" kern="1200" dirty="0">
+                <a:solidFill>
+                  <a:srgbClr val="000000"/>
+                </a:solidFill>
+                <a:effectLst/>
+                <a:latin typeface="Aptos" panose="020B0004020202020204" pitchFamily="34" charset="0"/>
+                <a:ea typeface="+mn-ea"/>
+                <a:cs typeface="+mn-cs"/>
+              </a:rPr>
+              <a:t> </a:t>
+            </a:r>
+            <a:r>
+              <a:rPr lang="de-CH" sz="1800" kern="1200" dirty="0" err="1">
+                <a:solidFill>
+                  <a:srgbClr val="000000"/>
+                </a:solidFill>
+                <a:effectLst/>
+                <a:latin typeface="Aptos" panose="020B0004020202020204" pitchFamily="34" charset="0"/>
+                <a:ea typeface="+mn-ea"/>
+                <a:cs typeface="+mn-cs"/>
+              </a:rPr>
+              <a:t>reordered</a:t>
+            </a:r>
+            <a:r>
+              <a:rPr lang="de-CH" sz="1800" kern="1200" dirty="0">
+                <a:solidFill>
+                  <a:srgbClr val="000000"/>
+                </a:solidFill>
+                <a:effectLst/>
+                <a:latin typeface="Aptos" panose="020B0004020202020204" pitchFamily="34" charset="0"/>
+                <a:ea typeface="+mn-ea"/>
+                <a:cs typeface="+mn-cs"/>
+              </a:rPr>
+              <a:t> </a:t>
+            </a:r>
+            <a:r>
+              <a:rPr lang="de-CH" sz="1800" kern="1200" dirty="0" err="1">
+                <a:solidFill>
+                  <a:srgbClr val="000000"/>
+                </a:solidFill>
+                <a:effectLst/>
+                <a:latin typeface="Aptos" panose="020B0004020202020204" pitchFamily="34" charset="0"/>
+                <a:ea typeface="+mn-ea"/>
+                <a:cs typeface="+mn-cs"/>
+              </a:rPr>
+              <a:t>the</a:t>
+            </a:r>
+            <a:r>
+              <a:rPr lang="de-CH" sz="1800" kern="1200" dirty="0">
+                <a:solidFill>
+                  <a:srgbClr val="000000"/>
+                </a:solidFill>
+                <a:effectLst/>
+                <a:latin typeface="Aptos" panose="020B0004020202020204" pitchFamily="34" charset="0"/>
+                <a:ea typeface="+mn-ea"/>
+                <a:cs typeface="+mn-cs"/>
+              </a:rPr>
+              <a:t> </a:t>
+            </a:r>
+            <a:r>
+              <a:rPr lang="de-CH" sz="1800" kern="1200" dirty="0" err="1">
+                <a:solidFill>
+                  <a:srgbClr val="000000"/>
+                </a:solidFill>
+                <a:effectLst/>
+                <a:latin typeface="Aptos" panose="020B0004020202020204" pitchFamily="34" charset="0"/>
+                <a:ea typeface="+mn-ea"/>
+                <a:cs typeface="+mn-cs"/>
+              </a:rPr>
+              <a:t>process</a:t>
+            </a:r>
+            <a:r>
+              <a:rPr lang="de-CH" sz="1800" kern="1200" dirty="0">
+                <a:solidFill>
+                  <a:srgbClr val="000000"/>
+                </a:solidFill>
+                <a:effectLst/>
+                <a:latin typeface="Aptos" panose="020B0004020202020204" pitchFamily="34" charset="0"/>
+                <a:ea typeface="+mn-ea"/>
+                <a:cs typeface="+mn-cs"/>
+              </a:rPr>
+              <a:t> </a:t>
+            </a:r>
+            <a:r>
+              <a:rPr lang="de-CH" sz="1800" kern="1200" dirty="0" err="1">
+                <a:solidFill>
+                  <a:srgbClr val="000000"/>
+                </a:solidFill>
+                <a:effectLst/>
+                <a:latin typeface="Aptos" panose="020B0004020202020204" pitchFamily="34" charset="0"/>
+                <a:ea typeface="+mn-ea"/>
+                <a:cs typeface="+mn-cs"/>
+              </a:rPr>
+              <a:t>loops</a:t>
+            </a:r>
+            <a:r>
+              <a:rPr lang="de-CH" sz="1800" kern="1200" dirty="0">
+                <a:solidFill>
+                  <a:srgbClr val="000000"/>
+                </a:solidFill>
+                <a:effectLst/>
+                <a:latin typeface="Aptos" panose="020B0004020202020204" pitchFamily="34" charset="0"/>
+                <a:ea typeface="+mn-ea"/>
+                <a:cs typeface="+mn-cs"/>
+              </a:rPr>
+              <a:t> </a:t>
+            </a:r>
+            <a:r>
+              <a:rPr lang="de-CH" sz="1800" kern="1200" dirty="0" err="1">
+                <a:solidFill>
+                  <a:srgbClr val="000000"/>
+                </a:solidFill>
+                <a:effectLst/>
+                <a:latin typeface="Aptos" panose="020B0004020202020204" pitchFamily="34" charset="0"/>
+                <a:ea typeface="+mn-ea"/>
+                <a:cs typeface="+mn-cs"/>
+              </a:rPr>
+              <a:t>through</a:t>
+            </a:r>
+            <a:r>
+              <a:rPr lang="de-CH" sz="1800" kern="1200" dirty="0">
+                <a:solidFill>
+                  <a:srgbClr val="000000"/>
+                </a:solidFill>
+                <a:effectLst/>
+                <a:latin typeface="Aptos" panose="020B0004020202020204" pitchFamily="34" charset="0"/>
+                <a:ea typeface="+mn-ea"/>
+                <a:cs typeface="+mn-cs"/>
+              </a:rPr>
+              <a:t> </a:t>
+            </a:r>
+            <a:r>
+              <a:rPr lang="de-CH" sz="1800" kern="1200" dirty="0" err="1">
+                <a:solidFill>
+                  <a:srgbClr val="000000"/>
+                </a:solidFill>
+                <a:effectLst/>
+                <a:latin typeface="Aptos" panose="020B0004020202020204" pitchFamily="34" charset="0"/>
+                <a:ea typeface="+mn-ea"/>
+                <a:cs typeface="+mn-cs"/>
+              </a:rPr>
+              <a:t>each</a:t>
+            </a:r>
+            <a:r>
+              <a:rPr lang="de-CH" sz="1800" kern="1200" dirty="0">
+                <a:solidFill>
+                  <a:srgbClr val="000000"/>
+                </a:solidFill>
+                <a:effectLst/>
+                <a:latin typeface="Aptos" panose="020B0004020202020204" pitchFamily="34" charset="0"/>
+                <a:ea typeface="+mn-ea"/>
+                <a:cs typeface="+mn-cs"/>
+              </a:rPr>
+              <a:t> item. The </a:t>
+            </a:r>
+            <a:r>
+              <a:rPr lang="de-CH" sz="1800" kern="1200" dirty="0" err="1">
+                <a:solidFill>
+                  <a:srgbClr val="000000"/>
+                </a:solidFill>
+                <a:effectLst/>
+                <a:latin typeface="Aptos" panose="020B0004020202020204" pitchFamily="34" charset="0"/>
+                <a:ea typeface="+mn-ea"/>
+                <a:cs typeface="+mn-cs"/>
+              </a:rPr>
+              <a:t>first</a:t>
+            </a:r>
+            <a:r>
+              <a:rPr lang="de-CH" sz="1800" kern="1200" dirty="0">
+                <a:solidFill>
+                  <a:srgbClr val="000000"/>
+                </a:solidFill>
+                <a:effectLst/>
+                <a:latin typeface="Aptos" panose="020B0004020202020204" pitchFamily="34" charset="0"/>
+                <a:ea typeface="+mn-ea"/>
+                <a:cs typeface="+mn-cs"/>
+              </a:rPr>
+              <a:t> </a:t>
+            </a:r>
+            <a:r>
+              <a:rPr lang="de-CH" sz="1800" kern="1200" dirty="0" err="1">
+                <a:solidFill>
+                  <a:srgbClr val="000000"/>
+                </a:solidFill>
+                <a:effectLst/>
+                <a:latin typeface="Aptos" panose="020B0004020202020204" pitchFamily="34" charset="0"/>
+                <a:ea typeface="+mn-ea"/>
+                <a:cs typeface="+mn-cs"/>
+              </a:rPr>
+              <a:t>step</a:t>
+            </a:r>
+            <a:r>
+              <a:rPr lang="de-CH" sz="1800" kern="1200" dirty="0">
+                <a:solidFill>
+                  <a:srgbClr val="000000"/>
+                </a:solidFill>
+                <a:effectLst/>
+                <a:latin typeface="Aptos" panose="020B0004020202020204" pitchFamily="34" charset="0"/>
+                <a:ea typeface="+mn-ea"/>
+                <a:cs typeface="+mn-cs"/>
+              </a:rPr>
+              <a:t> </a:t>
+            </a:r>
+            <a:r>
+              <a:rPr lang="de-CH" sz="1800" kern="1200" dirty="0" err="1">
+                <a:solidFill>
+                  <a:srgbClr val="000000"/>
+                </a:solidFill>
+                <a:effectLst/>
+                <a:latin typeface="Aptos" panose="020B0004020202020204" pitchFamily="34" charset="0"/>
+                <a:ea typeface="+mn-ea"/>
+                <a:cs typeface="+mn-cs"/>
+              </a:rPr>
+              <a:t>is</a:t>
+            </a:r>
+            <a:r>
+              <a:rPr lang="de-CH" sz="1800" kern="1200" dirty="0">
+                <a:solidFill>
+                  <a:srgbClr val="000000"/>
+                </a:solidFill>
+                <a:effectLst/>
+                <a:latin typeface="Aptos" panose="020B0004020202020204" pitchFamily="34" charset="0"/>
+                <a:ea typeface="+mn-ea"/>
+                <a:cs typeface="+mn-cs"/>
+              </a:rPr>
+              <a:t> </a:t>
+            </a:r>
+            <a:r>
+              <a:rPr lang="de-CH" sz="1800" kern="1200" dirty="0" err="1">
+                <a:solidFill>
+                  <a:srgbClr val="000000"/>
+                </a:solidFill>
+                <a:effectLst/>
+                <a:latin typeface="Aptos" panose="020B0004020202020204" pitchFamily="34" charset="0"/>
+                <a:ea typeface="+mn-ea"/>
+                <a:cs typeface="+mn-cs"/>
+              </a:rPr>
+              <a:t>always</a:t>
+            </a:r>
+            <a:r>
+              <a:rPr lang="de-CH" sz="1800" kern="1200" dirty="0">
+                <a:solidFill>
+                  <a:srgbClr val="000000"/>
+                </a:solidFill>
+                <a:effectLst/>
+                <a:latin typeface="Aptos" panose="020B0004020202020204" pitchFamily="34" charset="0"/>
+                <a:ea typeface="+mn-ea"/>
+                <a:cs typeface="+mn-cs"/>
+              </a:rPr>
+              <a:t> </a:t>
+            </a:r>
+            <a:r>
+              <a:rPr lang="de-CH" sz="1800" kern="1200" dirty="0" err="1">
+                <a:solidFill>
+                  <a:srgbClr val="000000"/>
+                </a:solidFill>
+                <a:effectLst/>
+                <a:latin typeface="Aptos" panose="020B0004020202020204" pitchFamily="34" charset="0"/>
+                <a:ea typeface="+mn-ea"/>
+                <a:cs typeface="+mn-cs"/>
+              </a:rPr>
+              <a:t>to</a:t>
+            </a:r>
+            <a:r>
+              <a:rPr lang="de-CH" sz="1800" kern="1200" dirty="0">
+                <a:solidFill>
+                  <a:srgbClr val="000000"/>
+                </a:solidFill>
+                <a:effectLst/>
+                <a:latin typeface="Aptos" panose="020B0004020202020204" pitchFamily="34" charset="0"/>
+                <a:ea typeface="+mn-ea"/>
+                <a:cs typeface="+mn-cs"/>
+              </a:rPr>
+              <a:t> </a:t>
+            </a:r>
+            <a:r>
+              <a:rPr lang="de-CH" sz="1800" kern="1200" dirty="0" err="1">
+                <a:solidFill>
+                  <a:srgbClr val="000000"/>
+                </a:solidFill>
+                <a:effectLst/>
+                <a:latin typeface="Aptos" panose="020B0004020202020204" pitchFamily="34" charset="0"/>
+                <a:ea typeface="+mn-ea"/>
+                <a:cs typeface="+mn-cs"/>
+              </a:rPr>
+              <a:t>control</a:t>
+            </a:r>
+            <a:r>
+              <a:rPr lang="de-CH" sz="1800" kern="1200" dirty="0">
+                <a:solidFill>
+                  <a:srgbClr val="000000"/>
+                </a:solidFill>
+                <a:effectLst/>
+                <a:latin typeface="Aptos" panose="020B0004020202020204" pitchFamily="34" charset="0"/>
+                <a:ea typeface="+mn-ea"/>
+                <a:cs typeface="+mn-cs"/>
+              </a:rPr>
+              <a:t> </a:t>
+            </a:r>
+            <a:r>
+              <a:rPr lang="de-CH" sz="1800" kern="1200" dirty="0" err="1">
+                <a:solidFill>
+                  <a:srgbClr val="000000"/>
+                </a:solidFill>
+                <a:effectLst/>
+                <a:latin typeface="Aptos" panose="020B0004020202020204" pitchFamily="34" charset="0"/>
+                <a:ea typeface="+mn-ea"/>
+                <a:cs typeface="+mn-cs"/>
+              </a:rPr>
+              <a:t>if</a:t>
+            </a:r>
+            <a:r>
+              <a:rPr lang="de-CH" sz="1800" kern="1200" dirty="0">
+                <a:solidFill>
+                  <a:srgbClr val="000000"/>
+                </a:solidFill>
+                <a:effectLst/>
+                <a:latin typeface="Aptos" panose="020B0004020202020204" pitchFamily="34" charset="0"/>
+                <a:ea typeface="+mn-ea"/>
+                <a:cs typeface="+mn-cs"/>
+              </a:rPr>
+              <a:t> </a:t>
+            </a:r>
+            <a:r>
+              <a:rPr lang="de-CH" sz="1800" kern="1200" dirty="0" err="1">
+                <a:solidFill>
+                  <a:srgbClr val="000000"/>
+                </a:solidFill>
+                <a:effectLst/>
+                <a:latin typeface="Aptos" panose="020B0004020202020204" pitchFamily="34" charset="0"/>
+                <a:ea typeface="+mn-ea"/>
+                <a:cs typeface="+mn-cs"/>
+              </a:rPr>
+              <a:t>this</a:t>
+            </a:r>
+            <a:r>
+              <a:rPr lang="de-CH" sz="1800" kern="1200" dirty="0">
+                <a:solidFill>
+                  <a:srgbClr val="000000"/>
+                </a:solidFill>
+                <a:effectLst/>
+                <a:latin typeface="Aptos" panose="020B0004020202020204" pitchFamily="34" charset="0"/>
+                <a:ea typeface="+mn-ea"/>
+                <a:cs typeface="+mn-cs"/>
+              </a:rPr>
+              <a:t> item </a:t>
+            </a:r>
+            <a:r>
+              <a:rPr lang="de-CH" sz="1800" kern="1200" dirty="0" err="1">
+                <a:solidFill>
+                  <a:srgbClr val="000000"/>
+                </a:solidFill>
+                <a:effectLst/>
+                <a:latin typeface="Aptos" panose="020B0004020202020204" pitchFamily="34" charset="0"/>
+                <a:ea typeface="+mn-ea"/>
+                <a:cs typeface="+mn-cs"/>
+              </a:rPr>
+              <a:t>is</a:t>
+            </a:r>
+            <a:r>
+              <a:rPr lang="de-CH" sz="1800" kern="1200" dirty="0">
+                <a:solidFill>
+                  <a:srgbClr val="000000"/>
+                </a:solidFill>
+                <a:effectLst/>
+                <a:latin typeface="Aptos" panose="020B0004020202020204" pitchFamily="34" charset="0"/>
+                <a:ea typeface="+mn-ea"/>
+                <a:cs typeface="+mn-cs"/>
+              </a:rPr>
+              <a:t> </a:t>
+            </a:r>
+            <a:r>
+              <a:rPr lang="de-CH" sz="1800" kern="1200" dirty="0" err="1">
+                <a:solidFill>
+                  <a:srgbClr val="000000"/>
+                </a:solidFill>
+                <a:effectLst/>
+                <a:latin typeface="Aptos" panose="020B0004020202020204" pitchFamily="34" charset="0"/>
+                <a:ea typeface="+mn-ea"/>
+                <a:cs typeface="+mn-cs"/>
+              </a:rPr>
+              <a:t>available</a:t>
+            </a:r>
+            <a:r>
+              <a:rPr lang="de-CH" sz="1800" kern="1200" dirty="0">
+                <a:solidFill>
+                  <a:srgbClr val="000000"/>
+                </a:solidFill>
+                <a:effectLst/>
+                <a:latin typeface="Aptos" panose="020B0004020202020204" pitchFamily="34" charset="0"/>
+                <a:ea typeface="+mn-ea"/>
+                <a:cs typeface="+mn-cs"/>
+              </a:rPr>
+              <a:t> </a:t>
+            </a:r>
+            <a:r>
+              <a:rPr lang="de-CH" sz="1800" kern="1200" dirty="0" err="1">
+                <a:solidFill>
+                  <a:srgbClr val="000000"/>
+                </a:solidFill>
+                <a:effectLst/>
+                <a:latin typeface="Aptos" panose="020B0004020202020204" pitchFamily="34" charset="0"/>
+                <a:ea typeface="+mn-ea"/>
+                <a:cs typeface="+mn-cs"/>
+              </a:rPr>
+              <a:t>for</a:t>
+            </a:r>
+            <a:r>
+              <a:rPr lang="de-CH" sz="1800" kern="1200" dirty="0">
+                <a:solidFill>
+                  <a:srgbClr val="000000"/>
+                </a:solidFill>
+                <a:effectLst/>
+                <a:latin typeface="Aptos" panose="020B0004020202020204" pitchFamily="34" charset="0"/>
+                <a:ea typeface="+mn-ea"/>
+                <a:cs typeface="+mn-cs"/>
+              </a:rPr>
+              <a:t> </a:t>
+            </a:r>
+            <a:r>
+              <a:rPr lang="de-CH" sz="1800" kern="1200" dirty="0" err="1">
+                <a:solidFill>
+                  <a:srgbClr val="000000"/>
+                </a:solidFill>
+                <a:effectLst/>
+                <a:latin typeface="Aptos" panose="020B0004020202020204" pitchFamily="34" charset="0"/>
+                <a:ea typeface="+mn-ea"/>
+                <a:cs typeface="+mn-cs"/>
+              </a:rPr>
+              <a:t>reorder</a:t>
+            </a:r>
+            <a:r>
+              <a:rPr lang="de-CH" sz="1800" kern="1200" dirty="0">
+                <a:solidFill>
+                  <a:srgbClr val="000000"/>
+                </a:solidFill>
+                <a:effectLst/>
+                <a:latin typeface="Aptos" panose="020B0004020202020204" pitchFamily="34" charset="0"/>
+                <a:ea typeface="+mn-ea"/>
+                <a:cs typeface="+mn-cs"/>
+              </a:rPr>
+              <a:t>. This </a:t>
+            </a:r>
+            <a:r>
+              <a:rPr lang="de-CH" sz="1800" kern="1200" dirty="0" err="1">
+                <a:solidFill>
+                  <a:srgbClr val="000000"/>
+                </a:solidFill>
+                <a:effectLst/>
+                <a:latin typeface="Aptos" panose="020B0004020202020204" pitchFamily="34" charset="0"/>
+                <a:ea typeface="+mn-ea"/>
+                <a:cs typeface="+mn-cs"/>
+              </a:rPr>
+              <a:t>is</a:t>
+            </a:r>
+            <a:r>
+              <a:rPr lang="de-CH" sz="1800" kern="1200" dirty="0">
+                <a:solidFill>
+                  <a:srgbClr val="000000"/>
+                </a:solidFill>
+                <a:effectLst/>
+                <a:latin typeface="Aptos" panose="020B0004020202020204" pitchFamily="34" charset="0"/>
+                <a:ea typeface="+mn-ea"/>
+                <a:cs typeface="+mn-cs"/>
+              </a:rPr>
+              <a:t> </a:t>
+            </a:r>
+            <a:r>
+              <a:rPr lang="de-CH" sz="1800" kern="1200" dirty="0" err="1">
+                <a:solidFill>
+                  <a:srgbClr val="000000"/>
+                </a:solidFill>
+                <a:effectLst/>
+                <a:latin typeface="Aptos" panose="020B0004020202020204" pitchFamily="34" charset="0"/>
+                <a:ea typeface="+mn-ea"/>
+                <a:cs typeface="+mn-cs"/>
+              </a:rPr>
+              <a:t>implemented</a:t>
+            </a:r>
+            <a:r>
+              <a:rPr lang="de-CH" sz="1800" kern="1200" dirty="0">
+                <a:solidFill>
+                  <a:srgbClr val="000000"/>
+                </a:solidFill>
+                <a:effectLst/>
+                <a:latin typeface="Aptos" panose="020B0004020202020204" pitchFamily="34" charset="0"/>
+                <a:ea typeface="+mn-ea"/>
+                <a:cs typeface="+mn-cs"/>
+              </a:rPr>
+              <a:t> </a:t>
+            </a:r>
+            <a:r>
+              <a:rPr lang="de-CH" sz="1800" kern="1200" dirty="0" err="1">
+                <a:solidFill>
+                  <a:srgbClr val="000000"/>
+                </a:solidFill>
+                <a:effectLst/>
+                <a:latin typeface="Aptos" panose="020B0004020202020204" pitchFamily="34" charset="0"/>
+                <a:ea typeface="+mn-ea"/>
+                <a:cs typeface="+mn-cs"/>
+              </a:rPr>
+              <a:t>with</a:t>
+            </a:r>
+            <a:r>
+              <a:rPr lang="de-CH" sz="1800" kern="1200" dirty="0">
+                <a:solidFill>
+                  <a:srgbClr val="000000"/>
+                </a:solidFill>
+                <a:effectLst/>
+                <a:latin typeface="Aptos" panose="020B0004020202020204" pitchFamily="34" charset="0"/>
+                <a:ea typeface="+mn-ea"/>
+                <a:cs typeface="+mn-cs"/>
+              </a:rPr>
+              <a:t> a </a:t>
+            </a:r>
+            <a:r>
+              <a:rPr lang="de-CH" sz="1800" kern="1200" dirty="0" err="1">
+                <a:solidFill>
+                  <a:srgbClr val="000000"/>
+                </a:solidFill>
+                <a:effectLst/>
+                <a:latin typeface="Aptos" panose="020B0004020202020204" pitchFamily="34" charset="0"/>
+                <a:ea typeface="+mn-ea"/>
+                <a:cs typeface="+mn-cs"/>
+              </a:rPr>
+              <a:t>process</a:t>
+            </a:r>
+            <a:r>
+              <a:rPr lang="de-CH" sz="1800" kern="1200" dirty="0">
+                <a:solidFill>
+                  <a:srgbClr val="000000"/>
+                </a:solidFill>
+                <a:effectLst/>
+                <a:latin typeface="Aptos" panose="020B0004020202020204" pitchFamily="34" charset="0"/>
+                <a:ea typeface="+mn-ea"/>
+                <a:cs typeface="+mn-cs"/>
+              </a:rPr>
+              <a:t> </a:t>
+            </a:r>
+            <a:r>
+              <a:rPr lang="de-CH" sz="1800" kern="1200" dirty="0" err="1">
+                <a:solidFill>
+                  <a:srgbClr val="000000"/>
+                </a:solidFill>
+                <a:effectLst/>
+                <a:latin typeface="Aptos" panose="020B0004020202020204" pitchFamily="34" charset="0"/>
+                <a:ea typeface="+mn-ea"/>
+                <a:cs typeface="+mn-cs"/>
+              </a:rPr>
+              <a:t>task</a:t>
+            </a:r>
+            <a:r>
+              <a:rPr lang="de-CH" sz="1800" kern="1200" dirty="0">
+                <a:solidFill>
+                  <a:srgbClr val="000000"/>
+                </a:solidFill>
+                <a:effectLst/>
+                <a:latin typeface="Aptos" panose="020B0004020202020204" pitchFamily="34" charset="0"/>
+                <a:ea typeface="+mn-ea"/>
+                <a:cs typeface="+mn-cs"/>
+              </a:rPr>
+              <a:t> </a:t>
+            </a:r>
+            <a:r>
+              <a:rPr lang="de-CH" sz="1800" kern="1200" dirty="0" err="1">
+                <a:solidFill>
+                  <a:srgbClr val="000000"/>
+                </a:solidFill>
+                <a:effectLst/>
+                <a:latin typeface="Aptos" panose="020B0004020202020204" pitchFamily="34" charset="0"/>
+                <a:ea typeface="+mn-ea"/>
+                <a:cs typeface="+mn-cs"/>
+              </a:rPr>
+              <a:t>which</a:t>
+            </a:r>
+            <a:r>
+              <a:rPr lang="de-CH" sz="1800" kern="1200" dirty="0">
+                <a:solidFill>
+                  <a:srgbClr val="000000"/>
+                </a:solidFill>
+                <a:effectLst/>
+                <a:latin typeface="Aptos" panose="020B0004020202020204" pitchFamily="34" charset="0"/>
+                <a:ea typeface="+mn-ea"/>
+                <a:cs typeface="+mn-cs"/>
+              </a:rPr>
+              <a:t> </a:t>
+            </a:r>
+            <a:r>
+              <a:rPr lang="de-CH" sz="1800" kern="1200" dirty="0" err="1">
+                <a:solidFill>
+                  <a:srgbClr val="000000"/>
+                </a:solidFill>
+                <a:effectLst/>
+                <a:latin typeface="Aptos" panose="020B0004020202020204" pitchFamily="34" charset="0"/>
+                <a:ea typeface="+mn-ea"/>
+                <a:cs typeface="+mn-cs"/>
+              </a:rPr>
+              <a:t>simulates</a:t>
+            </a:r>
+            <a:r>
+              <a:rPr lang="de-CH" sz="1800" kern="1200" dirty="0">
+                <a:solidFill>
+                  <a:srgbClr val="000000"/>
+                </a:solidFill>
+                <a:effectLst/>
+                <a:latin typeface="Aptos" panose="020B0004020202020204" pitchFamily="34" charset="0"/>
+                <a:ea typeface="+mn-ea"/>
+                <a:cs typeface="+mn-cs"/>
+              </a:rPr>
+              <a:t> a real API </a:t>
+            </a:r>
+            <a:r>
+              <a:rPr lang="de-CH" sz="1800" kern="1200" dirty="0" err="1">
+                <a:solidFill>
+                  <a:srgbClr val="000000"/>
+                </a:solidFill>
+                <a:effectLst/>
+                <a:latin typeface="Aptos" panose="020B0004020202020204" pitchFamily="34" charset="0"/>
+                <a:ea typeface="+mn-ea"/>
+                <a:cs typeface="+mn-cs"/>
+              </a:rPr>
+              <a:t>that</a:t>
+            </a:r>
+            <a:r>
+              <a:rPr lang="de-CH" sz="1800" kern="1200" dirty="0">
+                <a:solidFill>
+                  <a:srgbClr val="000000"/>
+                </a:solidFill>
+                <a:effectLst/>
+                <a:latin typeface="Aptos" panose="020B0004020202020204" pitchFamily="34" charset="0"/>
+                <a:ea typeface="+mn-ea"/>
+                <a:cs typeface="+mn-cs"/>
+              </a:rPr>
+              <a:t> </a:t>
+            </a:r>
+            <a:r>
+              <a:rPr lang="de-CH" sz="1800" kern="1200" dirty="0" err="1">
+                <a:solidFill>
+                  <a:srgbClr val="000000"/>
+                </a:solidFill>
+                <a:effectLst/>
+                <a:latin typeface="Aptos" panose="020B0004020202020204" pitchFamily="34" charset="0"/>
+                <a:ea typeface="+mn-ea"/>
+                <a:cs typeface="+mn-cs"/>
+              </a:rPr>
+              <a:t>returns</a:t>
+            </a:r>
+            <a:r>
+              <a:rPr lang="de-CH" sz="1800" kern="1200" dirty="0">
+                <a:solidFill>
+                  <a:srgbClr val="000000"/>
+                </a:solidFill>
+                <a:effectLst/>
+                <a:latin typeface="Aptos" panose="020B0004020202020204" pitchFamily="34" charset="0"/>
+                <a:ea typeface="+mn-ea"/>
+                <a:cs typeface="+mn-cs"/>
+              </a:rPr>
+              <a:t> global </a:t>
+            </a:r>
+            <a:r>
+              <a:rPr lang="de-CH" sz="1800" kern="1200" dirty="0" err="1">
+                <a:solidFill>
+                  <a:srgbClr val="000000"/>
+                </a:solidFill>
+                <a:effectLst/>
+                <a:latin typeface="Aptos" panose="020B0004020202020204" pitchFamily="34" charset="0"/>
+                <a:ea typeface="+mn-ea"/>
+                <a:cs typeface="+mn-cs"/>
+              </a:rPr>
+              <a:t>drug</a:t>
+            </a:r>
+            <a:r>
+              <a:rPr lang="de-CH" sz="1800" kern="1200" dirty="0">
+                <a:solidFill>
+                  <a:srgbClr val="000000"/>
+                </a:solidFill>
+                <a:effectLst/>
+                <a:latin typeface="Aptos" panose="020B0004020202020204" pitchFamily="34" charset="0"/>
+                <a:ea typeface="+mn-ea"/>
+                <a:cs typeface="+mn-cs"/>
+              </a:rPr>
+              <a:t> </a:t>
+            </a:r>
+            <a:r>
+              <a:rPr lang="de-CH" sz="1800" kern="1200" dirty="0" err="1">
+                <a:solidFill>
+                  <a:srgbClr val="000000"/>
+                </a:solidFill>
+                <a:effectLst/>
+                <a:latin typeface="Aptos" panose="020B0004020202020204" pitchFamily="34" charset="0"/>
+                <a:ea typeface="+mn-ea"/>
+                <a:cs typeface="+mn-cs"/>
+              </a:rPr>
+              <a:t>shortages</a:t>
+            </a:r>
+            <a:r>
+              <a:rPr lang="de-CH" sz="1800" kern="1200" dirty="0">
+                <a:solidFill>
+                  <a:srgbClr val="000000"/>
+                </a:solidFill>
+                <a:effectLst/>
+                <a:latin typeface="Aptos" panose="020B0004020202020204" pitchFamily="34" charset="0"/>
+                <a:ea typeface="+mn-ea"/>
+                <a:cs typeface="+mn-cs"/>
+              </a:rPr>
+              <a:t>. Next </a:t>
+            </a:r>
+            <a:r>
+              <a:rPr lang="de-CH" sz="1800" kern="1200" dirty="0" err="1">
+                <a:solidFill>
+                  <a:srgbClr val="000000"/>
+                </a:solidFill>
+                <a:effectLst/>
+                <a:latin typeface="Aptos" panose="020B0004020202020204" pitchFamily="34" charset="0"/>
+                <a:ea typeface="+mn-ea"/>
+                <a:cs typeface="+mn-cs"/>
+              </a:rPr>
+              <a:t>we</a:t>
+            </a:r>
+            <a:r>
+              <a:rPr lang="de-CH" sz="1800" kern="1200" dirty="0">
+                <a:solidFill>
+                  <a:srgbClr val="000000"/>
+                </a:solidFill>
+                <a:effectLst/>
+                <a:latin typeface="Aptos" panose="020B0004020202020204" pitchFamily="34" charset="0"/>
+                <a:ea typeface="+mn-ea"/>
+                <a:cs typeface="+mn-cs"/>
+              </a:rPr>
+              <a:t> </a:t>
+            </a:r>
+            <a:r>
+              <a:rPr lang="de-CH" sz="1800" kern="1200" dirty="0" err="1">
+                <a:solidFill>
+                  <a:srgbClr val="000000"/>
+                </a:solidFill>
+                <a:effectLst/>
+                <a:latin typeface="Aptos" panose="020B0004020202020204" pitchFamily="34" charset="0"/>
+                <a:ea typeface="+mn-ea"/>
+                <a:cs typeface="+mn-cs"/>
+              </a:rPr>
+              <a:t>have</a:t>
+            </a:r>
+            <a:r>
+              <a:rPr lang="de-CH" sz="1800" kern="1200" dirty="0">
+                <a:solidFill>
+                  <a:srgbClr val="000000"/>
+                </a:solidFill>
+                <a:effectLst/>
+                <a:latin typeface="Aptos" panose="020B0004020202020204" pitchFamily="34" charset="0"/>
+                <a:ea typeface="+mn-ea"/>
+                <a:cs typeface="+mn-cs"/>
+              </a:rPr>
+              <a:t> </a:t>
+            </a:r>
+            <a:r>
+              <a:rPr lang="de-CH" sz="1800" kern="1200" dirty="0" err="1">
+                <a:solidFill>
+                  <a:srgbClr val="000000"/>
+                </a:solidFill>
+                <a:effectLst/>
+                <a:latin typeface="Aptos" panose="020B0004020202020204" pitchFamily="34" charset="0"/>
+                <a:ea typeface="+mn-ea"/>
+                <a:cs typeface="+mn-cs"/>
+              </a:rPr>
+              <a:t>implemented</a:t>
+            </a:r>
+            <a:r>
+              <a:rPr lang="de-CH" sz="1800" kern="1200" dirty="0">
+                <a:solidFill>
+                  <a:srgbClr val="000000"/>
+                </a:solidFill>
+                <a:effectLst/>
+                <a:latin typeface="Aptos" panose="020B0004020202020204" pitchFamily="34" charset="0"/>
+                <a:ea typeface="+mn-ea"/>
+                <a:cs typeface="+mn-cs"/>
+              </a:rPr>
+              <a:t> a </a:t>
+            </a:r>
+            <a:r>
+              <a:rPr lang="de-CH" sz="1800" kern="1200" dirty="0" err="1">
+                <a:solidFill>
+                  <a:srgbClr val="000000"/>
+                </a:solidFill>
+                <a:effectLst/>
+                <a:latin typeface="Aptos" panose="020B0004020202020204" pitchFamily="34" charset="0"/>
+                <a:ea typeface="+mn-ea"/>
+                <a:cs typeface="+mn-cs"/>
+              </a:rPr>
+              <a:t>decision</a:t>
+            </a:r>
+            <a:r>
+              <a:rPr lang="de-CH" sz="1800" kern="1200" dirty="0">
+                <a:solidFill>
+                  <a:srgbClr val="000000"/>
+                </a:solidFill>
+                <a:effectLst/>
+                <a:latin typeface="Aptos" panose="020B0004020202020204" pitchFamily="34" charset="0"/>
+                <a:ea typeface="+mn-ea"/>
+                <a:cs typeface="+mn-cs"/>
+              </a:rPr>
+              <a:t> </a:t>
+            </a:r>
+            <a:r>
+              <a:rPr lang="de-CH" sz="1800" kern="1200" dirty="0" err="1">
+                <a:solidFill>
+                  <a:srgbClr val="000000"/>
+                </a:solidFill>
+                <a:effectLst/>
+                <a:latin typeface="Aptos" panose="020B0004020202020204" pitchFamily="34" charset="0"/>
+                <a:ea typeface="+mn-ea"/>
+                <a:cs typeface="+mn-cs"/>
+              </a:rPr>
+              <a:t>table</a:t>
+            </a:r>
+            <a:r>
+              <a:rPr lang="de-CH" sz="1800" kern="1200" dirty="0">
+                <a:solidFill>
+                  <a:srgbClr val="000000"/>
+                </a:solidFill>
+                <a:effectLst/>
+                <a:latin typeface="Aptos" panose="020B0004020202020204" pitchFamily="34" charset="0"/>
+                <a:ea typeface="+mn-ea"/>
+                <a:cs typeface="+mn-cs"/>
+              </a:rPr>
+              <a:t> </a:t>
+            </a:r>
+            <a:r>
+              <a:rPr lang="de-CH" sz="1800" kern="1200" dirty="0" err="1">
+                <a:solidFill>
+                  <a:srgbClr val="000000"/>
+                </a:solidFill>
+                <a:effectLst/>
+                <a:latin typeface="Aptos" panose="020B0004020202020204" pitchFamily="34" charset="0"/>
+                <a:ea typeface="+mn-ea"/>
+                <a:cs typeface="+mn-cs"/>
+              </a:rPr>
+              <a:t>that</a:t>
+            </a:r>
+            <a:r>
+              <a:rPr lang="de-CH" sz="1800" kern="1200" dirty="0">
+                <a:solidFill>
+                  <a:srgbClr val="000000"/>
+                </a:solidFill>
+                <a:effectLst/>
+                <a:latin typeface="Aptos" panose="020B0004020202020204" pitchFamily="34" charset="0"/>
+                <a:ea typeface="+mn-ea"/>
+                <a:cs typeface="+mn-cs"/>
+              </a:rPr>
+              <a:t> </a:t>
+            </a:r>
+            <a:r>
+              <a:rPr lang="de-CH" sz="1800" kern="1200" dirty="0" err="1">
+                <a:solidFill>
+                  <a:srgbClr val="000000"/>
+                </a:solidFill>
+                <a:effectLst/>
+                <a:latin typeface="Aptos" panose="020B0004020202020204" pitchFamily="34" charset="0"/>
+                <a:ea typeface="+mn-ea"/>
+                <a:cs typeface="+mn-cs"/>
+              </a:rPr>
+              <a:t>reads</a:t>
+            </a:r>
+            <a:r>
+              <a:rPr lang="de-CH" sz="1800" kern="1200" dirty="0">
+                <a:solidFill>
+                  <a:srgbClr val="000000"/>
+                </a:solidFill>
+                <a:effectLst/>
+                <a:latin typeface="Aptos" panose="020B0004020202020204" pitchFamily="34" charset="0"/>
+                <a:ea typeface="+mn-ea"/>
+                <a:cs typeface="+mn-cs"/>
+              </a:rPr>
+              <a:t> </a:t>
+            </a:r>
+            <a:r>
+              <a:rPr lang="de-CH" sz="1800" kern="1200" dirty="0" err="1">
+                <a:solidFill>
+                  <a:srgbClr val="000000"/>
+                </a:solidFill>
+                <a:effectLst/>
+                <a:latin typeface="Aptos" panose="020B0004020202020204" pitchFamily="34" charset="0"/>
+                <a:ea typeface="+mn-ea"/>
+                <a:cs typeface="+mn-cs"/>
+              </a:rPr>
+              <a:t>the</a:t>
+            </a:r>
+            <a:r>
+              <a:rPr lang="de-CH" sz="1800" kern="1200" dirty="0">
+                <a:solidFill>
+                  <a:srgbClr val="000000"/>
+                </a:solidFill>
+                <a:effectLst/>
+                <a:latin typeface="Aptos" panose="020B0004020202020204" pitchFamily="34" charset="0"/>
+                <a:ea typeface="+mn-ea"/>
+                <a:cs typeface="+mn-cs"/>
+              </a:rPr>
+              <a:t> </a:t>
+            </a:r>
+            <a:r>
+              <a:rPr lang="de-CH" sz="1800" kern="1200" dirty="0" err="1">
+                <a:solidFill>
+                  <a:srgbClr val="000000"/>
+                </a:solidFill>
+                <a:effectLst/>
+                <a:latin typeface="Aptos" panose="020B0004020202020204" pitchFamily="34" charset="0"/>
+                <a:ea typeface="+mn-ea"/>
+                <a:cs typeface="+mn-cs"/>
+              </a:rPr>
+              <a:t>response</a:t>
+            </a:r>
+            <a:r>
+              <a:rPr lang="de-CH" sz="1800" kern="1200" dirty="0">
+                <a:solidFill>
+                  <a:srgbClr val="000000"/>
+                </a:solidFill>
+                <a:effectLst/>
+                <a:latin typeface="Aptos" panose="020B0004020202020204" pitchFamily="34" charset="0"/>
+                <a:ea typeface="+mn-ea"/>
+                <a:cs typeface="+mn-cs"/>
+              </a:rPr>
+              <a:t> </a:t>
+            </a:r>
+            <a:r>
+              <a:rPr lang="de-CH" sz="1800" kern="1200" dirty="0" err="1">
+                <a:solidFill>
+                  <a:srgbClr val="000000"/>
+                </a:solidFill>
+                <a:effectLst/>
+                <a:latin typeface="Aptos" panose="020B0004020202020204" pitchFamily="34" charset="0"/>
+                <a:ea typeface="+mn-ea"/>
+                <a:cs typeface="+mn-cs"/>
+              </a:rPr>
+              <a:t>of</a:t>
+            </a:r>
+            <a:r>
+              <a:rPr lang="de-CH" sz="1800" kern="1200" dirty="0">
+                <a:solidFill>
+                  <a:srgbClr val="000000"/>
+                </a:solidFill>
+                <a:effectLst/>
+                <a:latin typeface="Aptos" panose="020B0004020202020204" pitchFamily="34" charset="0"/>
+                <a:ea typeface="+mn-ea"/>
+                <a:cs typeface="+mn-cs"/>
+              </a:rPr>
+              <a:t> </a:t>
+            </a:r>
+            <a:r>
+              <a:rPr lang="de-CH" sz="1800" kern="1200" dirty="0" err="1">
+                <a:solidFill>
+                  <a:srgbClr val="000000"/>
+                </a:solidFill>
+                <a:effectLst/>
+                <a:latin typeface="Aptos" panose="020B0004020202020204" pitchFamily="34" charset="0"/>
+                <a:ea typeface="+mn-ea"/>
+                <a:cs typeface="+mn-cs"/>
+              </a:rPr>
+              <a:t>the</a:t>
+            </a:r>
+            <a:r>
+              <a:rPr lang="de-CH" sz="1800" kern="1200" dirty="0">
+                <a:solidFill>
+                  <a:srgbClr val="000000"/>
+                </a:solidFill>
+                <a:effectLst/>
+                <a:latin typeface="Aptos" panose="020B0004020202020204" pitchFamily="34" charset="0"/>
+                <a:ea typeface="+mn-ea"/>
+                <a:cs typeface="+mn-cs"/>
+              </a:rPr>
+              <a:t> API and </a:t>
+            </a:r>
+            <a:r>
+              <a:rPr lang="de-CH" sz="1800" kern="1200" dirty="0" err="1">
+                <a:solidFill>
+                  <a:srgbClr val="000000"/>
+                </a:solidFill>
+                <a:effectLst/>
+                <a:latin typeface="Aptos" panose="020B0004020202020204" pitchFamily="34" charset="0"/>
+                <a:ea typeface="+mn-ea"/>
+                <a:cs typeface="+mn-cs"/>
+              </a:rPr>
+              <a:t>if</a:t>
+            </a:r>
+            <a:r>
+              <a:rPr lang="de-CH" sz="1800" kern="1200" dirty="0">
+                <a:solidFill>
+                  <a:srgbClr val="000000"/>
+                </a:solidFill>
+                <a:effectLst/>
+                <a:latin typeface="Aptos" panose="020B0004020202020204" pitchFamily="34" charset="0"/>
+                <a:ea typeface="+mn-ea"/>
+                <a:cs typeface="+mn-cs"/>
+              </a:rPr>
+              <a:t> </a:t>
+            </a:r>
+            <a:r>
+              <a:rPr lang="de-CH" sz="1800" kern="1200" dirty="0" err="1">
+                <a:solidFill>
+                  <a:srgbClr val="000000"/>
+                </a:solidFill>
+                <a:effectLst/>
+                <a:latin typeface="Aptos" panose="020B0004020202020204" pitchFamily="34" charset="0"/>
+                <a:ea typeface="+mn-ea"/>
+                <a:cs typeface="+mn-cs"/>
+              </a:rPr>
+              <a:t>necessary</a:t>
+            </a:r>
+            <a:r>
+              <a:rPr lang="de-CH" sz="1800" kern="1200" dirty="0">
+                <a:solidFill>
+                  <a:srgbClr val="000000"/>
+                </a:solidFill>
+                <a:effectLst/>
+                <a:latin typeface="Aptos" panose="020B0004020202020204" pitchFamily="34" charset="0"/>
+                <a:ea typeface="+mn-ea"/>
+                <a:cs typeface="+mn-cs"/>
+              </a:rPr>
+              <a:t> </a:t>
+            </a:r>
+            <a:r>
+              <a:rPr lang="de-CH" sz="1800" kern="1200" dirty="0" err="1">
+                <a:solidFill>
+                  <a:srgbClr val="000000"/>
+                </a:solidFill>
+                <a:effectLst/>
+                <a:latin typeface="Aptos" panose="020B0004020202020204" pitchFamily="34" charset="0"/>
+                <a:ea typeface="+mn-ea"/>
+                <a:cs typeface="+mn-cs"/>
+              </a:rPr>
+              <a:t>returns</a:t>
+            </a:r>
+            <a:r>
+              <a:rPr lang="de-CH" sz="1800" kern="1200" dirty="0">
+                <a:solidFill>
+                  <a:srgbClr val="000000"/>
+                </a:solidFill>
+                <a:effectLst/>
+                <a:latin typeface="Aptos" panose="020B0004020202020204" pitchFamily="34" charset="0"/>
+                <a:ea typeface="+mn-ea"/>
+                <a:cs typeface="+mn-cs"/>
+              </a:rPr>
+              <a:t> alternatives </a:t>
+            </a:r>
+            <a:r>
+              <a:rPr lang="de-CH" sz="1800" kern="1200" dirty="0" err="1">
+                <a:solidFill>
+                  <a:srgbClr val="000000"/>
+                </a:solidFill>
+                <a:effectLst/>
+                <a:latin typeface="Aptos" panose="020B0004020202020204" pitchFamily="34" charset="0"/>
+                <a:ea typeface="+mn-ea"/>
+                <a:cs typeface="+mn-cs"/>
+              </a:rPr>
+              <a:t>to</a:t>
+            </a:r>
+            <a:r>
+              <a:rPr lang="de-CH" sz="1800" kern="1200" dirty="0">
+                <a:solidFill>
+                  <a:srgbClr val="000000"/>
+                </a:solidFill>
+                <a:effectLst/>
+                <a:latin typeface="Aptos" panose="020B0004020202020204" pitchFamily="34" charset="0"/>
+                <a:ea typeface="+mn-ea"/>
+                <a:cs typeface="+mn-cs"/>
+              </a:rPr>
+              <a:t> </a:t>
+            </a:r>
+            <a:r>
+              <a:rPr lang="de-CH" sz="1800" kern="1200" dirty="0" err="1">
+                <a:solidFill>
+                  <a:srgbClr val="000000"/>
+                </a:solidFill>
+                <a:effectLst/>
+                <a:latin typeface="Aptos" panose="020B0004020202020204" pitchFamily="34" charset="0"/>
+                <a:ea typeface="+mn-ea"/>
+                <a:cs typeface="+mn-cs"/>
+              </a:rPr>
+              <a:t>the</a:t>
+            </a:r>
+            <a:r>
+              <a:rPr lang="de-CH" sz="1800" kern="1200" dirty="0">
+                <a:solidFill>
+                  <a:srgbClr val="000000"/>
+                </a:solidFill>
+                <a:effectLst/>
+                <a:latin typeface="Aptos" panose="020B0004020202020204" pitchFamily="34" charset="0"/>
+                <a:ea typeface="+mn-ea"/>
+                <a:cs typeface="+mn-cs"/>
+              </a:rPr>
+              <a:t> </a:t>
+            </a:r>
+            <a:r>
+              <a:rPr lang="de-CH" sz="1800" kern="1200" dirty="0" err="1">
+                <a:solidFill>
+                  <a:srgbClr val="000000"/>
+                </a:solidFill>
+                <a:effectLst/>
+                <a:latin typeface="Aptos" panose="020B0004020202020204" pitchFamily="34" charset="0"/>
+                <a:ea typeface="+mn-ea"/>
+                <a:cs typeface="+mn-cs"/>
+              </a:rPr>
+              <a:t>requested</a:t>
+            </a:r>
+            <a:r>
+              <a:rPr lang="de-CH" sz="1800" kern="1200" dirty="0">
+                <a:solidFill>
+                  <a:srgbClr val="000000"/>
+                </a:solidFill>
+                <a:effectLst/>
+                <a:latin typeface="Aptos" panose="020B0004020202020204" pitchFamily="34" charset="0"/>
+                <a:ea typeface="+mn-ea"/>
+                <a:cs typeface="+mn-cs"/>
+              </a:rPr>
+              <a:t> </a:t>
+            </a:r>
+            <a:r>
+              <a:rPr lang="de-CH" sz="1800" kern="1200" dirty="0" err="1">
+                <a:solidFill>
+                  <a:srgbClr val="000000"/>
+                </a:solidFill>
+                <a:effectLst/>
+                <a:latin typeface="Aptos" panose="020B0004020202020204" pitchFamily="34" charset="0"/>
+                <a:ea typeface="+mn-ea"/>
+                <a:cs typeface="+mn-cs"/>
+              </a:rPr>
+              <a:t>narcotic</a:t>
+            </a:r>
+            <a:r>
+              <a:rPr lang="de-CH" sz="1800" kern="1200" dirty="0">
+                <a:solidFill>
+                  <a:srgbClr val="000000"/>
+                </a:solidFill>
+                <a:effectLst/>
+                <a:latin typeface="Aptos" panose="020B0004020202020204" pitchFamily="34" charset="0"/>
+                <a:ea typeface="+mn-ea"/>
+                <a:cs typeface="+mn-cs"/>
+              </a:rPr>
+              <a:t>.</a:t>
+            </a:r>
+            <a:endParaRPr lang="de-CH" dirty="0">
+              <a:effectLst/>
+            </a:endParaRPr>
+          </a:p>
+          <a:p>
+            <a:pPr marL="0" marR="0" indent="0" algn="l" rtl="0" eaLnBrk="1" fontAlgn="auto" latinLnBrk="0" hangingPunct="1"/>
+            <a:r>
+              <a:rPr lang="de-CH" sz="1800" kern="1200" dirty="0">
+                <a:solidFill>
+                  <a:srgbClr val="000000"/>
+                </a:solidFill>
+                <a:effectLst/>
+                <a:latin typeface="Aptos" panose="020B0004020202020204" pitchFamily="34" charset="0"/>
+                <a:ea typeface="+mn-ea"/>
+                <a:cs typeface="+mn-cs"/>
+              </a:rPr>
+              <a:t>After </a:t>
+            </a:r>
+            <a:r>
+              <a:rPr lang="de-CH" sz="1800" kern="1200" dirty="0" err="1">
+                <a:solidFill>
+                  <a:srgbClr val="000000"/>
+                </a:solidFill>
+                <a:effectLst/>
+                <a:latin typeface="Aptos" panose="020B0004020202020204" pitchFamily="34" charset="0"/>
+                <a:ea typeface="+mn-ea"/>
+                <a:cs typeface="+mn-cs"/>
+              </a:rPr>
+              <a:t>the</a:t>
+            </a:r>
+            <a:r>
+              <a:rPr lang="de-CH" sz="1800" kern="1200" dirty="0">
+                <a:solidFill>
+                  <a:srgbClr val="000000"/>
+                </a:solidFill>
+                <a:effectLst/>
+                <a:latin typeface="Aptos" panose="020B0004020202020204" pitchFamily="34" charset="0"/>
+                <a:ea typeface="+mn-ea"/>
+                <a:cs typeface="+mn-cs"/>
+              </a:rPr>
+              <a:t> </a:t>
+            </a:r>
+            <a:r>
+              <a:rPr lang="de-CH" sz="1800" kern="1200" dirty="0" err="1">
+                <a:solidFill>
+                  <a:srgbClr val="000000"/>
+                </a:solidFill>
+                <a:effectLst/>
+                <a:latin typeface="Aptos" panose="020B0004020202020204" pitchFamily="34" charset="0"/>
+                <a:ea typeface="+mn-ea"/>
+                <a:cs typeface="+mn-cs"/>
+              </a:rPr>
+              <a:t>process</a:t>
+            </a:r>
+            <a:r>
+              <a:rPr lang="de-CH" sz="1800" kern="1200" dirty="0">
+                <a:solidFill>
+                  <a:srgbClr val="000000"/>
+                </a:solidFill>
+                <a:effectLst/>
+                <a:latin typeface="Aptos" panose="020B0004020202020204" pitchFamily="34" charset="0"/>
+                <a:ea typeface="+mn-ea"/>
+                <a:cs typeface="+mn-cs"/>
+              </a:rPr>
+              <a:t> </a:t>
+            </a:r>
+            <a:r>
+              <a:rPr lang="de-CH" sz="1800" kern="1200" dirty="0" err="1">
+                <a:solidFill>
+                  <a:srgbClr val="000000"/>
+                </a:solidFill>
+                <a:effectLst/>
+                <a:latin typeface="Aptos" panose="020B0004020202020204" pitchFamily="34" charset="0"/>
+                <a:ea typeface="+mn-ea"/>
+                <a:cs typeface="+mn-cs"/>
+              </a:rPr>
+              <a:t>receives</a:t>
+            </a:r>
+            <a:r>
+              <a:rPr lang="de-CH" sz="1800" kern="1200" dirty="0">
+                <a:solidFill>
+                  <a:srgbClr val="000000"/>
+                </a:solidFill>
+                <a:effectLst/>
+                <a:latin typeface="Aptos" panose="020B0004020202020204" pitchFamily="34" charset="0"/>
+                <a:ea typeface="+mn-ea"/>
+                <a:cs typeface="+mn-cs"/>
+              </a:rPr>
+              <a:t> </a:t>
+            </a:r>
+            <a:r>
+              <a:rPr lang="de-CH" sz="1800" kern="1200" dirty="0" err="1">
+                <a:solidFill>
+                  <a:srgbClr val="000000"/>
+                </a:solidFill>
+                <a:effectLst/>
+                <a:latin typeface="Aptos" panose="020B0004020202020204" pitchFamily="34" charset="0"/>
+                <a:ea typeface="+mn-ea"/>
+                <a:cs typeface="+mn-cs"/>
+              </a:rPr>
+              <a:t>the</a:t>
+            </a:r>
+            <a:r>
+              <a:rPr lang="de-CH" sz="1800" kern="1200" dirty="0">
+                <a:solidFill>
+                  <a:srgbClr val="000000"/>
+                </a:solidFill>
+                <a:effectLst/>
+                <a:latin typeface="Aptos" panose="020B0004020202020204" pitchFamily="34" charset="0"/>
+                <a:ea typeface="+mn-ea"/>
+                <a:cs typeface="+mn-cs"/>
+              </a:rPr>
+              <a:t> </a:t>
+            </a:r>
+            <a:r>
+              <a:rPr lang="de-CH" sz="1800" kern="1200" dirty="0" err="1">
+                <a:solidFill>
+                  <a:srgbClr val="000000"/>
+                </a:solidFill>
+                <a:effectLst/>
+                <a:latin typeface="Aptos" panose="020B0004020202020204" pitchFamily="34" charset="0"/>
+                <a:ea typeface="+mn-ea"/>
+                <a:cs typeface="+mn-cs"/>
+              </a:rPr>
+              <a:t>reordering</a:t>
+            </a:r>
+            <a:r>
+              <a:rPr lang="de-CH" sz="1800" kern="1200" dirty="0">
+                <a:solidFill>
+                  <a:srgbClr val="000000"/>
+                </a:solidFill>
+                <a:effectLst/>
+                <a:latin typeface="Aptos" panose="020B0004020202020204" pitchFamily="34" charset="0"/>
+                <a:ea typeface="+mn-ea"/>
+                <a:cs typeface="+mn-cs"/>
+              </a:rPr>
+              <a:t> </a:t>
+            </a:r>
+            <a:r>
+              <a:rPr lang="de-CH" sz="1800" kern="1200" dirty="0" err="1">
+                <a:solidFill>
+                  <a:srgbClr val="000000"/>
+                </a:solidFill>
+                <a:effectLst/>
+                <a:latin typeface="Aptos" panose="020B0004020202020204" pitchFamily="34" charset="0"/>
+                <a:ea typeface="+mn-ea"/>
+                <a:cs typeface="+mn-cs"/>
+              </a:rPr>
+              <a:t>instructions</a:t>
+            </a:r>
+            <a:r>
+              <a:rPr lang="de-CH" sz="1800" kern="1200" dirty="0">
+                <a:solidFill>
+                  <a:srgbClr val="000000"/>
+                </a:solidFill>
+                <a:effectLst/>
+                <a:latin typeface="Aptos" panose="020B0004020202020204" pitchFamily="34" charset="0"/>
+                <a:ea typeface="+mn-ea"/>
+                <a:cs typeface="+mn-cs"/>
+              </a:rPr>
+              <a:t> </a:t>
+            </a:r>
+            <a:r>
+              <a:rPr lang="de-CH" sz="1800" kern="1200" dirty="0" err="1">
+                <a:solidFill>
+                  <a:srgbClr val="000000"/>
+                </a:solidFill>
+                <a:effectLst/>
+                <a:latin typeface="Aptos" panose="020B0004020202020204" pitchFamily="34" charset="0"/>
+                <a:ea typeface="+mn-ea"/>
+                <a:cs typeface="+mn-cs"/>
+              </a:rPr>
+              <a:t>they</a:t>
+            </a:r>
+            <a:r>
+              <a:rPr lang="de-CH" sz="1800" kern="1200" dirty="0">
+                <a:solidFill>
+                  <a:srgbClr val="000000"/>
+                </a:solidFill>
+                <a:effectLst/>
+                <a:latin typeface="Aptos" panose="020B0004020202020204" pitchFamily="34" charset="0"/>
+                <a:ea typeface="+mn-ea"/>
+                <a:cs typeface="+mn-cs"/>
+              </a:rPr>
+              <a:t> </a:t>
+            </a:r>
+            <a:r>
+              <a:rPr lang="de-CH" sz="1800" kern="1200" dirty="0" err="1">
+                <a:solidFill>
+                  <a:srgbClr val="000000"/>
+                </a:solidFill>
+                <a:effectLst/>
+                <a:latin typeface="Aptos" panose="020B0004020202020204" pitchFamily="34" charset="0"/>
+                <a:ea typeface="+mn-ea"/>
+                <a:cs typeface="+mn-cs"/>
+              </a:rPr>
+              <a:t>are</a:t>
+            </a:r>
+            <a:r>
+              <a:rPr lang="de-CH" sz="1800" kern="1200" dirty="0">
+                <a:solidFill>
+                  <a:srgbClr val="000000"/>
+                </a:solidFill>
+                <a:effectLst/>
+                <a:latin typeface="Aptos" panose="020B0004020202020204" pitchFamily="34" charset="0"/>
+                <a:ea typeface="+mn-ea"/>
+                <a:cs typeface="+mn-cs"/>
+              </a:rPr>
+              <a:t> </a:t>
+            </a:r>
+            <a:r>
+              <a:rPr lang="de-CH" sz="1800" kern="1200" dirty="0" err="1">
+                <a:solidFill>
+                  <a:srgbClr val="000000"/>
+                </a:solidFill>
+                <a:effectLst/>
+                <a:latin typeface="Aptos" panose="020B0004020202020204" pitchFamily="34" charset="0"/>
+                <a:ea typeface="+mn-ea"/>
+                <a:cs typeface="+mn-cs"/>
+              </a:rPr>
+              <a:t>presented</a:t>
+            </a:r>
+            <a:r>
+              <a:rPr lang="de-CH" sz="1800" kern="1200" dirty="0">
+                <a:solidFill>
+                  <a:srgbClr val="000000"/>
+                </a:solidFill>
+                <a:effectLst/>
+                <a:latin typeface="Aptos" panose="020B0004020202020204" pitchFamily="34" charset="0"/>
+                <a:ea typeface="+mn-ea"/>
+                <a:cs typeface="+mn-cs"/>
+              </a:rPr>
+              <a:t> </a:t>
+            </a:r>
+            <a:r>
+              <a:rPr lang="de-CH" sz="1800" kern="1200" dirty="0" err="1">
+                <a:solidFill>
+                  <a:srgbClr val="000000"/>
+                </a:solidFill>
+                <a:effectLst/>
+                <a:latin typeface="Aptos" panose="020B0004020202020204" pitchFamily="34" charset="0"/>
+                <a:ea typeface="+mn-ea"/>
+                <a:cs typeface="+mn-cs"/>
+              </a:rPr>
+              <a:t>to</a:t>
+            </a:r>
+            <a:r>
+              <a:rPr lang="de-CH" sz="1800" kern="1200" dirty="0">
+                <a:solidFill>
+                  <a:srgbClr val="000000"/>
+                </a:solidFill>
+                <a:effectLst/>
+                <a:latin typeface="Aptos" panose="020B0004020202020204" pitchFamily="34" charset="0"/>
+                <a:ea typeface="+mn-ea"/>
+                <a:cs typeface="+mn-cs"/>
+              </a:rPr>
+              <a:t> a </a:t>
+            </a:r>
+            <a:r>
+              <a:rPr lang="de-CH" sz="1800" kern="1200" dirty="0" err="1">
+                <a:solidFill>
+                  <a:srgbClr val="000000"/>
+                </a:solidFill>
+                <a:effectLst/>
+                <a:latin typeface="Aptos" panose="020B0004020202020204" pitchFamily="34" charset="0"/>
+                <a:ea typeface="+mn-ea"/>
+                <a:cs typeface="+mn-cs"/>
+              </a:rPr>
+              <a:t>member</a:t>
+            </a:r>
+            <a:r>
+              <a:rPr lang="de-CH" sz="1800" kern="1200" dirty="0">
+                <a:solidFill>
+                  <a:srgbClr val="000000"/>
+                </a:solidFill>
+                <a:effectLst/>
+                <a:latin typeface="Aptos" panose="020B0004020202020204" pitchFamily="34" charset="0"/>
+                <a:ea typeface="+mn-ea"/>
+                <a:cs typeface="+mn-cs"/>
+              </a:rPr>
+              <a:t> </a:t>
+            </a:r>
+            <a:r>
+              <a:rPr lang="de-CH" sz="1800" kern="1200" dirty="0" err="1">
+                <a:solidFill>
+                  <a:srgbClr val="000000"/>
+                </a:solidFill>
+                <a:effectLst/>
+                <a:latin typeface="Aptos" panose="020B0004020202020204" pitchFamily="34" charset="0"/>
+                <a:ea typeface="+mn-ea"/>
+                <a:cs typeface="+mn-cs"/>
+              </a:rPr>
+              <a:t>of</a:t>
+            </a:r>
+            <a:r>
+              <a:rPr lang="de-CH" sz="1800" kern="1200" dirty="0">
+                <a:solidFill>
+                  <a:srgbClr val="000000"/>
+                </a:solidFill>
+                <a:effectLst/>
+                <a:latin typeface="Aptos" panose="020B0004020202020204" pitchFamily="34" charset="0"/>
+                <a:ea typeface="+mn-ea"/>
+                <a:cs typeface="+mn-cs"/>
+              </a:rPr>
+              <a:t> </a:t>
+            </a:r>
+            <a:r>
+              <a:rPr lang="de-CH" sz="1800" kern="1200" dirty="0" err="1">
+                <a:solidFill>
+                  <a:srgbClr val="000000"/>
+                </a:solidFill>
+                <a:effectLst/>
+                <a:latin typeface="Aptos" panose="020B0004020202020204" pitchFamily="34" charset="0"/>
+                <a:ea typeface="+mn-ea"/>
+                <a:cs typeface="+mn-cs"/>
+              </a:rPr>
+              <a:t>the</a:t>
+            </a:r>
+            <a:r>
+              <a:rPr lang="de-CH" sz="1800" kern="1200" dirty="0">
+                <a:solidFill>
+                  <a:srgbClr val="000000"/>
+                </a:solidFill>
+                <a:effectLst/>
+                <a:latin typeface="Aptos" panose="020B0004020202020204" pitchFamily="34" charset="0"/>
+                <a:ea typeface="+mn-ea"/>
+                <a:cs typeface="+mn-cs"/>
+              </a:rPr>
+              <a:t> </a:t>
+            </a:r>
+            <a:r>
+              <a:rPr lang="de-CH" sz="1800" kern="1200" dirty="0" err="1">
+                <a:solidFill>
+                  <a:srgbClr val="000000"/>
+                </a:solidFill>
+                <a:effectLst/>
+                <a:latin typeface="Aptos" panose="020B0004020202020204" pitchFamily="34" charset="0"/>
+                <a:ea typeface="+mn-ea"/>
+                <a:cs typeface="+mn-cs"/>
+              </a:rPr>
+              <a:t>purchasing</a:t>
+            </a:r>
+            <a:r>
+              <a:rPr lang="de-CH" sz="1800" kern="1200" dirty="0">
+                <a:solidFill>
+                  <a:srgbClr val="000000"/>
+                </a:solidFill>
+                <a:effectLst/>
+                <a:latin typeface="Aptos" panose="020B0004020202020204" pitchFamily="34" charset="0"/>
+                <a:ea typeface="+mn-ea"/>
+                <a:cs typeface="+mn-cs"/>
+              </a:rPr>
+              <a:t> </a:t>
+            </a:r>
+            <a:r>
+              <a:rPr lang="de-CH" sz="1800" kern="1200" dirty="0" err="1">
+                <a:solidFill>
+                  <a:srgbClr val="000000"/>
+                </a:solidFill>
+                <a:effectLst/>
+                <a:latin typeface="Aptos" panose="020B0004020202020204" pitchFamily="34" charset="0"/>
+                <a:ea typeface="+mn-ea"/>
+                <a:cs typeface="+mn-cs"/>
+              </a:rPr>
+              <a:t>team</a:t>
+            </a:r>
+            <a:r>
+              <a:rPr lang="de-CH" sz="1800" kern="1200" dirty="0">
+                <a:solidFill>
+                  <a:srgbClr val="000000"/>
+                </a:solidFill>
+                <a:effectLst/>
+                <a:latin typeface="Aptos" panose="020B0004020202020204" pitchFamily="34" charset="0"/>
+                <a:ea typeface="+mn-ea"/>
+                <a:cs typeface="+mn-cs"/>
+              </a:rPr>
+              <a:t>. The </a:t>
+            </a:r>
+            <a:r>
+              <a:rPr lang="de-CH" sz="1800" kern="1200" dirty="0" err="1">
+                <a:solidFill>
+                  <a:srgbClr val="000000"/>
+                </a:solidFill>
+                <a:effectLst/>
+                <a:latin typeface="Aptos" panose="020B0004020202020204" pitchFamily="34" charset="0"/>
+                <a:ea typeface="+mn-ea"/>
+                <a:cs typeface="+mn-cs"/>
+              </a:rPr>
+              <a:t>purchasing</a:t>
+            </a:r>
+            <a:r>
+              <a:rPr lang="de-CH" sz="1800" kern="1200" dirty="0">
+                <a:solidFill>
+                  <a:srgbClr val="000000"/>
+                </a:solidFill>
+                <a:effectLst/>
+                <a:latin typeface="Aptos" panose="020B0004020202020204" pitchFamily="34" charset="0"/>
+                <a:ea typeface="+mn-ea"/>
+                <a:cs typeface="+mn-cs"/>
+              </a:rPr>
+              <a:t> </a:t>
+            </a:r>
+            <a:r>
+              <a:rPr lang="de-CH" sz="1800" kern="1200" dirty="0" err="1">
+                <a:solidFill>
+                  <a:srgbClr val="000000"/>
+                </a:solidFill>
+                <a:effectLst/>
+                <a:latin typeface="Aptos" panose="020B0004020202020204" pitchFamily="34" charset="0"/>
+                <a:ea typeface="+mn-ea"/>
+                <a:cs typeface="+mn-cs"/>
+              </a:rPr>
+              <a:t>has</a:t>
+            </a:r>
+            <a:r>
+              <a:rPr lang="de-CH" sz="1800" kern="1200" dirty="0">
+                <a:solidFill>
+                  <a:srgbClr val="000000"/>
+                </a:solidFill>
+                <a:effectLst/>
+                <a:latin typeface="Aptos" panose="020B0004020202020204" pitchFamily="34" charset="0"/>
+                <a:ea typeface="+mn-ea"/>
+                <a:cs typeface="+mn-cs"/>
+              </a:rPr>
+              <a:t> </a:t>
+            </a:r>
+            <a:r>
+              <a:rPr lang="de-CH" sz="1800" kern="1200" dirty="0" err="1">
+                <a:solidFill>
+                  <a:srgbClr val="000000"/>
+                </a:solidFill>
+                <a:effectLst/>
+                <a:latin typeface="Aptos" panose="020B0004020202020204" pitchFamily="34" charset="0"/>
+                <a:ea typeface="+mn-ea"/>
+                <a:cs typeface="+mn-cs"/>
+              </a:rPr>
+              <a:t>to</a:t>
+            </a:r>
+            <a:r>
+              <a:rPr lang="de-CH" sz="1800" kern="1200" dirty="0">
+                <a:solidFill>
+                  <a:srgbClr val="000000"/>
+                </a:solidFill>
+                <a:effectLst/>
+                <a:latin typeface="Aptos" panose="020B0004020202020204" pitchFamily="34" charset="0"/>
+                <a:ea typeface="+mn-ea"/>
+                <a:cs typeface="+mn-cs"/>
+              </a:rPr>
+              <a:t> </a:t>
+            </a:r>
+            <a:r>
+              <a:rPr lang="de-CH" sz="1800" kern="1200" dirty="0" err="1">
+                <a:solidFill>
+                  <a:srgbClr val="000000"/>
+                </a:solidFill>
+                <a:effectLst/>
+                <a:latin typeface="Aptos" panose="020B0004020202020204" pitchFamily="34" charset="0"/>
+                <a:ea typeface="+mn-ea"/>
+                <a:cs typeface="+mn-cs"/>
+              </a:rPr>
+              <a:t>then</a:t>
+            </a:r>
+            <a:r>
+              <a:rPr lang="de-CH" sz="1800" kern="1200" dirty="0">
+                <a:solidFill>
+                  <a:srgbClr val="000000"/>
+                </a:solidFill>
+                <a:effectLst/>
+                <a:latin typeface="Aptos" panose="020B0004020202020204" pitchFamily="34" charset="0"/>
+                <a:ea typeface="+mn-ea"/>
+                <a:cs typeface="+mn-cs"/>
+              </a:rPr>
+              <a:t> </a:t>
+            </a:r>
+            <a:r>
+              <a:rPr lang="de-CH" sz="1800" kern="1200" dirty="0" err="1">
+                <a:solidFill>
+                  <a:srgbClr val="000000"/>
+                </a:solidFill>
+                <a:effectLst/>
+                <a:latin typeface="Aptos" panose="020B0004020202020204" pitchFamily="34" charset="0"/>
+                <a:ea typeface="+mn-ea"/>
+                <a:cs typeface="+mn-cs"/>
+              </a:rPr>
+              <a:t>confirm</a:t>
+            </a:r>
+            <a:r>
+              <a:rPr lang="de-CH" sz="1800" kern="1200" dirty="0">
+                <a:solidFill>
+                  <a:srgbClr val="000000"/>
+                </a:solidFill>
+                <a:effectLst/>
+                <a:latin typeface="Aptos" panose="020B0004020202020204" pitchFamily="34" charset="0"/>
+                <a:ea typeface="+mn-ea"/>
+                <a:cs typeface="+mn-cs"/>
+              </a:rPr>
+              <a:t> </a:t>
+            </a:r>
+            <a:r>
+              <a:rPr lang="de-CH" sz="1800" kern="1200" dirty="0" err="1">
+                <a:solidFill>
+                  <a:srgbClr val="000000"/>
+                </a:solidFill>
+                <a:effectLst/>
+                <a:latin typeface="Aptos" panose="020B0004020202020204" pitchFamily="34" charset="0"/>
+                <a:ea typeface="+mn-ea"/>
+                <a:cs typeface="+mn-cs"/>
+              </a:rPr>
+              <a:t>that</a:t>
+            </a:r>
+            <a:r>
+              <a:rPr lang="de-CH" sz="1800" kern="1200" dirty="0">
+                <a:solidFill>
+                  <a:srgbClr val="000000"/>
+                </a:solidFill>
+                <a:effectLst/>
+                <a:latin typeface="Aptos" panose="020B0004020202020204" pitchFamily="34" charset="0"/>
+                <a:ea typeface="+mn-ea"/>
+                <a:cs typeface="+mn-cs"/>
+              </a:rPr>
+              <a:t> </a:t>
+            </a:r>
+            <a:r>
+              <a:rPr lang="de-CH" sz="1800" kern="1200" dirty="0" err="1">
+                <a:solidFill>
+                  <a:srgbClr val="000000"/>
+                </a:solidFill>
+                <a:effectLst/>
+                <a:latin typeface="Aptos" panose="020B0004020202020204" pitchFamily="34" charset="0"/>
+                <a:ea typeface="+mn-ea"/>
+                <a:cs typeface="+mn-cs"/>
+              </a:rPr>
+              <a:t>the</a:t>
+            </a:r>
+            <a:r>
+              <a:rPr lang="de-CH" sz="1800" kern="1200" dirty="0">
+                <a:solidFill>
+                  <a:srgbClr val="000000"/>
+                </a:solidFill>
+                <a:effectLst/>
+                <a:latin typeface="Aptos" panose="020B0004020202020204" pitchFamily="34" charset="0"/>
+                <a:ea typeface="+mn-ea"/>
+                <a:cs typeface="+mn-cs"/>
+              </a:rPr>
+              <a:t> </a:t>
+            </a:r>
+            <a:r>
+              <a:rPr lang="de-CH" sz="1800" kern="1200" dirty="0" err="1">
+                <a:solidFill>
+                  <a:srgbClr val="000000"/>
+                </a:solidFill>
+                <a:effectLst/>
+                <a:latin typeface="Aptos" panose="020B0004020202020204" pitchFamily="34" charset="0"/>
+                <a:ea typeface="+mn-ea"/>
+                <a:cs typeface="+mn-cs"/>
+              </a:rPr>
+              <a:t>medication</a:t>
+            </a:r>
+            <a:r>
+              <a:rPr lang="de-CH" sz="1800" kern="1200" dirty="0">
+                <a:solidFill>
+                  <a:srgbClr val="000000"/>
+                </a:solidFill>
+                <a:effectLst/>
+                <a:latin typeface="Aptos" panose="020B0004020202020204" pitchFamily="34" charset="0"/>
+                <a:ea typeface="+mn-ea"/>
+                <a:cs typeface="+mn-cs"/>
+              </a:rPr>
+              <a:t> </a:t>
+            </a:r>
+            <a:r>
+              <a:rPr lang="de-CH" sz="1800" kern="1200" dirty="0" err="1">
+                <a:solidFill>
+                  <a:srgbClr val="000000"/>
+                </a:solidFill>
+                <a:effectLst/>
+                <a:latin typeface="Aptos" panose="020B0004020202020204" pitchFamily="34" charset="0"/>
+                <a:ea typeface="+mn-ea"/>
+                <a:cs typeface="+mn-cs"/>
+              </a:rPr>
+              <a:t>arrived</a:t>
+            </a:r>
+            <a:r>
+              <a:rPr lang="de-CH" sz="1800" kern="1200" dirty="0">
+                <a:solidFill>
+                  <a:srgbClr val="000000"/>
+                </a:solidFill>
+                <a:effectLst/>
+                <a:latin typeface="Aptos" panose="020B0004020202020204" pitchFamily="34" charset="0"/>
+                <a:ea typeface="+mn-ea"/>
+                <a:cs typeface="+mn-cs"/>
+              </a:rPr>
+              <a:t>. The </a:t>
+            </a:r>
+            <a:r>
+              <a:rPr lang="de-CH" sz="1800" kern="1200" dirty="0" err="1">
+                <a:solidFill>
+                  <a:srgbClr val="000000"/>
+                </a:solidFill>
+                <a:effectLst/>
+                <a:latin typeface="Aptos" panose="020B0004020202020204" pitchFamily="34" charset="0"/>
+                <a:ea typeface="+mn-ea"/>
+                <a:cs typeface="+mn-cs"/>
+              </a:rPr>
+              <a:t>quantities</a:t>
+            </a:r>
+            <a:r>
+              <a:rPr lang="de-CH" sz="1800" kern="1200" dirty="0">
+                <a:solidFill>
+                  <a:srgbClr val="000000"/>
+                </a:solidFill>
+                <a:effectLst/>
+                <a:latin typeface="Aptos" panose="020B0004020202020204" pitchFamily="34" charset="0"/>
+                <a:ea typeface="+mn-ea"/>
+                <a:cs typeface="+mn-cs"/>
+              </a:rPr>
+              <a:t> in </a:t>
+            </a:r>
+            <a:r>
+              <a:rPr lang="de-CH" sz="1800" kern="1200" dirty="0" err="1">
+                <a:solidFill>
+                  <a:srgbClr val="000000"/>
+                </a:solidFill>
+                <a:effectLst/>
+                <a:latin typeface="Aptos" panose="020B0004020202020204" pitchFamily="34" charset="0"/>
+                <a:ea typeface="+mn-ea"/>
+                <a:cs typeface="+mn-cs"/>
+              </a:rPr>
+              <a:t>the</a:t>
+            </a:r>
+            <a:r>
+              <a:rPr lang="de-CH" sz="1800" kern="1200" dirty="0">
+                <a:solidFill>
+                  <a:srgbClr val="000000"/>
+                </a:solidFill>
+                <a:effectLst/>
+                <a:latin typeface="Aptos" panose="020B0004020202020204" pitchFamily="34" charset="0"/>
+                <a:ea typeface="+mn-ea"/>
+                <a:cs typeface="+mn-cs"/>
+              </a:rPr>
+              <a:t> </a:t>
+            </a:r>
+            <a:r>
+              <a:rPr lang="de-CH" sz="1800" kern="1200" dirty="0" err="1">
+                <a:solidFill>
+                  <a:srgbClr val="000000"/>
+                </a:solidFill>
+                <a:effectLst/>
+                <a:latin typeface="Aptos" panose="020B0004020202020204" pitchFamily="34" charset="0"/>
+                <a:ea typeface="+mn-ea"/>
+                <a:cs typeface="+mn-cs"/>
+              </a:rPr>
+              <a:t>big</a:t>
+            </a:r>
+            <a:r>
+              <a:rPr lang="de-CH" sz="1800" kern="1200" dirty="0">
+                <a:solidFill>
+                  <a:srgbClr val="000000"/>
+                </a:solidFill>
+                <a:effectLst/>
+                <a:latin typeface="Aptos" panose="020B0004020202020204" pitchFamily="34" charset="0"/>
+                <a:ea typeface="+mn-ea"/>
+                <a:cs typeface="+mn-cs"/>
+              </a:rPr>
+              <a:t> safe </a:t>
+            </a:r>
+            <a:r>
+              <a:rPr lang="de-CH" sz="1800" kern="1200" dirty="0" err="1">
+                <a:solidFill>
+                  <a:srgbClr val="000000"/>
+                </a:solidFill>
+                <a:effectLst/>
+                <a:latin typeface="Aptos" panose="020B0004020202020204" pitchFamily="34" charset="0"/>
+                <a:ea typeface="+mn-ea"/>
+                <a:cs typeface="+mn-cs"/>
+              </a:rPr>
+              <a:t>are</a:t>
+            </a:r>
+            <a:r>
+              <a:rPr lang="de-CH" sz="1800" kern="1200" dirty="0">
+                <a:solidFill>
+                  <a:srgbClr val="000000"/>
+                </a:solidFill>
+                <a:effectLst/>
+                <a:latin typeface="Aptos" panose="020B0004020202020204" pitchFamily="34" charset="0"/>
+                <a:ea typeface="+mn-ea"/>
+                <a:cs typeface="+mn-cs"/>
+              </a:rPr>
+              <a:t> </a:t>
+            </a:r>
+            <a:r>
+              <a:rPr lang="de-CH" sz="1800" kern="1200" dirty="0" err="1">
+                <a:solidFill>
+                  <a:srgbClr val="000000"/>
+                </a:solidFill>
+                <a:effectLst/>
+                <a:latin typeface="Aptos" panose="020B0004020202020204" pitchFamily="34" charset="0"/>
+                <a:ea typeface="+mn-ea"/>
+                <a:cs typeface="+mn-cs"/>
+              </a:rPr>
+              <a:t>updated</a:t>
+            </a:r>
+            <a:r>
+              <a:rPr lang="de-CH" sz="1800" kern="1200" dirty="0">
+                <a:solidFill>
+                  <a:srgbClr val="000000"/>
+                </a:solidFill>
+                <a:effectLst/>
+                <a:latin typeface="Aptos" panose="020B0004020202020204" pitchFamily="34" charset="0"/>
+                <a:ea typeface="+mn-ea"/>
+                <a:cs typeface="+mn-cs"/>
+              </a:rPr>
+              <a:t> </a:t>
+            </a:r>
+            <a:r>
+              <a:rPr lang="de-CH" sz="1800" kern="1200" dirty="0" err="1">
+                <a:solidFill>
+                  <a:srgbClr val="000000"/>
+                </a:solidFill>
+                <a:effectLst/>
+                <a:latin typeface="Aptos" panose="020B0004020202020204" pitchFamily="34" charset="0"/>
+                <a:ea typeface="+mn-ea"/>
+                <a:cs typeface="+mn-cs"/>
+              </a:rPr>
+              <a:t>automatically</a:t>
+            </a:r>
+            <a:r>
+              <a:rPr lang="de-CH" sz="1800" kern="1200" dirty="0">
+                <a:solidFill>
+                  <a:srgbClr val="000000"/>
+                </a:solidFill>
+                <a:effectLst/>
+                <a:latin typeface="Aptos" panose="020B0004020202020204" pitchFamily="34" charset="0"/>
+                <a:ea typeface="+mn-ea"/>
+                <a:cs typeface="+mn-cs"/>
+              </a:rPr>
+              <a:t> </a:t>
+            </a:r>
+            <a:r>
+              <a:rPr lang="de-CH" sz="1800" kern="1200" dirty="0" err="1">
+                <a:solidFill>
+                  <a:srgbClr val="000000"/>
+                </a:solidFill>
+                <a:effectLst/>
+                <a:latin typeface="Aptos" panose="020B0004020202020204" pitchFamily="34" charset="0"/>
+                <a:ea typeface="+mn-ea"/>
+                <a:cs typeface="+mn-cs"/>
+              </a:rPr>
+              <a:t>by</a:t>
+            </a:r>
+            <a:r>
+              <a:rPr lang="de-CH" sz="1800" kern="1200" dirty="0">
+                <a:solidFill>
+                  <a:srgbClr val="000000"/>
+                </a:solidFill>
+                <a:effectLst/>
+                <a:latin typeface="Aptos" panose="020B0004020202020204" pitchFamily="34" charset="0"/>
+                <a:ea typeface="+mn-ea"/>
+                <a:cs typeface="+mn-cs"/>
+              </a:rPr>
+              <a:t> a </a:t>
+            </a:r>
+            <a:r>
+              <a:rPr lang="de-CH" sz="1800" kern="1200" dirty="0" err="1">
+                <a:solidFill>
+                  <a:srgbClr val="000000"/>
+                </a:solidFill>
+                <a:effectLst/>
+                <a:latin typeface="Aptos" panose="020B0004020202020204" pitchFamily="34" charset="0"/>
+                <a:ea typeface="+mn-ea"/>
+                <a:cs typeface="+mn-cs"/>
+              </a:rPr>
+              <a:t>service</a:t>
+            </a:r>
+            <a:r>
+              <a:rPr lang="de-CH" sz="1800" kern="1200" dirty="0">
+                <a:solidFill>
+                  <a:srgbClr val="000000"/>
+                </a:solidFill>
+                <a:effectLst/>
+                <a:latin typeface="Aptos" panose="020B0004020202020204" pitchFamily="34" charset="0"/>
+                <a:ea typeface="+mn-ea"/>
+                <a:cs typeface="+mn-cs"/>
+              </a:rPr>
+              <a:t> </a:t>
+            </a:r>
+            <a:r>
+              <a:rPr lang="de-CH" sz="1800" kern="1200" dirty="0" err="1">
+                <a:solidFill>
+                  <a:srgbClr val="000000"/>
+                </a:solidFill>
+                <a:effectLst/>
+                <a:latin typeface="Aptos" panose="020B0004020202020204" pitchFamily="34" charset="0"/>
+                <a:ea typeface="+mn-ea"/>
+                <a:cs typeface="+mn-cs"/>
+              </a:rPr>
+              <a:t>task</a:t>
+            </a:r>
+            <a:r>
+              <a:rPr lang="de-CH" sz="1800" kern="1200" dirty="0">
+                <a:solidFill>
+                  <a:srgbClr val="000000"/>
+                </a:solidFill>
+                <a:effectLst/>
+                <a:latin typeface="Aptos" panose="020B0004020202020204" pitchFamily="34" charset="0"/>
+                <a:ea typeface="+mn-ea"/>
+                <a:cs typeface="+mn-cs"/>
+              </a:rPr>
+              <a:t>. </a:t>
+            </a:r>
+            <a:endParaRPr lang="de-CH" dirty="0">
+              <a:effectLst/>
+            </a:endParaRPr>
+          </a:p>
+          <a:p>
+            <a:pPr marL="0" marR="0" indent="0" algn="l" rtl="0" eaLnBrk="1" fontAlgn="auto" latinLnBrk="0" hangingPunct="1"/>
+            <a:r>
+              <a:rPr lang="de-CH" sz="1800" kern="1200" dirty="0">
+                <a:solidFill>
+                  <a:srgbClr val="000000"/>
+                </a:solidFill>
+                <a:effectLst/>
+                <a:latin typeface="Aptos" panose="020B0004020202020204" pitchFamily="34" charset="0"/>
+                <a:ea typeface="+mn-ea"/>
+                <a:cs typeface="+mn-cs"/>
+              </a:rPr>
+              <a:t>After </a:t>
+            </a:r>
+            <a:r>
+              <a:rPr lang="de-CH" sz="1800" kern="1200" dirty="0" err="1">
+                <a:solidFill>
+                  <a:srgbClr val="000000"/>
+                </a:solidFill>
+                <a:effectLst/>
+                <a:latin typeface="Aptos" panose="020B0004020202020204" pitchFamily="34" charset="0"/>
+                <a:ea typeface="+mn-ea"/>
+                <a:cs typeface="+mn-cs"/>
+              </a:rPr>
+              <a:t>this</a:t>
+            </a:r>
+            <a:r>
+              <a:rPr lang="de-CH" sz="1800" kern="1200" dirty="0">
+                <a:solidFill>
+                  <a:srgbClr val="000000"/>
+                </a:solidFill>
+                <a:effectLst/>
+                <a:latin typeface="Aptos" panose="020B0004020202020204" pitchFamily="34" charset="0"/>
+                <a:ea typeface="+mn-ea"/>
+                <a:cs typeface="+mn-cs"/>
+              </a:rPr>
+              <a:t> </a:t>
+            </a:r>
+            <a:r>
+              <a:rPr lang="de-CH" sz="1800" kern="1200" dirty="0" err="1">
+                <a:solidFill>
+                  <a:srgbClr val="000000"/>
+                </a:solidFill>
+                <a:effectLst/>
+                <a:latin typeface="Aptos" panose="020B0004020202020204" pitchFamily="34" charset="0"/>
+                <a:ea typeface="+mn-ea"/>
+                <a:cs typeface="+mn-cs"/>
+              </a:rPr>
+              <a:t>subprocess</a:t>
+            </a:r>
+            <a:r>
+              <a:rPr lang="de-CH" sz="1800" kern="1200" dirty="0">
+                <a:solidFill>
+                  <a:srgbClr val="000000"/>
+                </a:solidFill>
+                <a:effectLst/>
+                <a:latin typeface="Aptos" panose="020B0004020202020204" pitchFamily="34" charset="0"/>
+                <a:ea typeface="+mn-ea"/>
+                <a:cs typeface="+mn-cs"/>
+              </a:rPr>
+              <a:t> </a:t>
+            </a:r>
+            <a:r>
+              <a:rPr lang="de-CH" sz="1800" kern="1200" dirty="0" err="1">
+                <a:solidFill>
+                  <a:srgbClr val="000000"/>
+                </a:solidFill>
+                <a:effectLst/>
+                <a:latin typeface="Aptos" panose="020B0004020202020204" pitchFamily="34" charset="0"/>
+                <a:ea typeface="+mn-ea"/>
+                <a:cs typeface="+mn-cs"/>
+              </a:rPr>
+              <a:t>has</a:t>
+            </a:r>
+            <a:r>
+              <a:rPr lang="de-CH" sz="1800" kern="1200" dirty="0">
+                <a:solidFill>
+                  <a:srgbClr val="000000"/>
+                </a:solidFill>
+                <a:effectLst/>
+                <a:latin typeface="Aptos" panose="020B0004020202020204" pitchFamily="34" charset="0"/>
+                <a:ea typeface="+mn-ea"/>
+                <a:cs typeface="+mn-cs"/>
+              </a:rPr>
+              <a:t> </a:t>
+            </a:r>
+            <a:r>
+              <a:rPr lang="de-CH" sz="1800" kern="1200" dirty="0" err="1">
+                <a:solidFill>
+                  <a:srgbClr val="000000"/>
+                </a:solidFill>
+                <a:effectLst/>
+                <a:latin typeface="Aptos" panose="020B0004020202020204" pitchFamily="34" charset="0"/>
+                <a:ea typeface="+mn-ea"/>
+                <a:cs typeface="+mn-cs"/>
+              </a:rPr>
+              <a:t>finished</a:t>
+            </a:r>
+            <a:r>
+              <a:rPr lang="de-CH" sz="1800" kern="1200" dirty="0">
+                <a:solidFill>
+                  <a:srgbClr val="000000"/>
+                </a:solidFill>
+                <a:effectLst/>
+                <a:latin typeface="Aptos" panose="020B0004020202020204" pitchFamily="34" charset="0"/>
+                <a:ea typeface="+mn-ea"/>
+                <a:cs typeface="+mn-cs"/>
+              </a:rPr>
+              <a:t> </a:t>
+            </a:r>
+            <a:r>
+              <a:rPr lang="de-CH" sz="1800" kern="1200" dirty="0" err="1">
+                <a:solidFill>
+                  <a:srgbClr val="000000"/>
+                </a:solidFill>
+                <a:effectLst/>
+                <a:latin typeface="Aptos" panose="020B0004020202020204" pitchFamily="34" charset="0"/>
+                <a:ea typeface="+mn-ea"/>
+                <a:cs typeface="+mn-cs"/>
+              </a:rPr>
+              <a:t>for</a:t>
+            </a:r>
+            <a:r>
+              <a:rPr lang="de-CH" sz="1800" kern="1200" dirty="0">
+                <a:solidFill>
+                  <a:srgbClr val="000000"/>
+                </a:solidFill>
+                <a:effectLst/>
+                <a:latin typeface="Aptos" panose="020B0004020202020204" pitchFamily="34" charset="0"/>
+                <a:ea typeface="+mn-ea"/>
+                <a:cs typeface="+mn-cs"/>
+              </a:rPr>
+              <a:t> all </a:t>
+            </a:r>
+            <a:r>
+              <a:rPr lang="de-CH" sz="1800" kern="1200" dirty="0" err="1">
+                <a:solidFill>
+                  <a:srgbClr val="000000"/>
+                </a:solidFill>
+                <a:effectLst/>
+                <a:latin typeface="Aptos" panose="020B0004020202020204" pitchFamily="34" charset="0"/>
+                <a:ea typeface="+mn-ea"/>
+                <a:cs typeface="+mn-cs"/>
+              </a:rPr>
+              <a:t>narcotics</a:t>
+            </a:r>
+            <a:r>
+              <a:rPr lang="de-CH" sz="1800" kern="1200" dirty="0">
+                <a:solidFill>
+                  <a:srgbClr val="000000"/>
+                </a:solidFill>
+                <a:effectLst/>
+                <a:latin typeface="Aptos" panose="020B0004020202020204" pitchFamily="34" charset="0"/>
+                <a:ea typeface="+mn-ea"/>
+                <a:cs typeface="+mn-cs"/>
+              </a:rPr>
+              <a:t> in </a:t>
+            </a:r>
+            <a:r>
+              <a:rPr lang="de-CH" sz="1800" kern="1200" dirty="0" err="1">
+                <a:solidFill>
+                  <a:srgbClr val="000000"/>
+                </a:solidFill>
+                <a:effectLst/>
+                <a:latin typeface="Aptos" panose="020B0004020202020204" pitchFamily="34" charset="0"/>
+                <a:ea typeface="+mn-ea"/>
+                <a:cs typeface="+mn-cs"/>
+              </a:rPr>
+              <a:t>the</a:t>
+            </a:r>
+            <a:r>
+              <a:rPr lang="de-CH" sz="1800" kern="1200" dirty="0">
+                <a:solidFill>
+                  <a:srgbClr val="000000"/>
+                </a:solidFill>
+                <a:effectLst/>
+                <a:latin typeface="Aptos" panose="020B0004020202020204" pitchFamily="34" charset="0"/>
+                <a:ea typeface="+mn-ea"/>
+                <a:cs typeface="+mn-cs"/>
+              </a:rPr>
+              <a:t> </a:t>
+            </a:r>
+            <a:r>
+              <a:rPr lang="de-CH" sz="1800" kern="1200" dirty="0" err="1">
+                <a:solidFill>
+                  <a:srgbClr val="000000"/>
+                </a:solidFill>
+                <a:effectLst/>
+                <a:latin typeface="Aptos" panose="020B0004020202020204" pitchFamily="34" charset="0"/>
+                <a:ea typeface="+mn-ea"/>
+                <a:cs typeface="+mn-cs"/>
+              </a:rPr>
+              <a:t>reorder</a:t>
+            </a:r>
+            <a:r>
+              <a:rPr lang="de-CH" sz="1800" kern="1200" dirty="0">
+                <a:solidFill>
+                  <a:srgbClr val="000000"/>
+                </a:solidFill>
+                <a:effectLst/>
+                <a:latin typeface="Aptos" panose="020B0004020202020204" pitchFamily="34" charset="0"/>
+                <a:ea typeface="+mn-ea"/>
+                <a:cs typeface="+mn-cs"/>
+              </a:rPr>
+              <a:t> </a:t>
+            </a:r>
+            <a:r>
+              <a:rPr lang="de-CH" sz="1800" kern="1200" dirty="0" err="1">
+                <a:solidFill>
+                  <a:srgbClr val="000000"/>
+                </a:solidFill>
+                <a:effectLst/>
+                <a:latin typeface="Aptos" panose="020B0004020202020204" pitchFamily="34" charset="0"/>
+                <a:ea typeface="+mn-ea"/>
+                <a:cs typeface="+mn-cs"/>
+              </a:rPr>
+              <a:t>list</a:t>
+            </a:r>
+            <a:r>
+              <a:rPr lang="de-CH" sz="1800" kern="1200" dirty="0">
+                <a:solidFill>
+                  <a:srgbClr val="000000"/>
+                </a:solidFill>
+                <a:effectLst/>
+                <a:latin typeface="Aptos" panose="020B0004020202020204" pitchFamily="34" charset="0"/>
+                <a:ea typeface="+mn-ea"/>
+                <a:cs typeface="+mn-cs"/>
+              </a:rPr>
+              <a:t> </a:t>
+            </a:r>
+            <a:r>
+              <a:rPr lang="de-CH" sz="1800" kern="1200" dirty="0" err="1">
+                <a:solidFill>
+                  <a:srgbClr val="000000"/>
+                </a:solidFill>
+                <a:effectLst/>
+                <a:latin typeface="Aptos" panose="020B0004020202020204" pitchFamily="34" charset="0"/>
+                <a:ea typeface="+mn-ea"/>
+                <a:cs typeface="+mn-cs"/>
+              </a:rPr>
+              <a:t>the</a:t>
+            </a:r>
+            <a:r>
+              <a:rPr lang="de-CH" sz="1800" kern="1200" dirty="0">
+                <a:solidFill>
+                  <a:srgbClr val="000000"/>
+                </a:solidFill>
+                <a:effectLst/>
+                <a:latin typeface="Aptos" panose="020B0004020202020204" pitchFamily="34" charset="0"/>
+                <a:ea typeface="+mn-ea"/>
+                <a:cs typeface="+mn-cs"/>
+              </a:rPr>
+              <a:t> </a:t>
+            </a:r>
+            <a:r>
+              <a:rPr lang="de-CH" sz="1800" kern="1200" dirty="0" err="1">
+                <a:solidFill>
+                  <a:srgbClr val="000000"/>
+                </a:solidFill>
+                <a:effectLst/>
+                <a:latin typeface="Aptos" panose="020B0004020202020204" pitchFamily="34" charset="0"/>
+                <a:ea typeface="+mn-ea"/>
+                <a:cs typeface="+mn-cs"/>
+              </a:rPr>
+              <a:t>narcotic</a:t>
+            </a:r>
+            <a:r>
+              <a:rPr lang="de-CH" sz="1800" kern="1200" dirty="0">
+                <a:solidFill>
+                  <a:srgbClr val="000000"/>
+                </a:solidFill>
+                <a:effectLst/>
+                <a:latin typeface="Aptos" panose="020B0004020202020204" pitchFamily="34" charset="0"/>
+                <a:ea typeface="+mn-ea"/>
+                <a:cs typeface="+mn-cs"/>
+              </a:rPr>
+              <a:t> </a:t>
+            </a:r>
+            <a:r>
+              <a:rPr lang="de-CH" sz="1800" kern="1200" dirty="0" err="1">
+                <a:solidFill>
+                  <a:srgbClr val="000000"/>
+                </a:solidFill>
+                <a:effectLst/>
+                <a:latin typeface="Aptos" panose="020B0004020202020204" pitchFamily="34" charset="0"/>
+                <a:ea typeface="+mn-ea"/>
+                <a:cs typeface="+mn-cs"/>
+              </a:rPr>
+              <a:t>team</a:t>
+            </a:r>
+            <a:r>
+              <a:rPr lang="de-CH" sz="1800" kern="1200" dirty="0">
+                <a:solidFill>
+                  <a:srgbClr val="000000"/>
+                </a:solidFill>
+                <a:effectLst/>
+                <a:latin typeface="Aptos" panose="020B0004020202020204" pitchFamily="34" charset="0"/>
+                <a:ea typeface="+mn-ea"/>
+                <a:cs typeface="+mn-cs"/>
+              </a:rPr>
+              <a:t> </a:t>
+            </a:r>
+            <a:r>
+              <a:rPr lang="de-CH" sz="1800" kern="1200" dirty="0" err="1">
+                <a:solidFill>
+                  <a:srgbClr val="000000"/>
+                </a:solidFill>
+                <a:effectLst/>
+                <a:latin typeface="Aptos" panose="020B0004020202020204" pitchFamily="34" charset="0"/>
+                <a:ea typeface="+mn-ea"/>
+                <a:cs typeface="+mn-cs"/>
+              </a:rPr>
+              <a:t>is</a:t>
+            </a:r>
+            <a:r>
+              <a:rPr lang="de-CH" sz="1800" kern="1200" dirty="0">
+                <a:solidFill>
+                  <a:srgbClr val="000000"/>
+                </a:solidFill>
+                <a:effectLst/>
+                <a:latin typeface="Aptos" panose="020B0004020202020204" pitchFamily="34" charset="0"/>
+                <a:ea typeface="+mn-ea"/>
+                <a:cs typeface="+mn-cs"/>
+              </a:rPr>
+              <a:t> </a:t>
+            </a:r>
+            <a:r>
+              <a:rPr lang="de-CH" sz="1800" kern="1200" dirty="0" err="1">
+                <a:solidFill>
+                  <a:srgbClr val="000000"/>
+                </a:solidFill>
+                <a:effectLst/>
+                <a:latin typeface="Aptos" panose="020B0004020202020204" pitchFamily="34" charset="0"/>
+                <a:ea typeface="+mn-ea"/>
+                <a:cs typeface="+mn-cs"/>
+              </a:rPr>
+              <a:t>notified</a:t>
+            </a:r>
+            <a:r>
+              <a:rPr lang="de-CH" sz="1800" kern="1200" dirty="0">
+                <a:solidFill>
+                  <a:srgbClr val="000000"/>
+                </a:solidFill>
+                <a:effectLst/>
+                <a:latin typeface="Aptos" panose="020B0004020202020204" pitchFamily="34" charset="0"/>
+                <a:ea typeface="+mn-ea"/>
+                <a:cs typeface="+mn-cs"/>
+              </a:rPr>
+              <a:t> via email. </a:t>
+            </a:r>
+            <a:endParaRPr lang="de-CH" dirty="0">
+              <a:effectLst/>
+            </a:endParaRPr>
+          </a:p>
+          <a:p>
+            <a:endParaRPr lang="de-CH" dirty="0"/>
+          </a:p>
+        </p:txBody>
+      </p:sp>
+      <p:sp>
+        <p:nvSpPr>
+          <p:cNvPr id="4" name="Foliennummernplatzhalter 3"/>
+          <p:cNvSpPr>
+            <a:spLocks noGrp="1"/>
+          </p:cNvSpPr>
+          <p:nvPr>
+            <p:ph type="sldNum" sz="quarter" idx="5"/>
+          </p:nvPr>
+        </p:nvSpPr>
+        <p:spPr/>
+        <p:txBody>
+          <a:bodyPr/>
+          <a:lstStyle/>
+          <a:p>
+            <a:fld id="{661B43BF-7C63-479D-85AD-BD18BBBDD38B}" type="slidenum">
+              <a:rPr lang="de-CH" smtClean="0"/>
+              <a:t>5</a:t>
+            </a:fld>
+            <a:endParaRPr lang="de-CH"/>
+          </a:p>
+        </p:txBody>
+      </p:sp>
+    </p:spTree>
+    <p:extLst>
+      <p:ext uri="{BB962C8B-B14F-4D97-AF65-F5344CB8AC3E}">
+        <p14:creationId xmlns:p14="http://schemas.microsoft.com/office/powerpoint/2010/main" val="1166726344"/>
+      </p:ext>
+    </p:extLst>
+  </p:cSld>
+  <p:clrMapOvr>
+    <a:masterClrMapping/>
+  </p:clrMapOvr>
+</p:notes>
+</file>
+
+<file path=ppt/notesSlides/notesSlide2.xml><?xml version="1.0" encoding="utf-8"?>
+<p:notes xmlns:a="http://schemas.openxmlformats.org/drawingml/2006/main" xmlns:r="http://schemas.openxmlformats.org/officeDocument/2006/relationships" xmlns:p="http://schemas.openxmlformats.org/presentationml/2006/main">
+  <p:cSld>
+    <p:spTree>
+      <p:nvGrpSpPr>
+        <p:cNvPr id="1" name=""/>
+        <p:cNvGrpSpPr/>
+        <p:nvPr/>
+      </p:nvGrpSpPr>
+      <p:grpSpPr>
+        <a:xfrm>
+          <a:off x="0" y="0"/>
+          <a:ext cx="0" cy="0"/>
+          <a:chOff x="0" y="0"/>
+          <a:chExt cx="0" cy="0"/>
+        </a:xfrm>
+      </p:grpSpPr>
+      <p:sp>
+        <p:nvSpPr>
+          <p:cNvPr id="2" name="Folienbildplatzhalter 1"/>
+          <p:cNvSpPr>
+            <a:spLocks noGrp="1" noRot="1" noChangeAspect="1"/>
+          </p:cNvSpPr>
+          <p:nvPr>
+            <p:ph type="sldImg"/>
+          </p:nvPr>
+        </p:nvSpPr>
+        <p:spPr/>
+      </p:sp>
+      <p:sp>
+        <p:nvSpPr>
+          <p:cNvPr id="3" name="Notizenplatzhalter 2"/>
+          <p:cNvSpPr>
+            <a:spLocks noGrp="1"/>
+          </p:cNvSpPr>
+          <p:nvPr>
+            <p:ph type="body" idx="1"/>
+          </p:nvPr>
+        </p:nvSpPr>
+        <p:spPr/>
+        <p:txBody>
+          <a:bodyPr/>
+          <a:lstStyle/>
+          <a:p>
+            <a:pPr marL="0" marR="0" lvl="0" indent="0" algn="l" defTabSz="914400" rtl="0" eaLnBrk="1" fontAlgn="auto" latinLnBrk="0" hangingPunct="1">
+              <a:lnSpc>
+                <a:spcPct val="100000"/>
+              </a:lnSpc>
+              <a:spcBef>
+                <a:spcPts val="0"/>
+              </a:spcBef>
+              <a:spcAft>
+                <a:spcPts val="0"/>
+              </a:spcAft>
+              <a:buClrTx/>
+              <a:buSzTx/>
+              <a:buFontTx/>
+              <a:buNone/>
+              <a:tabLst/>
+              <a:defRPr/>
+            </a:pPr>
+            <a:r>
+              <a:rPr lang="de-CH" sz="1800" kern="1200" dirty="0">
+                <a:solidFill>
+                  <a:srgbClr val="000000"/>
+                </a:solidFill>
+                <a:effectLst/>
+                <a:latin typeface="Aptos" panose="020B0004020202020204" pitchFamily="34" charset="0"/>
+                <a:ea typeface="+mn-ea"/>
+                <a:cs typeface="+mn-cs"/>
+              </a:rPr>
+              <a:t>This </a:t>
+            </a:r>
+            <a:r>
+              <a:rPr lang="de-CH" sz="1800" kern="1200" dirty="0" err="1">
+                <a:solidFill>
+                  <a:srgbClr val="000000"/>
+                </a:solidFill>
+                <a:effectLst/>
+                <a:latin typeface="Aptos" panose="020B0004020202020204" pitchFamily="34" charset="0"/>
+                <a:ea typeface="+mn-ea"/>
+                <a:cs typeface="+mn-cs"/>
+              </a:rPr>
+              <a:t>is</a:t>
+            </a:r>
+            <a:r>
+              <a:rPr lang="de-CH" sz="1800" kern="1200" dirty="0">
+                <a:solidFill>
+                  <a:srgbClr val="000000"/>
+                </a:solidFill>
+                <a:effectLst/>
+                <a:latin typeface="Aptos" panose="020B0004020202020204" pitchFamily="34" charset="0"/>
+                <a:ea typeface="+mn-ea"/>
+                <a:cs typeface="+mn-cs"/>
+              </a:rPr>
+              <a:t> </a:t>
+            </a:r>
+            <a:r>
+              <a:rPr lang="de-CH" sz="1800" kern="1200" dirty="0" err="1">
+                <a:solidFill>
+                  <a:srgbClr val="000000"/>
+                </a:solidFill>
+                <a:effectLst/>
+                <a:latin typeface="Aptos" panose="020B0004020202020204" pitchFamily="34" charset="0"/>
+                <a:ea typeface="+mn-ea"/>
+                <a:cs typeface="+mn-cs"/>
+              </a:rPr>
+              <a:t>what</a:t>
+            </a:r>
+            <a:r>
+              <a:rPr lang="de-CH" sz="1800" kern="1200" dirty="0">
+                <a:solidFill>
+                  <a:srgbClr val="000000"/>
+                </a:solidFill>
+                <a:effectLst/>
+                <a:latin typeface="Aptos" panose="020B0004020202020204" pitchFamily="34" charset="0"/>
+                <a:ea typeface="+mn-ea"/>
+                <a:cs typeface="+mn-cs"/>
+              </a:rPr>
+              <a:t> </a:t>
+            </a:r>
+            <a:r>
+              <a:rPr lang="de-CH" sz="1800" kern="1200" dirty="0" err="1">
+                <a:solidFill>
+                  <a:srgbClr val="000000"/>
+                </a:solidFill>
+                <a:effectLst/>
+                <a:latin typeface="Aptos" panose="020B0004020202020204" pitchFamily="34" charset="0"/>
+                <a:ea typeface="+mn-ea"/>
+                <a:cs typeface="+mn-cs"/>
+              </a:rPr>
+              <a:t>that</a:t>
+            </a:r>
+            <a:r>
+              <a:rPr lang="de-CH" sz="1800" kern="1200" dirty="0">
+                <a:solidFill>
+                  <a:srgbClr val="000000"/>
+                </a:solidFill>
+                <a:effectLst/>
+                <a:latin typeface="Aptos" panose="020B0004020202020204" pitchFamily="34" charset="0"/>
+                <a:ea typeface="+mn-ea"/>
+                <a:cs typeface="+mn-cs"/>
+              </a:rPr>
+              <a:t> </a:t>
+            </a:r>
+            <a:r>
+              <a:rPr lang="de-CH" sz="1800" kern="1200" dirty="0" err="1">
+                <a:solidFill>
+                  <a:srgbClr val="000000"/>
+                </a:solidFill>
+                <a:effectLst/>
+                <a:latin typeface="Aptos" panose="020B0004020202020204" pitchFamily="34" charset="0"/>
+                <a:ea typeface="+mn-ea"/>
+                <a:cs typeface="+mn-cs"/>
+              </a:rPr>
+              <a:t>looks</a:t>
+            </a:r>
+            <a:r>
+              <a:rPr lang="de-CH" sz="1800" kern="1200" dirty="0">
+                <a:solidFill>
+                  <a:srgbClr val="000000"/>
+                </a:solidFill>
+                <a:effectLst/>
+                <a:latin typeface="Aptos" panose="020B0004020202020204" pitchFamily="34" charset="0"/>
+                <a:ea typeface="+mn-ea"/>
+                <a:cs typeface="+mn-cs"/>
+              </a:rPr>
+              <a:t> like in </a:t>
+            </a:r>
+            <a:r>
+              <a:rPr lang="de-CH" sz="1800" kern="1200" dirty="0" err="1">
+                <a:solidFill>
+                  <a:srgbClr val="000000"/>
+                </a:solidFill>
+                <a:effectLst/>
+                <a:latin typeface="Aptos" panose="020B0004020202020204" pitchFamily="34" charset="0"/>
+                <a:ea typeface="+mn-ea"/>
+                <a:cs typeface="+mn-cs"/>
+              </a:rPr>
+              <a:t>detail</a:t>
+            </a:r>
+            <a:r>
+              <a:rPr lang="de-CH" sz="1800" kern="1200" dirty="0">
+                <a:solidFill>
+                  <a:srgbClr val="000000"/>
+                </a:solidFill>
+                <a:effectLst/>
+                <a:latin typeface="Aptos" panose="020B0004020202020204" pitchFamily="34" charset="0"/>
+                <a:ea typeface="+mn-ea"/>
+                <a:cs typeface="+mn-cs"/>
+              </a:rPr>
+              <a:t>, </a:t>
+            </a:r>
+            <a:r>
+              <a:rPr lang="de-CH" sz="1800" kern="1200" dirty="0" err="1">
+                <a:solidFill>
+                  <a:srgbClr val="000000"/>
+                </a:solidFill>
+                <a:effectLst/>
+                <a:latin typeface="Aptos" panose="020B0004020202020204" pitchFamily="34" charset="0"/>
+                <a:ea typeface="+mn-ea"/>
+                <a:cs typeface="+mn-cs"/>
+              </a:rPr>
+              <a:t>we</a:t>
+            </a:r>
+            <a:r>
+              <a:rPr lang="de-CH" sz="1800" kern="1200" dirty="0">
+                <a:solidFill>
+                  <a:srgbClr val="000000"/>
+                </a:solidFill>
+                <a:effectLst/>
+                <a:latin typeface="Aptos" panose="020B0004020202020204" pitchFamily="34" charset="0"/>
+                <a:ea typeface="+mn-ea"/>
+                <a:cs typeface="+mn-cs"/>
+              </a:rPr>
+              <a:t> </a:t>
+            </a:r>
+            <a:r>
+              <a:rPr lang="de-CH" sz="1800" kern="1200" dirty="0" err="1">
+                <a:solidFill>
+                  <a:srgbClr val="000000"/>
+                </a:solidFill>
+                <a:effectLst/>
+                <a:latin typeface="Aptos" panose="020B0004020202020204" pitchFamily="34" charset="0"/>
+                <a:ea typeface="+mn-ea"/>
+                <a:cs typeface="+mn-cs"/>
+              </a:rPr>
+              <a:t>have</a:t>
+            </a:r>
+            <a:r>
+              <a:rPr lang="de-CH" sz="1800" kern="1200" dirty="0">
+                <a:solidFill>
+                  <a:srgbClr val="000000"/>
+                </a:solidFill>
+                <a:effectLst/>
+                <a:latin typeface="Aptos" panose="020B0004020202020204" pitchFamily="34" charset="0"/>
+                <a:ea typeface="+mn-ea"/>
+                <a:cs typeface="+mn-cs"/>
+              </a:rPr>
+              <a:t> an </a:t>
+            </a:r>
+            <a:r>
+              <a:rPr lang="de-CH" sz="1800" kern="1200" dirty="0" err="1">
+                <a:solidFill>
+                  <a:srgbClr val="000000"/>
+                </a:solidFill>
+                <a:effectLst/>
+                <a:latin typeface="Aptos" panose="020B0004020202020204" pitchFamily="34" charset="0"/>
+                <a:ea typeface="+mn-ea"/>
+                <a:cs typeface="+mn-cs"/>
+              </a:rPr>
+              <a:t>input</a:t>
+            </a:r>
+            <a:r>
+              <a:rPr lang="de-CH" sz="1800" kern="1200" dirty="0">
+                <a:solidFill>
+                  <a:srgbClr val="000000"/>
+                </a:solidFill>
+                <a:effectLst/>
+                <a:latin typeface="Aptos" panose="020B0004020202020204" pitchFamily="34" charset="0"/>
+                <a:ea typeface="+mn-ea"/>
+                <a:cs typeface="+mn-cs"/>
+              </a:rPr>
+              <a:t> </a:t>
+            </a:r>
+            <a:r>
+              <a:rPr lang="de-CH" sz="1800" kern="1200" dirty="0" err="1">
+                <a:solidFill>
+                  <a:srgbClr val="000000"/>
+                </a:solidFill>
+                <a:effectLst/>
+                <a:latin typeface="Aptos" panose="020B0004020202020204" pitchFamily="34" charset="0"/>
+                <a:ea typeface="+mn-ea"/>
+                <a:cs typeface="+mn-cs"/>
+              </a:rPr>
+              <a:t>of</a:t>
+            </a:r>
+            <a:r>
+              <a:rPr lang="de-CH" sz="1800" kern="1200" dirty="0">
+                <a:solidFill>
+                  <a:srgbClr val="000000"/>
+                </a:solidFill>
+                <a:effectLst/>
+                <a:latin typeface="Aptos" panose="020B0004020202020204" pitchFamily="34" charset="0"/>
+                <a:ea typeface="+mn-ea"/>
+                <a:cs typeface="+mn-cs"/>
+              </a:rPr>
+              <a:t> </a:t>
+            </a:r>
+            <a:r>
+              <a:rPr lang="de-CH" sz="1800" kern="1200" dirty="0" err="1">
+                <a:solidFill>
+                  <a:srgbClr val="000000"/>
+                </a:solidFill>
+                <a:effectLst/>
+                <a:latin typeface="Aptos" panose="020B0004020202020204" pitchFamily="34" charset="0"/>
+                <a:ea typeface="+mn-ea"/>
+                <a:cs typeface="+mn-cs"/>
+              </a:rPr>
+              <a:t>the</a:t>
+            </a:r>
+            <a:r>
+              <a:rPr lang="de-CH" sz="1800" kern="1200" dirty="0">
+                <a:solidFill>
+                  <a:srgbClr val="000000"/>
+                </a:solidFill>
+                <a:effectLst/>
+                <a:latin typeface="Aptos" panose="020B0004020202020204" pitchFamily="34" charset="0"/>
+                <a:ea typeface="+mn-ea"/>
+                <a:cs typeface="+mn-cs"/>
+              </a:rPr>
+              <a:t> </a:t>
+            </a:r>
+            <a:r>
+              <a:rPr lang="de-CH" sz="1800" kern="1200" dirty="0" err="1">
+                <a:solidFill>
+                  <a:srgbClr val="000000"/>
+                </a:solidFill>
+                <a:effectLst/>
+                <a:latin typeface="Aptos" panose="020B0004020202020204" pitchFamily="34" charset="0"/>
+                <a:ea typeface="+mn-ea"/>
+                <a:cs typeface="+mn-cs"/>
+              </a:rPr>
+              <a:t>narcotic</a:t>
+            </a:r>
+            <a:r>
+              <a:rPr lang="de-CH" sz="1800" kern="1200" dirty="0">
+                <a:solidFill>
+                  <a:srgbClr val="000000"/>
+                </a:solidFill>
+                <a:effectLst/>
+                <a:latin typeface="Aptos" panose="020B0004020202020204" pitchFamily="34" charset="0"/>
+                <a:ea typeface="+mn-ea"/>
+                <a:cs typeface="+mn-cs"/>
+              </a:rPr>
+              <a:t> </a:t>
+            </a:r>
+            <a:r>
+              <a:rPr lang="de-CH" sz="1800" kern="1200" dirty="0" err="1">
+                <a:solidFill>
+                  <a:srgbClr val="000000"/>
+                </a:solidFill>
+                <a:effectLst/>
+                <a:latin typeface="Aptos" panose="020B0004020202020204" pitchFamily="34" charset="0"/>
+                <a:ea typeface="+mn-ea"/>
+                <a:cs typeface="+mn-cs"/>
+              </a:rPr>
+              <a:t>name</a:t>
+            </a:r>
+            <a:r>
+              <a:rPr lang="de-CH" sz="1800" kern="1200" dirty="0">
+                <a:solidFill>
+                  <a:srgbClr val="000000"/>
+                </a:solidFill>
+                <a:effectLst/>
+                <a:latin typeface="Aptos" panose="020B0004020202020204" pitchFamily="34" charset="0"/>
+                <a:ea typeface="+mn-ea"/>
+                <a:cs typeface="+mn-cs"/>
+              </a:rPr>
+              <a:t> and </a:t>
+            </a:r>
+            <a:r>
+              <a:rPr lang="de-CH" sz="1800" kern="1200" dirty="0" err="1">
+                <a:solidFill>
+                  <a:srgbClr val="000000"/>
+                </a:solidFill>
+                <a:effectLst/>
+                <a:latin typeface="Aptos" panose="020B0004020202020204" pitchFamily="34" charset="0"/>
+                <a:ea typeface="+mn-ea"/>
+                <a:cs typeface="+mn-cs"/>
+              </a:rPr>
+              <a:t>whether</a:t>
+            </a:r>
+            <a:r>
+              <a:rPr lang="de-CH" sz="1800" kern="1200" dirty="0">
+                <a:solidFill>
+                  <a:srgbClr val="000000"/>
+                </a:solidFill>
+                <a:effectLst/>
+                <a:latin typeface="Aptos" panose="020B0004020202020204" pitchFamily="34" charset="0"/>
+                <a:ea typeface="+mn-ea"/>
+                <a:cs typeface="+mn-cs"/>
+              </a:rPr>
+              <a:t> </a:t>
+            </a:r>
+            <a:r>
+              <a:rPr lang="de-CH" sz="1800" kern="1200" dirty="0" err="1">
+                <a:solidFill>
+                  <a:srgbClr val="000000"/>
+                </a:solidFill>
+                <a:effectLst/>
+                <a:latin typeface="Aptos" panose="020B0004020202020204" pitchFamily="34" charset="0"/>
+                <a:ea typeface="+mn-ea"/>
+                <a:cs typeface="+mn-cs"/>
+              </a:rPr>
+              <a:t>there</a:t>
+            </a:r>
+            <a:r>
+              <a:rPr lang="de-CH" sz="1800" kern="1200" dirty="0">
+                <a:solidFill>
+                  <a:srgbClr val="000000"/>
+                </a:solidFill>
+                <a:effectLst/>
+                <a:latin typeface="Aptos" panose="020B0004020202020204" pitchFamily="34" charset="0"/>
+                <a:ea typeface="+mn-ea"/>
+                <a:cs typeface="+mn-cs"/>
+              </a:rPr>
+              <a:t> </a:t>
+            </a:r>
+            <a:r>
+              <a:rPr lang="de-CH" sz="1800" kern="1200" dirty="0" err="1">
+                <a:solidFill>
+                  <a:srgbClr val="000000"/>
+                </a:solidFill>
+                <a:effectLst/>
+                <a:latin typeface="Aptos" panose="020B0004020202020204" pitchFamily="34" charset="0"/>
+                <a:ea typeface="+mn-ea"/>
+                <a:cs typeface="+mn-cs"/>
+              </a:rPr>
+              <a:t>is</a:t>
+            </a:r>
+            <a:r>
+              <a:rPr lang="de-CH" sz="1800" kern="1200" dirty="0">
+                <a:solidFill>
+                  <a:srgbClr val="000000"/>
+                </a:solidFill>
+                <a:effectLst/>
+                <a:latin typeface="Aptos" panose="020B0004020202020204" pitchFamily="34" charset="0"/>
+                <a:ea typeface="+mn-ea"/>
+                <a:cs typeface="+mn-cs"/>
+              </a:rPr>
+              <a:t> a </a:t>
+            </a:r>
+            <a:r>
+              <a:rPr lang="de-CH" sz="1800" kern="1200" dirty="0" err="1">
+                <a:solidFill>
+                  <a:srgbClr val="000000"/>
+                </a:solidFill>
+                <a:effectLst/>
+                <a:latin typeface="Aptos" panose="020B0004020202020204" pitchFamily="34" charset="0"/>
+                <a:ea typeface="+mn-ea"/>
+                <a:cs typeface="+mn-cs"/>
+              </a:rPr>
+              <a:t>shortage</a:t>
+            </a:r>
+            <a:r>
+              <a:rPr lang="de-CH" sz="1800" kern="1200" dirty="0">
+                <a:solidFill>
+                  <a:srgbClr val="000000"/>
+                </a:solidFill>
+                <a:effectLst/>
+                <a:latin typeface="Aptos" panose="020B0004020202020204" pitchFamily="34" charset="0"/>
+                <a:ea typeface="+mn-ea"/>
+                <a:cs typeface="+mn-cs"/>
+              </a:rPr>
+              <a:t>. </a:t>
+            </a:r>
+            <a:r>
+              <a:rPr lang="de-CH" sz="1800" kern="1200" dirty="0" err="1">
+                <a:solidFill>
+                  <a:srgbClr val="000000"/>
+                </a:solidFill>
+                <a:effectLst/>
+                <a:latin typeface="Aptos" panose="020B0004020202020204" pitchFamily="34" charset="0"/>
+                <a:ea typeface="+mn-ea"/>
+                <a:cs typeface="+mn-cs"/>
+              </a:rPr>
+              <a:t>If</a:t>
+            </a:r>
+            <a:r>
+              <a:rPr lang="de-CH" sz="1800" kern="1200" dirty="0">
+                <a:solidFill>
+                  <a:srgbClr val="000000"/>
+                </a:solidFill>
+                <a:effectLst/>
+                <a:latin typeface="Aptos" panose="020B0004020202020204" pitchFamily="34" charset="0"/>
+                <a:ea typeface="+mn-ea"/>
+                <a:cs typeface="+mn-cs"/>
+              </a:rPr>
+              <a:t> </a:t>
+            </a:r>
+            <a:r>
+              <a:rPr lang="de-CH" sz="1800" kern="1200" dirty="0" err="1">
+                <a:solidFill>
+                  <a:srgbClr val="000000"/>
+                </a:solidFill>
+                <a:effectLst/>
+                <a:latin typeface="Aptos" panose="020B0004020202020204" pitchFamily="34" charset="0"/>
+                <a:ea typeface="+mn-ea"/>
+                <a:cs typeface="+mn-cs"/>
+              </a:rPr>
+              <a:t>there</a:t>
+            </a:r>
+            <a:r>
+              <a:rPr lang="de-CH" sz="1800" kern="1200" dirty="0">
+                <a:solidFill>
+                  <a:srgbClr val="000000"/>
+                </a:solidFill>
+                <a:effectLst/>
+                <a:latin typeface="Aptos" panose="020B0004020202020204" pitchFamily="34" charset="0"/>
+                <a:ea typeface="+mn-ea"/>
+                <a:cs typeface="+mn-cs"/>
+              </a:rPr>
+              <a:t> </a:t>
+            </a:r>
+            <a:r>
+              <a:rPr lang="de-CH" sz="1800" kern="1200" dirty="0" err="1">
+                <a:solidFill>
+                  <a:srgbClr val="000000"/>
+                </a:solidFill>
+                <a:effectLst/>
+                <a:latin typeface="Aptos" panose="020B0004020202020204" pitchFamily="34" charset="0"/>
+                <a:ea typeface="+mn-ea"/>
+                <a:cs typeface="+mn-cs"/>
+              </a:rPr>
+              <a:t>is</a:t>
+            </a:r>
+            <a:r>
+              <a:rPr lang="de-CH" sz="1800" kern="1200" dirty="0">
+                <a:solidFill>
+                  <a:srgbClr val="000000"/>
+                </a:solidFill>
+                <a:effectLst/>
+                <a:latin typeface="Aptos" panose="020B0004020202020204" pitchFamily="34" charset="0"/>
+                <a:ea typeface="+mn-ea"/>
+                <a:cs typeface="+mn-cs"/>
+              </a:rPr>
+              <a:t> </a:t>
+            </a:r>
+            <a:r>
+              <a:rPr lang="de-CH" sz="1800" kern="1200" dirty="0" err="1">
+                <a:solidFill>
+                  <a:srgbClr val="000000"/>
+                </a:solidFill>
+                <a:effectLst/>
+                <a:latin typeface="Aptos" panose="020B0004020202020204" pitchFamily="34" charset="0"/>
+                <a:ea typeface="+mn-ea"/>
+                <a:cs typeface="+mn-cs"/>
+              </a:rPr>
+              <a:t>no</a:t>
+            </a:r>
+            <a:r>
+              <a:rPr lang="de-CH" sz="1800" kern="1200" dirty="0">
+                <a:solidFill>
+                  <a:srgbClr val="000000"/>
+                </a:solidFill>
+                <a:effectLst/>
+                <a:latin typeface="Aptos" panose="020B0004020202020204" pitchFamily="34" charset="0"/>
+                <a:ea typeface="+mn-ea"/>
+                <a:cs typeface="+mn-cs"/>
+              </a:rPr>
+              <a:t> </a:t>
+            </a:r>
+            <a:r>
+              <a:rPr lang="de-CH" sz="1800" kern="1200" dirty="0" err="1">
+                <a:solidFill>
+                  <a:srgbClr val="000000"/>
+                </a:solidFill>
+                <a:effectLst/>
+                <a:latin typeface="Aptos" panose="020B0004020202020204" pitchFamily="34" charset="0"/>
+                <a:ea typeface="+mn-ea"/>
+                <a:cs typeface="+mn-cs"/>
+              </a:rPr>
+              <a:t>shortage</a:t>
+            </a:r>
+            <a:r>
+              <a:rPr lang="de-CH" sz="1800" kern="1200" dirty="0">
+                <a:solidFill>
+                  <a:srgbClr val="000000"/>
+                </a:solidFill>
+                <a:effectLst/>
+                <a:latin typeface="Aptos" panose="020B0004020202020204" pitchFamily="34" charset="0"/>
+                <a:ea typeface="+mn-ea"/>
+                <a:cs typeface="+mn-cs"/>
+              </a:rPr>
+              <a:t> </a:t>
+            </a:r>
+            <a:r>
+              <a:rPr lang="de-CH" sz="1800" kern="1200" dirty="0" err="1">
+                <a:solidFill>
+                  <a:srgbClr val="000000"/>
+                </a:solidFill>
+                <a:effectLst/>
+                <a:latin typeface="Aptos" panose="020B0004020202020204" pitchFamily="34" charset="0"/>
+                <a:ea typeface="+mn-ea"/>
+                <a:cs typeface="+mn-cs"/>
+              </a:rPr>
+              <a:t>the</a:t>
+            </a:r>
+            <a:r>
+              <a:rPr lang="de-CH" sz="1800" kern="1200" dirty="0">
+                <a:solidFill>
+                  <a:srgbClr val="000000"/>
+                </a:solidFill>
+                <a:effectLst/>
+                <a:latin typeface="Aptos" panose="020B0004020202020204" pitchFamily="34" charset="0"/>
+                <a:ea typeface="+mn-ea"/>
+                <a:cs typeface="+mn-cs"/>
+              </a:rPr>
+              <a:t> </a:t>
+            </a:r>
+            <a:r>
+              <a:rPr lang="de-CH" sz="1800" kern="1200" dirty="0" err="1">
+                <a:solidFill>
+                  <a:srgbClr val="000000"/>
+                </a:solidFill>
+                <a:effectLst/>
+                <a:latin typeface="Aptos" panose="020B0004020202020204" pitchFamily="34" charset="0"/>
+                <a:ea typeface="+mn-ea"/>
+                <a:cs typeface="+mn-cs"/>
+              </a:rPr>
+              <a:t>process</a:t>
+            </a:r>
+            <a:r>
+              <a:rPr lang="de-CH" sz="1800" kern="1200" dirty="0">
+                <a:solidFill>
+                  <a:srgbClr val="000000"/>
+                </a:solidFill>
+                <a:effectLst/>
+                <a:latin typeface="Aptos" panose="020B0004020202020204" pitchFamily="34" charset="0"/>
+                <a:ea typeface="+mn-ea"/>
+                <a:cs typeface="+mn-cs"/>
+              </a:rPr>
+              <a:t> </a:t>
+            </a:r>
+            <a:r>
+              <a:rPr lang="de-CH" sz="1800" kern="1200" dirty="0" err="1">
+                <a:solidFill>
+                  <a:srgbClr val="000000"/>
+                </a:solidFill>
+                <a:effectLst/>
+                <a:latin typeface="Aptos" panose="020B0004020202020204" pitchFamily="34" charset="0"/>
+                <a:ea typeface="+mn-ea"/>
+                <a:cs typeface="+mn-cs"/>
+              </a:rPr>
+              <a:t>gives</a:t>
+            </a:r>
+            <a:r>
+              <a:rPr lang="de-CH" sz="1800" kern="1200" dirty="0">
+                <a:solidFill>
+                  <a:srgbClr val="000000"/>
+                </a:solidFill>
+                <a:effectLst/>
+                <a:latin typeface="Aptos" panose="020B0004020202020204" pitchFamily="34" charset="0"/>
+                <a:ea typeface="+mn-ea"/>
+                <a:cs typeface="+mn-cs"/>
+              </a:rPr>
+              <a:t> </a:t>
+            </a:r>
+            <a:r>
+              <a:rPr lang="de-CH" sz="1800" kern="1200" dirty="0" err="1">
+                <a:solidFill>
+                  <a:srgbClr val="000000"/>
+                </a:solidFill>
+                <a:effectLst/>
+                <a:latin typeface="Aptos" panose="020B0004020202020204" pitchFamily="34" charset="0"/>
+                <a:ea typeface="+mn-ea"/>
+                <a:cs typeface="+mn-cs"/>
+              </a:rPr>
+              <a:t>instructions</a:t>
+            </a:r>
+            <a:r>
+              <a:rPr lang="de-CH" sz="1800" kern="1200" dirty="0">
+                <a:solidFill>
+                  <a:srgbClr val="000000"/>
+                </a:solidFill>
+                <a:effectLst/>
+                <a:latin typeface="Aptos" panose="020B0004020202020204" pitchFamily="34" charset="0"/>
+                <a:ea typeface="+mn-ea"/>
+                <a:cs typeface="+mn-cs"/>
+              </a:rPr>
+              <a:t> </a:t>
+            </a:r>
+            <a:r>
+              <a:rPr lang="de-CH" sz="1800" kern="1200" dirty="0" err="1">
+                <a:solidFill>
+                  <a:srgbClr val="000000"/>
+                </a:solidFill>
+                <a:effectLst/>
+                <a:latin typeface="Aptos" panose="020B0004020202020204" pitchFamily="34" charset="0"/>
+                <a:ea typeface="+mn-ea"/>
+                <a:cs typeface="+mn-cs"/>
+              </a:rPr>
+              <a:t>about</a:t>
+            </a:r>
+            <a:r>
+              <a:rPr lang="de-CH" sz="1800" kern="1200" dirty="0">
+                <a:solidFill>
+                  <a:srgbClr val="000000"/>
+                </a:solidFill>
+                <a:effectLst/>
+                <a:latin typeface="Aptos" panose="020B0004020202020204" pitchFamily="34" charset="0"/>
+                <a:ea typeface="+mn-ea"/>
+                <a:cs typeface="+mn-cs"/>
+              </a:rPr>
+              <a:t> </a:t>
+            </a:r>
+            <a:r>
+              <a:rPr lang="de-CH" sz="1800" kern="1200" dirty="0" err="1">
+                <a:solidFill>
+                  <a:srgbClr val="000000"/>
+                </a:solidFill>
+                <a:effectLst/>
+                <a:latin typeface="Aptos" panose="020B0004020202020204" pitchFamily="34" charset="0"/>
+                <a:ea typeface="+mn-ea"/>
+                <a:cs typeface="+mn-cs"/>
+              </a:rPr>
+              <a:t>reordering</a:t>
+            </a:r>
+            <a:r>
+              <a:rPr lang="de-CH" sz="1800" kern="1200" dirty="0">
+                <a:solidFill>
+                  <a:srgbClr val="000000"/>
+                </a:solidFill>
+                <a:effectLst/>
+                <a:latin typeface="Aptos" panose="020B0004020202020204" pitchFamily="34" charset="0"/>
+                <a:ea typeface="+mn-ea"/>
+                <a:cs typeface="+mn-cs"/>
+              </a:rPr>
+              <a:t> </a:t>
+            </a:r>
+            <a:r>
+              <a:rPr lang="de-CH" sz="1800" kern="1200" dirty="0" err="1">
+                <a:solidFill>
+                  <a:srgbClr val="000000"/>
+                </a:solidFill>
+                <a:effectLst/>
+                <a:latin typeface="Aptos" panose="020B0004020202020204" pitchFamily="34" charset="0"/>
+                <a:ea typeface="+mn-ea"/>
+                <a:cs typeface="+mn-cs"/>
+              </a:rPr>
+              <a:t>the</a:t>
+            </a:r>
+            <a:r>
+              <a:rPr lang="de-CH" sz="1800" kern="1200" dirty="0">
+                <a:solidFill>
+                  <a:srgbClr val="000000"/>
+                </a:solidFill>
+                <a:effectLst/>
+                <a:latin typeface="Aptos" panose="020B0004020202020204" pitchFamily="34" charset="0"/>
+                <a:ea typeface="+mn-ea"/>
+                <a:cs typeface="+mn-cs"/>
+              </a:rPr>
+              <a:t> same </a:t>
+            </a:r>
+            <a:r>
+              <a:rPr lang="de-CH" sz="1800" kern="1200" dirty="0" err="1">
+                <a:solidFill>
+                  <a:srgbClr val="000000"/>
+                </a:solidFill>
+                <a:effectLst/>
+                <a:latin typeface="Aptos" panose="020B0004020202020204" pitchFamily="34" charset="0"/>
+                <a:ea typeface="+mn-ea"/>
+                <a:cs typeface="+mn-cs"/>
+              </a:rPr>
+              <a:t>article</a:t>
+            </a:r>
+            <a:r>
+              <a:rPr lang="de-CH" sz="1800" kern="1200" dirty="0">
+                <a:solidFill>
+                  <a:srgbClr val="000000"/>
+                </a:solidFill>
+                <a:effectLst/>
+                <a:latin typeface="Aptos" panose="020B0004020202020204" pitchFamily="34" charset="0"/>
+                <a:ea typeface="+mn-ea"/>
+                <a:cs typeface="+mn-cs"/>
+              </a:rPr>
+              <a:t>. </a:t>
+            </a:r>
+            <a:r>
+              <a:rPr lang="de-CH" sz="1800" kern="1200" dirty="0" err="1">
+                <a:solidFill>
+                  <a:srgbClr val="000000"/>
+                </a:solidFill>
+                <a:effectLst/>
+                <a:latin typeface="Aptos" panose="020B0004020202020204" pitchFamily="34" charset="0"/>
+                <a:ea typeface="+mn-ea"/>
+                <a:cs typeface="+mn-cs"/>
+              </a:rPr>
+              <a:t>If</a:t>
+            </a:r>
+            <a:r>
+              <a:rPr lang="de-CH" sz="1800" kern="1200" dirty="0">
+                <a:solidFill>
+                  <a:srgbClr val="000000"/>
+                </a:solidFill>
+                <a:effectLst/>
+                <a:latin typeface="Aptos" panose="020B0004020202020204" pitchFamily="34" charset="0"/>
+                <a:ea typeface="+mn-ea"/>
+                <a:cs typeface="+mn-cs"/>
+              </a:rPr>
+              <a:t> </a:t>
+            </a:r>
+            <a:r>
+              <a:rPr lang="de-CH" sz="1800" kern="1200" dirty="0" err="1">
+                <a:solidFill>
+                  <a:srgbClr val="000000"/>
+                </a:solidFill>
+                <a:effectLst/>
+                <a:latin typeface="Aptos" panose="020B0004020202020204" pitchFamily="34" charset="0"/>
+                <a:ea typeface="+mn-ea"/>
+                <a:cs typeface="+mn-cs"/>
+              </a:rPr>
+              <a:t>there</a:t>
+            </a:r>
+            <a:r>
+              <a:rPr lang="de-CH" sz="1800" kern="1200" dirty="0">
+                <a:solidFill>
+                  <a:srgbClr val="000000"/>
+                </a:solidFill>
+                <a:effectLst/>
+                <a:latin typeface="Aptos" panose="020B0004020202020204" pitchFamily="34" charset="0"/>
+                <a:ea typeface="+mn-ea"/>
+                <a:cs typeface="+mn-cs"/>
+              </a:rPr>
+              <a:t> </a:t>
+            </a:r>
+            <a:r>
+              <a:rPr lang="de-CH" sz="1800" kern="1200" dirty="0" err="1">
+                <a:solidFill>
+                  <a:srgbClr val="000000"/>
+                </a:solidFill>
+                <a:effectLst/>
+                <a:latin typeface="Aptos" panose="020B0004020202020204" pitchFamily="34" charset="0"/>
+                <a:ea typeface="+mn-ea"/>
+                <a:cs typeface="+mn-cs"/>
+              </a:rPr>
+              <a:t>is</a:t>
+            </a:r>
+            <a:r>
+              <a:rPr lang="de-CH" sz="1800" kern="1200" dirty="0">
+                <a:solidFill>
+                  <a:srgbClr val="000000"/>
+                </a:solidFill>
+                <a:effectLst/>
+                <a:latin typeface="Aptos" panose="020B0004020202020204" pitchFamily="34" charset="0"/>
+                <a:ea typeface="+mn-ea"/>
+                <a:cs typeface="+mn-cs"/>
+              </a:rPr>
+              <a:t> a </a:t>
+            </a:r>
+            <a:r>
+              <a:rPr lang="de-CH" sz="1800" kern="1200" dirty="0" err="1">
+                <a:solidFill>
+                  <a:srgbClr val="000000"/>
+                </a:solidFill>
+                <a:effectLst/>
+                <a:latin typeface="Aptos" panose="020B0004020202020204" pitchFamily="34" charset="0"/>
+                <a:ea typeface="+mn-ea"/>
+                <a:cs typeface="+mn-cs"/>
+              </a:rPr>
+              <a:t>shortage</a:t>
+            </a:r>
+            <a:r>
+              <a:rPr lang="de-CH" sz="1800" kern="1200" dirty="0">
+                <a:solidFill>
+                  <a:srgbClr val="000000"/>
+                </a:solidFill>
+                <a:effectLst/>
+                <a:latin typeface="Aptos" panose="020B0004020202020204" pitchFamily="34" charset="0"/>
+                <a:ea typeface="+mn-ea"/>
+                <a:cs typeface="+mn-cs"/>
+              </a:rPr>
+              <a:t> </a:t>
+            </a:r>
+            <a:r>
+              <a:rPr lang="de-CH" sz="1800" kern="1200" dirty="0" err="1">
+                <a:solidFill>
+                  <a:srgbClr val="000000"/>
+                </a:solidFill>
+                <a:effectLst/>
+                <a:latin typeface="Aptos" panose="020B0004020202020204" pitchFamily="34" charset="0"/>
+                <a:ea typeface="+mn-ea"/>
+                <a:cs typeface="+mn-cs"/>
+              </a:rPr>
+              <a:t>the</a:t>
+            </a:r>
+            <a:r>
+              <a:rPr lang="de-CH" sz="1800" kern="1200" dirty="0">
+                <a:solidFill>
+                  <a:srgbClr val="000000"/>
+                </a:solidFill>
+                <a:effectLst/>
+                <a:latin typeface="Aptos" panose="020B0004020202020204" pitchFamily="34" charset="0"/>
+                <a:ea typeface="+mn-ea"/>
+                <a:cs typeface="+mn-cs"/>
+              </a:rPr>
+              <a:t> </a:t>
+            </a:r>
+            <a:r>
+              <a:rPr lang="de-CH" sz="1800" kern="1200" dirty="0" err="1">
+                <a:solidFill>
+                  <a:srgbClr val="000000"/>
+                </a:solidFill>
+                <a:effectLst/>
+                <a:latin typeface="Aptos" panose="020B0004020202020204" pitchFamily="34" charset="0"/>
+                <a:ea typeface="+mn-ea"/>
+                <a:cs typeface="+mn-cs"/>
+              </a:rPr>
+              <a:t>decision</a:t>
+            </a:r>
+            <a:r>
+              <a:rPr lang="de-CH" sz="1800" kern="1200" dirty="0">
+                <a:solidFill>
+                  <a:srgbClr val="000000"/>
+                </a:solidFill>
+                <a:effectLst/>
+                <a:latin typeface="Aptos" panose="020B0004020202020204" pitchFamily="34" charset="0"/>
+                <a:ea typeface="+mn-ea"/>
+                <a:cs typeface="+mn-cs"/>
+              </a:rPr>
+              <a:t> </a:t>
+            </a:r>
+            <a:r>
+              <a:rPr lang="de-CH" sz="1800" kern="1200" dirty="0" err="1">
+                <a:solidFill>
+                  <a:srgbClr val="000000"/>
+                </a:solidFill>
+                <a:effectLst/>
+                <a:latin typeface="Aptos" panose="020B0004020202020204" pitchFamily="34" charset="0"/>
+                <a:ea typeface="+mn-ea"/>
+                <a:cs typeface="+mn-cs"/>
+              </a:rPr>
+              <a:t>table</a:t>
+            </a:r>
+            <a:r>
+              <a:rPr lang="de-CH" sz="1800" kern="1200" dirty="0">
+                <a:solidFill>
+                  <a:srgbClr val="000000"/>
+                </a:solidFill>
+                <a:effectLst/>
+                <a:latin typeface="Aptos" panose="020B0004020202020204" pitchFamily="34" charset="0"/>
+                <a:ea typeface="+mn-ea"/>
+                <a:cs typeface="+mn-cs"/>
+              </a:rPr>
+              <a:t> </a:t>
+            </a:r>
+            <a:r>
+              <a:rPr lang="de-CH" sz="1800" kern="1200" dirty="0" err="1">
+                <a:solidFill>
+                  <a:srgbClr val="000000"/>
+                </a:solidFill>
+                <a:effectLst/>
+                <a:latin typeface="Aptos" panose="020B0004020202020204" pitchFamily="34" charset="0"/>
+                <a:ea typeface="+mn-ea"/>
+                <a:cs typeface="+mn-cs"/>
+              </a:rPr>
+              <a:t>proposes</a:t>
+            </a:r>
+            <a:r>
+              <a:rPr lang="de-CH" sz="1800" kern="1200" dirty="0">
+                <a:solidFill>
+                  <a:srgbClr val="000000"/>
+                </a:solidFill>
+                <a:effectLst/>
+                <a:latin typeface="Aptos" panose="020B0004020202020204" pitchFamily="34" charset="0"/>
+                <a:ea typeface="+mn-ea"/>
+                <a:cs typeface="+mn-cs"/>
+              </a:rPr>
+              <a:t> alternatives </a:t>
+            </a:r>
+            <a:r>
+              <a:rPr lang="de-CH" sz="1800" kern="1200" dirty="0" err="1">
+                <a:solidFill>
+                  <a:srgbClr val="000000"/>
+                </a:solidFill>
+                <a:effectLst/>
+                <a:latin typeface="Aptos" panose="020B0004020202020204" pitchFamily="34" charset="0"/>
+                <a:ea typeface="+mn-ea"/>
+                <a:cs typeface="+mn-cs"/>
+              </a:rPr>
+              <a:t>for</a:t>
+            </a:r>
+            <a:r>
+              <a:rPr lang="de-CH" sz="1800" kern="1200" dirty="0">
+                <a:solidFill>
+                  <a:srgbClr val="000000"/>
+                </a:solidFill>
+                <a:effectLst/>
+                <a:latin typeface="Aptos" panose="020B0004020202020204" pitchFamily="34" charset="0"/>
+                <a:ea typeface="+mn-ea"/>
+                <a:cs typeface="+mn-cs"/>
+              </a:rPr>
+              <a:t> </a:t>
+            </a:r>
+            <a:r>
+              <a:rPr lang="de-CH" sz="1800" kern="1200" dirty="0" err="1">
+                <a:solidFill>
+                  <a:srgbClr val="000000"/>
+                </a:solidFill>
+                <a:effectLst/>
+                <a:latin typeface="Aptos" panose="020B0004020202020204" pitchFamily="34" charset="0"/>
+                <a:ea typeface="+mn-ea"/>
+                <a:cs typeface="+mn-cs"/>
+              </a:rPr>
+              <a:t>each</a:t>
+            </a:r>
+            <a:r>
+              <a:rPr lang="de-CH" sz="1800" kern="1200" dirty="0">
+                <a:solidFill>
+                  <a:srgbClr val="000000"/>
+                </a:solidFill>
+                <a:effectLst/>
+                <a:latin typeface="Aptos" panose="020B0004020202020204" pitchFamily="34" charset="0"/>
+                <a:ea typeface="+mn-ea"/>
+                <a:cs typeface="+mn-cs"/>
+              </a:rPr>
+              <a:t> </a:t>
+            </a:r>
+            <a:r>
+              <a:rPr lang="de-CH" sz="1800" kern="1200" dirty="0" err="1">
+                <a:solidFill>
+                  <a:srgbClr val="000000"/>
+                </a:solidFill>
+                <a:effectLst/>
+                <a:latin typeface="Aptos" panose="020B0004020202020204" pitchFamily="34" charset="0"/>
+                <a:ea typeface="+mn-ea"/>
+                <a:cs typeface="+mn-cs"/>
+              </a:rPr>
+              <a:t>narcotic</a:t>
+            </a:r>
+            <a:r>
+              <a:rPr lang="de-CH" sz="1800" kern="1200" dirty="0">
+                <a:solidFill>
+                  <a:srgbClr val="000000"/>
+                </a:solidFill>
+                <a:effectLst/>
+                <a:latin typeface="Aptos" panose="020B0004020202020204" pitchFamily="34" charset="0"/>
+                <a:ea typeface="+mn-ea"/>
+                <a:cs typeface="+mn-cs"/>
+              </a:rPr>
+              <a:t>.</a:t>
+            </a:r>
+            <a:endParaRPr lang="de-CH" dirty="0">
+              <a:effectLst/>
+            </a:endParaRPr>
+          </a:p>
+          <a:p>
+            <a:endParaRPr lang="de-CH" dirty="0"/>
+          </a:p>
+        </p:txBody>
+      </p:sp>
+      <p:sp>
+        <p:nvSpPr>
+          <p:cNvPr id="4" name="Foliennummernplatzhalter 3"/>
+          <p:cNvSpPr>
+            <a:spLocks noGrp="1"/>
+          </p:cNvSpPr>
+          <p:nvPr>
+            <p:ph type="sldNum" sz="quarter" idx="5"/>
+          </p:nvPr>
+        </p:nvSpPr>
+        <p:spPr/>
+        <p:txBody>
+          <a:bodyPr/>
+          <a:lstStyle/>
+          <a:p>
+            <a:fld id="{661B43BF-7C63-479D-85AD-BD18BBBDD38B}" type="slidenum">
+              <a:rPr lang="de-CH" smtClean="0"/>
+              <a:t>6</a:t>
+            </a:fld>
+            <a:endParaRPr lang="de-CH"/>
+          </a:p>
+        </p:txBody>
+      </p:sp>
+    </p:spTree>
+    <p:extLst>
+      <p:ext uri="{BB962C8B-B14F-4D97-AF65-F5344CB8AC3E}">
+        <p14:creationId xmlns:p14="http://schemas.microsoft.com/office/powerpoint/2010/main" val="2624817135"/>
+      </p:ext>
+    </p:extLst>
+  </p:cSld>
+  <p:clrMapOvr>
+    <a:masterClrMapping/>
+  </p:clrMapOvr>
+</p:notes>
+</file>
+
+<file path=ppt/notesSlides/notesSlide3.xml><?xml version="1.0" encoding="utf-8"?>
+<p:notes xmlns:a="http://schemas.openxmlformats.org/drawingml/2006/main" xmlns:r="http://schemas.openxmlformats.org/officeDocument/2006/relationships" xmlns:p="http://schemas.openxmlformats.org/presentationml/2006/main">
+  <p:cSld>
+    <p:spTree>
+      <p:nvGrpSpPr>
+        <p:cNvPr id="1" name=""/>
+        <p:cNvGrpSpPr/>
+        <p:nvPr/>
+      </p:nvGrpSpPr>
+      <p:grpSpPr>
+        <a:xfrm>
+          <a:off x="0" y="0"/>
+          <a:ext cx="0" cy="0"/>
+          <a:chOff x="0" y="0"/>
+          <a:chExt cx="0" cy="0"/>
+        </a:xfrm>
+      </p:grpSpPr>
+      <p:sp>
+        <p:nvSpPr>
+          <p:cNvPr id="2" name="Folienbildplatzhalter 1"/>
+          <p:cNvSpPr>
+            <a:spLocks noGrp="1" noRot="1" noChangeAspect="1"/>
+          </p:cNvSpPr>
+          <p:nvPr>
+            <p:ph type="sldImg"/>
+          </p:nvPr>
+        </p:nvSpPr>
+        <p:spPr/>
+      </p:sp>
+      <p:sp>
+        <p:nvSpPr>
+          <p:cNvPr id="3" name="Notizenplatzhalter 2"/>
+          <p:cNvSpPr>
+            <a:spLocks noGrp="1"/>
+          </p:cNvSpPr>
+          <p:nvPr>
+            <p:ph type="body" idx="1"/>
+          </p:nvPr>
+        </p:nvSpPr>
+        <p:spPr/>
+        <p:txBody>
+          <a:bodyPr/>
+          <a:lstStyle/>
+          <a:p>
+            <a:r>
+              <a:rPr lang="de-CH" dirty="0" err="1"/>
+              <a:t>One</a:t>
+            </a:r>
+            <a:r>
+              <a:rPr lang="de-CH" dirty="0"/>
+              <a:t> </a:t>
+            </a:r>
+            <a:r>
+              <a:rPr lang="de-CH" dirty="0" err="1"/>
+              <a:t>big</a:t>
+            </a:r>
+            <a:r>
+              <a:rPr lang="de-CH" dirty="0"/>
+              <a:t> </a:t>
+            </a:r>
+            <a:r>
+              <a:rPr lang="de-CH" dirty="0" err="1"/>
+              <a:t>advantage</a:t>
+            </a:r>
+            <a:r>
+              <a:rPr lang="de-CH" dirty="0"/>
+              <a:t> </a:t>
+            </a:r>
+            <a:r>
+              <a:rPr lang="de-CH" dirty="0" err="1"/>
+              <a:t>is</a:t>
+            </a:r>
+            <a:r>
+              <a:rPr lang="de-CH" dirty="0"/>
+              <a:t> </a:t>
+            </a:r>
+            <a:r>
+              <a:rPr lang="de-CH" dirty="0" err="1"/>
+              <a:t>that</a:t>
+            </a:r>
+            <a:r>
+              <a:rPr lang="de-CH" dirty="0"/>
+              <a:t> </a:t>
+            </a:r>
+            <a:r>
+              <a:rPr lang="de-CH" dirty="0" err="1"/>
+              <a:t>this</a:t>
+            </a:r>
+            <a:r>
+              <a:rPr lang="de-CH" dirty="0"/>
+              <a:t> </a:t>
+            </a:r>
+            <a:r>
+              <a:rPr lang="de-CH" dirty="0" err="1"/>
+              <a:t>process</a:t>
+            </a:r>
+            <a:r>
+              <a:rPr lang="de-CH" dirty="0"/>
+              <a:t> </a:t>
+            </a:r>
+            <a:r>
+              <a:rPr lang="de-CH" dirty="0" err="1"/>
+              <a:t>is</a:t>
+            </a:r>
+            <a:r>
+              <a:rPr lang="de-CH" dirty="0"/>
+              <a:t> </a:t>
+            </a:r>
+            <a:r>
+              <a:rPr lang="de-CH" dirty="0" err="1"/>
+              <a:t>automated</a:t>
+            </a:r>
+            <a:r>
+              <a:rPr lang="de-CH" dirty="0"/>
+              <a:t>, </a:t>
+            </a:r>
+            <a:r>
+              <a:rPr lang="de-CH" dirty="0" err="1"/>
+              <a:t>meaning</a:t>
+            </a:r>
+            <a:r>
+              <a:rPr lang="de-CH" dirty="0"/>
+              <a:t> </a:t>
+            </a:r>
+            <a:r>
+              <a:rPr lang="de-CH" dirty="0" err="1"/>
+              <a:t>that</a:t>
+            </a:r>
+            <a:r>
+              <a:rPr lang="de-CH" dirty="0"/>
+              <a:t> </a:t>
+            </a:r>
+            <a:r>
+              <a:rPr lang="de-CH" dirty="0" err="1"/>
+              <a:t>we</a:t>
+            </a:r>
+            <a:r>
+              <a:rPr lang="de-CH" dirty="0"/>
+              <a:t> </a:t>
+            </a:r>
+            <a:r>
+              <a:rPr lang="de-CH" dirty="0" err="1"/>
+              <a:t>have</a:t>
+            </a:r>
+            <a:r>
+              <a:rPr lang="de-CH" dirty="0"/>
+              <a:t> </a:t>
+            </a:r>
+            <a:r>
+              <a:rPr lang="de-CH" dirty="0" err="1"/>
+              <a:t>implemented</a:t>
+            </a:r>
+            <a:r>
+              <a:rPr lang="de-CH" dirty="0"/>
+              <a:t> a </a:t>
+            </a:r>
+            <a:r>
+              <a:rPr lang="de-CH" dirty="0" err="1"/>
+              <a:t>cron</a:t>
+            </a:r>
+            <a:r>
+              <a:rPr lang="de-CH" dirty="0"/>
+              <a:t> </a:t>
+            </a:r>
+            <a:r>
+              <a:rPr lang="de-CH" dirty="0" err="1"/>
+              <a:t>pattern</a:t>
+            </a:r>
+            <a:r>
+              <a:rPr lang="de-CH" dirty="0"/>
+              <a:t> </a:t>
+            </a:r>
+            <a:r>
+              <a:rPr lang="de-CH" dirty="0" err="1"/>
+              <a:t>that</a:t>
+            </a:r>
+            <a:r>
+              <a:rPr lang="de-CH" dirty="0"/>
+              <a:t> </a:t>
+            </a:r>
+            <a:r>
+              <a:rPr lang="de-CH" dirty="0" err="1"/>
+              <a:t>starts</a:t>
+            </a:r>
+            <a:r>
+              <a:rPr lang="de-CH" dirty="0"/>
+              <a:t> </a:t>
+            </a:r>
+            <a:r>
+              <a:rPr lang="de-CH" dirty="0" err="1"/>
+              <a:t>the</a:t>
+            </a:r>
+            <a:r>
+              <a:rPr lang="de-CH" dirty="0"/>
+              <a:t> </a:t>
+            </a:r>
+            <a:r>
+              <a:rPr lang="de-CH" dirty="0" err="1"/>
+              <a:t>process</a:t>
+            </a:r>
+            <a:r>
+              <a:rPr lang="de-CH" dirty="0"/>
+              <a:t> </a:t>
+            </a:r>
+            <a:r>
+              <a:rPr lang="de-CH" dirty="0" err="1"/>
+              <a:t>daily</a:t>
+            </a:r>
+            <a:r>
+              <a:rPr lang="de-CH" dirty="0"/>
+              <a:t> at 11:00 </a:t>
+            </a:r>
+            <a:r>
+              <a:rPr lang="de-CH" dirty="0" err="1"/>
+              <a:t>without</a:t>
+            </a:r>
+            <a:r>
+              <a:rPr lang="de-CH" dirty="0"/>
+              <a:t> a </a:t>
+            </a:r>
+            <a:r>
+              <a:rPr lang="de-CH" dirty="0" err="1"/>
+              <a:t>team</a:t>
+            </a:r>
+            <a:r>
+              <a:rPr lang="de-CH" dirty="0"/>
+              <a:t> </a:t>
+            </a:r>
+            <a:r>
+              <a:rPr lang="de-CH" dirty="0" err="1"/>
+              <a:t>member</a:t>
+            </a:r>
+            <a:r>
+              <a:rPr lang="de-CH" dirty="0"/>
+              <a:t> </a:t>
+            </a:r>
+            <a:r>
+              <a:rPr lang="de-CH" dirty="0" err="1"/>
+              <a:t>having</a:t>
+            </a:r>
+            <a:r>
+              <a:rPr lang="de-CH" dirty="0"/>
+              <a:t> </a:t>
+            </a:r>
+            <a:r>
+              <a:rPr lang="de-CH" dirty="0" err="1"/>
+              <a:t>to</a:t>
+            </a:r>
+            <a:r>
+              <a:rPr lang="de-CH" dirty="0"/>
+              <a:t> </a:t>
+            </a:r>
+            <a:r>
+              <a:rPr lang="de-CH" dirty="0" err="1"/>
+              <a:t>think</a:t>
+            </a:r>
+            <a:r>
+              <a:rPr lang="de-CH" dirty="0"/>
+              <a:t> </a:t>
+            </a:r>
+            <a:r>
+              <a:rPr lang="de-CH" dirty="0" err="1"/>
+              <a:t>about</a:t>
+            </a:r>
+            <a:r>
+              <a:rPr lang="de-CH" dirty="0"/>
+              <a:t> it. The </a:t>
+            </a:r>
+            <a:r>
+              <a:rPr lang="de-CH" dirty="0" err="1"/>
+              <a:t>narcotics</a:t>
+            </a:r>
+            <a:r>
+              <a:rPr lang="de-CH" dirty="0"/>
+              <a:t> </a:t>
+            </a:r>
+            <a:r>
+              <a:rPr lang="de-CH" dirty="0" err="1"/>
+              <a:t>team</a:t>
+            </a:r>
+            <a:r>
+              <a:rPr lang="de-CH" dirty="0"/>
+              <a:t> </a:t>
+            </a:r>
+            <a:r>
+              <a:rPr lang="de-CH" dirty="0" err="1"/>
+              <a:t>is</a:t>
+            </a:r>
+            <a:r>
+              <a:rPr lang="de-CH" dirty="0"/>
+              <a:t> </a:t>
+            </a:r>
+            <a:r>
+              <a:rPr lang="de-CH" dirty="0" err="1"/>
+              <a:t>then</a:t>
+            </a:r>
+            <a:r>
+              <a:rPr lang="de-CH" dirty="0"/>
+              <a:t> </a:t>
+            </a:r>
+            <a:r>
+              <a:rPr lang="de-CH" dirty="0" err="1"/>
+              <a:t>only</a:t>
+            </a:r>
+            <a:r>
+              <a:rPr lang="de-CH" dirty="0"/>
+              <a:t> </a:t>
+            </a:r>
+            <a:r>
+              <a:rPr lang="de-CH" dirty="0" err="1"/>
+              <a:t>informed</a:t>
+            </a:r>
+            <a:r>
+              <a:rPr lang="de-CH" dirty="0"/>
+              <a:t> </a:t>
+            </a:r>
+            <a:r>
+              <a:rPr lang="de-CH" dirty="0" err="1"/>
+              <a:t>if</a:t>
+            </a:r>
+            <a:r>
+              <a:rPr lang="de-CH" dirty="0"/>
+              <a:t> </a:t>
+            </a:r>
+            <a:r>
+              <a:rPr lang="de-CH" dirty="0" err="1"/>
+              <a:t>there</a:t>
+            </a:r>
+            <a:r>
+              <a:rPr lang="de-CH" dirty="0"/>
+              <a:t> </a:t>
+            </a:r>
+            <a:r>
+              <a:rPr lang="de-CH" dirty="0" err="1"/>
+              <a:t>is</a:t>
+            </a:r>
+            <a:r>
+              <a:rPr lang="de-CH" dirty="0"/>
+              <a:t> </a:t>
+            </a:r>
+            <a:r>
+              <a:rPr lang="de-CH" dirty="0" err="1"/>
+              <a:t>something</a:t>
+            </a:r>
+            <a:r>
+              <a:rPr lang="de-CH" dirty="0"/>
+              <a:t> </a:t>
+            </a:r>
+            <a:r>
+              <a:rPr lang="de-CH" dirty="0" err="1"/>
+              <a:t>for</a:t>
+            </a:r>
+            <a:r>
+              <a:rPr lang="de-CH" dirty="0"/>
+              <a:t> </a:t>
+            </a:r>
+            <a:r>
+              <a:rPr lang="de-CH" dirty="0" err="1"/>
+              <a:t>them</a:t>
+            </a:r>
+            <a:r>
+              <a:rPr lang="de-CH" dirty="0"/>
+              <a:t> </a:t>
+            </a:r>
+            <a:r>
+              <a:rPr lang="de-CH" dirty="0" err="1"/>
+              <a:t>to</a:t>
+            </a:r>
+            <a:r>
+              <a:rPr lang="de-CH" dirty="0"/>
+              <a:t> do. </a:t>
+            </a:r>
+          </a:p>
+          <a:p>
+            <a:endParaRPr lang="de-CH" dirty="0"/>
+          </a:p>
+          <a:p>
+            <a:r>
+              <a:rPr lang="de-CH" dirty="0" err="1"/>
+              <a:t>For</a:t>
+            </a:r>
+            <a:r>
+              <a:rPr lang="de-CH" dirty="0"/>
+              <a:t> </a:t>
+            </a:r>
+            <a:r>
+              <a:rPr lang="de-CH" dirty="0" err="1"/>
+              <a:t>technologies</a:t>
+            </a:r>
+            <a:r>
+              <a:rPr lang="de-CH" dirty="0"/>
+              <a:t> </a:t>
+            </a:r>
+            <a:r>
+              <a:rPr lang="de-CH" dirty="0" err="1"/>
+              <a:t>we</a:t>
+            </a:r>
+            <a:r>
+              <a:rPr lang="de-CH" dirty="0"/>
+              <a:t> </a:t>
+            </a:r>
+            <a:r>
+              <a:rPr lang="de-CH" dirty="0" err="1"/>
+              <a:t>have</a:t>
+            </a:r>
+            <a:r>
+              <a:rPr lang="de-CH" dirty="0"/>
+              <a:t> </a:t>
+            </a:r>
+            <a:r>
+              <a:rPr lang="de-CH" dirty="0" err="1"/>
+              <a:t>decided</a:t>
+            </a:r>
+            <a:r>
+              <a:rPr lang="de-CH" dirty="0"/>
+              <a:t> </a:t>
+            </a:r>
+            <a:r>
+              <a:rPr lang="de-CH" dirty="0" err="1"/>
+              <a:t>to</a:t>
+            </a:r>
+            <a:r>
+              <a:rPr lang="de-CH" dirty="0"/>
+              <a:t> </a:t>
+            </a:r>
+            <a:r>
+              <a:rPr lang="de-CH" dirty="0" err="1"/>
+              <a:t>keep</a:t>
+            </a:r>
+            <a:r>
+              <a:rPr lang="de-CH" dirty="0"/>
+              <a:t> </a:t>
+            </a:r>
+            <a:r>
+              <a:rPr lang="de-CH" dirty="0" err="1"/>
+              <a:t>it</a:t>
+            </a:r>
+            <a:r>
+              <a:rPr lang="de-CH" dirty="0"/>
+              <a:t> simple, so </a:t>
+            </a:r>
+            <a:r>
+              <a:rPr lang="de-CH" dirty="0" err="1"/>
+              <a:t>as</a:t>
+            </a:r>
+            <a:r>
+              <a:rPr lang="de-CH" dirty="0"/>
+              <a:t> i just </a:t>
+            </a:r>
+            <a:r>
+              <a:rPr lang="de-CH" dirty="0" err="1"/>
+              <a:t>showed</a:t>
+            </a:r>
+            <a:r>
+              <a:rPr lang="de-CH" dirty="0"/>
+              <a:t> </a:t>
+            </a:r>
+            <a:r>
+              <a:rPr lang="de-CH" dirty="0" err="1"/>
+              <a:t>you</a:t>
+            </a:r>
+            <a:r>
+              <a:rPr lang="de-CH" dirty="0"/>
+              <a:t> </a:t>
+            </a:r>
+            <a:r>
+              <a:rPr lang="de-CH" dirty="0" err="1"/>
+              <a:t>we</a:t>
+            </a:r>
+            <a:r>
+              <a:rPr lang="de-CH" dirty="0"/>
+              <a:t> </a:t>
+            </a:r>
+            <a:r>
+              <a:rPr lang="de-CH" dirty="0" err="1"/>
+              <a:t>have</a:t>
+            </a:r>
+            <a:r>
+              <a:rPr lang="de-CH" dirty="0"/>
+              <a:t> </a:t>
+            </a:r>
+            <a:r>
+              <a:rPr lang="de-CH" dirty="0" err="1"/>
+              <a:t>the</a:t>
+            </a:r>
+            <a:r>
+              <a:rPr lang="de-CH" dirty="0"/>
+              <a:t> </a:t>
+            </a:r>
+            <a:r>
+              <a:rPr lang="de-CH" dirty="0" err="1"/>
+              <a:t>Decision</a:t>
+            </a:r>
+            <a:r>
+              <a:rPr lang="de-CH" dirty="0"/>
+              <a:t> Support Table, </a:t>
+            </a:r>
+            <a:r>
+              <a:rPr lang="de-CH" dirty="0" err="1"/>
+              <a:t>we</a:t>
+            </a:r>
+            <a:r>
+              <a:rPr lang="de-CH" dirty="0"/>
+              <a:t> </a:t>
+            </a:r>
+            <a:r>
+              <a:rPr lang="de-CH" dirty="0" err="1"/>
+              <a:t>have</a:t>
+            </a:r>
+            <a:r>
+              <a:rPr lang="de-CH" dirty="0"/>
+              <a:t> </a:t>
+            </a:r>
+            <a:r>
+              <a:rPr lang="de-CH" dirty="0" err="1"/>
+              <a:t>the</a:t>
+            </a:r>
+            <a:r>
+              <a:rPr lang="de-CH" dirty="0"/>
+              <a:t> </a:t>
+            </a:r>
+            <a:r>
+              <a:rPr lang="de-CH" dirty="0" err="1"/>
+              <a:t>camunda</a:t>
+            </a:r>
+            <a:r>
+              <a:rPr lang="de-CH" dirty="0"/>
+              <a:t> </a:t>
+            </a:r>
+            <a:r>
+              <a:rPr lang="de-CH" dirty="0" err="1"/>
+              <a:t>process</a:t>
+            </a:r>
+            <a:r>
+              <a:rPr lang="de-CH" dirty="0"/>
+              <a:t> and </a:t>
+            </a:r>
+            <a:r>
+              <a:rPr lang="de-CH" dirty="0" err="1"/>
+              <a:t>we</a:t>
+            </a:r>
+            <a:r>
+              <a:rPr lang="de-CH" dirty="0"/>
+              <a:t> </a:t>
+            </a:r>
+            <a:r>
+              <a:rPr lang="de-CH" dirty="0" err="1"/>
+              <a:t>have</a:t>
+            </a:r>
+            <a:r>
+              <a:rPr lang="de-CH" dirty="0"/>
+              <a:t> multiple </a:t>
+            </a:r>
+            <a:r>
+              <a:rPr lang="de-CH" dirty="0" err="1"/>
+              <a:t>service</a:t>
+            </a:r>
+            <a:r>
+              <a:rPr lang="de-CH" dirty="0"/>
+              <a:t> </a:t>
+            </a:r>
+            <a:r>
+              <a:rPr lang="de-CH" dirty="0" err="1"/>
+              <a:t>tasks</a:t>
+            </a:r>
+            <a:r>
+              <a:rPr lang="de-CH" dirty="0"/>
+              <a:t> </a:t>
+            </a:r>
+            <a:r>
+              <a:rPr lang="de-CH" dirty="0" err="1"/>
+              <a:t>that</a:t>
+            </a:r>
+            <a:r>
+              <a:rPr lang="de-CH" dirty="0"/>
+              <a:t> </a:t>
+            </a:r>
+            <a:r>
+              <a:rPr lang="de-CH" dirty="0" err="1"/>
+              <a:t>were</a:t>
+            </a:r>
+            <a:r>
+              <a:rPr lang="de-CH" dirty="0"/>
+              <a:t> </a:t>
+            </a:r>
+            <a:r>
+              <a:rPr lang="de-CH" dirty="0" err="1"/>
+              <a:t>implemented</a:t>
+            </a:r>
+            <a:r>
+              <a:rPr lang="de-CH" dirty="0"/>
+              <a:t> in </a:t>
+            </a:r>
+            <a:r>
+              <a:rPr lang="de-CH" dirty="0" err="1"/>
+              <a:t>python</a:t>
+            </a:r>
+            <a:r>
+              <a:rPr lang="de-CH" dirty="0"/>
+              <a:t> </a:t>
+            </a:r>
+            <a:r>
+              <a:rPr lang="de-CH" dirty="0" err="1"/>
+              <a:t>using</a:t>
+            </a:r>
+            <a:r>
+              <a:rPr lang="de-CH" dirty="0"/>
+              <a:t> a </a:t>
+            </a:r>
+            <a:r>
+              <a:rPr lang="de-CH" dirty="0" err="1"/>
+              <a:t>Flask</a:t>
+            </a:r>
+            <a:r>
+              <a:rPr lang="de-CH" dirty="0"/>
+              <a:t> API.</a:t>
+            </a:r>
+          </a:p>
+          <a:p>
+            <a:pPr marL="0" marR="0" lvl="0" indent="0" algn="l" defTabSz="914400" rtl="0" eaLnBrk="1" fontAlgn="auto" latinLnBrk="0" hangingPunct="1">
+              <a:lnSpc>
+                <a:spcPct val="100000"/>
+              </a:lnSpc>
+              <a:spcBef>
+                <a:spcPts val="0"/>
+              </a:spcBef>
+              <a:spcAft>
+                <a:spcPts val="0"/>
+              </a:spcAft>
+              <a:buClrTx/>
+              <a:buSzTx/>
+              <a:buFontTx/>
+              <a:buNone/>
+              <a:tabLst/>
+              <a:defRPr/>
+            </a:pPr>
+            <a:r>
+              <a:rPr lang="de-CH" dirty="0" err="1"/>
+              <a:t>We</a:t>
+            </a:r>
+            <a:r>
+              <a:rPr lang="de-CH" dirty="0"/>
+              <a:t> </a:t>
+            </a:r>
+            <a:r>
+              <a:rPr lang="de-CH" dirty="0" err="1"/>
+              <a:t>are</a:t>
+            </a:r>
+            <a:r>
+              <a:rPr lang="de-CH" dirty="0"/>
+              <a:t> also </a:t>
+            </a:r>
+            <a:r>
+              <a:rPr lang="de-CH" dirty="0" err="1"/>
+              <a:t>sending</a:t>
+            </a:r>
+            <a:r>
+              <a:rPr lang="de-CH" dirty="0"/>
+              <a:t> </a:t>
+            </a:r>
+            <a:r>
+              <a:rPr lang="de-CH" dirty="0" err="1"/>
+              <a:t>emails</a:t>
+            </a:r>
+            <a:r>
+              <a:rPr lang="de-CH" dirty="0"/>
+              <a:t> in </a:t>
+            </a:r>
+            <a:r>
+              <a:rPr lang="de-CH" dirty="0" err="1"/>
+              <a:t>this</a:t>
+            </a:r>
+            <a:r>
+              <a:rPr lang="de-CH" dirty="0"/>
+              <a:t> API, </a:t>
+            </a:r>
+            <a:r>
+              <a:rPr lang="de-CH" dirty="0" err="1"/>
+              <a:t>for</a:t>
+            </a:r>
+            <a:r>
+              <a:rPr lang="de-CH" dirty="0"/>
+              <a:t> </a:t>
+            </a:r>
+            <a:r>
+              <a:rPr lang="de-CH" dirty="0" err="1"/>
+              <a:t>sending</a:t>
+            </a:r>
+            <a:r>
+              <a:rPr lang="de-CH" dirty="0"/>
+              <a:t> </a:t>
+            </a:r>
+            <a:r>
+              <a:rPr lang="de-CH" dirty="0" err="1"/>
+              <a:t>those</a:t>
+            </a:r>
+            <a:r>
+              <a:rPr lang="de-CH" dirty="0"/>
+              <a:t> </a:t>
+            </a:r>
+            <a:r>
+              <a:rPr lang="de-CH" dirty="0" err="1"/>
+              <a:t>we</a:t>
+            </a:r>
+            <a:r>
+              <a:rPr lang="de-CH" dirty="0"/>
+              <a:t> </a:t>
+            </a:r>
+            <a:r>
+              <a:rPr lang="de-CH" dirty="0" err="1"/>
+              <a:t>use</a:t>
+            </a:r>
+            <a:r>
+              <a:rPr lang="de-CH" dirty="0"/>
+              <a:t> </a:t>
+            </a:r>
+            <a:r>
+              <a:rPr lang="de-CH" dirty="0" err="1"/>
+              <a:t>the</a:t>
+            </a:r>
+            <a:r>
+              <a:rPr lang="de-CH" dirty="0"/>
+              <a:t> </a:t>
+            </a:r>
+            <a:r>
+              <a:rPr lang="en-US" b="0" dirty="0">
+                <a:solidFill>
+                  <a:srgbClr val="CCCCCC"/>
+                </a:solidFill>
+                <a:effectLst/>
+                <a:latin typeface="Consolas" panose="020B0609020204030204" pitchFamily="49" charset="0"/>
+              </a:rPr>
+              <a:t>python </a:t>
+            </a:r>
+            <a:r>
+              <a:rPr lang="en-US" b="0" dirty="0" err="1">
+                <a:solidFill>
+                  <a:srgbClr val="CCCCCC"/>
+                </a:solidFill>
+                <a:effectLst/>
+                <a:latin typeface="Consolas" panose="020B0609020204030204" pitchFamily="49" charset="0"/>
+              </a:rPr>
+              <a:t>smtplib</a:t>
+            </a:r>
+            <a:r>
+              <a:rPr lang="en-US" b="0">
+                <a:solidFill>
+                  <a:srgbClr val="CCCCCC"/>
+                </a:solidFill>
+                <a:effectLst/>
+                <a:latin typeface="Consolas" panose="020B0609020204030204" pitchFamily="49" charset="0"/>
+              </a:rPr>
+              <a:t> library</a:t>
+            </a:r>
+            <a:endParaRPr lang="en-US" b="0" dirty="0">
+              <a:solidFill>
+                <a:srgbClr val="CCCCCC"/>
+              </a:solidFill>
+              <a:effectLst/>
+              <a:latin typeface="Consolas" panose="020B0609020204030204" pitchFamily="49" charset="0"/>
+            </a:endParaRPr>
+          </a:p>
+          <a:p>
+            <a:endParaRPr lang="de-CH" dirty="0"/>
+          </a:p>
+        </p:txBody>
+      </p:sp>
+      <p:sp>
+        <p:nvSpPr>
+          <p:cNvPr id="4" name="Foliennummernplatzhalter 3"/>
+          <p:cNvSpPr>
+            <a:spLocks noGrp="1"/>
+          </p:cNvSpPr>
+          <p:nvPr>
+            <p:ph type="sldNum" sz="quarter" idx="5"/>
+          </p:nvPr>
+        </p:nvSpPr>
+        <p:spPr/>
+        <p:txBody>
+          <a:bodyPr/>
+          <a:lstStyle/>
+          <a:p>
+            <a:fld id="{661B43BF-7C63-479D-85AD-BD18BBBDD38B}" type="slidenum">
+              <a:rPr lang="de-CH" smtClean="0"/>
+              <a:t>7</a:t>
+            </a:fld>
+            <a:endParaRPr lang="de-CH"/>
+          </a:p>
+        </p:txBody>
+      </p:sp>
+    </p:spTree>
+    <p:extLst>
+      <p:ext uri="{BB962C8B-B14F-4D97-AF65-F5344CB8AC3E}">
+        <p14:creationId xmlns:p14="http://schemas.microsoft.com/office/powerpoint/2010/main" val="4204800737"/>
+      </p:ext>
+    </p:extLst>
+  </p:cSld>
+  <p:clrMapOvr>
+    <a:masterClrMapping/>
+  </p:clrMapOvr>
+</p:notes>
 </file>
 
 <file path=ppt/slideLayouts/slideLayout1.xml><?xml version="1.0" encoding="utf-8"?>
@@ -5732,7 +11668,7 @@
           <p:nvPr/>
         </p:nvPicPr>
         <p:blipFill>
-          <a:blip r:embed="rId2"/>
+          <a:blip r:embed="rId3"/>
           <a:stretch>
             <a:fillRect/>
           </a:stretch>
@@ -5857,7 +11793,7 @@
           <p:nvPr/>
         </p:nvPicPr>
         <p:blipFill>
-          <a:blip r:embed="rId2"/>
+          <a:blip r:embed="rId3"/>
           <a:stretch>
             <a:fillRect/>
           </a:stretch>
@@ -5887,7 +11823,7 @@
           <p:nvPr/>
         </p:nvPicPr>
         <p:blipFill>
-          <a:blip r:embed="rId3"/>
+          <a:blip r:embed="rId4"/>
           <a:stretch>
             <a:fillRect/>
           </a:stretch>
@@ -6059,42 +11995,11 @@
         </p:spPr>
         <p:txBody>
           <a:bodyPr>
-            <a:normAutofit lnSpcReduction="10000"/>
+            <a:normAutofit/>
           </a:bodyPr>
           <a:lstStyle/>
           <a:p>
             <a:r>
-              <a:rPr lang="de-DE" dirty="0" err="1"/>
-              <a:t>talking</a:t>
-            </a:r>
-            <a:r>
-              <a:rPr lang="de-DE" dirty="0"/>
-              <a:t> </a:t>
-            </a:r>
-            <a:r>
-              <a:rPr lang="de-DE" dirty="0" err="1"/>
-              <a:t>about</a:t>
-            </a:r>
-            <a:r>
-              <a:rPr lang="de-DE" dirty="0"/>
-              <a:t> </a:t>
-            </a:r>
-            <a:r>
-              <a:rPr lang="de-DE" dirty="0" err="1"/>
-              <a:t>technical</a:t>
-            </a:r>
-            <a:r>
-              <a:rPr lang="de-DE" dirty="0"/>
-              <a:t> </a:t>
-            </a:r>
-            <a:r>
-              <a:rPr lang="de-DE" dirty="0" err="1"/>
-              <a:t>details</a:t>
-            </a:r>
-            <a:endParaRPr lang="de-DE" dirty="0"/>
-          </a:p>
-          <a:p>
-            <a:r>
               <a:rPr lang="de-DE" dirty="0"/>
               <a:t>Automation:</a:t>
             </a:r>
@@ -6191,7 +12096,23 @@
             </a:r>
             <a:r>
               <a:rPr lang="de-DE" dirty="0" err="1"/>
-              <a:t>orover</a:t>
+              <a:t>or</a:t>
+            </a:r>
+            <a:r>
+              <a:rPr lang="de-DE" dirty="0"/>
+              <a:t> </a:t>
+            </a:r>
+            <a:r>
+              <a:rPr lang="de-DE" dirty="0" err="1"/>
+              <a:t>over</a:t>
+            </a:r>
+            <a:r>
+              <a:rPr lang="de-DE" dirty="0"/>
+              <a:t> </a:t>
+            </a:r>
+            <a:r>
+              <a:rPr lang="de-DE" dirty="0" err="1"/>
+              <a:t>the</a:t>
             </a:r>
             <a:r>
               <a:rPr lang="de-DE" dirty="0"/>
@@ -6205,14 +12126,6 @@
               <a:rPr lang="de-DE" dirty="0"/>
               <a:t> </a:t>
             </a:r>
-          </a:p>
-          <a:p>
-            <a:pPr lvl="1"/>
-            <a:r>
-              <a:rPr lang="de-DE" dirty="0" err="1"/>
-              <a:t>placeholder</a:t>
-            </a:r>
-            <a:endParaRPr lang="de-DE" dirty="0"/>
           </a:p>
           <a:p>
             <a:pPr marL="0" indent="0">
@@ -6225,10 +12138,7 @@
               <a:rPr lang="de-DE" dirty="0" err="1"/>
               <a:t>Unification</a:t>
             </a:r>
-            <a:r>
-              <a:rPr lang="de-DE" dirty="0"/>
-              <a:t>: </a:t>
-            </a:r>
+            <a:endParaRPr lang="de-DE" dirty="0"/>
           </a:p>
           <a:p>
             <a:r>
@@ -6237,21 +12147,13 @@
             </a:r>
             <a:r>
               <a:rPr lang="de-DE" dirty="0"/>
-              <a:t> support: </a:t>
+              <a:t> support</a:t>
             </a:r>
           </a:p>
           <a:p>
             <a:r>
               <a:rPr lang="de-DE" dirty="0"/>
-              <a:t> </a:t>
-            </a:r>
-            <a:r>
-              <a:rPr lang="de-DE" dirty="0" err="1"/>
-              <a:t>use</a:t>
-            </a:r>
-            <a:r>
-              <a:rPr lang="de-DE" dirty="0"/>
-              <a:t> </a:t>
+              <a:t>Use </a:t>
             </a:r>
             <a:r>
               <a:rPr lang="de-DE" dirty="0" err="1"/>
@@ -7236,4 +13138,319 @@
     </a:ext>
   </a:extLst>
 </a:theme>
+</file>
+
+<file path=ppt/theme/theme2.xml><?xml version="1.0" encoding="utf-8"?>
+<a:theme xmlns:a="http://schemas.openxmlformats.org/drawingml/2006/main" name="Office">
+  <a:themeElements>
+    <a:clrScheme name="Office">
+      <a:dk1>
+        <a:sysClr val="windowText" lastClr="000000"/>
+      </a:dk1>
+      <a:lt1>
+        <a:sysClr val="window" lastClr="FFFFFF"/>
+      </a:lt1>
+      <a:dk2>
+        <a:srgbClr val="0E2841"/>
+      </a:dk2>
+      <a:lt2>
+        <a:srgbClr val="E8E8E8"/>
+      </a:lt2>
+      <a:accent1>
+        <a:srgbClr val="156082"/>
+      </a:accent1>
+      <a:accent2>
+        <a:srgbClr val="E97132"/>
+      </a:accent2>
+      <a:accent3>
+        <a:srgbClr val="196B24"/>
+      </a:accent3>
+      <a:accent4>
+        <a:srgbClr val="0F9ED5"/>
+      </a:accent4>
+      <a:accent5>
+        <a:srgbClr val="A02B93"/>
+      </a:accent5>
+      <a:accent6>
+        <a:srgbClr val="4EA72E"/>
+      </a:accent6>
+      <a:hlink>
+        <a:srgbClr val="467886"/>
+      </a:hlink>
+      <a:folHlink>
+        <a:srgbClr val="96607D"/>
+      </a:folHlink>
+    </a:clrScheme>
+    <a:fontScheme name="Office">
+      <a:majorFont>
+        <a:latin typeface="Aptos Display" panose="02110004020202020204"/>
+        <a:ea typeface=""/>
+        <a:cs typeface=""/>
+        <a:font script="Jpan" typeface="游ゴシック Light"/>
+        <a:font script="Hang" typeface="맑은 고딕"/>
+        <a:font script="Hans" typeface="等线 Light"/>
+        <a:font script="Hant" typeface="新細明體"/>
+        <a:font script="Arab" typeface="Times New Roman"/>
+        <a:font script="Hebr" typeface="Times New Roman"/>
+        <a:font script="Thai" typeface="Angsana New"/>
+        <a:font script="Ethi" typeface="Nyala"/>
+        <a:font script="Beng" typeface="Vrinda"/>
+        <a:font script="Gujr" typeface="Shruti"/>
+        <a:font script="Khmr" typeface="MoolBoran"/>
+        <a:font script="Knda" typeface="Tunga"/>
+        <a:font script="Guru" typeface="Raavi"/>
+        <a:font script="Cans" typeface="Euphemia"/>
+        <a:font script="Cher" typeface="Plantagenet Cherokee"/>
+        <a:font script="Yiii" typeface="Microsoft Yi Baiti"/>
+        <a:font script="Tibt" typeface="Microsoft Himalaya"/>
+        <a:font script="Thaa" typeface="MV Boli"/>
+        <a:font script="Deva" typeface="Mangal"/>
+        <a:font script="Telu" typeface="Gautami"/>
+        <a:font script="Taml" typeface="Latha"/>
+        <a:font script="Syrc" typeface="Estrangelo Edessa"/>
+        <a:font script="Orya" typeface="Kalinga"/>
+        <a:font script="Mlym" typeface="Kartika"/>
+        <a:font script="Laoo" typeface="DokChampa"/>
+        <a:font script="Sinh" typeface="Iskoola Pota"/>
+        <a:font script="Mong" typeface="Mongolian Baiti"/>
+        <a:font script="Viet" typeface="Times New Roman"/>
+        <a:font script="Uigh" typeface="Microsoft Uighur"/>
+        <a:font script="Geor" typeface="Sylfaen"/>
+        <a:font script="Armn" typeface="Arial"/>
+        <a:font script="Bugi" typeface="Leelawadee UI"/>
+        <a:font script="Bopo" typeface="Microsoft JhengHei"/>
+        <a:font script="Java" typeface="Javanese Text"/>
+        <a:font script="Lisu" typeface="Segoe UI"/>
+        <a:font script="Mymr" typeface="Myanmar Text"/>
+        <a:font script="Nkoo" typeface="Ebrima"/>
+        <a:font script="Olck" typeface="Nirmala UI"/>
+        <a:font script="Osma" typeface="Ebrima"/>
+        <a:font script="Phag" typeface="Phagspa"/>
+        <a:font script="Syrn" typeface="Estrangelo Edessa"/>
+        <a:font script="Syrj" typeface="Estrangelo Edessa"/>
+        <a:font script="Syre" typeface="Estrangelo Edessa"/>
+        <a:font script="Sora" typeface="Nirmala UI"/>
+        <a:font script="Tale" typeface="Microsoft Tai Le"/>
+        <a:font script="Talu" typeface="Microsoft New Tai Lue"/>
+        <a:font script="Tfng" typeface="Ebrima"/>
+      </a:majorFont>
+      <a:minorFont>
+        <a:latin typeface="Aptos" panose="02110004020202020204"/>
+        <a:ea typeface=""/>
+        <a:cs typeface=""/>
+        <a:font script="Jpan" typeface="游ゴシック"/>
+        <a:font script="Hang" typeface="맑은 고딕"/>
+        <a:font script="Hans" typeface="等线"/>
+        <a:font script="Hant" typeface="新細明體"/>
+        <a:font script="Arab" typeface="Arial"/>
+        <a:font script="Hebr" typeface="Arial"/>
+        <a:font script="Thai" typeface="Cordia New"/>
+        <a:font script="Ethi" typeface="Nyala"/>
+        <a:font script="Beng" typeface="Vrinda"/>
+        <a:font script="Gujr" typeface="Shruti"/>
+        <a:font script="Khmr" typeface="DaunPenh"/>
+        <a:font script="Knda" typeface="Tunga"/>
+        <a:font script="Guru" typeface="Raavi"/>
+        <a:font script="Cans" typeface="Euphemia"/>
+        <a:font script="Cher" typeface="Plantagenet Cherokee"/>
+        <a:font script="Yiii" typeface="Microsoft Yi Baiti"/>
+        <a:font script="Tibt" typeface="Microsoft Himalaya"/>
+        <a:font script="Thaa" typeface="MV Boli"/>
+        <a:font script="Deva" typeface="Mangal"/>
+        <a:font script="Telu" typeface="Gautami"/>
+        <a:font script="Taml" typeface="Latha"/>
+        <a:font script="Syrc" typeface="Estrangelo Edessa"/>
+        <a:font script="Orya" typeface="Kalinga"/>
+        <a:font script="Mlym" typeface="Kartika"/>
+        <a:font script="Laoo" typeface="DokChampa"/>
+        <a:font script="Sinh" typeface="Iskoola Pota"/>
+        <a:font script="Mong" typeface="Mongolian Baiti"/>
+        <a:font script="Viet" typeface="Arial"/>
+        <a:font script="Uigh" typeface="Microsoft Uighur"/>
+        <a:font script="Geor" typeface="Sylfaen"/>
+        <a:font script="Armn" typeface="Arial"/>
+        <a:font script="Bugi" typeface="Leelawadee UI"/>
+        <a:font script="Bopo" typeface="Microsoft JhengHei"/>
+        <a:font script="Java" typeface="Javanese Text"/>
+        <a:font script="Lisu" typeface="Segoe UI"/>
+        <a:font script="Mymr" typeface="Myanmar Text"/>
+        <a:font script="Nkoo" typeface="Ebrima"/>
+        <a:font script="Olck" typeface="Nirmala UI"/>
+        <a:font script="Osma" typeface="Ebrima"/>
+        <a:font script="Phag" typeface="Phagspa"/>
+        <a:font script="Syrn" typeface="Estrangelo Edessa"/>
+        <a:font script="Syrj" typeface="Estrangelo Edessa"/>
+        <a:font script="Syre" typeface="Estrangelo Edessa"/>
+        <a:font script="Sora" typeface="Nirmala UI"/>
+        <a:font script="Tale" typeface="Microsoft Tai Le"/>
+        <a:font script="Talu" typeface="Microsoft New Tai Lue"/>
+        <a:font script="Tfng" typeface="Ebrima"/>
+      </a:minorFont>
+    </a:fontScheme>
+    <a:fmtScheme name="Office">
+      <a:fillStyleLst>
+        <a:solidFill>
+          <a:schemeClr val="phClr"/>
+        </a:solidFill>
+        <a:gradFill rotWithShape="1">
+          <a:gsLst>
+            <a:gs pos="0">
+              <a:schemeClr val="phClr">
+                <a:lumMod val="110000"/>
+                <a:satMod val="105000"/>
+                <a:tint val="67000"/>
+              </a:schemeClr>
+            </a:gs>
+            <a:gs pos="50000">
+              <a:schemeClr val="phClr">
+                <a:lumMod val="105000"/>
+                <a:satMod val="103000"/>
+                <a:tint val="73000"/>
+              </a:schemeClr>
+            </a:gs>
+            <a:gs pos="100000">
+              <a:schemeClr val="phClr">
+                <a:lumMod val="105000"/>
+                <a:satMod val="109000"/>
+                <a:tint val="81000"/>
+              </a:schemeClr>
+            </a:gs>
+          </a:gsLst>
+          <a:lin ang="5400000" scaled="0"/>
+        </a:gradFill>
+        <a:gradFill rotWithShape="1">
+          <a:gsLst>
+            <a:gs pos="0">
+              <a:schemeClr val="phClr">
+                <a:satMod val="103000"/>
+                <a:lumMod val="102000"/>
+                <a:tint val="94000"/>
+              </a:schemeClr>
+            </a:gs>
+            <a:gs pos="50000">
+              <a:schemeClr val="phClr">
+                <a:satMod val="110000"/>
+                <a:lumMod val="100000"/>
+                <a:shade val="100000"/>
+              </a:schemeClr>
+            </a:gs>
+            <a:gs pos="100000">
+              <a:schemeClr val="phClr">
+                <a:lumMod val="99000"/>
+                <a:satMod val="120000"/>
+                <a:shade val="78000"/>
+              </a:schemeClr>
+            </a:gs>
+          </a:gsLst>
+          <a:lin ang="5400000" scaled="0"/>
+        </a:gradFill>
+      </a:fillStyleLst>
+      <a:lnStyleLst>
+        <a:ln w="12700" cap="flat" cmpd="sng" algn="ctr">
+          <a:solidFill>
+            <a:schemeClr val="phClr"/>
+          </a:solidFill>
+          <a:prstDash val="solid"/>
+          <a:miter lim="800000"/>
+        </a:ln>
+        <a:ln w="19050" cap="flat" cmpd="sng" algn="ctr">
+          <a:solidFill>
+            <a:schemeClr val="phClr"/>
+          </a:solidFill>
+          <a:prstDash val="solid"/>
+          <a:miter lim="800000"/>
+        </a:ln>
+        <a:ln w="25400" cap="flat" cmpd="sng" algn="ctr">
+          <a:solidFill>
+            <a:schemeClr val="phClr"/>
+          </a:solidFill>
+          <a:prstDash val="solid"/>
+          <a:miter lim="800000"/>
+        </a:ln>
+      </a:lnStyleLst>
+      <a:effectStyleLst>
+        <a:effectStyle>
+          <a:effectLst/>
+        </a:effectStyle>
+        <a:effectStyle>
+          <a:effectLst/>
+        </a:effectStyle>
+        <a:effectStyle>
+          <a:effectLst>
+            <a:outerShdw blurRad="57150" dist="19050" dir="5400000" algn="ctr" rotWithShape="0">
+              <a:srgbClr val="000000">
+                <a:alpha val="63000"/>
+              </a:srgbClr>
+            </a:outerShdw>
+          </a:effectLst>
+        </a:effectStyle>
+      </a:effectStyleLst>
+      <a:bgFillStyleLst>
+        <a:solidFill>
+          <a:schemeClr val="phClr"/>
+        </a:solidFill>
+        <a:solidFill>
+          <a:schemeClr val="phClr">
+            <a:tint val="95000"/>
+            <a:satMod val="170000"/>
+          </a:schemeClr>
+        </a:solidFill>
+        <a:gradFill rotWithShape="1">
+          <a:gsLst>
+            <a:gs pos="0">
+              <a:schemeClr val="phClr">
+                <a:tint val="93000"/>
+                <a:satMod val="150000"/>
+                <a:shade val="98000"/>
+                <a:lumMod val="102000"/>
+              </a:schemeClr>
+            </a:gs>
+            <a:gs pos="50000">
+              <a:schemeClr val="phClr">
+                <a:tint val="98000"/>
+                <a:satMod val="130000"/>
+                <a:shade val="90000"/>
+                <a:lumMod val="103000"/>
+              </a:schemeClr>
+            </a:gs>
+            <a:gs pos="100000">
+              <a:schemeClr val="phClr">
+                <a:shade val="63000"/>
+                <a:satMod val="120000"/>
+              </a:schemeClr>
+            </a:gs>
+          </a:gsLst>
+          <a:lin ang="5400000" scaled="0"/>
+        </a:gradFill>
+      </a:bgFillStyleLst>
+    </a:fmtScheme>
+  </a:themeElements>
+  <a:objectDefaults>
+    <a:lnDef>
+      <a:spPr/>
+      <a:bodyPr/>
+      <a:lstStyle/>
+      <a:style>
+        <a:lnRef idx="2">
+          <a:schemeClr val="accent1"/>
+        </a:lnRef>
+        <a:fillRef idx="0">
+          <a:schemeClr val="accent1"/>
+        </a:fillRef>
+        <a:effectRef idx="1">
+          <a:schemeClr val="accent1"/>
+        </a:effectRef>
+        <a:fontRef idx="minor">
+          <a:schemeClr val="tx1"/>
+        </a:fontRef>
+      </a:style>
+    </a:lnDef>
+  </a:objectDefaults>
+  <a:extraClrSchemeLst/>
+  <a:extLst>
+    <a:ext uri="{05A4C25C-085E-4340-85A3-A5531E510DB2}">
+      <thm15:themeFamily xmlns:thm15="http://schemas.microsoft.com/office/thememl/2012/main" name="Office Theme" id="{2E142A2C-CD16-42D6-873A-C26D2A0506FA}" vid="{1BDDFF52-6CD6-40A5-AB3C-68EB2F1E4D0A}"/>
+    </a:ext>
+  </a:extLst>
+</a:theme>
 </file>
--- a/presentation and documentation/Narcovet.pptx
+++ b/presentation and documentation/Narcovet.pptx
@@ -5,7 +5,7 @@
     <p:sldMasterId id="2147483648" r:id="rId1"/>
   </p:sldMasterIdLst>
   <p:notesMasterIdLst>
-    <p:notesMasterId r:id="rId12"/>
+    <p:notesMasterId r:id="rId11"/>
   </p:notesMasterIdLst>
   <p:sldIdLst>
     <p:sldId id="261" r:id="rId2"/>
@@ -14,10 +14,9 @@
     <p:sldId id="268" r:id="rId5"/>
     <p:sldId id="269" r:id="rId6"/>
     <p:sldId id="270" r:id="rId7"/>
-    <p:sldId id="262" r:id="rId8"/>
-    <p:sldId id="263" r:id="rId9"/>
-    <p:sldId id="272" r:id="rId10"/>
-    <p:sldId id="271" r:id="rId11"/>
+    <p:sldId id="263" r:id="rId8"/>
+    <p:sldId id="272" r:id="rId9"/>
+    <p:sldId id="271" r:id="rId10"/>
   </p:sldIdLst>
   <p:sldSz cx="12192000" cy="6858000"/>
   <p:notesSz cx="6858000" cy="9144000"/>
@@ -5327,809 +5326,6 @@
     <p:extLst>
       <p:ext uri="{BB962C8B-B14F-4D97-AF65-F5344CB8AC3E}">
         <p14:creationId xmlns:p14="http://schemas.microsoft.com/office/powerpoint/2010/main" val="2624817135"/>
-      </p:ext>
-    </p:extLst>
-  </p:cSld>
-  <p:clrMapOvr>
-    <a:masterClrMapping/>
-  </p:clrMapOvr>
-</p:notes>
-</file>
-
-<file path=ppt/notesSlides/notesSlide3.xml><?xml version="1.0" encoding="utf-8"?>
-<p:notes xmlns:a="http://schemas.openxmlformats.org/drawingml/2006/main" xmlns:r="http://schemas.openxmlformats.org/officeDocument/2006/relationships" xmlns:p="http://schemas.openxmlformats.org/presentationml/2006/main">
-  <p:cSld>
-    <p:spTree>
-      <p:nvGrpSpPr>
-        <p:cNvPr id="1" name=""/>
-        <p:cNvGrpSpPr/>
-        <p:nvPr/>
-      </p:nvGrpSpPr>
-      <p:grpSpPr>
-        <a:xfrm>
-          <a:off x="0" y="0"/>
-          <a:ext cx="0" cy="0"/>
-          <a:chOff x="0" y="0"/>
-          <a:chExt cx="0" cy="0"/>
-        </a:xfrm>
-      </p:grpSpPr>
-      <p:sp>
-        <p:nvSpPr>
-          <p:cNvPr id="2" name="Folienbildplatzhalter 1"/>
-          <p:cNvSpPr>
-            <a:spLocks noGrp="1" noRot="1" noChangeAspect="1"/>
-          </p:cNvSpPr>
-          <p:nvPr>
-            <p:ph type="sldImg"/>
-          </p:nvPr>
-        </p:nvSpPr>
-        <p:spPr/>
-      </p:sp>
-      <p:sp>
-        <p:nvSpPr>
-          <p:cNvPr id="3" name="Notizenplatzhalter 2"/>
-          <p:cNvSpPr>
-            <a:spLocks noGrp="1"/>
-          </p:cNvSpPr>
-          <p:nvPr>
-            <p:ph type="body" idx="1"/>
-          </p:nvPr>
-        </p:nvSpPr>
-        <p:spPr/>
-        <p:txBody>
-          <a:bodyPr/>
-          <a:lstStyle/>
-          <a:p>
-            <a:r>
-              <a:rPr lang="de-CH" dirty="0" err="1"/>
-              <a:t>One</a:t>
-            </a:r>
-            <a:r>
-              <a:rPr lang="de-CH" dirty="0"/>
-              <a:t> </a:t>
-            </a:r>
-            <a:r>
-              <a:rPr lang="de-CH" dirty="0" err="1"/>
-              <a:t>big</a:t>
-            </a:r>
-            <a:r>
-              <a:rPr lang="de-CH" dirty="0"/>
-              <a:t> </a:t>
-            </a:r>
-            <a:r>
-              <a:rPr lang="de-CH" dirty="0" err="1"/>
-              <a:t>advantage</a:t>
-            </a:r>
-            <a:r>
-              <a:rPr lang="de-CH" dirty="0"/>
-              <a:t> </a:t>
-            </a:r>
-            <a:r>
-              <a:rPr lang="de-CH" dirty="0" err="1"/>
-              <a:t>is</a:t>
-            </a:r>
-            <a:r>
-              <a:rPr lang="de-CH" dirty="0"/>
-              <a:t> </a:t>
-            </a:r>
-            <a:r>
-              <a:rPr lang="de-CH" dirty="0" err="1"/>
-              <a:t>that</a:t>
-            </a:r>
-            <a:r>
-              <a:rPr lang="de-CH" dirty="0"/>
-              <a:t> </a:t>
-            </a:r>
-            <a:r>
-              <a:rPr lang="de-CH" dirty="0" err="1"/>
-              <a:t>this</a:t>
-            </a:r>
-            <a:r>
-              <a:rPr lang="de-CH" dirty="0"/>
-              <a:t> </a:t>
-            </a:r>
-            <a:r>
-              <a:rPr lang="de-CH" dirty="0" err="1"/>
-              <a:t>process</a:t>
-            </a:r>
-            <a:r>
-              <a:rPr lang="de-CH" dirty="0"/>
-              <a:t> </a:t>
-            </a:r>
-            <a:r>
-              <a:rPr lang="de-CH" dirty="0" err="1"/>
-              <a:t>is</a:t>
-            </a:r>
-            <a:r>
-              <a:rPr lang="de-CH" dirty="0"/>
-              <a:t> </a:t>
-            </a:r>
-            <a:r>
-              <a:rPr lang="de-CH" dirty="0" err="1"/>
-              <a:t>automated</a:t>
-            </a:r>
-            <a:r>
-              <a:rPr lang="de-CH" dirty="0"/>
-              <a:t>, </a:t>
-            </a:r>
-            <a:r>
-              <a:rPr lang="de-CH" dirty="0" err="1"/>
-              <a:t>meaning</a:t>
-            </a:r>
-            <a:r>
-              <a:rPr lang="de-CH" dirty="0"/>
-              <a:t> </a:t>
-            </a:r>
-            <a:r>
-              <a:rPr lang="de-CH" dirty="0" err="1"/>
-              <a:t>that</a:t>
-            </a:r>
-            <a:r>
-              <a:rPr lang="de-CH" dirty="0"/>
-              <a:t> </a:t>
-            </a:r>
-            <a:r>
-              <a:rPr lang="de-CH" dirty="0" err="1"/>
-              <a:t>we</a:t>
-            </a:r>
-            <a:r>
-              <a:rPr lang="de-CH" dirty="0"/>
-              <a:t> </a:t>
-            </a:r>
-            <a:r>
-              <a:rPr lang="de-CH" dirty="0" err="1"/>
-              <a:t>have</a:t>
-            </a:r>
-            <a:r>
-              <a:rPr lang="de-CH" dirty="0"/>
-              <a:t> </a:t>
-            </a:r>
-            <a:r>
-              <a:rPr lang="de-CH" dirty="0" err="1"/>
-              <a:t>implemented</a:t>
-            </a:r>
-            <a:r>
-              <a:rPr lang="de-CH" dirty="0"/>
-              <a:t> a </a:t>
-            </a:r>
-            <a:r>
-              <a:rPr lang="de-CH" dirty="0" err="1"/>
-              <a:t>cron</a:t>
-            </a:r>
-            <a:r>
-              <a:rPr lang="de-CH" dirty="0"/>
-              <a:t> </a:t>
-            </a:r>
-            <a:r>
-              <a:rPr lang="de-CH" dirty="0" err="1"/>
-              <a:t>pattern</a:t>
-            </a:r>
-            <a:r>
-              <a:rPr lang="de-CH" dirty="0"/>
-              <a:t> </a:t>
-            </a:r>
-            <a:r>
-              <a:rPr lang="de-CH" dirty="0" err="1"/>
-              <a:t>that</a:t>
-            </a:r>
-            <a:r>
-              <a:rPr lang="de-CH" dirty="0"/>
-              <a:t> </a:t>
-            </a:r>
-            <a:r>
-              <a:rPr lang="de-CH" dirty="0" err="1"/>
-              <a:t>starts</a:t>
-            </a:r>
-            <a:r>
-              <a:rPr lang="de-CH" dirty="0"/>
-              <a:t> </a:t>
-            </a:r>
-            <a:r>
-              <a:rPr lang="de-CH" dirty="0" err="1"/>
-              <a:t>the</a:t>
-            </a:r>
-            <a:r>
-              <a:rPr lang="de-CH" dirty="0"/>
-              <a:t> </a:t>
-            </a:r>
-            <a:r>
-              <a:rPr lang="de-CH" dirty="0" err="1"/>
-              <a:t>process</a:t>
-            </a:r>
-            <a:r>
-              <a:rPr lang="de-CH" dirty="0"/>
-              <a:t> </a:t>
-            </a:r>
-            <a:r>
-              <a:rPr lang="de-CH" dirty="0" err="1"/>
-              <a:t>daily</a:t>
-            </a:r>
-            <a:r>
-              <a:rPr lang="de-CH" dirty="0"/>
-              <a:t> at 11:00 </a:t>
-            </a:r>
-            <a:r>
-              <a:rPr lang="de-CH" dirty="0" err="1"/>
-              <a:t>without</a:t>
-            </a:r>
-            <a:r>
-              <a:rPr lang="de-CH" dirty="0"/>
-              <a:t> a </a:t>
-            </a:r>
-            <a:r>
-              <a:rPr lang="de-CH" dirty="0" err="1"/>
-              <a:t>team</a:t>
-            </a:r>
-            <a:r>
-              <a:rPr lang="de-CH" dirty="0"/>
-              <a:t> </a:t>
-            </a:r>
-            <a:r>
-              <a:rPr lang="de-CH" dirty="0" err="1"/>
-              <a:t>member</a:t>
-            </a:r>
-            <a:r>
-              <a:rPr lang="de-CH" dirty="0"/>
-              <a:t> </a:t>
-            </a:r>
-            <a:r>
-              <a:rPr lang="de-CH" dirty="0" err="1"/>
-              <a:t>having</a:t>
-            </a:r>
-            <a:r>
-              <a:rPr lang="de-CH" dirty="0"/>
-              <a:t> </a:t>
-            </a:r>
-            <a:r>
-              <a:rPr lang="de-CH" dirty="0" err="1"/>
-              <a:t>to</a:t>
-            </a:r>
-            <a:r>
-              <a:rPr lang="de-CH" dirty="0"/>
-              <a:t> </a:t>
-            </a:r>
-            <a:r>
-              <a:rPr lang="de-CH" dirty="0" err="1"/>
-              <a:t>think</a:t>
-            </a:r>
-            <a:r>
-              <a:rPr lang="de-CH" dirty="0"/>
-              <a:t> </a:t>
-            </a:r>
-            <a:r>
-              <a:rPr lang="de-CH" dirty="0" err="1"/>
-              <a:t>about</a:t>
-            </a:r>
-            <a:r>
-              <a:rPr lang="de-CH" dirty="0"/>
-              <a:t> it. The </a:t>
-            </a:r>
-            <a:r>
-              <a:rPr lang="de-CH" dirty="0" err="1"/>
-              <a:t>narcotics</a:t>
-            </a:r>
-            <a:r>
-              <a:rPr lang="de-CH" dirty="0"/>
-              <a:t> </a:t>
-            </a:r>
-            <a:r>
-              <a:rPr lang="de-CH" dirty="0" err="1"/>
-              <a:t>team</a:t>
-            </a:r>
-            <a:r>
-              <a:rPr lang="de-CH" dirty="0"/>
-              <a:t> </a:t>
-            </a:r>
-            <a:r>
-              <a:rPr lang="de-CH" dirty="0" err="1"/>
-              <a:t>is</a:t>
-            </a:r>
-            <a:r>
-              <a:rPr lang="de-CH" dirty="0"/>
-              <a:t> </a:t>
-            </a:r>
-            <a:r>
-              <a:rPr lang="de-CH" dirty="0" err="1"/>
-              <a:t>then</a:t>
-            </a:r>
-            <a:r>
-              <a:rPr lang="de-CH" dirty="0"/>
-              <a:t> </a:t>
-            </a:r>
-            <a:r>
-              <a:rPr lang="de-CH" dirty="0" err="1"/>
-              <a:t>only</a:t>
-            </a:r>
-            <a:r>
-              <a:rPr lang="de-CH" dirty="0"/>
-              <a:t> </a:t>
-            </a:r>
-            <a:r>
-              <a:rPr lang="de-CH" dirty="0" err="1"/>
-              <a:t>informed</a:t>
-            </a:r>
-            <a:r>
-              <a:rPr lang="de-CH" dirty="0"/>
-              <a:t> </a:t>
-            </a:r>
-            <a:r>
-              <a:rPr lang="de-CH" dirty="0" err="1"/>
-              <a:t>if</a:t>
-            </a:r>
-            <a:r>
-              <a:rPr lang="de-CH" dirty="0"/>
-              <a:t> </a:t>
-            </a:r>
-            <a:r>
-              <a:rPr lang="de-CH" dirty="0" err="1"/>
-              <a:t>there</a:t>
-            </a:r>
-            <a:r>
-              <a:rPr lang="de-CH" dirty="0"/>
-              <a:t> </a:t>
-            </a:r>
-            <a:r>
-              <a:rPr lang="de-CH" dirty="0" err="1"/>
-              <a:t>is</a:t>
-            </a:r>
-            <a:r>
-              <a:rPr lang="de-CH" dirty="0"/>
-              <a:t> </a:t>
-            </a:r>
-            <a:r>
-              <a:rPr lang="de-CH" dirty="0" err="1"/>
-              <a:t>something</a:t>
-            </a:r>
-            <a:r>
-              <a:rPr lang="de-CH" dirty="0"/>
-              <a:t> </a:t>
-            </a:r>
-            <a:r>
-              <a:rPr lang="de-CH" dirty="0" err="1"/>
-              <a:t>for</a:t>
-            </a:r>
-            <a:r>
-              <a:rPr lang="de-CH" dirty="0"/>
-              <a:t> </a:t>
-            </a:r>
-            <a:r>
-              <a:rPr lang="de-CH" dirty="0" err="1"/>
-              <a:t>them</a:t>
-            </a:r>
-            <a:r>
-              <a:rPr lang="de-CH" dirty="0"/>
-              <a:t> </a:t>
-            </a:r>
-            <a:r>
-              <a:rPr lang="de-CH" dirty="0" err="1"/>
-              <a:t>to</a:t>
-            </a:r>
-            <a:r>
-              <a:rPr lang="de-CH" dirty="0"/>
-              <a:t> do. </a:t>
-            </a:r>
-          </a:p>
-          <a:p>
-            <a:endParaRPr lang="de-CH" dirty="0"/>
-          </a:p>
-          <a:p>
-            <a:r>
-              <a:rPr lang="de-CH" dirty="0" err="1"/>
-              <a:t>For</a:t>
-            </a:r>
-            <a:r>
-              <a:rPr lang="de-CH" dirty="0"/>
-              <a:t> </a:t>
-            </a:r>
-            <a:r>
-              <a:rPr lang="de-CH" dirty="0" err="1"/>
-              <a:t>technologies</a:t>
-            </a:r>
-            <a:r>
-              <a:rPr lang="de-CH" dirty="0"/>
-              <a:t> </a:t>
-            </a:r>
-            <a:r>
-              <a:rPr lang="de-CH" dirty="0" err="1"/>
-              <a:t>we</a:t>
-            </a:r>
-            <a:r>
-              <a:rPr lang="de-CH" dirty="0"/>
-              <a:t> </a:t>
-            </a:r>
-            <a:r>
-              <a:rPr lang="de-CH" dirty="0" err="1"/>
-              <a:t>have</a:t>
-            </a:r>
-            <a:r>
-              <a:rPr lang="de-CH" dirty="0"/>
-              <a:t> </a:t>
-            </a:r>
-            <a:r>
-              <a:rPr lang="de-CH" dirty="0" err="1"/>
-              <a:t>decided</a:t>
-            </a:r>
-            <a:r>
-              <a:rPr lang="de-CH" dirty="0"/>
-              <a:t> </a:t>
-            </a:r>
-            <a:r>
-              <a:rPr lang="de-CH" dirty="0" err="1"/>
-              <a:t>to</a:t>
-            </a:r>
-            <a:r>
-              <a:rPr lang="de-CH" dirty="0"/>
-              <a:t> </a:t>
-            </a:r>
-            <a:r>
-              <a:rPr lang="de-CH" dirty="0" err="1"/>
-              <a:t>keep</a:t>
-            </a:r>
-            <a:r>
-              <a:rPr lang="de-CH" dirty="0"/>
-              <a:t> </a:t>
-            </a:r>
-            <a:r>
-              <a:rPr lang="de-CH" dirty="0" err="1"/>
-              <a:t>it</a:t>
-            </a:r>
-            <a:r>
-              <a:rPr lang="de-CH" dirty="0"/>
-              <a:t> simple, so </a:t>
-            </a:r>
-            <a:r>
-              <a:rPr lang="de-CH" dirty="0" err="1"/>
-              <a:t>as</a:t>
-            </a:r>
-            <a:r>
-              <a:rPr lang="de-CH" dirty="0"/>
-              <a:t> i just </a:t>
-            </a:r>
-            <a:r>
-              <a:rPr lang="de-CH" dirty="0" err="1"/>
-              <a:t>showed</a:t>
-            </a:r>
-            <a:r>
-              <a:rPr lang="de-CH" dirty="0"/>
-              <a:t> </a:t>
-            </a:r>
-            <a:r>
-              <a:rPr lang="de-CH" dirty="0" err="1"/>
-              <a:t>you</a:t>
-            </a:r>
-            <a:r>
-              <a:rPr lang="de-CH" dirty="0"/>
-              <a:t> </a:t>
-            </a:r>
-            <a:r>
-              <a:rPr lang="de-CH" dirty="0" err="1"/>
-              <a:t>we</a:t>
-            </a:r>
-            <a:r>
-              <a:rPr lang="de-CH" dirty="0"/>
-              <a:t> </a:t>
-            </a:r>
-            <a:r>
-              <a:rPr lang="de-CH" dirty="0" err="1"/>
-              <a:t>have</a:t>
-            </a:r>
-            <a:r>
-              <a:rPr lang="de-CH" dirty="0"/>
-              <a:t> </a:t>
-            </a:r>
-            <a:r>
-              <a:rPr lang="de-CH" dirty="0" err="1"/>
-              <a:t>the</a:t>
-            </a:r>
-            <a:r>
-              <a:rPr lang="de-CH" dirty="0"/>
-              <a:t> </a:t>
-            </a:r>
-            <a:r>
-              <a:rPr lang="de-CH" dirty="0" err="1"/>
-              <a:t>Decision</a:t>
-            </a:r>
-            <a:r>
-              <a:rPr lang="de-CH" dirty="0"/>
-              <a:t> Support Table, </a:t>
-            </a:r>
-            <a:r>
-              <a:rPr lang="de-CH" dirty="0" err="1"/>
-              <a:t>we</a:t>
-            </a:r>
-            <a:r>
-              <a:rPr lang="de-CH" dirty="0"/>
-              <a:t> </a:t>
-            </a:r>
-            <a:r>
-              <a:rPr lang="de-CH" dirty="0" err="1"/>
-              <a:t>have</a:t>
-            </a:r>
-            <a:r>
-              <a:rPr lang="de-CH" dirty="0"/>
-              <a:t> </a:t>
-            </a:r>
-            <a:r>
-              <a:rPr lang="de-CH" dirty="0" err="1"/>
-              <a:t>the</a:t>
-            </a:r>
-            <a:r>
-              <a:rPr lang="de-CH" dirty="0"/>
-              <a:t> </a:t>
-            </a:r>
-            <a:r>
-              <a:rPr lang="de-CH" dirty="0" err="1"/>
-              <a:t>camunda</a:t>
-            </a:r>
-            <a:r>
-              <a:rPr lang="de-CH" dirty="0"/>
-              <a:t> </a:t>
-            </a:r>
-            <a:r>
-              <a:rPr lang="de-CH" dirty="0" err="1"/>
-              <a:t>process</a:t>
-            </a:r>
-            <a:r>
-              <a:rPr lang="de-CH" dirty="0"/>
-              <a:t> and </a:t>
-            </a:r>
-            <a:r>
-              <a:rPr lang="de-CH" dirty="0" err="1"/>
-              <a:t>we</a:t>
-            </a:r>
-            <a:r>
-              <a:rPr lang="de-CH" dirty="0"/>
-              <a:t> </a:t>
-            </a:r>
-            <a:r>
-              <a:rPr lang="de-CH" dirty="0" err="1"/>
-              <a:t>have</a:t>
-            </a:r>
-            <a:r>
-              <a:rPr lang="de-CH" dirty="0"/>
-              <a:t> multiple </a:t>
-            </a:r>
-            <a:r>
-              <a:rPr lang="de-CH" dirty="0" err="1"/>
-              <a:t>service</a:t>
-            </a:r>
-            <a:r>
-              <a:rPr lang="de-CH" dirty="0"/>
-              <a:t> </a:t>
-            </a:r>
-            <a:r>
-              <a:rPr lang="de-CH" dirty="0" err="1"/>
-              <a:t>tasks</a:t>
-            </a:r>
-            <a:r>
-              <a:rPr lang="de-CH" dirty="0"/>
-              <a:t> </a:t>
-            </a:r>
-            <a:r>
-              <a:rPr lang="de-CH" dirty="0" err="1"/>
-              <a:t>that</a:t>
-            </a:r>
-            <a:r>
-              <a:rPr lang="de-CH" dirty="0"/>
-              <a:t> </a:t>
-            </a:r>
-            <a:r>
-              <a:rPr lang="de-CH" dirty="0" err="1"/>
-              <a:t>were</a:t>
-            </a:r>
-            <a:r>
-              <a:rPr lang="de-CH" dirty="0"/>
-              <a:t> </a:t>
-            </a:r>
-            <a:r>
-              <a:rPr lang="de-CH" dirty="0" err="1"/>
-              <a:t>implemented</a:t>
-            </a:r>
-            <a:r>
-              <a:rPr lang="de-CH" dirty="0"/>
-              <a:t> in </a:t>
-            </a:r>
-            <a:r>
-              <a:rPr lang="de-CH" dirty="0" err="1"/>
-              <a:t>python</a:t>
-            </a:r>
-            <a:r>
-              <a:rPr lang="de-CH" dirty="0"/>
-              <a:t> </a:t>
-            </a:r>
-            <a:r>
-              <a:rPr lang="de-CH" dirty="0" err="1"/>
-              <a:t>using</a:t>
-            </a:r>
-            <a:r>
-              <a:rPr lang="de-CH" dirty="0"/>
-              <a:t> a </a:t>
-            </a:r>
-            <a:r>
-              <a:rPr lang="de-CH" dirty="0" err="1"/>
-              <a:t>Flask</a:t>
-            </a:r>
-            <a:r>
-              <a:rPr lang="de-CH" dirty="0"/>
-              <a:t> API.</a:t>
-            </a:r>
-          </a:p>
-          <a:p>
-            <a:pPr marL="0" marR="0" lvl="0" indent="0" algn="l" defTabSz="914400" rtl="0" eaLnBrk="1" fontAlgn="auto" latinLnBrk="0" hangingPunct="1">
-              <a:lnSpc>
-                <a:spcPct val="100000"/>
-              </a:lnSpc>
-              <a:spcBef>
-                <a:spcPts val="0"/>
-              </a:spcBef>
-              <a:spcAft>
-                <a:spcPts val="0"/>
-              </a:spcAft>
-              <a:buClrTx/>
-              <a:buSzTx/>
-              <a:buFontTx/>
-              <a:buNone/>
-              <a:tabLst/>
-              <a:defRPr/>
-            </a:pPr>
-            <a:r>
-              <a:rPr lang="de-CH" dirty="0" err="1"/>
-              <a:t>We</a:t>
-            </a:r>
-            <a:r>
-              <a:rPr lang="de-CH" dirty="0"/>
-              <a:t> </a:t>
-            </a:r>
-            <a:r>
-              <a:rPr lang="de-CH" dirty="0" err="1"/>
-              <a:t>are</a:t>
-            </a:r>
-            <a:r>
-              <a:rPr lang="de-CH" dirty="0"/>
-              <a:t> also </a:t>
-            </a:r>
-            <a:r>
-              <a:rPr lang="de-CH" dirty="0" err="1"/>
-              <a:t>sending</a:t>
-            </a:r>
-            <a:r>
-              <a:rPr lang="de-CH" dirty="0"/>
-              <a:t> </a:t>
-            </a:r>
-            <a:r>
-              <a:rPr lang="de-CH" dirty="0" err="1"/>
-              <a:t>emails</a:t>
-            </a:r>
-            <a:r>
-              <a:rPr lang="de-CH" dirty="0"/>
-              <a:t> in </a:t>
-            </a:r>
-            <a:r>
-              <a:rPr lang="de-CH" dirty="0" err="1"/>
-              <a:t>this</a:t>
-            </a:r>
-            <a:r>
-              <a:rPr lang="de-CH" dirty="0"/>
-              <a:t> API, </a:t>
-            </a:r>
-            <a:r>
-              <a:rPr lang="de-CH" dirty="0" err="1"/>
-              <a:t>for</a:t>
-            </a:r>
-            <a:r>
-              <a:rPr lang="de-CH" dirty="0"/>
-              <a:t> </a:t>
-            </a:r>
-            <a:r>
-              <a:rPr lang="de-CH" dirty="0" err="1"/>
-              <a:t>sending</a:t>
-            </a:r>
-            <a:r>
-              <a:rPr lang="de-CH" dirty="0"/>
-              <a:t> </a:t>
-            </a:r>
-            <a:r>
-              <a:rPr lang="de-CH" dirty="0" err="1"/>
-              <a:t>those</a:t>
-            </a:r>
-            <a:r>
-              <a:rPr lang="de-CH" dirty="0"/>
-              <a:t> </a:t>
-            </a:r>
-            <a:r>
-              <a:rPr lang="de-CH" dirty="0" err="1"/>
-              <a:t>we</a:t>
-            </a:r>
-            <a:r>
-              <a:rPr lang="de-CH" dirty="0"/>
-              <a:t> </a:t>
-            </a:r>
-            <a:r>
-              <a:rPr lang="de-CH" dirty="0" err="1"/>
-              <a:t>use</a:t>
-            </a:r>
-            <a:r>
-              <a:rPr lang="de-CH" dirty="0"/>
-              <a:t> </a:t>
-            </a:r>
-            <a:r>
-              <a:rPr lang="de-CH" dirty="0" err="1"/>
-              <a:t>the</a:t>
-            </a:r>
-            <a:r>
-              <a:rPr lang="de-CH" dirty="0"/>
-              <a:t> </a:t>
-            </a:r>
-            <a:r>
-              <a:rPr lang="en-US" b="0" dirty="0">
-                <a:solidFill>
-                  <a:srgbClr val="CCCCCC"/>
-                </a:solidFill>
-                <a:effectLst/>
-                <a:latin typeface="Consolas" panose="020B0609020204030204" pitchFamily="49" charset="0"/>
-              </a:rPr>
-              <a:t>python </a:t>
-            </a:r>
-            <a:r>
-              <a:rPr lang="en-US" b="0" dirty="0" err="1">
-                <a:solidFill>
-                  <a:srgbClr val="CCCCCC"/>
-                </a:solidFill>
-                <a:effectLst/>
-                <a:latin typeface="Consolas" panose="020B0609020204030204" pitchFamily="49" charset="0"/>
-              </a:rPr>
-              <a:t>smtplib</a:t>
-            </a:r>
-            <a:r>
-              <a:rPr lang="en-US" b="0">
-                <a:solidFill>
-                  <a:srgbClr val="CCCCCC"/>
-                </a:solidFill>
-                <a:effectLst/>
-                <a:latin typeface="Consolas" panose="020B0609020204030204" pitchFamily="49" charset="0"/>
-              </a:rPr>
-              <a:t> library</a:t>
-            </a:r>
-            <a:endParaRPr lang="en-US" b="0" dirty="0">
-              <a:solidFill>
-                <a:srgbClr val="CCCCCC"/>
-              </a:solidFill>
-              <a:effectLst/>
-              <a:latin typeface="Consolas" panose="020B0609020204030204" pitchFamily="49" charset="0"/>
-            </a:endParaRPr>
-          </a:p>
-          <a:p>
-            <a:endParaRPr lang="de-CH" dirty="0"/>
-          </a:p>
-        </p:txBody>
-      </p:sp>
-      <p:sp>
-        <p:nvSpPr>
-          <p:cNvPr id="4" name="Foliennummernplatzhalter 3"/>
-          <p:cNvSpPr>
-            <a:spLocks noGrp="1"/>
-          </p:cNvSpPr>
-          <p:nvPr>
-            <p:ph type="sldNum" sz="quarter" idx="5"/>
-          </p:nvPr>
-        </p:nvSpPr>
-        <p:spPr/>
-        <p:txBody>
-          <a:bodyPr/>
-          <a:lstStyle/>
-          <a:p>
-            <a:fld id="{661B43BF-7C63-479D-85AD-BD18BBBDD38B}" type="slidenum">
-              <a:rPr lang="de-CH" smtClean="0"/>
-              <a:t>7</a:t>
-            </a:fld>
-            <a:endParaRPr lang="de-CH"/>
-          </a:p>
-        </p:txBody>
-      </p:sp>
-    </p:spTree>
-    <p:extLst>
-      <p:ext uri="{BB962C8B-B14F-4D97-AF65-F5344CB8AC3E}">
-        <p14:creationId xmlns:p14="http://schemas.microsoft.com/office/powerpoint/2010/main" val="4204800737"/>
       </p:ext>
     </p:extLst>
   </p:cSld>
@@ -9762,1131 +8958,6 @@
 </p:sld>
 </file>
 
-<file path=ppt/slides/slide10.xml><?xml version="1.0" encoding="utf-8"?>
-<p:sld xmlns:a="http://schemas.openxmlformats.org/drawingml/2006/main" xmlns:r="http://schemas.openxmlformats.org/officeDocument/2006/relationships" xmlns:p="http://schemas.openxmlformats.org/presentationml/2006/main">
-  <p:cSld>
-    <p:spTree>
-      <p:nvGrpSpPr>
-        <p:cNvPr id="1" name=""/>
-        <p:cNvGrpSpPr/>
-        <p:nvPr/>
-      </p:nvGrpSpPr>
-      <p:grpSpPr>
-        <a:xfrm>
-          <a:off x="0" y="0"/>
-          <a:ext cx="0" cy="0"/>
-          <a:chOff x="0" y="0"/>
-          <a:chExt cx="0" cy="0"/>
-        </a:xfrm>
-      </p:grpSpPr>
-      <p:sp>
-        <p:nvSpPr>
-          <p:cNvPr id="3" name="Textfeld 2">
-            <a:extLst>
-              <a:ext uri="{FF2B5EF4-FFF2-40B4-BE49-F238E27FC236}">
-                <a16:creationId xmlns:a16="http://schemas.microsoft.com/office/drawing/2014/main" id="{5E74FDE1-6402-6615-0732-B8ADAECB417A}"/>
-              </a:ext>
-            </a:extLst>
-          </p:cNvPr>
-          <p:cNvSpPr txBox="1"/>
-          <p:nvPr/>
-        </p:nvSpPr>
-        <p:spPr>
-          <a:xfrm>
-            <a:off x="1075765" y="699246"/>
-            <a:ext cx="7620000" cy="769441"/>
-          </a:xfrm>
-          <a:prstGeom prst="rect">
-            <a:avLst/>
-          </a:prstGeom>
-          <a:noFill/>
-        </p:spPr>
-        <p:txBody>
-          <a:bodyPr wrap="square" rtlCol="0">
-            <a:spAutoFit/>
-          </a:bodyPr>
-          <a:lstStyle/>
-          <a:p>
-            <a:r>
-              <a:rPr lang="de-DE" sz="4400" dirty="0" err="1">
-                <a:solidFill>
-                  <a:schemeClr val="bg1"/>
-                </a:solidFill>
-                <a:latin typeface="+mj-lt"/>
-              </a:rPr>
-              <a:t>Conclusion</a:t>
-            </a:r>
-            <a:endParaRPr lang="de-DE" sz="4400" dirty="0">
-              <a:solidFill>
-                <a:schemeClr val="bg1"/>
-              </a:solidFill>
-              <a:latin typeface="+mj-lt"/>
-            </a:endParaRPr>
-          </a:p>
-        </p:txBody>
-      </p:sp>
-      <p:sp>
-        <p:nvSpPr>
-          <p:cNvPr id="5" name="Textplatzhalter 2">
-            <a:extLst>
-              <a:ext uri="{FF2B5EF4-FFF2-40B4-BE49-F238E27FC236}">
-                <a16:creationId xmlns:a16="http://schemas.microsoft.com/office/drawing/2014/main" id="{229F3EEB-BC7F-C981-A984-854CCDCEB316}"/>
-              </a:ext>
-            </a:extLst>
-          </p:cNvPr>
-          <p:cNvSpPr txBox="1">
-            <a:spLocks/>
-          </p:cNvSpPr>
-          <p:nvPr/>
-        </p:nvSpPr>
-        <p:spPr>
-          <a:xfrm>
-            <a:off x="938213" y="2113649"/>
-            <a:ext cx="5157787" cy="823912"/>
-          </a:xfrm>
-          <a:prstGeom prst="rect">
-            <a:avLst/>
-          </a:prstGeom>
-        </p:spPr>
-        <p:txBody>
-          <a:bodyPr/>
-          <a:lstStyle>
-            <a:lvl1pPr marL="228600" indent="-228600" algn="l" defTabSz="914400" rtl="0" eaLnBrk="1" latinLnBrk="0" hangingPunct="1">
-              <a:lnSpc>
-                <a:spcPct val="90000"/>
-              </a:lnSpc>
-              <a:spcBef>
-                <a:spcPts val="1000"/>
-              </a:spcBef>
-              <a:buFont typeface="Arial" panose="020B0604020202020204" pitchFamily="34" charset="0"/>
-              <a:buChar char="•"/>
-              <a:defRPr sz="2800" kern="1200">
-                <a:solidFill>
-                  <a:schemeClr val="tx1"/>
-                </a:solidFill>
-                <a:latin typeface="+mn-lt"/>
-                <a:ea typeface="+mn-ea"/>
-                <a:cs typeface="+mn-cs"/>
-              </a:defRPr>
-            </a:lvl1pPr>
-            <a:lvl2pPr marL="685800" indent="-228600" algn="l" defTabSz="914400" rtl="0" eaLnBrk="1" latinLnBrk="0" hangingPunct="1">
-              <a:lnSpc>
-                <a:spcPct val="90000"/>
-              </a:lnSpc>
-              <a:spcBef>
-                <a:spcPts val="500"/>
-              </a:spcBef>
-              <a:buFont typeface="Arial" panose="020B0604020202020204" pitchFamily="34" charset="0"/>
-              <a:buChar char="•"/>
-              <a:defRPr sz="2400" kern="1200">
-                <a:solidFill>
-                  <a:schemeClr val="tx1"/>
-                </a:solidFill>
-                <a:latin typeface="+mn-lt"/>
-                <a:ea typeface="+mn-ea"/>
-                <a:cs typeface="+mn-cs"/>
-              </a:defRPr>
-            </a:lvl2pPr>
-            <a:lvl3pPr marL="1143000" indent="-228600" algn="l" defTabSz="914400" rtl="0" eaLnBrk="1" latinLnBrk="0" hangingPunct="1">
-              <a:lnSpc>
-                <a:spcPct val="90000"/>
-              </a:lnSpc>
-              <a:spcBef>
-                <a:spcPts val="500"/>
-              </a:spcBef>
-              <a:buFont typeface="Arial" panose="020B0604020202020204" pitchFamily="34" charset="0"/>
-              <a:buChar char="•"/>
-              <a:defRPr sz="2000" kern="1200">
-                <a:solidFill>
-                  <a:schemeClr val="tx1"/>
-                </a:solidFill>
-                <a:latin typeface="+mn-lt"/>
-                <a:ea typeface="+mn-ea"/>
-                <a:cs typeface="+mn-cs"/>
-              </a:defRPr>
-            </a:lvl3pPr>
-            <a:lvl4pPr marL="1600200" indent="-228600" algn="l" defTabSz="914400" rtl="0" eaLnBrk="1" latinLnBrk="0" hangingPunct="1">
-              <a:lnSpc>
-                <a:spcPct val="90000"/>
-              </a:lnSpc>
-              <a:spcBef>
-                <a:spcPts val="500"/>
-              </a:spcBef>
-              <a:buFont typeface="Arial" panose="020B0604020202020204" pitchFamily="34" charset="0"/>
-              <a:buChar char="•"/>
-              <a:defRPr sz="1800" kern="1200">
-                <a:solidFill>
-                  <a:schemeClr val="tx1"/>
-                </a:solidFill>
-                <a:latin typeface="+mn-lt"/>
-                <a:ea typeface="+mn-ea"/>
-                <a:cs typeface="+mn-cs"/>
-              </a:defRPr>
-            </a:lvl4pPr>
-            <a:lvl5pPr marL="2057400" indent="-228600" algn="l" defTabSz="914400" rtl="0" eaLnBrk="1" latinLnBrk="0" hangingPunct="1">
-              <a:lnSpc>
-                <a:spcPct val="90000"/>
-              </a:lnSpc>
-              <a:spcBef>
-                <a:spcPts val="500"/>
-              </a:spcBef>
-              <a:buFont typeface="Arial" panose="020B0604020202020204" pitchFamily="34" charset="0"/>
-              <a:buChar char="•"/>
-              <a:defRPr sz="1800" kern="1200">
-                <a:solidFill>
-                  <a:schemeClr val="tx1"/>
-                </a:solidFill>
-                <a:latin typeface="+mn-lt"/>
-                <a:ea typeface="+mn-ea"/>
-                <a:cs typeface="+mn-cs"/>
-              </a:defRPr>
-            </a:lvl5pPr>
-            <a:lvl6pPr marL="2514600" indent="-228600" algn="l" defTabSz="914400" rtl="0" eaLnBrk="1" latinLnBrk="0" hangingPunct="1">
-              <a:lnSpc>
-                <a:spcPct val="90000"/>
-              </a:lnSpc>
-              <a:spcBef>
-                <a:spcPts val="500"/>
-              </a:spcBef>
-              <a:buFont typeface="Arial" panose="020B0604020202020204" pitchFamily="34" charset="0"/>
-              <a:buChar char="•"/>
-              <a:defRPr sz="1800" kern="1200">
-                <a:solidFill>
-                  <a:schemeClr val="tx1"/>
-                </a:solidFill>
-                <a:latin typeface="+mn-lt"/>
-                <a:ea typeface="+mn-ea"/>
-                <a:cs typeface="+mn-cs"/>
-              </a:defRPr>
-            </a:lvl6pPr>
-            <a:lvl7pPr marL="2971800" indent="-228600" algn="l" defTabSz="914400" rtl="0" eaLnBrk="1" latinLnBrk="0" hangingPunct="1">
-              <a:lnSpc>
-                <a:spcPct val="90000"/>
-              </a:lnSpc>
-              <a:spcBef>
-                <a:spcPts val="500"/>
-              </a:spcBef>
-              <a:buFont typeface="Arial" panose="020B0604020202020204" pitchFamily="34" charset="0"/>
-              <a:buChar char="•"/>
-              <a:defRPr sz="1800" kern="1200">
-                <a:solidFill>
-                  <a:schemeClr val="tx1"/>
-                </a:solidFill>
-                <a:latin typeface="+mn-lt"/>
-                <a:ea typeface="+mn-ea"/>
-                <a:cs typeface="+mn-cs"/>
-              </a:defRPr>
-            </a:lvl7pPr>
-            <a:lvl8pPr marL="3429000" indent="-228600" algn="l" defTabSz="914400" rtl="0" eaLnBrk="1" latinLnBrk="0" hangingPunct="1">
-              <a:lnSpc>
-                <a:spcPct val="90000"/>
-              </a:lnSpc>
-              <a:spcBef>
-                <a:spcPts val="500"/>
-              </a:spcBef>
-              <a:buFont typeface="Arial" panose="020B0604020202020204" pitchFamily="34" charset="0"/>
-              <a:buChar char="•"/>
-              <a:defRPr sz="1800" kern="1200">
-                <a:solidFill>
-                  <a:schemeClr val="tx1"/>
-                </a:solidFill>
-                <a:latin typeface="+mn-lt"/>
-                <a:ea typeface="+mn-ea"/>
-                <a:cs typeface="+mn-cs"/>
-              </a:defRPr>
-            </a:lvl8pPr>
-            <a:lvl9pPr marL="3886200" indent="-228600" algn="l" defTabSz="914400" rtl="0" eaLnBrk="1" latinLnBrk="0" hangingPunct="1">
-              <a:lnSpc>
-                <a:spcPct val="90000"/>
-              </a:lnSpc>
-              <a:spcBef>
-                <a:spcPts val="500"/>
-              </a:spcBef>
-              <a:buFont typeface="Arial" panose="020B0604020202020204" pitchFamily="34" charset="0"/>
-              <a:buChar char="•"/>
-              <a:defRPr sz="1800" kern="1200">
-                <a:solidFill>
-                  <a:schemeClr val="tx1"/>
-                </a:solidFill>
-                <a:latin typeface="+mn-lt"/>
-                <a:ea typeface="+mn-ea"/>
-                <a:cs typeface="+mn-cs"/>
-              </a:defRPr>
-            </a:lvl9pPr>
-          </a:lstStyle>
-          <a:p>
-            <a:pPr marL="0" indent="0">
-              <a:buNone/>
-            </a:pPr>
-            <a:r>
-              <a:rPr lang="de-DE" sz="3000" b="1" dirty="0"/>
-              <a:t>Problems</a:t>
-            </a:r>
-          </a:p>
-        </p:txBody>
-      </p:sp>
-      <p:sp>
-        <p:nvSpPr>
-          <p:cNvPr id="6" name="Inhaltsplatzhalter 3">
-            <a:extLst>
-              <a:ext uri="{FF2B5EF4-FFF2-40B4-BE49-F238E27FC236}">
-                <a16:creationId xmlns:a16="http://schemas.microsoft.com/office/drawing/2014/main" id="{569B587C-398D-1975-A0E3-C4DED6A331E6}"/>
-              </a:ext>
-            </a:extLst>
-          </p:cNvPr>
-          <p:cNvSpPr txBox="1">
-            <a:spLocks/>
-          </p:cNvSpPr>
-          <p:nvPr/>
-        </p:nvSpPr>
-        <p:spPr>
-          <a:xfrm>
-            <a:off x="938213" y="2937561"/>
-            <a:ext cx="5157787" cy="3684588"/>
-          </a:xfrm>
-          <a:prstGeom prst="rect">
-            <a:avLst/>
-          </a:prstGeom>
-        </p:spPr>
-        <p:txBody>
-          <a:bodyPr/>
-          <a:lstStyle>
-            <a:lvl1pPr marL="228600" indent="-228600" algn="l" defTabSz="914400" rtl="0" eaLnBrk="1" latinLnBrk="0" hangingPunct="1">
-              <a:lnSpc>
-                <a:spcPct val="90000"/>
-              </a:lnSpc>
-              <a:spcBef>
-                <a:spcPts val="1000"/>
-              </a:spcBef>
-              <a:buFont typeface="Arial" panose="020B0604020202020204" pitchFamily="34" charset="0"/>
-              <a:buChar char="•"/>
-              <a:defRPr sz="2800" kern="1200">
-                <a:solidFill>
-                  <a:schemeClr val="tx1"/>
-                </a:solidFill>
-                <a:latin typeface="+mn-lt"/>
-                <a:ea typeface="+mn-ea"/>
-                <a:cs typeface="+mn-cs"/>
-              </a:defRPr>
-            </a:lvl1pPr>
-            <a:lvl2pPr marL="685800" indent="-228600" algn="l" defTabSz="914400" rtl="0" eaLnBrk="1" latinLnBrk="0" hangingPunct="1">
-              <a:lnSpc>
-                <a:spcPct val="90000"/>
-              </a:lnSpc>
-              <a:spcBef>
-                <a:spcPts val="500"/>
-              </a:spcBef>
-              <a:buFont typeface="Arial" panose="020B0604020202020204" pitchFamily="34" charset="0"/>
-              <a:buChar char="•"/>
-              <a:defRPr sz="2400" kern="1200">
-                <a:solidFill>
-                  <a:schemeClr val="tx1"/>
-                </a:solidFill>
-                <a:latin typeface="+mn-lt"/>
-                <a:ea typeface="+mn-ea"/>
-                <a:cs typeface="+mn-cs"/>
-              </a:defRPr>
-            </a:lvl2pPr>
-            <a:lvl3pPr marL="1143000" indent="-228600" algn="l" defTabSz="914400" rtl="0" eaLnBrk="1" latinLnBrk="0" hangingPunct="1">
-              <a:lnSpc>
-                <a:spcPct val="90000"/>
-              </a:lnSpc>
-              <a:spcBef>
-                <a:spcPts val="500"/>
-              </a:spcBef>
-              <a:buFont typeface="Arial" panose="020B0604020202020204" pitchFamily="34" charset="0"/>
-              <a:buChar char="•"/>
-              <a:defRPr sz="2000" kern="1200">
-                <a:solidFill>
-                  <a:schemeClr val="tx1"/>
-                </a:solidFill>
-                <a:latin typeface="+mn-lt"/>
-                <a:ea typeface="+mn-ea"/>
-                <a:cs typeface="+mn-cs"/>
-              </a:defRPr>
-            </a:lvl3pPr>
-            <a:lvl4pPr marL="1600200" indent="-228600" algn="l" defTabSz="914400" rtl="0" eaLnBrk="1" latinLnBrk="0" hangingPunct="1">
-              <a:lnSpc>
-                <a:spcPct val="90000"/>
-              </a:lnSpc>
-              <a:spcBef>
-                <a:spcPts val="500"/>
-              </a:spcBef>
-              <a:buFont typeface="Arial" panose="020B0604020202020204" pitchFamily="34" charset="0"/>
-              <a:buChar char="•"/>
-              <a:defRPr sz="1800" kern="1200">
-                <a:solidFill>
-                  <a:schemeClr val="tx1"/>
-                </a:solidFill>
-                <a:latin typeface="+mn-lt"/>
-                <a:ea typeface="+mn-ea"/>
-                <a:cs typeface="+mn-cs"/>
-              </a:defRPr>
-            </a:lvl4pPr>
-            <a:lvl5pPr marL="2057400" indent="-228600" algn="l" defTabSz="914400" rtl="0" eaLnBrk="1" latinLnBrk="0" hangingPunct="1">
-              <a:lnSpc>
-                <a:spcPct val="90000"/>
-              </a:lnSpc>
-              <a:spcBef>
-                <a:spcPts val="500"/>
-              </a:spcBef>
-              <a:buFont typeface="Arial" panose="020B0604020202020204" pitchFamily="34" charset="0"/>
-              <a:buChar char="•"/>
-              <a:defRPr sz="1800" kern="1200">
-                <a:solidFill>
-                  <a:schemeClr val="tx1"/>
-                </a:solidFill>
-                <a:latin typeface="+mn-lt"/>
-                <a:ea typeface="+mn-ea"/>
-                <a:cs typeface="+mn-cs"/>
-              </a:defRPr>
-            </a:lvl5pPr>
-            <a:lvl6pPr marL="2514600" indent="-228600" algn="l" defTabSz="914400" rtl="0" eaLnBrk="1" latinLnBrk="0" hangingPunct="1">
-              <a:lnSpc>
-                <a:spcPct val="90000"/>
-              </a:lnSpc>
-              <a:spcBef>
-                <a:spcPts val="500"/>
-              </a:spcBef>
-              <a:buFont typeface="Arial" panose="020B0604020202020204" pitchFamily="34" charset="0"/>
-              <a:buChar char="•"/>
-              <a:defRPr sz="1800" kern="1200">
-                <a:solidFill>
-                  <a:schemeClr val="tx1"/>
-                </a:solidFill>
-                <a:latin typeface="+mn-lt"/>
-                <a:ea typeface="+mn-ea"/>
-                <a:cs typeface="+mn-cs"/>
-              </a:defRPr>
-            </a:lvl6pPr>
-            <a:lvl7pPr marL="2971800" indent="-228600" algn="l" defTabSz="914400" rtl="0" eaLnBrk="1" latinLnBrk="0" hangingPunct="1">
-              <a:lnSpc>
-                <a:spcPct val="90000"/>
-              </a:lnSpc>
-              <a:spcBef>
-                <a:spcPts val="500"/>
-              </a:spcBef>
-              <a:buFont typeface="Arial" panose="020B0604020202020204" pitchFamily="34" charset="0"/>
-              <a:buChar char="•"/>
-              <a:defRPr sz="1800" kern="1200">
-                <a:solidFill>
-                  <a:schemeClr val="tx1"/>
-                </a:solidFill>
-                <a:latin typeface="+mn-lt"/>
-                <a:ea typeface="+mn-ea"/>
-                <a:cs typeface="+mn-cs"/>
-              </a:defRPr>
-            </a:lvl7pPr>
-            <a:lvl8pPr marL="3429000" indent="-228600" algn="l" defTabSz="914400" rtl="0" eaLnBrk="1" latinLnBrk="0" hangingPunct="1">
-              <a:lnSpc>
-                <a:spcPct val="90000"/>
-              </a:lnSpc>
-              <a:spcBef>
-                <a:spcPts val="500"/>
-              </a:spcBef>
-              <a:buFont typeface="Arial" panose="020B0604020202020204" pitchFamily="34" charset="0"/>
-              <a:buChar char="•"/>
-              <a:defRPr sz="1800" kern="1200">
-                <a:solidFill>
-                  <a:schemeClr val="tx1"/>
-                </a:solidFill>
-                <a:latin typeface="+mn-lt"/>
-                <a:ea typeface="+mn-ea"/>
-                <a:cs typeface="+mn-cs"/>
-              </a:defRPr>
-            </a:lvl8pPr>
-            <a:lvl9pPr marL="3886200" indent="-228600" algn="l" defTabSz="914400" rtl="0" eaLnBrk="1" latinLnBrk="0" hangingPunct="1">
-              <a:lnSpc>
-                <a:spcPct val="90000"/>
-              </a:lnSpc>
-              <a:spcBef>
-                <a:spcPts val="500"/>
-              </a:spcBef>
-              <a:buFont typeface="Arial" panose="020B0604020202020204" pitchFamily="34" charset="0"/>
-              <a:buChar char="•"/>
-              <a:defRPr sz="1800" kern="1200">
-                <a:solidFill>
-                  <a:schemeClr val="tx1"/>
-                </a:solidFill>
-                <a:latin typeface="+mn-lt"/>
-                <a:ea typeface="+mn-ea"/>
-                <a:cs typeface="+mn-cs"/>
-              </a:defRPr>
-            </a:lvl9pPr>
-          </a:lstStyle>
-          <a:p>
-            <a:r>
-              <a:rPr lang="de-DE" dirty="0" err="1"/>
-              <a:t>Exlusively</a:t>
-            </a:r>
-            <a:r>
-              <a:rPr lang="de-DE" dirty="0"/>
-              <a:t> </a:t>
-            </a:r>
-            <a:r>
-              <a:rPr lang="de-DE" dirty="0" err="1"/>
-              <a:t>paper</a:t>
-            </a:r>
-            <a:r>
-              <a:rPr lang="de-DE" dirty="0"/>
-              <a:t> </a:t>
-            </a:r>
-            <a:r>
-              <a:rPr lang="de-DE" dirty="0" err="1"/>
-              <a:t>based</a:t>
-            </a:r>
-            <a:endParaRPr lang="de-DE" dirty="0"/>
-          </a:p>
-          <a:p>
-            <a:r>
-              <a:rPr lang="de-DE" dirty="0" err="1"/>
-              <a:t>No</a:t>
-            </a:r>
-            <a:r>
-              <a:rPr lang="de-DE" dirty="0"/>
-              <a:t> </a:t>
-            </a:r>
-            <a:r>
-              <a:rPr lang="de-DE" dirty="0" err="1"/>
-              <a:t>automation</a:t>
-            </a:r>
-            <a:endParaRPr lang="de-DE" dirty="0"/>
-          </a:p>
-          <a:p>
-            <a:r>
-              <a:rPr lang="de-DE" dirty="0" err="1"/>
-              <a:t>Unclear</a:t>
-            </a:r>
-            <a:r>
-              <a:rPr lang="de-DE" dirty="0"/>
-              <a:t> </a:t>
-            </a:r>
-            <a:r>
-              <a:rPr lang="de-DE" dirty="0" err="1"/>
-              <a:t>responsibilities</a:t>
-            </a:r>
-            <a:r>
-              <a:rPr lang="de-DE" dirty="0"/>
-              <a:t> </a:t>
-            </a:r>
-          </a:p>
-          <a:p>
-            <a:r>
-              <a:rPr lang="de-DE" dirty="0"/>
-              <a:t>Time </a:t>
-            </a:r>
-            <a:r>
-              <a:rPr lang="de-DE" dirty="0" err="1"/>
-              <a:t>consuming</a:t>
-            </a:r>
-            <a:r>
-              <a:rPr lang="de-DE" dirty="0"/>
-              <a:t> </a:t>
-            </a:r>
-          </a:p>
-          <a:p>
-            <a:r>
-              <a:rPr lang="de-DE" dirty="0" err="1"/>
-              <a:t>No</a:t>
-            </a:r>
-            <a:r>
-              <a:rPr lang="de-DE" dirty="0"/>
-              <a:t> </a:t>
-            </a:r>
-            <a:r>
-              <a:rPr lang="de-DE" dirty="0" err="1"/>
-              <a:t>decision</a:t>
-            </a:r>
-            <a:r>
-              <a:rPr lang="de-DE" dirty="0"/>
-              <a:t> support </a:t>
-            </a:r>
-            <a:r>
-              <a:rPr lang="de-DE" dirty="0" err="1"/>
-              <a:t>for</a:t>
-            </a:r>
-            <a:r>
-              <a:rPr lang="de-DE" dirty="0"/>
-              <a:t> alternative </a:t>
-            </a:r>
-            <a:r>
-              <a:rPr lang="de-DE" dirty="0" err="1"/>
-              <a:t>medications</a:t>
-            </a:r>
-            <a:r>
-              <a:rPr lang="de-DE" dirty="0"/>
-              <a:t> </a:t>
-            </a:r>
-          </a:p>
-          <a:p>
-            <a:endParaRPr lang="de-DE" dirty="0"/>
-          </a:p>
-        </p:txBody>
-      </p:sp>
-      <p:sp>
-        <p:nvSpPr>
-          <p:cNvPr id="7" name="Textplatzhalter 4">
-            <a:extLst>
-              <a:ext uri="{FF2B5EF4-FFF2-40B4-BE49-F238E27FC236}">
-                <a16:creationId xmlns:a16="http://schemas.microsoft.com/office/drawing/2014/main" id="{C32C2640-FC11-9BFB-2345-BDBEDFB4FCBB}"/>
-              </a:ext>
-            </a:extLst>
-          </p:cNvPr>
-          <p:cNvSpPr txBox="1">
-            <a:spLocks/>
-          </p:cNvSpPr>
-          <p:nvPr/>
-        </p:nvSpPr>
-        <p:spPr>
-          <a:xfrm>
-            <a:off x="6270625" y="2113649"/>
-            <a:ext cx="5183188" cy="823912"/>
-          </a:xfrm>
-          <a:prstGeom prst="rect">
-            <a:avLst/>
-          </a:prstGeom>
-        </p:spPr>
-        <p:txBody>
-          <a:bodyPr/>
-          <a:lstStyle>
-            <a:lvl1pPr marL="228600" indent="-228600" algn="l" defTabSz="914400" rtl="0" eaLnBrk="1" latinLnBrk="0" hangingPunct="1">
-              <a:lnSpc>
-                <a:spcPct val="90000"/>
-              </a:lnSpc>
-              <a:spcBef>
-                <a:spcPts val="1000"/>
-              </a:spcBef>
-              <a:buFont typeface="Arial" panose="020B0604020202020204" pitchFamily="34" charset="0"/>
-              <a:buChar char="•"/>
-              <a:defRPr sz="2800" kern="1200">
-                <a:solidFill>
-                  <a:schemeClr val="tx1"/>
-                </a:solidFill>
-                <a:latin typeface="+mn-lt"/>
-                <a:ea typeface="+mn-ea"/>
-                <a:cs typeface="+mn-cs"/>
-              </a:defRPr>
-            </a:lvl1pPr>
-            <a:lvl2pPr marL="685800" indent="-228600" algn="l" defTabSz="914400" rtl="0" eaLnBrk="1" latinLnBrk="0" hangingPunct="1">
-              <a:lnSpc>
-                <a:spcPct val="90000"/>
-              </a:lnSpc>
-              <a:spcBef>
-                <a:spcPts val="500"/>
-              </a:spcBef>
-              <a:buFont typeface="Arial" panose="020B0604020202020204" pitchFamily="34" charset="0"/>
-              <a:buChar char="•"/>
-              <a:defRPr sz="2400" kern="1200">
-                <a:solidFill>
-                  <a:schemeClr val="tx1"/>
-                </a:solidFill>
-                <a:latin typeface="+mn-lt"/>
-                <a:ea typeface="+mn-ea"/>
-                <a:cs typeface="+mn-cs"/>
-              </a:defRPr>
-            </a:lvl2pPr>
-            <a:lvl3pPr marL="1143000" indent="-228600" algn="l" defTabSz="914400" rtl="0" eaLnBrk="1" latinLnBrk="0" hangingPunct="1">
-              <a:lnSpc>
-                <a:spcPct val="90000"/>
-              </a:lnSpc>
-              <a:spcBef>
-                <a:spcPts val="500"/>
-              </a:spcBef>
-              <a:buFont typeface="Arial" panose="020B0604020202020204" pitchFamily="34" charset="0"/>
-              <a:buChar char="•"/>
-              <a:defRPr sz="2000" kern="1200">
-                <a:solidFill>
-                  <a:schemeClr val="tx1"/>
-                </a:solidFill>
-                <a:latin typeface="+mn-lt"/>
-                <a:ea typeface="+mn-ea"/>
-                <a:cs typeface="+mn-cs"/>
-              </a:defRPr>
-            </a:lvl3pPr>
-            <a:lvl4pPr marL="1600200" indent="-228600" algn="l" defTabSz="914400" rtl="0" eaLnBrk="1" latinLnBrk="0" hangingPunct="1">
-              <a:lnSpc>
-                <a:spcPct val="90000"/>
-              </a:lnSpc>
-              <a:spcBef>
-                <a:spcPts val="500"/>
-              </a:spcBef>
-              <a:buFont typeface="Arial" panose="020B0604020202020204" pitchFamily="34" charset="0"/>
-              <a:buChar char="•"/>
-              <a:defRPr sz="1800" kern="1200">
-                <a:solidFill>
-                  <a:schemeClr val="tx1"/>
-                </a:solidFill>
-                <a:latin typeface="+mn-lt"/>
-                <a:ea typeface="+mn-ea"/>
-                <a:cs typeface="+mn-cs"/>
-              </a:defRPr>
-            </a:lvl4pPr>
-            <a:lvl5pPr marL="2057400" indent="-228600" algn="l" defTabSz="914400" rtl="0" eaLnBrk="1" latinLnBrk="0" hangingPunct="1">
-              <a:lnSpc>
-                <a:spcPct val="90000"/>
-              </a:lnSpc>
-              <a:spcBef>
-                <a:spcPts val="500"/>
-              </a:spcBef>
-              <a:buFont typeface="Arial" panose="020B0604020202020204" pitchFamily="34" charset="0"/>
-              <a:buChar char="•"/>
-              <a:defRPr sz="1800" kern="1200">
-                <a:solidFill>
-                  <a:schemeClr val="tx1"/>
-                </a:solidFill>
-                <a:latin typeface="+mn-lt"/>
-                <a:ea typeface="+mn-ea"/>
-                <a:cs typeface="+mn-cs"/>
-              </a:defRPr>
-            </a:lvl5pPr>
-            <a:lvl6pPr marL="2514600" indent="-228600" algn="l" defTabSz="914400" rtl="0" eaLnBrk="1" latinLnBrk="0" hangingPunct="1">
-              <a:lnSpc>
-                <a:spcPct val="90000"/>
-              </a:lnSpc>
-              <a:spcBef>
-                <a:spcPts val="500"/>
-              </a:spcBef>
-              <a:buFont typeface="Arial" panose="020B0604020202020204" pitchFamily="34" charset="0"/>
-              <a:buChar char="•"/>
-              <a:defRPr sz="1800" kern="1200">
-                <a:solidFill>
-                  <a:schemeClr val="tx1"/>
-                </a:solidFill>
-                <a:latin typeface="+mn-lt"/>
-                <a:ea typeface="+mn-ea"/>
-                <a:cs typeface="+mn-cs"/>
-              </a:defRPr>
-            </a:lvl6pPr>
-            <a:lvl7pPr marL="2971800" indent="-228600" algn="l" defTabSz="914400" rtl="0" eaLnBrk="1" latinLnBrk="0" hangingPunct="1">
-              <a:lnSpc>
-                <a:spcPct val="90000"/>
-              </a:lnSpc>
-              <a:spcBef>
-                <a:spcPts val="500"/>
-              </a:spcBef>
-              <a:buFont typeface="Arial" panose="020B0604020202020204" pitchFamily="34" charset="0"/>
-              <a:buChar char="•"/>
-              <a:defRPr sz="1800" kern="1200">
-                <a:solidFill>
-                  <a:schemeClr val="tx1"/>
-                </a:solidFill>
-                <a:latin typeface="+mn-lt"/>
-                <a:ea typeface="+mn-ea"/>
-                <a:cs typeface="+mn-cs"/>
-              </a:defRPr>
-            </a:lvl7pPr>
-            <a:lvl8pPr marL="3429000" indent="-228600" algn="l" defTabSz="914400" rtl="0" eaLnBrk="1" latinLnBrk="0" hangingPunct="1">
-              <a:lnSpc>
-                <a:spcPct val="90000"/>
-              </a:lnSpc>
-              <a:spcBef>
-                <a:spcPts val="500"/>
-              </a:spcBef>
-              <a:buFont typeface="Arial" panose="020B0604020202020204" pitchFamily="34" charset="0"/>
-              <a:buChar char="•"/>
-              <a:defRPr sz="1800" kern="1200">
-                <a:solidFill>
-                  <a:schemeClr val="tx1"/>
-                </a:solidFill>
-                <a:latin typeface="+mn-lt"/>
-                <a:ea typeface="+mn-ea"/>
-                <a:cs typeface="+mn-cs"/>
-              </a:defRPr>
-            </a:lvl8pPr>
-            <a:lvl9pPr marL="3886200" indent="-228600" algn="l" defTabSz="914400" rtl="0" eaLnBrk="1" latinLnBrk="0" hangingPunct="1">
-              <a:lnSpc>
-                <a:spcPct val="90000"/>
-              </a:lnSpc>
-              <a:spcBef>
-                <a:spcPts val="500"/>
-              </a:spcBef>
-              <a:buFont typeface="Arial" panose="020B0604020202020204" pitchFamily="34" charset="0"/>
-              <a:buChar char="•"/>
-              <a:defRPr sz="1800" kern="1200">
-                <a:solidFill>
-                  <a:schemeClr val="tx1"/>
-                </a:solidFill>
-                <a:latin typeface="+mn-lt"/>
-                <a:ea typeface="+mn-ea"/>
-                <a:cs typeface="+mn-cs"/>
-              </a:defRPr>
-            </a:lvl9pPr>
-          </a:lstStyle>
-          <a:p>
-            <a:pPr marL="0" indent="0">
-              <a:buNone/>
-            </a:pPr>
-            <a:r>
-              <a:rPr lang="de-DE" sz="3000" b="1" dirty="0"/>
-              <a:t>Solutions</a:t>
-            </a:r>
-          </a:p>
-        </p:txBody>
-      </p:sp>
-      <p:sp>
-        <p:nvSpPr>
-          <p:cNvPr id="8" name="Inhaltsplatzhalter 5">
-            <a:extLst>
-              <a:ext uri="{FF2B5EF4-FFF2-40B4-BE49-F238E27FC236}">
-                <a16:creationId xmlns:a16="http://schemas.microsoft.com/office/drawing/2014/main" id="{2AE4A642-244D-4412-4D07-8D1379CC1036}"/>
-              </a:ext>
-            </a:extLst>
-          </p:cNvPr>
-          <p:cNvSpPr txBox="1">
-            <a:spLocks/>
-          </p:cNvSpPr>
-          <p:nvPr/>
-        </p:nvSpPr>
-        <p:spPr>
-          <a:xfrm>
-            <a:off x="6270625" y="2937561"/>
-            <a:ext cx="5183188" cy="3684588"/>
-          </a:xfrm>
-          <a:prstGeom prst="rect">
-            <a:avLst/>
-          </a:prstGeom>
-        </p:spPr>
-        <p:txBody>
-          <a:bodyPr/>
-          <a:lstStyle>
-            <a:lvl1pPr marL="228600" indent="-228600" algn="l" defTabSz="914400" rtl="0" eaLnBrk="1" latinLnBrk="0" hangingPunct="1">
-              <a:lnSpc>
-                <a:spcPct val="90000"/>
-              </a:lnSpc>
-              <a:spcBef>
-                <a:spcPts val="1000"/>
-              </a:spcBef>
-              <a:buFont typeface="Arial" panose="020B0604020202020204" pitchFamily="34" charset="0"/>
-              <a:buChar char="•"/>
-              <a:defRPr sz="2800" kern="1200">
-                <a:solidFill>
-                  <a:schemeClr val="tx1"/>
-                </a:solidFill>
-                <a:latin typeface="+mn-lt"/>
-                <a:ea typeface="+mn-ea"/>
-                <a:cs typeface="+mn-cs"/>
-              </a:defRPr>
-            </a:lvl1pPr>
-            <a:lvl2pPr marL="685800" indent="-228600" algn="l" defTabSz="914400" rtl="0" eaLnBrk="1" latinLnBrk="0" hangingPunct="1">
-              <a:lnSpc>
-                <a:spcPct val="90000"/>
-              </a:lnSpc>
-              <a:spcBef>
-                <a:spcPts val="500"/>
-              </a:spcBef>
-              <a:buFont typeface="Arial" panose="020B0604020202020204" pitchFamily="34" charset="0"/>
-              <a:buChar char="•"/>
-              <a:defRPr sz="2400" kern="1200">
-                <a:solidFill>
-                  <a:schemeClr val="tx1"/>
-                </a:solidFill>
-                <a:latin typeface="+mn-lt"/>
-                <a:ea typeface="+mn-ea"/>
-                <a:cs typeface="+mn-cs"/>
-              </a:defRPr>
-            </a:lvl2pPr>
-            <a:lvl3pPr marL="1143000" indent="-228600" algn="l" defTabSz="914400" rtl="0" eaLnBrk="1" latinLnBrk="0" hangingPunct="1">
-              <a:lnSpc>
-                <a:spcPct val="90000"/>
-              </a:lnSpc>
-              <a:spcBef>
-                <a:spcPts val="500"/>
-              </a:spcBef>
-              <a:buFont typeface="Arial" panose="020B0604020202020204" pitchFamily="34" charset="0"/>
-              <a:buChar char="•"/>
-              <a:defRPr sz="2000" kern="1200">
-                <a:solidFill>
-                  <a:schemeClr val="tx1"/>
-                </a:solidFill>
-                <a:latin typeface="+mn-lt"/>
-                <a:ea typeface="+mn-ea"/>
-                <a:cs typeface="+mn-cs"/>
-              </a:defRPr>
-            </a:lvl3pPr>
-            <a:lvl4pPr marL="1600200" indent="-228600" algn="l" defTabSz="914400" rtl="0" eaLnBrk="1" latinLnBrk="0" hangingPunct="1">
-              <a:lnSpc>
-                <a:spcPct val="90000"/>
-              </a:lnSpc>
-              <a:spcBef>
-                <a:spcPts val="500"/>
-              </a:spcBef>
-              <a:buFont typeface="Arial" panose="020B0604020202020204" pitchFamily="34" charset="0"/>
-              <a:buChar char="•"/>
-              <a:defRPr sz="1800" kern="1200">
-                <a:solidFill>
-                  <a:schemeClr val="tx1"/>
-                </a:solidFill>
-                <a:latin typeface="+mn-lt"/>
-                <a:ea typeface="+mn-ea"/>
-                <a:cs typeface="+mn-cs"/>
-              </a:defRPr>
-            </a:lvl4pPr>
-            <a:lvl5pPr marL="2057400" indent="-228600" algn="l" defTabSz="914400" rtl="0" eaLnBrk="1" latinLnBrk="0" hangingPunct="1">
-              <a:lnSpc>
-                <a:spcPct val="90000"/>
-              </a:lnSpc>
-              <a:spcBef>
-                <a:spcPts val="500"/>
-              </a:spcBef>
-              <a:buFont typeface="Arial" panose="020B0604020202020204" pitchFamily="34" charset="0"/>
-              <a:buChar char="•"/>
-              <a:defRPr sz="1800" kern="1200">
-                <a:solidFill>
-                  <a:schemeClr val="tx1"/>
-                </a:solidFill>
-                <a:latin typeface="+mn-lt"/>
-                <a:ea typeface="+mn-ea"/>
-                <a:cs typeface="+mn-cs"/>
-              </a:defRPr>
-            </a:lvl5pPr>
-            <a:lvl6pPr marL="2514600" indent="-228600" algn="l" defTabSz="914400" rtl="0" eaLnBrk="1" latinLnBrk="0" hangingPunct="1">
-              <a:lnSpc>
-                <a:spcPct val="90000"/>
-              </a:lnSpc>
-              <a:spcBef>
-                <a:spcPts val="500"/>
-              </a:spcBef>
-              <a:buFont typeface="Arial" panose="020B0604020202020204" pitchFamily="34" charset="0"/>
-              <a:buChar char="•"/>
-              <a:defRPr sz="1800" kern="1200">
-                <a:solidFill>
-                  <a:schemeClr val="tx1"/>
-                </a:solidFill>
-                <a:latin typeface="+mn-lt"/>
-                <a:ea typeface="+mn-ea"/>
-                <a:cs typeface="+mn-cs"/>
-              </a:defRPr>
-            </a:lvl6pPr>
-            <a:lvl7pPr marL="2971800" indent="-228600" algn="l" defTabSz="914400" rtl="0" eaLnBrk="1" latinLnBrk="0" hangingPunct="1">
-              <a:lnSpc>
-                <a:spcPct val="90000"/>
-              </a:lnSpc>
-              <a:spcBef>
-                <a:spcPts val="500"/>
-              </a:spcBef>
-              <a:buFont typeface="Arial" panose="020B0604020202020204" pitchFamily="34" charset="0"/>
-              <a:buChar char="•"/>
-              <a:defRPr sz="1800" kern="1200">
-                <a:solidFill>
-                  <a:schemeClr val="tx1"/>
-                </a:solidFill>
-                <a:latin typeface="+mn-lt"/>
-                <a:ea typeface="+mn-ea"/>
-                <a:cs typeface="+mn-cs"/>
-              </a:defRPr>
-            </a:lvl7pPr>
-            <a:lvl8pPr marL="3429000" indent="-228600" algn="l" defTabSz="914400" rtl="0" eaLnBrk="1" latinLnBrk="0" hangingPunct="1">
-              <a:lnSpc>
-                <a:spcPct val="90000"/>
-              </a:lnSpc>
-              <a:spcBef>
-                <a:spcPts val="500"/>
-              </a:spcBef>
-              <a:buFont typeface="Arial" panose="020B0604020202020204" pitchFamily="34" charset="0"/>
-              <a:buChar char="•"/>
-              <a:defRPr sz="1800" kern="1200">
-                <a:solidFill>
-                  <a:schemeClr val="tx1"/>
-                </a:solidFill>
-                <a:latin typeface="+mn-lt"/>
-                <a:ea typeface="+mn-ea"/>
-                <a:cs typeface="+mn-cs"/>
-              </a:defRPr>
-            </a:lvl8pPr>
-            <a:lvl9pPr marL="3886200" indent="-228600" algn="l" defTabSz="914400" rtl="0" eaLnBrk="1" latinLnBrk="0" hangingPunct="1">
-              <a:lnSpc>
-                <a:spcPct val="90000"/>
-              </a:lnSpc>
-              <a:spcBef>
-                <a:spcPts val="500"/>
-              </a:spcBef>
-              <a:buFont typeface="Arial" panose="020B0604020202020204" pitchFamily="34" charset="0"/>
-              <a:buChar char="•"/>
-              <a:defRPr sz="1800" kern="1200">
-                <a:solidFill>
-                  <a:schemeClr val="tx1"/>
-                </a:solidFill>
-                <a:latin typeface="+mn-lt"/>
-                <a:ea typeface="+mn-ea"/>
-                <a:cs typeface="+mn-cs"/>
-              </a:defRPr>
-            </a:lvl9pPr>
-          </a:lstStyle>
-          <a:p>
-            <a:r>
-              <a:rPr lang="de-DE" dirty="0" err="1"/>
-              <a:t>Inventory</a:t>
-            </a:r>
-            <a:r>
-              <a:rPr lang="de-DE" dirty="0"/>
-              <a:t> </a:t>
-            </a:r>
-            <a:r>
-              <a:rPr lang="de-DE" dirty="0" err="1"/>
-              <a:t>list</a:t>
-            </a:r>
-            <a:r>
-              <a:rPr lang="de-DE" dirty="0"/>
-              <a:t>: </a:t>
-            </a:r>
-            <a:r>
-              <a:rPr lang="de-DE" dirty="0" err="1"/>
-              <a:t>digitalized</a:t>
-            </a:r>
-            <a:r>
-              <a:rPr lang="de-DE" dirty="0"/>
-              <a:t> </a:t>
-            </a:r>
-          </a:p>
-          <a:p>
-            <a:r>
-              <a:rPr lang="de-DE" dirty="0" err="1"/>
-              <a:t>Automated</a:t>
-            </a:r>
-            <a:r>
-              <a:rPr lang="de-DE" dirty="0"/>
-              <a:t> </a:t>
-            </a:r>
-            <a:r>
-              <a:rPr lang="de-DE" dirty="0" err="1"/>
-              <a:t>e-mail</a:t>
-            </a:r>
-            <a:r>
-              <a:rPr lang="de-DE" dirty="0"/>
-              <a:t> </a:t>
-            </a:r>
-            <a:r>
-              <a:rPr lang="de-DE" dirty="0" err="1"/>
-              <a:t>generation</a:t>
-            </a:r>
-            <a:endParaRPr lang="de-DE" dirty="0"/>
-          </a:p>
-          <a:p>
-            <a:pPr lvl="1"/>
-            <a:r>
-              <a:rPr lang="de-DE" dirty="0" err="1"/>
-              <a:t>For</a:t>
-            </a:r>
-            <a:r>
-              <a:rPr lang="de-DE" dirty="0"/>
-              <a:t> </a:t>
-            </a:r>
-            <a:r>
-              <a:rPr lang="de-DE" dirty="0" err="1"/>
-              <a:t>order</a:t>
-            </a:r>
-            <a:r>
-              <a:rPr lang="de-DE" dirty="0"/>
-              <a:t> </a:t>
-            </a:r>
-            <a:r>
-              <a:rPr lang="de-DE" dirty="0" err="1"/>
-              <a:t>arrival</a:t>
-            </a:r>
-            <a:endParaRPr lang="de-DE" dirty="0"/>
-          </a:p>
-          <a:p>
-            <a:pPr lvl="1"/>
-            <a:r>
-              <a:rPr lang="de-DE" dirty="0"/>
-              <a:t>Threshold </a:t>
-            </a:r>
-            <a:r>
-              <a:rPr lang="de-DE" dirty="0" err="1"/>
-              <a:t>warning</a:t>
-            </a:r>
-            <a:r>
-              <a:rPr lang="de-DE" dirty="0"/>
-              <a:t> </a:t>
-            </a:r>
-          </a:p>
-          <a:p>
-            <a:r>
-              <a:rPr lang="de-DE" dirty="0" err="1"/>
-              <a:t>Decision</a:t>
-            </a:r>
-            <a:r>
-              <a:rPr lang="de-DE" dirty="0"/>
-              <a:t> </a:t>
-            </a:r>
-            <a:r>
-              <a:rPr lang="de-DE" dirty="0" err="1"/>
-              <a:t>logic</a:t>
-            </a:r>
-            <a:r>
-              <a:rPr lang="de-DE" dirty="0"/>
-              <a:t> </a:t>
-            </a:r>
-            <a:r>
-              <a:rPr lang="de-DE" dirty="0" err="1"/>
-              <a:t>implemented</a:t>
-            </a:r>
-            <a:r>
-              <a:rPr lang="de-DE" dirty="0"/>
-              <a:t> </a:t>
-            </a:r>
-            <a:r>
-              <a:rPr lang="de-DE" dirty="0" err="1"/>
-              <a:t>to</a:t>
-            </a:r>
-            <a:r>
-              <a:rPr lang="de-DE" dirty="0"/>
-              <a:t> </a:t>
-            </a:r>
-            <a:r>
-              <a:rPr lang="de-DE" dirty="0" err="1"/>
-              <a:t>enable</a:t>
-            </a:r>
-            <a:r>
-              <a:rPr lang="de-DE" dirty="0"/>
-              <a:t> quick </a:t>
-            </a:r>
-            <a:r>
-              <a:rPr lang="de-DE" dirty="0" err="1"/>
-              <a:t>access</a:t>
-            </a:r>
-            <a:r>
-              <a:rPr lang="de-DE" dirty="0"/>
-              <a:t> </a:t>
-            </a:r>
-            <a:r>
-              <a:rPr lang="de-DE" dirty="0" err="1"/>
-              <a:t>to</a:t>
-            </a:r>
-            <a:r>
-              <a:rPr lang="de-DE" dirty="0"/>
-              <a:t> alternative </a:t>
-            </a:r>
-            <a:r>
-              <a:rPr lang="de-DE" dirty="0" err="1"/>
-              <a:t>medications</a:t>
-            </a:r>
-            <a:r>
-              <a:rPr lang="de-DE" dirty="0"/>
-              <a:t> </a:t>
-            </a:r>
-          </a:p>
-          <a:p>
-            <a:pPr marL="0" indent="0">
-              <a:buNone/>
-            </a:pPr>
-            <a:endParaRPr lang="de-DE" dirty="0"/>
-          </a:p>
-        </p:txBody>
-      </p:sp>
-    </p:spTree>
-    <p:extLst>
-      <p:ext uri="{BB962C8B-B14F-4D97-AF65-F5344CB8AC3E}">
-        <p14:creationId xmlns:p14="http://schemas.microsoft.com/office/powerpoint/2010/main" val="3817259487"/>
-      </p:ext>
-    </p:extLst>
-  </p:cSld>
-  <p:clrMapOvr>
-    <a:masterClrMapping/>
-  </p:clrMapOvr>
-</p:sld>
-</file>
-
 <file path=ppt/slides/slide2.xml><?xml version="1.0" encoding="utf-8"?>
 <p:sld xmlns:a="http://schemas.openxmlformats.org/drawingml/2006/main" xmlns:r="http://schemas.openxmlformats.org/officeDocument/2006/relationships" xmlns:p="http://schemas.openxmlformats.org/presentationml/2006/main">
   <p:cSld>
@@ -11873,380 +9944,6 @@
           <p:cNvPr id="2" name="Titel 1">
             <a:extLst>
               <a:ext uri="{FF2B5EF4-FFF2-40B4-BE49-F238E27FC236}">
-                <a16:creationId xmlns:a16="http://schemas.microsoft.com/office/drawing/2014/main" id="{C77BCFB3-2ECD-706A-3128-06DCE4D8CA3C}"/>
-              </a:ext>
-            </a:extLst>
-          </p:cNvPr>
-          <p:cNvSpPr>
-            <a:spLocks noGrp="1"/>
-          </p:cNvSpPr>
-          <p:nvPr>
-            <p:ph type="title"/>
-          </p:nvPr>
-        </p:nvSpPr>
-        <p:spPr>
-          <a:xfrm>
-            <a:off x="841513" y="500062"/>
-            <a:ext cx="10515600" cy="1325563"/>
-          </a:xfrm>
-        </p:spPr>
-        <p:txBody>
-          <a:bodyPr/>
-          <a:lstStyle/>
-          <a:p>
-            <a:r>
-              <a:rPr lang="de-DE" dirty="0">
-                <a:solidFill>
-                  <a:schemeClr val="tx1">
-                    <a:lumMod val="50000"/>
-                    <a:lumOff val="50000"/>
-                  </a:schemeClr>
-                </a:solidFill>
-              </a:rPr>
-              <a:t>The </a:t>
-            </a:r>
-            <a:r>
-              <a:rPr lang="de-DE" dirty="0" err="1">
-                <a:solidFill>
-                  <a:schemeClr val="tx1">
-                    <a:lumMod val="50000"/>
-                    <a:lumOff val="50000"/>
-                  </a:schemeClr>
-                </a:solidFill>
-              </a:rPr>
-              <a:t>solution</a:t>
-            </a:r>
-            <a:r>
-              <a:rPr lang="de-DE" dirty="0">
-                <a:solidFill>
-                  <a:schemeClr val="tx1">
-                    <a:lumMod val="50000"/>
-                    <a:lumOff val="50000"/>
-                  </a:schemeClr>
-                </a:solidFill>
-              </a:rPr>
-              <a:t> </a:t>
-            </a:r>
-            <a:r>
-              <a:rPr lang="de-DE" dirty="0" err="1">
-                <a:solidFill>
-                  <a:schemeClr val="tx1">
-                    <a:lumMod val="50000"/>
-                    <a:lumOff val="50000"/>
-                  </a:schemeClr>
-                </a:solidFill>
-              </a:rPr>
-              <a:t>we</a:t>
-            </a:r>
-            <a:r>
-              <a:rPr lang="de-DE" dirty="0">
-                <a:solidFill>
-                  <a:schemeClr val="tx1">
-                    <a:lumMod val="50000"/>
-                    <a:lumOff val="50000"/>
-                  </a:schemeClr>
-                </a:solidFill>
-              </a:rPr>
-              <a:t> </a:t>
-            </a:r>
-            <a:r>
-              <a:rPr lang="de-DE" dirty="0" err="1">
-                <a:solidFill>
-                  <a:schemeClr val="tx1">
-                    <a:lumMod val="50000"/>
-                    <a:lumOff val="50000"/>
-                  </a:schemeClr>
-                </a:solidFill>
-              </a:rPr>
-              <a:t>provide</a:t>
-            </a:r>
-            <a:endParaRPr lang="de-DE" dirty="0">
-              <a:solidFill>
-                <a:schemeClr val="tx1">
-                  <a:lumMod val="50000"/>
-                  <a:lumOff val="50000"/>
-                </a:schemeClr>
-              </a:solidFill>
-            </a:endParaRPr>
-          </a:p>
-        </p:txBody>
-      </p:sp>
-      <p:sp>
-        <p:nvSpPr>
-          <p:cNvPr id="3" name="Inhaltsplatzhalter 2">
-            <a:extLst>
-              <a:ext uri="{FF2B5EF4-FFF2-40B4-BE49-F238E27FC236}">
-                <a16:creationId xmlns:a16="http://schemas.microsoft.com/office/drawing/2014/main" id="{B4F46ABD-8990-3714-E9FF-EE7A6C6357C4}"/>
-              </a:ext>
-            </a:extLst>
-          </p:cNvPr>
-          <p:cNvSpPr>
-            <a:spLocks noGrp="1"/>
-          </p:cNvSpPr>
-          <p:nvPr>
-            <p:ph idx="1"/>
-          </p:nvPr>
-        </p:nvSpPr>
-        <p:spPr>
-          <a:xfrm>
-            <a:off x="841513" y="2006600"/>
-            <a:ext cx="10515600" cy="4351338"/>
-          </a:xfrm>
-        </p:spPr>
-        <p:txBody>
-          <a:bodyPr>
-            <a:normAutofit/>
-          </a:bodyPr>
-          <a:lstStyle/>
-          <a:p>
-            <a:r>
-              <a:rPr lang="de-DE" dirty="0"/>
-              <a:t>Automation:</a:t>
-            </a:r>
-          </a:p>
-          <a:p>
-            <a:pPr lvl="1"/>
-            <a:r>
-              <a:rPr lang="de-DE" dirty="0"/>
-              <a:t> </a:t>
-            </a:r>
-            <a:r>
-              <a:rPr lang="de-DE" dirty="0" err="1"/>
-              <a:t>inventory</a:t>
-            </a:r>
-            <a:r>
-              <a:rPr lang="de-DE" dirty="0"/>
-              <a:t> </a:t>
-            </a:r>
-            <a:r>
-              <a:rPr lang="de-DE" dirty="0" err="1"/>
-              <a:t>is</a:t>
-            </a:r>
-            <a:r>
-              <a:rPr lang="de-DE" dirty="0"/>
-              <a:t> </a:t>
-            </a:r>
-            <a:r>
-              <a:rPr lang="de-DE" dirty="0" err="1"/>
-              <a:t>checked</a:t>
-            </a:r>
-            <a:r>
-              <a:rPr lang="de-DE" dirty="0"/>
-              <a:t> </a:t>
-            </a:r>
-            <a:r>
-              <a:rPr lang="de-DE" dirty="0" err="1"/>
-              <a:t>as</a:t>
-            </a:r>
-            <a:r>
-              <a:rPr lang="de-DE" dirty="0"/>
-              <a:t> time </a:t>
-            </a:r>
-            <a:r>
-              <a:rPr lang="de-DE" dirty="0" err="1"/>
-              <a:t>event</a:t>
-            </a:r>
-            <a:r>
-              <a:rPr lang="de-DE" dirty="0"/>
-              <a:t> </a:t>
-            </a:r>
-            <a:r>
-              <a:rPr lang="de-DE" dirty="0" err="1"/>
-              <a:t>automatically</a:t>
-            </a:r>
-            <a:endParaRPr lang="de-DE" dirty="0"/>
-          </a:p>
-          <a:p>
-            <a:pPr lvl="2"/>
-            <a:r>
-              <a:rPr lang="de-DE" dirty="0"/>
-              <a:t>Returns </a:t>
-            </a:r>
-            <a:r>
-              <a:rPr lang="de-DE" dirty="0" err="1"/>
-              <a:t>if</a:t>
-            </a:r>
-            <a:r>
-              <a:rPr lang="de-DE" dirty="0"/>
-              <a:t> </a:t>
-            </a:r>
-            <a:r>
-              <a:rPr lang="de-DE" dirty="0" err="1"/>
-              <a:t>threshold</a:t>
-            </a:r>
-            <a:r>
-              <a:rPr lang="de-DE" dirty="0"/>
-              <a:t> </a:t>
-            </a:r>
-            <a:r>
-              <a:rPr lang="de-DE" dirty="0" err="1"/>
-              <a:t>is</a:t>
-            </a:r>
-            <a:r>
-              <a:rPr lang="de-DE" dirty="0"/>
-              <a:t> </a:t>
-            </a:r>
-            <a:r>
-              <a:rPr lang="de-DE" dirty="0" err="1"/>
-              <a:t>under</a:t>
-            </a:r>
-            <a:r>
-              <a:rPr lang="de-DE" dirty="0"/>
-              <a:t> </a:t>
-            </a:r>
-            <a:r>
-              <a:rPr lang="de-DE" dirty="0" err="1"/>
-              <a:t>or</a:t>
-            </a:r>
-            <a:r>
-              <a:rPr lang="de-DE" dirty="0"/>
-              <a:t> </a:t>
-            </a:r>
-            <a:r>
-              <a:rPr lang="de-DE" dirty="0" err="1"/>
-              <a:t>over</a:t>
-            </a:r>
-            <a:r>
-              <a:rPr lang="de-DE" dirty="0"/>
-              <a:t> </a:t>
-            </a:r>
-            <a:r>
-              <a:rPr lang="de-DE" dirty="0" err="1"/>
-              <a:t>the</a:t>
-            </a:r>
-            <a:r>
-              <a:rPr lang="de-DE" dirty="0"/>
-              <a:t> </a:t>
-            </a:r>
-            <a:r>
-              <a:rPr lang="de-DE" dirty="0" err="1"/>
-              <a:t>limit</a:t>
-            </a:r>
-            <a:r>
-              <a:rPr lang="de-DE" dirty="0"/>
-              <a:t> </a:t>
-            </a:r>
-          </a:p>
-          <a:p>
-            <a:pPr marL="0" indent="0">
-              <a:buNone/>
-            </a:pPr>
-            <a:endParaRPr lang="de-DE" dirty="0"/>
-          </a:p>
-          <a:p>
-            <a:r>
-              <a:rPr lang="de-DE" dirty="0" err="1"/>
-              <a:t>Unification</a:t>
-            </a:r>
-            <a:endParaRPr lang="de-DE" dirty="0"/>
-          </a:p>
-          <a:p>
-            <a:r>
-              <a:rPr lang="de-DE" dirty="0" err="1"/>
-              <a:t>Decision</a:t>
-            </a:r>
-            <a:r>
-              <a:rPr lang="de-DE" dirty="0"/>
-              <a:t> support</a:t>
-            </a:r>
-          </a:p>
-          <a:p>
-            <a:r>
-              <a:rPr lang="de-DE" dirty="0"/>
-              <a:t>Use </a:t>
-            </a:r>
-            <a:r>
-              <a:rPr lang="de-DE" dirty="0" err="1"/>
-              <a:t>of</a:t>
-            </a:r>
-            <a:r>
-              <a:rPr lang="de-DE" dirty="0"/>
-              <a:t> </a:t>
-            </a:r>
-            <a:r>
-              <a:rPr lang="de-DE" dirty="0" err="1"/>
-              <a:t>Camunda</a:t>
-            </a:r>
-            <a:r>
-              <a:rPr lang="de-DE" dirty="0"/>
-              <a:t>, Python, </a:t>
-            </a:r>
-          </a:p>
-          <a:p>
-            <a:r>
-              <a:rPr lang="de-DE" dirty="0"/>
-              <a:t>Multiple </a:t>
-            </a:r>
-            <a:r>
-              <a:rPr lang="de-DE" dirty="0" err="1"/>
-              <a:t>service</a:t>
-            </a:r>
-            <a:r>
-              <a:rPr lang="de-DE" dirty="0"/>
-              <a:t> </a:t>
-            </a:r>
-            <a:r>
-              <a:rPr lang="de-DE" dirty="0" err="1"/>
-              <a:t>tasks</a:t>
-            </a:r>
-            <a:r>
-              <a:rPr lang="de-DE" dirty="0"/>
-              <a:t>, </a:t>
-            </a:r>
-            <a:r>
-              <a:rPr lang="de-DE" dirty="0" err="1"/>
-              <a:t>Decision</a:t>
-            </a:r>
-            <a:r>
-              <a:rPr lang="de-DE" dirty="0"/>
-              <a:t> </a:t>
-            </a:r>
-            <a:r>
-              <a:rPr lang="de-DE" dirty="0" err="1"/>
-              <a:t>modeling</a:t>
-            </a:r>
-            <a:r>
-              <a:rPr lang="de-DE" dirty="0"/>
-              <a:t> </a:t>
-            </a:r>
-          </a:p>
-        </p:txBody>
-      </p:sp>
-    </p:spTree>
-    <p:extLst>
-      <p:ext uri="{BB962C8B-B14F-4D97-AF65-F5344CB8AC3E}">
-        <p14:creationId xmlns:p14="http://schemas.microsoft.com/office/powerpoint/2010/main" val="1415540745"/>
-      </p:ext>
-    </p:extLst>
-  </p:cSld>
-  <p:clrMapOvr>
-    <a:masterClrMapping/>
-  </p:clrMapOvr>
-</p:sld>
-</file>
-
-<file path=ppt/slides/slide8.xml><?xml version="1.0" encoding="utf-8"?>
-<p:sld xmlns:a="http://schemas.openxmlformats.org/drawingml/2006/main" xmlns:r="http://schemas.openxmlformats.org/officeDocument/2006/relationships" xmlns:p="http://schemas.openxmlformats.org/presentationml/2006/main">
-  <p:cSld>
-    <p:spTree>
-      <p:nvGrpSpPr>
-        <p:cNvPr id="1" name=""/>
-        <p:cNvGrpSpPr/>
-        <p:nvPr/>
-      </p:nvGrpSpPr>
-      <p:grpSpPr>
-        <a:xfrm>
-          <a:off x="0" y="0"/>
-          <a:ext cx="0" cy="0"/>
-          <a:chOff x="0" y="0"/>
-          <a:chExt cx="0" cy="0"/>
-        </a:xfrm>
-      </p:grpSpPr>
-      <p:sp>
-        <p:nvSpPr>
-          <p:cNvPr id="2" name="Titel 1">
-            <a:extLst>
-              <a:ext uri="{FF2B5EF4-FFF2-40B4-BE49-F238E27FC236}">
                 <a16:creationId xmlns:a16="http://schemas.microsoft.com/office/drawing/2014/main" id="{2E49F884-6A40-EE2A-90B8-8C104D63DBF1}"/>
               </a:ext>
             </a:extLst>
@@ -12387,7 +10084,7 @@
 </p:sld>
 </file>
 
-<file path=ppt/slides/slide9.xml><?xml version="1.0" encoding="utf-8"?>
+<file path=ppt/slides/slide8.xml><?xml version="1.0" encoding="utf-8"?>
 <p:sld xmlns:a="http://schemas.openxmlformats.org/drawingml/2006/main" xmlns:r="http://schemas.openxmlformats.org/officeDocument/2006/relationships" xmlns:p="http://schemas.openxmlformats.org/presentationml/2006/main">
   <p:cSld>
     <p:spTree>
@@ -12816,6 +10513,1131 @@
     <p:extLst>
       <p:ext uri="{BB962C8B-B14F-4D97-AF65-F5344CB8AC3E}">
         <p14:creationId xmlns:p14="http://schemas.microsoft.com/office/powerpoint/2010/main" val="3002821077"/>
+      </p:ext>
+    </p:extLst>
+  </p:cSld>
+  <p:clrMapOvr>
+    <a:masterClrMapping/>
+  </p:clrMapOvr>
+</p:sld>
+</file>
+
+<file path=ppt/slides/slide9.xml><?xml version="1.0" encoding="utf-8"?>
+<p:sld xmlns:a="http://schemas.openxmlformats.org/drawingml/2006/main" xmlns:r="http://schemas.openxmlformats.org/officeDocument/2006/relationships" xmlns:p="http://schemas.openxmlformats.org/presentationml/2006/main">
+  <p:cSld>
+    <p:spTree>
+      <p:nvGrpSpPr>
+        <p:cNvPr id="1" name=""/>
+        <p:cNvGrpSpPr/>
+        <p:nvPr/>
+      </p:nvGrpSpPr>
+      <p:grpSpPr>
+        <a:xfrm>
+          <a:off x="0" y="0"/>
+          <a:ext cx="0" cy="0"/>
+          <a:chOff x="0" y="0"/>
+          <a:chExt cx="0" cy="0"/>
+        </a:xfrm>
+      </p:grpSpPr>
+      <p:sp>
+        <p:nvSpPr>
+          <p:cNvPr id="3" name="Textfeld 2">
+            <a:extLst>
+              <a:ext uri="{FF2B5EF4-FFF2-40B4-BE49-F238E27FC236}">
+                <a16:creationId xmlns:a16="http://schemas.microsoft.com/office/drawing/2014/main" id="{5E74FDE1-6402-6615-0732-B8ADAECB417A}"/>
+              </a:ext>
+            </a:extLst>
+          </p:cNvPr>
+          <p:cNvSpPr txBox="1"/>
+          <p:nvPr/>
+        </p:nvSpPr>
+        <p:spPr>
+          <a:xfrm>
+            <a:off x="1075765" y="699246"/>
+            <a:ext cx="7620000" cy="769441"/>
+          </a:xfrm>
+          <a:prstGeom prst="rect">
+            <a:avLst/>
+          </a:prstGeom>
+          <a:noFill/>
+        </p:spPr>
+        <p:txBody>
+          <a:bodyPr wrap="square" rtlCol="0">
+            <a:spAutoFit/>
+          </a:bodyPr>
+          <a:lstStyle/>
+          <a:p>
+            <a:r>
+              <a:rPr lang="de-DE" sz="4400" dirty="0" err="1">
+                <a:solidFill>
+                  <a:schemeClr val="bg1"/>
+                </a:solidFill>
+                <a:latin typeface="+mj-lt"/>
+              </a:rPr>
+              <a:t>Conclusion</a:t>
+            </a:r>
+            <a:endParaRPr lang="de-DE" sz="4400" dirty="0">
+              <a:solidFill>
+                <a:schemeClr val="bg1"/>
+              </a:solidFill>
+              <a:latin typeface="+mj-lt"/>
+            </a:endParaRPr>
+          </a:p>
+        </p:txBody>
+      </p:sp>
+      <p:sp>
+        <p:nvSpPr>
+          <p:cNvPr id="5" name="Textplatzhalter 2">
+            <a:extLst>
+              <a:ext uri="{FF2B5EF4-FFF2-40B4-BE49-F238E27FC236}">
+                <a16:creationId xmlns:a16="http://schemas.microsoft.com/office/drawing/2014/main" id="{229F3EEB-BC7F-C981-A984-854CCDCEB316}"/>
+              </a:ext>
+            </a:extLst>
+          </p:cNvPr>
+          <p:cNvSpPr txBox="1">
+            <a:spLocks/>
+          </p:cNvSpPr>
+          <p:nvPr/>
+        </p:nvSpPr>
+        <p:spPr>
+          <a:xfrm>
+            <a:off x="938213" y="2113649"/>
+            <a:ext cx="5157787" cy="823912"/>
+          </a:xfrm>
+          <a:prstGeom prst="rect">
+            <a:avLst/>
+          </a:prstGeom>
+        </p:spPr>
+        <p:txBody>
+          <a:bodyPr/>
+          <a:lstStyle>
+            <a:lvl1pPr marL="228600" indent="-228600" algn="l" defTabSz="914400" rtl="0" eaLnBrk="1" latinLnBrk="0" hangingPunct="1">
+              <a:lnSpc>
+                <a:spcPct val="90000"/>
+              </a:lnSpc>
+              <a:spcBef>
+                <a:spcPts val="1000"/>
+              </a:spcBef>
+              <a:buFont typeface="Arial" panose="020B0604020202020204" pitchFamily="34" charset="0"/>
+              <a:buChar char="•"/>
+              <a:defRPr sz="2800" kern="1200">
+                <a:solidFill>
+                  <a:schemeClr val="tx1"/>
+                </a:solidFill>
+                <a:latin typeface="+mn-lt"/>
+                <a:ea typeface="+mn-ea"/>
+                <a:cs typeface="+mn-cs"/>
+              </a:defRPr>
+            </a:lvl1pPr>
+            <a:lvl2pPr marL="685800" indent="-228600" algn="l" defTabSz="914400" rtl="0" eaLnBrk="1" latinLnBrk="0" hangingPunct="1">
+              <a:lnSpc>
+                <a:spcPct val="90000"/>
+              </a:lnSpc>
+              <a:spcBef>
+                <a:spcPts val="500"/>
+              </a:spcBef>
+              <a:buFont typeface="Arial" panose="020B0604020202020204" pitchFamily="34" charset="0"/>
+              <a:buChar char="•"/>
+              <a:defRPr sz="2400" kern="1200">
+                <a:solidFill>
+                  <a:schemeClr val="tx1"/>
+                </a:solidFill>
+                <a:latin typeface="+mn-lt"/>
+                <a:ea typeface="+mn-ea"/>
+                <a:cs typeface="+mn-cs"/>
+              </a:defRPr>
+            </a:lvl2pPr>
+            <a:lvl3pPr marL="1143000" indent="-228600" algn="l" defTabSz="914400" rtl="0" eaLnBrk="1" latinLnBrk="0" hangingPunct="1">
+              <a:lnSpc>
+                <a:spcPct val="90000"/>
+              </a:lnSpc>
+              <a:spcBef>
+                <a:spcPts val="500"/>
+              </a:spcBef>
+              <a:buFont typeface="Arial" panose="020B0604020202020204" pitchFamily="34" charset="0"/>
+              <a:buChar char="•"/>
+              <a:defRPr sz="2000" kern="1200">
+                <a:solidFill>
+                  <a:schemeClr val="tx1"/>
+                </a:solidFill>
+                <a:latin typeface="+mn-lt"/>
+                <a:ea typeface="+mn-ea"/>
+                <a:cs typeface="+mn-cs"/>
+              </a:defRPr>
+            </a:lvl3pPr>
+            <a:lvl4pPr marL="1600200" indent="-228600" algn="l" defTabSz="914400" rtl="0" eaLnBrk="1" latinLnBrk="0" hangingPunct="1">
+              <a:lnSpc>
+                <a:spcPct val="90000"/>
+              </a:lnSpc>
+              <a:spcBef>
+                <a:spcPts val="500"/>
+              </a:spcBef>
+              <a:buFont typeface="Arial" panose="020B0604020202020204" pitchFamily="34" charset="0"/>
+              <a:buChar char="•"/>
+              <a:defRPr sz="1800" kern="1200">
+                <a:solidFill>
+                  <a:schemeClr val="tx1"/>
+                </a:solidFill>
+                <a:latin typeface="+mn-lt"/>
+                <a:ea typeface="+mn-ea"/>
+                <a:cs typeface="+mn-cs"/>
+              </a:defRPr>
+            </a:lvl4pPr>
+            <a:lvl5pPr marL="2057400" indent="-228600" algn="l" defTabSz="914400" rtl="0" eaLnBrk="1" latinLnBrk="0" hangingPunct="1">
+              <a:lnSpc>
+                <a:spcPct val="90000"/>
+              </a:lnSpc>
+              <a:spcBef>
+                <a:spcPts val="500"/>
+              </a:spcBef>
+              <a:buFont typeface="Arial" panose="020B0604020202020204" pitchFamily="34" charset="0"/>
+              <a:buChar char="•"/>
+              <a:defRPr sz="1800" kern="1200">
+                <a:solidFill>
+                  <a:schemeClr val="tx1"/>
+                </a:solidFill>
+                <a:latin typeface="+mn-lt"/>
+                <a:ea typeface="+mn-ea"/>
+                <a:cs typeface="+mn-cs"/>
+              </a:defRPr>
+            </a:lvl5pPr>
+            <a:lvl6pPr marL="2514600" indent="-228600" algn="l" defTabSz="914400" rtl="0" eaLnBrk="1" latinLnBrk="0" hangingPunct="1">
+              <a:lnSpc>
+                <a:spcPct val="90000"/>
+              </a:lnSpc>
+              <a:spcBef>
+                <a:spcPts val="500"/>
+              </a:spcBef>
+              <a:buFont typeface="Arial" panose="020B0604020202020204" pitchFamily="34" charset="0"/>
+              <a:buChar char="•"/>
+              <a:defRPr sz="1800" kern="1200">
+                <a:solidFill>
+                  <a:schemeClr val="tx1"/>
+                </a:solidFill>
+                <a:latin typeface="+mn-lt"/>
+                <a:ea typeface="+mn-ea"/>
+                <a:cs typeface="+mn-cs"/>
+              </a:defRPr>
+            </a:lvl6pPr>
+            <a:lvl7pPr marL="2971800" indent="-228600" algn="l" defTabSz="914400" rtl="0" eaLnBrk="1" latinLnBrk="0" hangingPunct="1">
+              <a:lnSpc>
+                <a:spcPct val="90000"/>
+              </a:lnSpc>
+              <a:spcBef>
+                <a:spcPts val="500"/>
+              </a:spcBef>
+              <a:buFont typeface="Arial" panose="020B0604020202020204" pitchFamily="34" charset="0"/>
+              <a:buChar char="•"/>
+              <a:defRPr sz="1800" kern="1200">
+                <a:solidFill>
+                  <a:schemeClr val="tx1"/>
+                </a:solidFill>
+                <a:latin typeface="+mn-lt"/>
+                <a:ea typeface="+mn-ea"/>
+                <a:cs typeface="+mn-cs"/>
+              </a:defRPr>
+            </a:lvl7pPr>
+            <a:lvl8pPr marL="3429000" indent="-228600" algn="l" defTabSz="914400" rtl="0" eaLnBrk="1" latinLnBrk="0" hangingPunct="1">
+              <a:lnSpc>
+                <a:spcPct val="90000"/>
+              </a:lnSpc>
+              <a:spcBef>
+                <a:spcPts val="500"/>
+              </a:spcBef>
+              <a:buFont typeface="Arial" panose="020B0604020202020204" pitchFamily="34" charset="0"/>
+              <a:buChar char="•"/>
+              <a:defRPr sz="1800" kern="1200">
+                <a:solidFill>
+                  <a:schemeClr val="tx1"/>
+                </a:solidFill>
+                <a:latin typeface="+mn-lt"/>
+                <a:ea typeface="+mn-ea"/>
+                <a:cs typeface="+mn-cs"/>
+              </a:defRPr>
+            </a:lvl8pPr>
+            <a:lvl9pPr marL="3886200" indent="-228600" algn="l" defTabSz="914400" rtl="0" eaLnBrk="1" latinLnBrk="0" hangingPunct="1">
+              <a:lnSpc>
+                <a:spcPct val="90000"/>
+              </a:lnSpc>
+              <a:spcBef>
+                <a:spcPts val="500"/>
+              </a:spcBef>
+              <a:buFont typeface="Arial" panose="020B0604020202020204" pitchFamily="34" charset="0"/>
+              <a:buChar char="•"/>
+              <a:defRPr sz="1800" kern="1200">
+                <a:solidFill>
+                  <a:schemeClr val="tx1"/>
+                </a:solidFill>
+                <a:latin typeface="+mn-lt"/>
+                <a:ea typeface="+mn-ea"/>
+                <a:cs typeface="+mn-cs"/>
+              </a:defRPr>
+            </a:lvl9pPr>
+          </a:lstStyle>
+          <a:p>
+            <a:pPr marL="0" indent="0">
+              <a:buNone/>
+            </a:pPr>
+            <a:r>
+              <a:rPr lang="de-DE" sz="3000" b="1" dirty="0"/>
+              <a:t>Problems</a:t>
+            </a:r>
+          </a:p>
+        </p:txBody>
+      </p:sp>
+      <p:sp>
+        <p:nvSpPr>
+          <p:cNvPr id="6" name="Inhaltsplatzhalter 3">
+            <a:extLst>
+              <a:ext uri="{FF2B5EF4-FFF2-40B4-BE49-F238E27FC236}">
+                <a16:creationId xmlns:a16="http://schemas.microsoft.com/office/drawing/2014/main" id="{569B587C-398D-1975-A0E3-C4DED6A331E6}"/>
+              </a:ext>
+            </a:extLst>
+          </p:cNvPr>
+          <p:cNvSpPr txBox="1">
+            <a:spLocks/>
+          </p:cNvSpPr>
+          <p:nvPr/>
+        </p:nvSpPr>
+        <p:spPr>
+          <a:xfrm>
+            <a:off x="938213" y="2937561"/>
+            <a:ext cx="5157787" cy="3684588"/>
+          </a:xfrm>
+          <a:prstGeom prst="rect">
+            <a:avLst/>
+          </a:prstGeom>
+        </p:spPr>
+        <p:txBody>
+          <a:bodyPr/>
+          <a:lstStyle>
+            <a:lvl1pPr marL="228600" indent="-228600" algn="l" defTabSz="914400" rtl="0" eaLnBrk="1" latinLnBrk="0" hangingPunct="1">
+              <a:lnSpc>
+                <a:spcPct val="90000"/>
+              </a:lnSpc>
+              <a:spcBef>
+                <a:spcPts val="1000"/>
+              </a:spcBef>
+              <a:buFont typeface="Arial" panose="020B0604020202020204" pitchFamily="34" charset="0"/>
+              <a:buChar char="•"/>
+              <a:defRPr sz="2800" kern="1200">
+                <a:solidFill>
+                  <a:schemeClr val="tx1"/>
+                </a:solidFill>
+                <a:latin typeface="+mn-lt"/>
+                <a:ea typeface="+mn-ea"/>
+                <a:cs typeface="+mn-cs"/>
+              </a:defRPr>
+            </a:lvl1pPr>
+            <a:lvl2pPr marL="685800" indent="-228600" algn="l" defTabSz="914400" rtl="0" eaLnBrk="1" latinLnBrk="0" hangingPunct="1">
+              <a:lnSpc>
+                <a:spcPct val="90000"/>
+              </a:lnSpc>
+              <a:spcBef>
+                <a:spcPts val="500"/>
+              </a:spcBef>
+              <a:buFont typeface="Arial" panose="020B0604020202020204" pitchFamily="34" charset="0"/>
+              <a:buChar char="•"/>
+              <a:defRPr sz="2400" kern="1200">
+                <a:solidFill>
+                  <a:schemeClr val="tx1"/>
+                </a:solidFill>
+                <a:latin typeface="+mn-lt"/>
+                <a:ea typeface="+mn-ea"/>
+                <a:cs typeface="+mn-cs"/>
+              </a:defRPr>
+            </a:lvl2pPr>
+            <a:lvl3pPr marL="1143000" indent="-228600" algn="l" defTabSz="914400" rtl="0" eaLnBrk="1" latinLnBrk="0" hangingPunct="1">
+              <a:lnSpc>
+                <a:spcPct val="90000"/>
+              </a:lnSpc>
+              <a:spcBef>
+                <a:spcPts val="500"/>
+              </a:spcBef>
+              <a:buFont typeface="Arial" panose="020B0604020202020204" pitchFamily="34" charset="0"/>
+              <a:buChar char="•"/>
+              <a:defRPr sz="2000" kern="1200">
+                <a:solidFill>
+                  <a:schemeClr val="tx1"/>
+                </a:solidFill>
+                <a:latin typeface="+mn-lt"/>
+                <a:ea typeface="+mn-ea"/>
+                <a:cs typeface="+mn-cs"/>
+              </a:defRPr>
+            </a:lvl3pPr>
+            <a:lvl4pPr marL="1600200" indent="-228600" algn="l" defTabSz="914400" rtl="0" eaLnBrk="1" latinLnBrk="0" hangingPunct="1">
+              <a:lnSpc>
+                <a:spcPct val="90000"/>
+              </a:lnSpc>
+              <a:spcBef>
+                <a:spcPts val="500"/>
+              </a:spcBef>
+              <a:buFont typeface="Arial" panose="020B0604020202020204" pitchFamily="34" charset="0"/>
+              <a:buChar char="•"/>
+              <a:defRPr sz="1800" kern="1200">
+                <a:solidFill>
+                  <a:schemeClr val="tx1"/>
+                </a:solidFill>
+                <a:latin typeface="+mn-lt"/>
+                <a:ea typeface="+mn-ea"/>
+                <a:cs typeface="+mn-cs"/>
+              </a:defRPr>
+            </a:lvl4pPr>
+            <a:lvl5pPr marL="2057400" indent="-228600" algn="l" defTabSz="914400" rtl="0" eaLnBrk="1" latinLnBrk="0" hangingPunct="1">
+              <a:lnSpc>
+                <a:spcPct val="90000"/>
+              </a:lnSpc>
+              <a:spcBef>
+                <a:spcPts val="500"/>
+              </a:spcBef>
+              <a:buFont typeface="Arial" panose="020B0604020202020204" pitchFamily="34" charset="0"/>
+              <a:buChar char="•"/>
+              <a:defRPr sz="1800" kern="1200">
+                <a:solidFill>
+                  <a:schemeClr val="tx1"/>
+                </a:solidFill>
+                <a:latin typeface="+mn-lt"/>
+                <a:ea typeface="+mn-ea"/>
+                <a:cs typeface="+mn-cs"/>
+              </a:defRPr>
+            </a:lvl5pPr>
+            <a:lvl6pPr marL="2514600" indent="-228600" algn="l" defTabSz="914400" rtl="0" eaLnBrk="1" latinLnBrk="0" hangingPunct="1">
+              <a:lnSpc>
+                <a:spcPct val="90000"/>
+              </a:lnSpc>
+              <a:spcBef>
+                <a:spcPts val="500"/>
+              </a:spcBef>
+              <a:buFont typeface="Arial" panose="020B0604020202020204" pitchFamily="34" charset="0"/>
+              <a:buChar char="•"/>
+              <a:defRPr sz="1800" kern="1200">
+                <a:solidFill>
+                  <a:schemeClr val="tx1"/>
+                </a:solidFill>
+                <a:latin typeface="+mn-lt"/>
+                <a:ea typeface="+mn-ea"/>
+                <a:cs typeface="+mn-cs"/>
+              </a:defRPr>
+            </a:lvl6pPr>
+            <a:lvl7pPr marL="2971800" indent="-228600" algn="l" defTabSz="914400" rtl="0" eaLnBrk="1" latinLnBrk="0" hangingPunct="1">
+              <a:lnSpc>
+                <a:spcPct val="90000"/>
+              </a:lnSpc>
+              <a:spcBef>
+                <a:spcPts val="500"/>
+              </a:spcBef>
+              <a:buFont typeface="Arial" panose="020B0604020202020204" pitchFamily="34" charset="0"/>
+              <a:buChar char="•"/>
+              <a:defRPr sz="1800" kern="1200">
+                <a:solidFill>
+                  <a:schemeClr val="tx1"/>
+                </a:solidFill>
+                <a:latin typeface="+mn-lt"/>
+                <a:ea typeface="+mn-ea"/>
+                <a:cs typeface="+mn-cs"/>
+              </a:defRPr>
+            </a:lvl7pPr>
+            <a:lvl8pPr marL="3429000" indent="-228600" algn="l" defTabSz="914400" rtl="0" eaLnBrk="1" latinLnBrk="0" hangingPunct="1">
+              <a:lnSpc>
+                <a:spcPct val="90000"/>
+              </a:lnSpc>
+              <a:spcBef>
+                <a:spcPts val="500"/>
+              </a:spcBef>
+              <a:buFont typeface="Arial" panose="020B0604020202020204" pitchFamily="34" charset="0"/>
+              <a:buChar char="•"/>
+              <a:defRPr sz="1800" kern="1200">
+                <a:solidFill>
+                  <a:schemeClr val="tx1"/>
+                </a:solidFill>
+                <a:latin typeface="+mn-lt"/>
+                <a:ea typeface="+mn-ea"/>
+                <a:cs typeface="+mn-cs"/>
+              </a:defRPr>
+            </a:lvl8pPr>
+            <a:lvl9pPr marL="3886200" indent="-228600" algn="l" defTabSz="914400" rtl="0" eaLnBrk="1" latinLnBrk="0" hangingPunct="1">
+              <a:lnSpc>
+                <a:spcPct val="90000"/>
+              </a:lnSpc>
+              <a:spcBef>
+                <a:spcPts val="500"/>
+              </a:spcBef>
+              <a:buFont typeface="Arial" panose="020B0604020202020204" pitchFamily="34" charset="0"/>
+              <a:buChar char="•"/>
+              <a:defRPr sz="1800" kern="1200">
+                <a:solidFill>
+                  <a:schemeClr val="tx1"/>
+                </a:solidFill>
+                <a:latin typeface="+mn-lt"/>
+                <a:ea typeface="+mn-ea"/>
+                <a:cs typeface="+mn-cs"/>
+              </a:defRPr>
+            </a:lvl9pPr>
+          </a:lstStyle>
+          <a:p>
+            <a:r>
+              <a:rPr lang="de-DE" dirty="0" err="1"/>
+              <a:t>Exlusively</a:t>
+            </a:r>
+            <a:r>
+              <a:rPr lang="de-DE" dirty="0"/>
+              <a:t> </a:t>
+            </a:r>
+            <a:r>
+              <a:rPr lang="de-DE" dirty="0" err="1"/>
+              <a:t>paper</a:t>
+            </a:r>
+            <a:r>
+              <a:rPr lang="de-DE" dirty="0"/>
+              <a:t> </a:t>
+            </a:r>
+            <a:r>
+              <a:rPr lang="de-DE" dirty="0" err="1"/>
+              <a:t>based</a:t>
+            </a:r>
+            <a:endParaRPr lang="de-DE" dirty="0"/>
+          </a:p>
+          <a:p>
+            <a:r>
+              <a:rPr lang="de-DE" dirty="0" err="1"/>
+              <a:t>No</a:t>
+            </a:r>
+            <a:r>
+              <a:rPr lang="de-DE" dirty="0"/>
+              <a:t> </a:t>
+            </a:r>
+            <a:r>
+              <a:rPr lang="de-DE" dirty="0" err="1"/>
+              <a:t>automation</a:t>
+            </a:r>
+            <a:endParaRPr lang="de-DE" dirty="0"/>
+          </a:p>
+          <a:p>
+            <a:r>
+              <a:rPr lang="de-DE" dirty="0" err="1"/>
+              <a:t>Unclear</a:t>
+            </a:r>
+            <a:r>
+              <a:rPr lang="de-DE" dirty="0"/>
+              <a:t> </a:t>
+            </a:r>
+            <a:r>
+              <a:rPr lang="de-DE" dirty="0" err="1"/>
+              <a:t>responsibilities</a:t>
+            </a:r>
+            <a:r>
+              <a:rPr lang="de-DE" dirty="0"/>
+              <a:t> </a:t>
+            </a:r>
+          </a:p>
+          <a:p>
+            <a:r>
+              <a:rPr lang="de-DE" dirty="0"/>
+              <a:t>Time </a:t>
+            </a:r>
+            <a:r>
+              <a:rPr lang="de-DE" dirty="0" err="1"/>
+              <a:t>consuming</a:t>
+            </a:r>
+            <a:r>
+              <a:rPr lang="de-DE" dirty="0"/>
+              <a:t> </a:t>
+            </a:r>
+          </a:p>
+          <a:p>
+            <a:r>
+              <a:rPr lang="de-DE" dirty="0" err="1"/>
+              <a:t>No</a:t>
+            </a:r>
+            <a:r>
+              <a:rPr lang="de-DE" dirty="0"/>
+              <a:t> </a:t>
+            </a:r>
+            <a:r>
+              <a:rPr lang="de-DE" dirty="0" err="1"/>
+              <a:t>decision</a:t>
+            </a:r>
+            <a:r>
+              <a:rPr lang="de-DE" dirty="0"/>
+              <a:t> support </a:t>
+            </a:r>
+            <a:r>
+              <a:rPr lang="de-DE" dirty="0" err="1"/>
+              <a:t>for</a:t>
+            </a:r>
+            <a:r>
+              <a:rPr lang="de-DE" dirty="0"/>
+              <a:t> alternative </a:t>
+            </a:r>
+            <a:r>
+              <a:rPr lang="de-DE" dirty="0" err="1"/>
+              <a:t>medications</a:t>
+            </a:r>
+            <a:r>
+              <a:rPr lang="de-DE" dirty="0"/>
+              <a:t> </a:t>
+            </a:r>
+          </a:p>
+          <a:p>
+            <a:endParaRPr lang="de-DE" dirty="0"/>
+          </a:p>
+        </p:txBody>
+      </p:sp>
+      <p:sp>
+        <p:nvSpPr>
+          <p:cNvPr id="7" name="Textplatzhalter 4">
+            <a:extLst>
+              <a:ext uri="{FF2B5EF4-FFF2-40B4-BE49-F238E27FC236}">
+                <a16:creationId xmlns:a16="http://schemas.microsoft.com/office/drawing/2014/main" id="{C32C2640-FC11-9BFB-2345-BDBEDFB4FCBB}"/>
+              </a:ext>
+            </a:extLst>
+          </p:cNvPr>
+          <p:cNvSpPr txBox="1">
+            <a:spLocks/>
+          </p:cNvSpPr>
+          <p:nvPr/>
+        </p:nvSpPr>
+        <p:spPr>
+          <a:xfrm>
+            <a:off x="6270625" y="2113649"/>
+            <a:ext cx="5183188" cy="823912"/>
+          </a:xfrm>
+          <a:prstGeom prst="rect">
+            <a:avLst/>
+          </a:prstGeom>
+        </p:spPr>
+        <p:txBody>
+          <a:bodyPr/>
+          <a:lstStyle>
+            <a:lvl1pPr marL="228600" indent="-228600" algn="l" defTabSz="914400" rtl="0" eaLnBrk="1" latinLnBrk="0" hangingPunct="1">
+              <a:lnSpc>
+                <a:spcPct val="90000"/>
+              </a:lnSpc>
+              <a:spcBef>
+                <a:spcPts val="1000"/>
+              </a:spcBef>
+              <a:buFont typeface="Arial" panose="020B0604020202020204" pitchFamily="34" charset="0"/>
+              <a:buChar char="•"/>
+              <a:defRPr sz="2800" kern="1200">
+                <a:solidFill>
+                  <a:schemeClr val="tx1"/>
+                </a:solidFill>
+                <a:latin typeface="+mn-lt"/>
+                <a:ea typeface="+mn-ea"/>
+                <a:cs typeface="+mn-cs"/>
+              </a:defRPr>
+            </a:lvl1pPr>
+            <a:lvl2pPr marL="685800" indent="-228600" algn="l" defTabSz="914400" rtl="0" eaLnBrk="1" latinLnBrk="0" hangingPunct="1">
+              <a:lnSpc>
+                <a:spcPct val="90000"/>
+              </a:lnSpc>
+              <a:spcBef>
+                <a:spcPts val="500"/>
+              </a:spcBef>
+              <a:buFont typeface="Arial" panose="020B0604020202020204" pitchFamily="34" charset="0"/>
+              <a:buChar char="•"/>
+              <a:defRPr sz="2400" kern="1200">
+                <a:solidFill>
+                  <a:schemeClr val="tx1"/>
+                </a:solidFill>
+                <a:latin typeface="+mn-lt"/>
+                <a:ea typeface="+mn-ea"/>
+                <a:cs typeface="+mn-cs"/>
+              </a:defRPr>
+            </a:lvl2pPr>
+            <a:lvl3pPr marL="1143000" indent="-228600" algn="l" defTabSz="914400" rtl="0" eaLnBrk="1" latinLnBrk="0" hangingPunct="1">
+              <a:lnSpc>
+                <a:spcPct val="90000"/>
+              </a:lnSpc>
+              <a:spcBef>
+                <a:spcPts val="500"/>
+              </a:spcBef>
+              <a:buFont typeface="Arial" panose="020B0604020202020204" pitchFamily="34" charset="0"/>
+              <a:buChar char="•"/>
+              <a:defRPr sz="2000" kern="1200">
+                <a:solidFill>
+                  <a:schemeClr val="tx1"/>
+                </a:solidFill>
+                <a:latin typeface="+mn-lt"/>
+                <a:ea typeface="+mn-ea"/>
+                <a:cs typeface="+mn-cs"/>
+              </a:defRPr>
+            </a:lvl3pPr>
+            <a:lvl4pPr marL="1600200" indent="-228600" algn="l" defTabSz="914400" rtl="0" eaLnBrk="1" latinLnBrk="0" hangingPunct="1">
+              <a:lnSpc>
+                <a:spcPct val="90000"/>
+              </a:lnSpc>
+              <a:spcBef>
+                <a:spcPts val="500"/>
+              </a:spcBef>
+              <a:buFont typeface="Arial" panose="020B0604020202020204" pitchFamily="34" charset="0"/>
+              <a:buChar char="•"/>
+              <a:defRPr sz="1800" kern="1200">
+                <a:solidFill>
+                  <a:schemeClr val="tx1"/>
+                </a:solidFill>
+                <a:latin typeface="+mn-lt"/>
+                <a:ea typeface="+mn-ea"/>
+                <a:cs typeface="+mn-cs"/>
+              </a:defRPr>
+            </a:lvl4pPr>
+            <a:lvl5pPr marL="2057400" indent="-228600" algn="l" defTabSz="914400" rtl="0" eaLnBrk="1" latinLnBrk="0" hangingPunct="1">
+              <a:lnSpc>
+                <a:spcPct val="90000"/>
+              </a:lnSpc>
+              <a:spcBef>
+                <a:spcPts val="500"/>
+              </a:spcBef>
+              <a:buFont typeface="Arial" panose="020B0604020202020204" pitchFamily="34" charset="0"/>
+              <a:buChar char="•"/>
+              <a:defRPr sz="1800" kern="1200">
+                <a:solidFill>
+                  <a:schemeClr val="tx1"/>
+                </a:solidFill>
+                <a:latin typeface="+mn-lt"/>
+                <a:ea typeface="+mn-ea"/>
+                <a:cs typeface="+mn-cs"/>
+              </a:defRPr>
+            </a:lvl5pPr>
+            <a:lvl6pPr marL="2514600" indent="-228600" algn="l" defTabSz="914400" rtl="0" eaLnBrk="1" latinLnBrk="0" hangingPunct="1">
+              <a:lnSpc>
+                <a:spcPct val="90000"/>
+              </a:lnSpc>
+              <a:spcBef>
+                <a:spcPts val="500"/>
+              </a:spcBef>
+              <a:buFont typeface="Arial" panose="020B0604020202020204" pitchFamily="34" charset="0"/>
+              <a:buChar char="•"/>
+              <a:defRPr sz="1800" kern="1200">
+                <a:solidFill>
+                  <a:schemeClr val="tx1"/>
+                </a:solidFill>
+                <a:latin typeface="+mn-lt"/>
+                <a:ea typeface="+mn-ea"/>
+                <a:cs typeface="+mn-cs"/>
+              </a:defRPr>
+            </a:lvl6pPr>
+            <a:lvl7pPr marL="2971800" indent="-228600" algn="l" defTabSz="914400" rtl="0" eaLnBrk="1" latinLnBrk="0" hangingPunct="1">
+              <a:lnSpc>
+                <a:spcPct val="90000"/>
+              </a:lnSpc>
+              <a:spcBef>
+                <a:spcPts val="500"/>
+              </a:spcBef>
+              <a:buFont typeface="Arial" panose="020B0604020202020204" pitchFamily="34" charset="0"/>
+              <a:buChar char="•"/>
+              <a:defRPr sz="1800" kern="1200">
+                <a:solidFill>
+                  <a:schemeClr val="tx1"/>
+                </a:solidFill>
+                <a:latin typeface="+mn-lt"/>
+                <a:ea typeface="+mn-ea"/>
+                <a:cs typeface="+mn-cs"/>
+              </a:defRPr>
+            </a:lvl7pPr>
+            <a:lvl8pPr marL="3429000" indent="-228600" algn="l" defTabSz="914400" rtl="0" eaLnBrk="1" latinLnBrk="0" hangingPunct="1">
+              <a:lnSpc>
+                <a:spcPct val="90000"/>
+              </a:lnSpc>
+              <a:spcBef>
+                <a:spcPts val="500"/>
+              </a:spcBef>
+              <a:buFont typeface="Arial" panose="020B0604020202020204" pitchFamily="34" charset="0"/>
+              <a:buChar char="•"/>
+              <a:defRPr sz="1800" kern="1200">
+                <a:solidFill>
+                  <a:schemeClr val="tx1"/>
+                </a:solidFill>
+                <a:latin typeface="+mn-lt"/>
+                <a:ea typeface="+mn-ea"/>
+                <a:cs typeface="+mn-cs"/>
+              </a:defRPr>
+            </a:lvl8pPr>
+            <a:lvl9pPr marL="3886200" indent="-228600" algn="l" defTabSz="914400" rtl="0" eaLnBrk="1" latinLnBrk="0" hangingPunct="1">
+              <a:lnSpc>
+                <a:spcPct val="90000"/>
+              </a:lnSpc>
+              <a:spcBef>
+                <a:spcPts val="500"/>
+              </a:spcBef>
+              <a:buFont typeface="Arial" panose="020B0604020202020204" pitchFamily="34" charset="0"/>
+              <a:buChar char="•"/>
+              <a:defRPr sz="1800" kern="1200">
+                <a:solidFill>
+                  <a:schemeClr val="tx1"/>
+                </a:solidFill>
+                <a:latin typeface="+mn-lt"/>
+                <a:ea typeface="+mn-ea"/>
+                <a:cs typeface="+mn-cs"/>
+              </a:defRPr>
+            </a:lvl9pPr>
+          </a:lstStyle>
+          <a:p>
+            <a:pPr marL="0" indent="0">
+              <a:buNone/>
+            </a:pPr>
+            <a:r>
+              <a:rPr lang="de-DE" sz="3000" b="1" dirty="0"/>
+              <a:t>Solutions</a:t>
+            </a:r>
+          </a:p>
+        </p:txBody>
+      </p:sp>
+      <p:sp>
+        <p:nvSpPr>
+          <p:cNvPr id="8" name="Inhaltsplatzhalter 5">
+            <a:extLst>
+              <a:ext uri="{FF2B5EF4-FFF2-40B4-BE49-F238E27FC236}">
+                <a16:creationId xmlns:a16="http://schemas.microsoft.com/office/drawing/2014/main" id="{2AE4A642-244D-4412-4D07-8D1379CC1036}"/>
+              </a:ext>
+            </a:extLst>
+          </p:cNvPr>
+          <p:cNvSpPr txBox="1">
+            <a:spLocks/>
+          </p:cNvSpPr>
+          <p:nvPr/>
+        </p:nvSpPr>
+        <p:spPr>
+          <a:xfrm>
+            <a:off x="6270625" y="2937561"/>
+            <a:ext cx="5183188" cy="3684588"/>
+          </a:xfrm>
+          <a:prstGeom prst="rect">
+            <a:avLst/>
+          </a:prstGeom>
+        </p:spPr>
+        <p:txBody>
+          <a:bodyPr/>
+          <a:lstStyle>
+            <a:lvl1pPr marL="228600" indent="-228600" algn="l" defTabSz="914400" rtl="0" eaLnBrk="1" latinLnBrk="0" hangingPunct="1">
+              <a:lnSpc>
+                <a:spcPct val="90000"/>
+              </a:lnSpc>
+              <a:spcBef>
+                <a:spcPts val="1000"/>
+              </a:spcBef>
+              <a:buFont typeface="Arial" panose="020B0604020202020204" pitchFamily="34" charset="0"/>
+              <a:buChar char="•"/>
+              <a:defRPr sz="2800" kern="1200">
+                <a:solidFill>
+                  <a:schemeClr val="tx1"/>
+                </a:solidFill>
+                <a:latin typeface="+mn-lt"/>
+                <a:ea typeface="+mn-ea"/>
+                <a:cs typeface="+mn-cs"/>
+              </a:defRPr>
+            </a:lvl1pPr>
+            <a:lvl2pPr marL="685800" indent="-228600" algn="l" defTabSz="914400" rtl="0" eaLnBrk="1" latinLnBrk="0" hangingPunct="1">
+              <a:lnSpc>
+                <a:spcPct val="90000"/>
+              </a:lnSpc>
+              <a:spcBef>
+                <a:spcPts val="500"/>
+              </a:spcBef>
+              <a:buFont typeface="Arial" panose="020B0604020202020204" pitchFamily="34" charset="0"/>
+              <a:buChar char="•"/>
+              <a:defRPr sz="2400" kern="1200">
+                <a:solidFill>
+                  <a:schemeClr val="tx1"/>
+                </a:solidFill>
+                <a:latin typeface="+mn-lt"/>
+                <a:ea typeface="+mn-ea"/>
+                <a:cs typeface="+mn-cs"/>
+              </a:defRPr>
+            </a:lvl2pPr>
+            <a:lvl3pPr marL="1143000" indent="-228600" algn="l" defTabSz="914400" rtl="0" eaLnBrk="1" latinLnBrk="0" hangingPunct="1">
+              <a:lnSpc>
+                <a:spcPct val="90000"/>
+              </a:lnSpc>
+              <a:spcBef>
+                <a:spcPts val="500"/>
+              </a:spcBef>
+              <a:buFont typeface="Arial" panose="020B0604020202020204" pitchFamily="34" charset="0"/>
+              <a:buChar char="•"/>
+              <a:defRPr sz="2000" kern="1200">
+                <a:solidFill>
+                  <a:schemeClr val="tx1"/>
+                </a:solidFill>
+                <a:latin typeface="+mn-lt"/>
+                <a:ea typeface="+mn-ea"/>
+                <a:cs typeface="+mn-cs"/>
+              </a:defRPr>
+            </a:lvl3pPr>
+            <a:lvl4pPr marL="1600200" indent="-228600" algn="l" defTabSz="914400" rtl="0" eaLnBrk="1" latinLnBrk="0" hangingPunct="1">
+              <a:lnSpc>
+                <a:spcPct val="90000"/>
+              </a:lnSpc>
+              <a:spcBef>
+                <a:spcPts val="500"/>
+              </a:spcBef>
+              <a:buFont typeface="Arial" panose="020B0604020202020204" pitchFamily="34" charset="0"/>
+              <a:buChar char="•"/>
+              <a:defRPr sz="1800" kern="1200">
+                <a:solidFill>
+                  <a:schemeClr val="tx1"/>
+                </a:solidFill>
+                <a:latin typeface="+mn-lt"/>
+                <a:ea typeface="+mn-ea"/>
+                <a:cs typeface="+mn-cs"/>
+              </a:defRPr>
+            </a:lvl4pPr>
+            <a:lvl5pPr marL="2057400" indent="-228600" algn="l" defTabSz="914400" rtl="0" eaLnBrk="1" latinLnBrk="0" hangingPunct="1">
+              <a:lnSpc>
+                <a:spcPct val="90000"/>
+              </a:lnSpc>
+              <a:spcBef>
+                <a:spcPts val="500"/>
+              </a:spcBef>
+              <a:buFont typeface="Arial" panose="020B0604020202020204" pitchFamily="34" charset="0"/>
+              <a:buChar char="•"/>
+              <a:defRPr sz="1800" kern="1200">
+                <a:solidFill>
+                  <a:schemeClr val="tx1"/>
+                </a:solidFill>
+                <a:latin typeface="+mn-lt"/>
+                <a:ea typeface="+mn-ea"/>
+                <a:cs typeface="+mn-cs"/>
+              </a:defRPr>
+            </a:lvl5pPr>
+            <a:lvl6pPr marL="2514600" indent="-228600" algn="l" defTabSz="914400" rtl="0" eaLnBrk="1" latinLnBrk="0" hangingPunct="1">
+              <a:lnSpc>
+                <a:spcPct val="90000"/>
+              </a:lnSpc>
+              <a:spcBef>
+                <a:spcPts val="500"/>
+              </a:spcBef>
+              <a:buFont typeface="Arial" panose="020B0604020202020204" pitchFamily="34" charset="0"/>
+              <a:buChar char="•"/>
+              <a:defRPr sz="1800" kern="1200">
+                <a:solidFill>
+                  <a:schemeClr val="tx1"/>
+                </a:solidFill>
+                <a:latin typeface="+mn-lt"/>
+                <a:ea typeface="+mn-ea"/>
+                <a:cs typeface="+mn-cs"/>
+              </a:defRPr>
+            </a:lvl6pPr>
+            <a:lvl7pPr marL="2971800" indent="-228600" algn="l" defTabSz="914400" rtl="0" eaLnBrk="1" latinLnBrk="0" hangingPunct="1">
+              <a:lnSpc>
+                <a:spcPct val="90000"/>
+              </a:lnSpc>
+              <a:spcBef>
+                <a:spcPts val="500"/>
+              </a:spcBef>
+              <a:buFont typeface="Arial" panose="020B0604020202020204" pitchFamily="34" charset="0"/>
+              <a:buChar char="•"/>
+              <a:defRPr sz="1800" kern="1200">
+                <a:solidFill>
+                  <a:schemeClr val="tx1"/>
+                </a:solidFill>
+                <a:latin typeface="+mn-lt"/>
+                <a:ea typeface="+mn-ea"/>
+                <a:cs typeface="+mn-cs"/>
+              </a:defRPr>
+            </a:lvl7pPr>
+            <a:lvl8pPr marL="3429000" indent="-228600" algn="l" defTabSz="914400" rtl="0" eaLnBrk="1" latinLnBrk="0" hangingPunct="1">
+              <a:lnSpc>
+                <a:spcPct val="90000"/>
+              </a:lnSpc>
+              <a:spcBef>
+                <a:spcPts val="500"/>
+              </a:spcBef>
+              <a:buFont typeface="Arial" panose="020B0604020202020204" pitchFamily="34" charset="0"/>
+              <a:buChar char="•"/>
+              <a:defRPr sz="1800" kern="1200">
+                <a:solidFill>
+                  <a:schemeClr val="tx1"/>
+                </a:solidFill>
+                <a:latin typeface="+mn-lt"/>
+                <a:ea typeface="+mn-ea"/>
+                <a:cs typeface="+mn-cs"/>
+              </a:defRPr>
+            </a:lvl8pPr>
+            <a:lvl9pPr marL="3886200" indent="-228600" algn="l" defTabSz="914400" rtl="0" eaLnBrk="1" latinLnBrk="0" hangingPunct="1">
+              <a:lnSpc>
+                <a:spcPct val="90000"/>
+              </a:lnSpc>
+              <a:spcBef>
+                <a:spcPts val="500"/>
+              </a:spcBef>
+              <a:buFont typeface="Arial" panose="020B0604020202020204" pitchFamily="34" charset="0"/>
+              <a:buChar char="•"/>
+              <a:defRPr sz="1800" kern="1200">
+                <a:solidFill>
+                  <a:schemeClr val="tx1"/>
+                </a:solidFill>
+                <a:latin typeface="+mn-lt"/>
+                <a:ea typeface="+mn-ea"/>
+                <a:cs typeface="+mn-cs"/>
+              </a:defRPr>
+            </a:lvl9pPr>
+          </a:lstStyle>
+          <a:p>
+            <a:r>
+              <a:rPr lang="de-DE" dirty="0" err="1"/>
+              <a:t>Inventory</a:t>
+            </a:r>
+            <a:r>
+              <a:rPr lang="de-DE" dirty="0"/>
+              <a:t> </a:t>
+            </a:r>
+            <a:r>
+              <a:rPr lang="de-DE" dirty="0" err="1"/>
+              <a:t>list</a:t>
+            </a:r>
+            <a:r>
+              <a:rPr lang="de-DE" dirty="0"/>
+              <a:t>: </a:t>
+            </a:r>
+            <a:r>
+              <a:rPr lang="de-DE" dirty="0" err="1"/>
+              <a:t>digitalized</a:t>
+            </a:r>
+            <a:r>
+              <a:rPr lang="de-DE" dirty="0"/>
+              <a:t> </a:t>
+            </a:r>
+          </a:p>
+          <a:p>
+            <a:r>
+              <a:rPr lang="de-DE" dirty="0" err="1"/>
+              <a:t>Automated</a:t>
+            </a:r>
+            <a:r>
+              <a:rPr lang="de-DE" dirty="0"/>
+              <a:t> </a:t>
+            </a:r>
+            <a:r>
+              <a:rPr lang="de-DE" dirty="0" err="1"/>
+              <a:t>e-mail</a:t>
+            </a:r>
+            <a:r>
+              <a:rPr lang="de-DE" dirty="0"/>
+              <a:t> </a:t>
+            </a:r>
+            <a:r>
+              <a:rPr lang="de-DE" dirty="0" err="1"/>
+              <a:t>generation</a:t>
+            </a:r>
+            <a:endParaRPr lang="de-DE" dirty="0"/>
+          </a:p>
+          <a:p>
+            <a:pPr lvl="1"/>
+            <a:r>
+              <a:rPr lang="de-DE" dirty="0" err="1"/>
+              <a:t>For</a:t>
+            </a:r>
+            <a:r>
+              <a:rPr lang="de-DE" dirty="0"/>
+              <a:t> </a:t>
+            </a:r>
+            <a:r>
+              <a:rPr lang="de-DE" dirty="0" err="1"/>
+              <a:t>order</a:t>
+            </a:r>
+            <a:r>
+              <a:rPr lang="de-DE" dirty="0"/>
+              <a:t> </a:t>
+            </a:r>
+            <a:r>
+              <a:rPr lang="de-DE" dirty="0" err="1"/>
+              <a:t>arrival</a:t>
+            </a:r>
+            <a:endParaRPr lang="de-DE" dirty="0"/>
+          </a:p>
+          <a:p>
+            <a:pPr lvl="1"/>
+            <a:r>
+              <a:rPr lang="de-DE" dirty="0"/>
+              <a:t>Threshold </a:t>
+            </a:r>
+            <a:r>
+              <a:rPr lang="de-DE" dirty="0" err="1"/>
+              <a:t>warning</a:t>
+            </a:r>
+            <a:r>
+              <a:rPr lang="de-DE" dirty="0"/>
+              <a:t> </a:t>
+            </a:r>
+          </a:p>
+          <a:p>
+            <a:r>
+              <a:rPr lang="de-DE" dirty="0" err="1"/>
+              <a:t>Decision</a:t>
+            </a:r>
+            <a:r>
+              <a:rPr lang="de-DE" dirty="0"/>
+              <a:t> </a:t>
+            </a:r>
+            <a:r>
+              <a:rPr lang="de-DE" dirty="0" err="1"/>
+              <a:t>logic</a:t>
+            </a:r>
+            <a:r>
+              <a:rPr lang="de-DE" dirty="0"/>
+              <a:t> </a:t>
+            </a:r>
+            <a:r>
+              <a:rPr lang="de-DE" dirty="0" err="1"/>
+              <a:t>implemented</a:t>
+            </a:r>
+            <a:r>
+              <a:rPr lang="de-DE" dirty="0"/>
+              <a:t> </a:t>
+            </a:r>
+            <a:r>
+              <a:rPr lang="de-DE" dirty="0" err="1"/>
+              <a:t>to</a:t>
+            </a:r>
+            <a:r>
+              <a:rPr lang="de-DE" dirty="0"/>
+              <a:t> </a:t>
+            </a:r>
+            <a:r>
+              <a:rPr lang="de-DE" dirty="0" err="1"/>
+              <a:t>enable</a:t>
+            </a:r>
+            <a:r>
+              <a:rPr lang="de-DE" dirty="0"/>
+              <a:t> quick </a:t>
+            </a:r>
+            <a:r>
+              <a:rPr lang="de-DE" dirty="0" err="1"/>
+              <a:t>access</a:t>
+            </a:r>
+            <a:r>
+              <a:rPr lang="de-DE" dirty="0"/>
+              <a:t> </a:t>
+            </a:r>
+            <a:r>
+              <a:rPr lang="de-DE" dirty="0" err="1"/>
+              <a:t>to</a:t>
+            </a:r>
+            <a:r>
+              <a:rPr lang="de-DE" dirty="0"/>
+              <a:t> alternative </a:t>
+            </a:r>
+            <a:r>
+              <a:rPr lang="de-DE" dirty="0" err="1"/>
+              <a:t>medications</a:t>
+            </a:r>
+            <a:r>
+              <a:rPr lang="de-DE" dirty="0"/>
+              <a:t> </a:t>
+            </a:r>
+          </a:p>
+          <a:p>
+            <a:pPr marL="0" indent="0">
+              <a:buNone/>
+            </a:pPr>
+            <a:endParaRPr lang="de-DE" dirty="0"/>
+          </a:p>
+        </p:txBody>
+      </p:sp>
+    </p:spTree>
+    <p:extLst>
+      <p:ext uri="{BB962C8B-B14F-4D97-AF65-F5344CB8AC3E}">
+        <p14:creationId xmlns:p14="http://schemas.microsoft.com/office/powerpoint/2010/main" val="3817259487"/>
       </p:ext>
     </p:extLst>
   </p:cSld>

--- a/presentation and documentation/Narcovet.pptx
+++ b/presentation and documentation/Narcovet.pptx
@@ -13133,6 +13133,11 @@
           <a:bodyPr/>
           <a:lstStyle/>
           <a:p>
+            <a:pPr>
+              <a:lnSpc>
+                <a:spcPct val="200000"/>
+              </a:lnSpc>
+            </a:pPr>
             <a:r>
               <a:rPr lang="de-DE" dirty="0"/>
               <a:t>Narcotics </a:t>
@@ -13166,6 +13171,11 @@
             </a:endParaRPr>
           </a:p>
           <a:p>
+            <a:pPr>
+              <a:lnSpc>
+                <a:spcPct val="200000"/>
+              </a:lnSpc>
+            </a:pPr>
             <a:r>
               <a:rPr lang="de-DE" dirty="0" err="1">
                 <a:sym typeface="Wingdings" panose="05000000000000000000" pitchFamily="2" charset="2"/>
@@ -13228,6 +13238,11 @@
             </a:r>
           </a:p>
           <a:p>
+            <a:pPr>
+              <a:lnSpc>
+                <a:spcPct val="200000"/>
+              </a:lnSpc>
+            </a:pPr>
             <a:r>
               <a:rPr lang="de-DE" dirty="0" err="1"/>
               <a:t>No</a:t>
@@ -13270,6 +13285,11 @@
             </a:r>
           </a:p>
           <a:p>
+            <a:pPr>
+              <a:lnSpc>
+                <a:spcPct val="200000"/>
+              </a:lnSpc>
+            </a:pPr>
             <a:r>
               <a:rPr lang="de-DE" dirty="0" err="1"/>
               <a:t>No</a:t>
@@ -13315,6 +13335,232 @@
   <p:clrMapOvr>
     <a:masterClrMapping/>
   </p:clrMapOvr>
+  <p:timing>
+    <p:tnLst>
+      <p:par>
+        <p:cTn id="1" dur="indefinite" restart="never" nodeType="tmRoot">
+          <p:childTnLst>
+            <p:seq concurrent="1" nextAc="seek">
+              <p:cTn id="2" dur="indefinite" nodeType="mainSeq">
+                <p:childTnLst>
+                  <p:par>
+                    <p:cTn id="3" fill="hold">
+                      <p:stCondLst>
+                        <p:cond delay="indefinite"/>
+                      </p:stCondLst>
+                      <p:childTnLst>
+                        <p:par>
+                          <p:cTn id="4" fill="hold">
+                            <p:stCondLst>
+                              <p:cond delay="0"/>
+                            </p:stCondLst>
+                            <p:childTnLst>
+                              <p:par>
+                                <p:cTn id="5" presetID="1" presetClass="entr" presetSubtype="0" fill="hold" nodeType="clickEffect">
+                                  <p:stCondLst>
+                                    <p:cond delay="0"/>
+                                  </p:stCondLst>
+                                  <p:childTnLst>
+                                    <p:set>
+                                      <p:cBhvr>
+                                        <p:cTn id="6" dur="1" fill="hold">
+                                          <p:stCondLst>
+                                            <p:cond delay="0"/>
+                                          </p:stCondLst>
+                                        </p:cTn>
+                                        <p:tgtEl>
+                                          <p:spTgt spid="3">
+                                            <p:txEl>
+                                              <p:pRg st="0" end="0"/>
+                                            </p:txEl>
+                                          </p:spTgt>
+                                        </p:tgtEl>
+                                        <p:attrNameLst>
+                                          <p:attrName>style.visibility</p:attrName>
+                                        </p:attrNameLst>
+                                      </p:cBhvr>
+                                      <p:to>
+                                        <p:strVal val="visible"/>
+                                      </p:to>
+                                    </p:set>
+                                  </p:childTnLst>
+                                </p:cTn>
+                              </p:par>
+                            </p:childTnLst>
+                          </p:cTn>
+                        </p:par>
+                      </p:childTnLst>
+                    </p:cTn>
+                  </p:par>
+                  <p:par>
+                    <p:cTn id="7" fill="hold">
+                      <p:stCondLst>
+                        <p:cond delay="indefinite"/>
+                      </p:stCondLst>
+                      <p:childTnLst>
+                        <p:par>
+                          <p:cTn id="8" fill="hold">
+                            <p:stCondLst>
+                              <p:cond delay="0"/>
+                            </p:stCondLst>
+                            <p:childTnLst>
+                              <p:par>
+                                <p:cTn id="9" presetID="1" presetClass="entr" presetSubtype="0" fill="hold" nodeType="clickEffect">
+                                  <p:stCondLst>
+                                    <p:cond delay="0"/>
+                                  </p:stCondLst>
+                                  <p:childTnLst>
+                                    <p:set>
+                                      <p:cBhvr>
+                                        <p:cTn id="10" dur="1" fill="hold">
+                                          <p:stCondLst>
+                                            <p:cond delay="0"/>
+                                          </p:stCondLst>
+                                        </p:cTn>
+                                        <p:tgtEl>
+                                          <p:spTgt spid="3">
+                                            <p:txEl>
+                                              <p:pRg st="1" end="1"/>
+                                            </p:txEl>
+                                          </p:spTgt>
+                                        </p:tgtEl>
+                                        <p:attrNameLst>
+                                          <p:attrName>style.visibility</p:attrName>
+                                        </p:attrNameLst>
+                                      </p:cBhvr>
+                                      <p:to>
+                                        <p:strVal val="visible"/>
+                                      </p:to>
+                                    </p:set>
+                                  </p:childTnLst>
+                                </p:cTn>
+                              </p:par>
+                            </p:childTnLst>
+                          </p:cTn>
+                        </p:par>
+                      </p:childTnLst>
+                    </p:cTn>
+                  </p:par>
+                  <p:par>
+                    <p:cTn id="11" fill="hold">
+                      <p:stCondLst>
+                        <p:cond delay="indefinite"/>
+                      </p:stCondLst>
+                      <p:childTnLst>
+                        <p:par>
+                          <p:cTn id="12" fill="hold">
+                            <p:stCondLst>
+                              <p:cond delay="0"/>
+                            </p:stCondLst>
+                            <p:childTnLst>
+                              <p:par>
+                                <p:cTn id="13" presetID="1" presetClass="entr" presetSubtype="0" fill="hold" nodeType="clickEffect">
+                                  <p:stCondLst>
+                                    <p:cond delay="0"/>
+                                  </p:stCondLst>
+                                  <p:childTnLst>
+                                    <p:set>
+                                      <p:cBhvr>
+                                        <p:cTn id="14" dur="1" fill="hold">
+                                          <p:stCondLst>
+                                            <p:cond delay="0"/>
+                                          </p:stCondLst>
+                                        </p:cTn>
+                                        <p:tgtEl>
+                                          <p:spTgt spid="3">
+                                            <p:txEl>
+                                              <p:pRg st="2" end="2"/>
+                                            </p:txEl>
+                                          </p:spTgt>
+                                        </p:tgtEl>
+                                        <p:attrNameLst>
+                                          <p:attrName>style.visibility</p:attrName>
+                                        </p:attrNameLst>
+                                      </p:cBhvr>
+                                      <p:to>
+                                        <p:strVal val="visible"/>
+                                      </p:to>
+                                    </p:set>
+                                  </p:childTnLst>
+                                </p:cTn>
+                              </p:par>
+                            </p:childTnLst>
+                          </p:cTn>
+                        </p:par>
+                      </p:childTnLst>
+                    </p:cTn>
+                  </p:par>
+                  <p:par>
+                    <p:cTn id="15" fill="hold">
+                      <p:stCondLst>
+                        <p:cond delay="indefinite"/>
+                      </p:stCondLst>
+                      <p:childTnLst>
+                        <p:par>
+                          <p:cTn id="16" fill="hold">
+                            <p:stCondLst>
+                              <p:cond delay="0"/>
+                            </p:stCondLst>
+                            <p:childTnLst>
+                              <p:par>
+                                <p:cTn id="17" presetID="1" presetClass="entr" presetSubtype="0" fill="hold" nodeType="clickEffect">
+                                  <p:stCondLst>
+                                    <p:cond delay="0"/>
+                                  </p:stCondLst>
+                                  <p:childTnLst>
+                                    <p:set>
+                                      <p:cBhvr>
+                                        <p:cTn id="18" dur="1" fill="hold">
+                                          <p:stCondLst>
+                                            <p:cond delay="0"/>
+                                          </p:stCondLst>
+                                        </p:cTn>
+                                        <p:tgtEl>
+                                          <p:spTgt spid="3">
+                                            <p:txEl>
+                                              <p:pRg st="3" end="3"/>
+                                            </p:txEl>
+                                          </p:spTgt>
+                                        </p:tgtEl>
+                                        <p:attrNameLst>
+                                          <p:attrName>style.visibility</p:attrName>
+                                        </p:attrNameLst>
+                                      </p:cBhvr>
+                                      <p:to>
+                                        <p:strVal val="visible"/>
+                                      </p:to>
+                                    </p:set>
+                                  </p:childTnLst>
+                                </p:cTn>
+                              </p:par>
+                            </p:childTnLst>
+                          </p:cTn>
+                        </p:par>
+                      </p:childTnLst>
+                    </p:cTn>
+                  </p:par>
+                </p:childTnLst>
+              </p:cTn>
+              <p:prevCondLst>
+                <p:cond evt="onPrev" delay="0">
+                  <p:tgtEl>
+                    <p:sldTgt/>
+                  </p:tgtEl>
+                </p:cond>
+              </p:prevCondLst>
+              <p:nextCondLst>
+                <p:cond evt="onNext" delay="0">
+                  <p:tgtEl>
+                    <p:sldTgt/>
+                  </p:tgtEl>
+                </p:cond>
+              </p:nextCondLst>
+            </p:seq>
+          </p:childTnLst>
+        </p:cTn>
+      </p:par>
+    </p:tnLst>
+  </p:timing>
 </p:sld>
 </file>
 
@@ -14333,10 +14579,10 @@
       </p:sp>
       <p:pic>
         <p:nvPicPr>
-          <p:cNvPr id="5" name="Grafik 4" descr="Ein Bild, das Diagramm, Plan, Text, technische Zeichnung enthält.&#10;&#10;Automatisch generierte Beschreibung">
+          <p:cNvPr id="4" name="Grafik 3" descr="Ein Bild, das Text, Diagramm, Plan, technische Zeichnung enthält.&#10;&#10;Automatisch generierte Beschreibung">
             <a:extLst>
               <a:ext uri="{FF2B5EF4-FFF2-40B4-BE49-F238E27FC236}">
-                <a16:creationId xmlns:a16="http://schemas.microsoft.com/office/drawing/2014/main" id="{BCA3C9DE-B161-BCA5-5B7E-D1FBD4B33E83}"/>
+                <a16:creationId xmlns:a16="http://schemas.microsoft.com/office/drawing/2014/main" id="{B64DA128-B73B-6351-9545-710CF98801F2}"/>
               </a:ext>
             </a:extLst>
           </p:cNvPr>
@@ -14359,8 +14605,8 @@
         </p:blipFill>
         <p:spPr>
           <a:xfrm>
-            <a:off x="3365927" y="15240"/>
-            <a:ext cx="4924634" cy="4652930"/>
+            <a:off x="2231293" y="476250"/>
+            <a:ext cx="7729414" cy="4009551"/>
           </a:xfrm>
           <a:prstGeom prst="rect">
             <a:avLst/>
@@ -14878,9 +15124,27 @@
           <a:bodyPr/>
           <a:lstStyle/>
           <a:p>
-            <a:pPr marL="0" indent="0">
+            <a:pPr marL="0" indent="0" algn="ctr">
               <a:buNone/>
             </a:pPr>
+            <a:endParaRPr lang="de-DE" dirty="0"/>
+          </a:p>
+          <a:p>
+            <a:pPr marL="0" indent="0" algn="ctr">
+              <a:buNone/>
+            </a:pPr>
+            <a:endParaRPr lang="de-DE" dirty="0"/>
+          </a:p>
+          <a:p>
+            <a:pPr marL="0" indent="0" algn="ctr">
+              <a:buNone/>
+            </a:pPr>
+            <a:endParaRPr lang="de-DE" dirty="0"/>
+          </a:p>
+          <a:p>
+            <a:pPr marL="0" indent="0" algn="ctr">
+              <a:buNone/>
+            </a:pPr>
             <a:r>
               <a:rPr lang="de-DE" dirty="0" err="1"/>
               <a:t>Let</a:t>
@@ -14935,7 +15199,7 @@
             </a:r>
             <a:r>
               <a:rPr lang="de-DE" dirty="0"/>
-              <a:t>  </a:t>
+              <a:t>! </a:t>
             </a:r>
           </a:p>
         </p:txBody>
